--- a/ResourceFiles/Mystic Spice Premium Chai Market Analysis Presentation.pptx
+++ b/ResourceFiles/Mystic Spice Premium Chai Market Analysis Presentation.pptx
@@ -568,7 +568,7 @@
                 <a:ea typeface="Aptos"/>
                 <a:cs typeface="Aptos"/>
               </a:rPr>
-              <a:t>contenido generado por ia puede ser incorrecto.</a:t>
+              <a:t>El contenido generado por la IA puede ser incorrecto.</a:t>
             </a:r>
           </a:p>
         </p:txBody>
@@ -661,7 +661,7 @@
                 <a:ea typeface="Aptos"/>
                 <a:cs typeface="Aptos"/>
               </a:rPr>
-              <a:t>流通業者は、チャイ ティー製品を代理して流通し、その移動と販売を促進し、マーケティング、販売、アフター サービスを提供します。</a:t>
+              <a:t>Los distribuidores representan y distribuyen productos de té chai, facilitan su movimiento y venta y ofrecen servicios de marketing, ventas y posventa.</a:t>
             </a:r>
             <a:r>
               <a:rPr lang="es-ES" sz="1200" b="0" i="0" strike="noStrike" cap="none" baseline="0">
@@ -685,7 +685,7 @@
                 <a:ea typeface="Aptos"/>
                 <a:cs typeface="Aptos"/>
               </a:rPr>
-              <a:t>彼らは小売業者や消費者との関係を確立および維持し、技術的および物流的なサポートを提供します。</a:t>
+              <a:t>Establecen y mantienen relaciones con los minoristas y consumidores, y ofrecen asistencia técnica y logística.</a:t>
             </a:r>
             <a:r>
               <a:rPr lang="es-ES" sz="1200" b="0" i="0" strike="noStrike" cap="none" baseline="0">
@@ -709,7 +709,7 @@
                 <a:ea typeface="Aptos"/>
                 <a:cs typeface="Aptos"/>
               </a:rPr>
-              <a:t>Entre los principales distribuidores de América Latina seincluyenna, Nestle, Coca-Cola y SodaCo.</a:t>
+              <a:t>Entre los principales distribuidores en América Latina se incluyen Unilever, Nestlé, Coca-Cola y PepsiCo.</a:t>
             </a:r>
             <a:r>
               <a:rPr sz="1200"/>
@@ -736,7 +736,7 @@
                 <a:ea typeface="Aptos"/>
                 <a:cs typeface="Aptos"/>
               </a:rPr>
-              <a:t>Original Content:</a:t>
+              <a:t>Contenido original:</a:t>
             </a:r>
             <a:r>
               <a:rPr sz="1200"/>
@@ -753,7 +753,7 @@
                 <a:ea typeface="Aptos"/>
                 <a:cs typeface="Aptos"/>
               </a:rPr>
-              <a:t>Distribuidores son las empresas que representan y distribuyen productos de té Chai en nombre de los fabricantes o mayoristas.</a:t>
+              <a:t>Los distribuidores son negocios que representan y distribuyen productos de té chai en nombre de los fabricantes o mayoristas.</a:t>
             </a:r>
             <a:r>
               <a:rPr lang="es-ES" sz="1200" b="0" i="0" strike="noStrike" cap="none" baseline="0">
@@ -777,7 +777,7 @@
                 <a:ea typeface="Aptos"/>
                 <a:cs typeface="Aptos"/>
               </a:rPr>
-              <a:t>流通業者は、さまざまな市場や地域でチャイ ティー製品の移動と販売を促進する代理店であり、チャイ ティー製品のマーケティング、販売、アフター サービスを提供できます。</a:t>
+              <a:t>Son los agentes que facilitan el movimiento y la venta de productos de té chai en distintos mercados y regiones. Además, pueden ofrecer servicios de marketing, ventas y posventa para los productos de té chai.</a:t>
             </a:r>
             <a:r>
               <a:rPr lang="es-ES" sz="1200" b="0" i="0" strike="noStrike" cap="none" baseline="0">
@@ -801,7 +801,7 @@
                 <a:ea typeface="Aptos"/>
                 <a:cs typeface="Aptos"/>
               </a:rPr>
-              <a:t>流通業者は、小売業者や消費者との関係を確立および維持し、チャイ ティー製品の技術的および物流的なサポートを提供することもできます。</a:t>
+              <a:t>Los distribuidores también pueden establecer y mantener relaciones con los minoristas y consumidores, y ofrecer asistencia técnica y logística para los productos de té chai.</a:t>
             </a:r>
             <a:r>
               <a:rPr lang="es-ES" sz="1200" b="0" i="0" strike="noStrike" cap="none" baseline="0">
@@ -825,7 +825,12 @@
                 <a:ea typeface="Aptos"/>
                 <a:cs typeface="Aptos"/>
               </a:rPr>
-              <a:t>ラテン アメリカにおけるチャイ ティー製品の主要な流通業者には、Unilever、Nestle、Coca-Cola、PepsiCo などがあります。</a:t>
+              <a:t>Algunos de los principales distribuidores de productos de té chai en América Latina son Unilever, Nestlé, Coca-Cola y PepsiCo.</a:t>
+            </a:r>
+            <a:r>
+              <a:rPr sz="1200"/>
+              <a:t>
+</a:t>
             </a:r>
           </a:p>
         </p:txBody>
@@ -918,7 +923,7 @@
                 <a:ea typeface="Aptos"/>
                 <a:cs typeface="Aptos"/>
               </a:rPr>
-              <a:t>ラテン アメリカにおけるチャイのプロモーション計画と戦略は、チャイ ティーの認知度を高め、プレミアム製品として位置付け、試用と購入を奨励し、ロイヤルティを確立することを目的としています。</a:t>
+              <a:t>El plan y la estrategia de promoción para el té chai en América Latina busca incrementar el conocimiento, colocarlo como un producto premium, fomentar la prueba y compra y desarrollar la fidelidad.</a:t>
             </a:r>
             <a:r>
               <a:rPr lang="es-ES" sz="1200" b="0" i="0" strike="noStrike" cap="none" baseline="0">
@@ -942,7 +947,7 @@
                 <a:ea typeface="Aptos"/>
                 <a:cs typeface="Aptos"/>
               </a:rPr>
-              <a:t>戦術には、ブランド名とロゴの作成、Web サイトとソーシャル メディアでの存在感の確立、デジタル マーケティング キャンペーンの開始、無料サンプルの配布、イベントの開催、地元企業との提携などが含まれます。</a:t>
+              <a:t>Entre las tácticas se incluye crear un nombre de marca y logotipo, desarrollar un sitio web y presencia en redes sociales, iniciar una campaña de marketing digital, distribuir muestras gratis, organizar eventos y asociarse con negocios locales.</a:t>
             </a:r>
             <a:r>
               <a:rPr lang="es-ES" sz="1200" b="0" i="0" strike="noStrike" cap="none" baseline="0">
@@ -966,7 +971,7 @@
                 <a:ea typeface="Aptos"/>
                 <a:cs typeface="Aptos"/>
               </a:rPr>
-              <a:t>El plan se implementará durante 12 meses con un presupuesto de 100 000 USD y se evaluará mediante indicadores clave de rendimiento.</a:t>
+              <a:t>El plan se implementará durante 12 meses con un presupuesto de 100 000 dólares estadounidenses y se evaluará mediante indicadores clave de rendimiento.</a:t>
             </a:r>
             <a:r>
               <a:rPr sz="1200"/>
@@ -993,7 +998,7 @@
                 <a:ea typeface="Aptos"/>
                 <a:cs typeface="Aptos"/>
               </a:rPr>
-              <a:t>Original Content:</a:t>
+              <a:t>Contenido original:</a:t>
             </a:r>
             <a:r>
               <a:rPr sz="1200"/>
@@ -1010,7 +1015,7 @@
                 <a:ea typeface="Aptos"/>
                 <a:cs typeface="Aptos"/>
               </a:rPr>
-              <a:t>Promotion Plan and Strategy</a:t>
+              <a:t>Plan y estrategia de promoción</a:t>
             </a:r>
             <a:r>
               <a:rPr sz="1200"/>
@@ -1027,7 +1032,7 @@
                 <a:ea typeface="Aptos"/>
                 <a:cs typeface="Aptos"/>
               </a:rPr>
-              <a:t>El plan de promoción y estrategia para el té Chai en América Latina tiene como objetivo lograr los siguientes objetivos:</a:t>
+              <a:t>El plan y estrategia de promoción para el té chai en América Latina busca lograr los siguientes objetivos:</a:t>
             </a:r>
             <a:r>
               <a:rPr sz="1200"/>
@@ -1044,7 +1049,7 @@
                 <a:ea typeface="Aptos"/>
                 <a:cs typeface="Aptos"/>
               </a:rPr>
-              <a:t>·         Aumentar la conciencia y el interés en el té Chai entre el público</a:t>
+              <a:t>·         Incrementar el conocimiento y el interés por el té chai en el público objetivo</a:t>
             </a:r>
             <a:r>
               <a:rPr sz="1200"/>
@@ -1061,7 +1066,7 @@
                 <a:ea typeface="Aptos"/>
                 <a:cs typeface="Aptos"/>
               </a:rPr>
-              <a:t> objetivo·         Posición del té Chai como un producto premium, natural y saludable que ofrece una experiencia</a:t>
+              <a:t>          Posicionar al té chai como un producto premium, natural y saludable que ofrece una experiencia única y satisfactoria</a:t>
             </a:r>
             <a:r>
               <a:rPr sz="1200"/>
@@ -1078,7 +1083,7 @@
                 <a:ea typeface="Aptos"/>
                 <a:cs typeface="Aptos"/>
               </a:rPr>
-              <a:t> única y satisfactoria·         Fomentar el ensayo y la compra de té Chai a través de varios canales e incentivos</a:t>
+              <a:t>·         Fomentar la prueba y compra de té chai mediante diversos canales e incentivos</a:t>
             </a:r>
             <a:r>
               <a:rPr sz="1200"/>
@@ -1095,7 +1100,7 @@
                 <a:ea typeface="Aptos"/>
                 <a:cs typeface="Aptos"/>
               </a:rPr>
-              <a:t>·         Construir lealtad y retención entre los consumidores de té de Chai a través de la participación y los comentarios</a:t>
+              <a:t>·         Desarrollar la fidelidad y la retención entre los consumidores de té chai a través de la involucración y los comentarios</a:t>
             </a:r>
             <a:r>
               <a:rPr sz="1200"/>
@@ -1112,7 +1117,7 @@
                 <a:ea typeface="Aptos"/>
                 <a:cs typeface="Aptos"/>
               </a:rPr>
-              <a:t>El plan de promoción y la estrategia para el té Chai en América Latina usará una combinación de tácticas, como:</a:t>
+              <a:t>El plan y estrategia de promoción para el té chai en América Latina usará una combinación de tácticas, como:</a:t>
             </a:r>
             <a:r>
               <a:rPr sz="1200"/>
@@ -1129,7 +1134,7 @@
                 <a:ea typeface="Aptos"/>
                 <a:cs typeface="Aptos"/>
               </a:rPr>
-              <a:t>·         Creación de un nombre de marca y un logotipo fáciles de recordar para el té</a:t>
+              <a:t>·         Crear un nombre de marca y un logotipo fáciles de recordar para el té chai</a:t>
             </a:r>
             <a:r>
               <a:rPr sz="1200"/>
@@ -1146,7 +1151,7 @@
                 <a:ea typeface="Aptos"/>
                 <a:cs typeface="Aptos"/>
               </a:rPr>
-              <a:t> Chai·         Desarrollar un sitio web y presencia en redes sociales para el té Chai que muestra sus beneficios, características e historias</a:t>
+              <a:t>          Desarrollar un sitio web y presencia en redes sociales para el té chai que muestre sus beneficios, características e historias</a:t>
             </a:r>
             <a:r>
               <a:rPr sz="1200"/>
@@ -1163,7 +1168,7 @@
                 <a:ea typeface="Aptos"/>
                 <a:cs typeface="Aptos"/>
               </a:rPr>
-              <a:t>·         Lanzar una campaña de marketing digital que usa SEO, SEM, marketing por correo electrónico y marketing de influencia para alcanzar y atraer clientes potenciales</a:t>
+              <a:t>·         Iniciar una campaña de marketing digital que use SEO, SEM, marketing por correo electrónico y marketing de "influencers" para alcanzar y atraer clientes potenciales</a:t>
             </a:r>
             <a:r>
               <a:rPr sz="1200"/>
@@ -1180,7 +1185,7 @@
                 <a:ea typeface="Aptos"/>
                 <a:cs typeface="Aptos"/>
               </a:rPr>
-              <a:t>·         Distribuir muestras gratuitas y cupones de té Chai en ubicaciones estratégicas, como supermercados, cafeterías y tiendas</a:t>
+              <a:t>·         Distribuir muestras gratis y cupones de té chai en ubicaciones estratégicas, como supermercados, cafeterías y herbolarios</a:t>
             </a:r>
             <a:r>
               <a:rPr sz="1200"/>
@@ -1197,7 +1202,7 @@
                 <a:ea typeface="Aptos"/>
                 <a:cs typeface="Aptos"/>
               </a:rPr>
-              <a:t> de salud·         Organizar eventos y concursos que invitan a la gente a probar y compartir el té Chai con sus amigos y familiares</a:t>
+              <a:t>          Organizar eventos y concursos que inviten a la gente a probar y compartir el té chai con amigos y familiares</a:t>
             </a:r>
             <a:r>
               <a:rPr sz="1200"/>
@@ -1214,7 +1219,7 @@
                 <a:ea typeface="Aptos"/>
                 <a:cs typeface="Aptos"/>
               </a:rPr>
-              <a:t>·         Asociarse con empresas y organizaciones locales que comparten los mismos valores y visión que el té</a:t>
+              <a:t>·         Asociarse con negocios y organizaciones locales que compartan los mismos valores y visiones que el té chai</a:t>
             </a:r>
             <a:r>
               <a:rPr sz="1200"/>
@@ -1231,7 +1236,7 @@
                 <a:ea typeface="Aptos"/>
                 <a:cs typeface="Aptos"/>
               </a:rPr>
-              <a:t>Chai El plan de promoción y la estrategia para el té Chai en América Latina se implementarán durante un período de 12 meses, con un presupuesto de $100.000.</a:t>
+              <a:t>El plan y estrategia de promoción para el té chai en América Latina se implementarán durante un período de 12 meses, con un presupuesto de 100 000 dólares estadounidenses.</a:t>
             </a:r>
             <a:r>
               <a:rPr lang="es-ES" sz="1200" b="0" i="0" strike="noStrike" cap="none" baseline="0">
@@ -1255,7 +1260,12 @@
                 <a:ea typeface="Aptos"/>
                 <a:cs typeface="Aptos"/>
               </a:rPr>
-              <a:t>この計画は、Web サイトのトラフィック、ソーシャル メディアのエンゲージメント、電子メール開封率、コンバージョン率、販売量、顧客満足度、維持率などの主要業績評価指標を使用して監視および評価されます。</a:t>
+              <a:t>El plan se supervisará y evaluará con indicadores clave de rendimiento, como el tráfico del sitio web, la involucración en redes sociales, tasas de apertura de correos electrónicos, tasas de conversión, volumen de ventas, satisfacción del cliente y tasas de retención.</a:t>
+            </a:r>
+            <a:r>
+              <a:rPr sz="1200"/>
+              <a:t>
+</a:t>
             </a:r>
           </a:p>
         </p:txBody>
@@ -1348,7 +1358,7 @@
                 <a:ea typeface="Aptos"/>
                 <a:cs typeface="Aptos"/>
               </a:rPr>
-              <a:t>Se espera que el plan de promoción y la estrategia para el té Chai en América Latina produzcan un aumento del 20 % en el conocimiento e interés, un aumento del 10 % en la cuota de mercado, un aumento del 15 % en el volumen de ventas y los ingresos, y un aumento del 25 % en las tasas de satisfacción y retención del cliente.</a:t>
+              <a:t>Se espera que el plan y estrategia de promoción del té chai en América Latina produzcan un aumento del 20 % en el conocimiento e interés, un aumento del 10 % en la cuota de mercado, un aumento del 15 % en el volumen de ventas y los ingresos, y un aumento del 25 % en la satisfacción del cliente y las tasas de retención.</a:t>
             </a:r>
             <a:r>
               <a:rPr sz="1200"/>
@@ -1392,7 +1402,7 @@
                 <a:ea typeface="Aptos"/>
                 <a:cs typeface="Aptos"/>
               </a:rPr>
-              <a:t> Resultados esperados y desafíos</a:t>
+              <a:t>Resultados y desafíos que se esperan</a:t>
             </a:r>
             <a:r>
               <a:rPr sz="1200"/>
@@ -1409,7 +1419,7 @@
                 <a:ea typeface="Aptos"/>
                 <a:cs typeface="Aptos"/>
               </a:rPr>
-              <a:t>Los resultados esperados del plan de promoción y la estrategia para el té Chai en América Latina son:</a:t>
+              <a:t>Los resultados del plan y estrategia de promoción para el té chai en América Latina son:</a:t>
             </a:r>
             <a:r>
               <a:rPr sz="1200"/>
@@ -1426,7 +1436,7 @@
                 <a:ea typeface="Aptos"/>
                 <a:cs typeface="Aptos"/>
               </a:rPr>
-              <a:t> ·         Un aumento del 20% en la concienciación e interés en el té Chai entre el público</a:t>
+              <a:t>·         Un aumento del 20 % en el conocimiento y el interés por el té chai en el público objetivo</a:t>
             </a:r>
             <a:r>
               <a:rPr sz="1200"/>
@@ -1443,7 +1453,7 @@
                 <a:ea typeface="Aptos"/>
                 <a:cs typeface="Aptos"/>
               </a:rPr>
-              <a:t> objetivo·         Un aumento del 10% en la cuota de mercado del té Chai en la región</a:t>
+              <a:t>          Un aumento del 10 % en la cuota de mercado del té chai en la región</a:t>
             </a:r>
             <a:r>
               <a:rPr sz="1200"/>
@@ -1460,7 +1470,7 @@
                 <a:ea typeface="Aptos"/>
                 <a:cs typeface="Aptos"/>
               </a:rPr>
-              <a:t>·         Un aumento del 15% en el volumen de ventas y los ingresos del té Chai en la región</a:t>
+              <a:t>·         Un aumento del 15 % en el volumen de ventas y los ingresos del té chai en la región</a:t>
             </a:r>
             <a:r>
               <a:rPr sz="1200"/>
@@ -1477,7 +1487,7 @@
                 <a:ea typeface="Aptos"/>
                 <a:cs typeface="Aptos"/>
               </a:rPr>
-              <a:t>·         Un aumento del 25 % en las tasas de satisfacción y retención del cliente del té Chai en la región</a:t>
+              <a:t>·         Un aumento del 25 % en la satisfacción del cliente y las tasas de retención del té chai en la región</a:t>
             </a:r>
             <a:r>
               <a:rPr sz="1200"/>
@@ -1575,7 +1585,7 @@
                 <a:ea typeface="Aptos"/>
                 <a:cs typeface="Aptos"/>
               </a:rPr>
-              <a:t>El plan de promoción y la estrategia para el té Chai en América Latina se enfrenta a varios desafíos, incluyendo un alto precio, falta de conocimiento, competencia de otros productos de té, barreras normativas y culturales, y cuestiones ambientales y sociales que pueden afectar el suministro y la calidad de los ingredientes del té Chai.</a:t>
+              <a:t>El plan y estrategia de promoción para el té chai en América Latina se enfrentan a varios desafíos, como el alto precio, la falta de conocimiento, la competencia de otros productos de té, las barreras normativas y culturales, y los problemas medioambientales y sociales que pueden afectar al suministro y a la calidad de los ingredientes del té chai.</a:t>
             </a:r>
             <a:r>
               <a:rPr sz="1200"/>
@@ -1619,7 +1629,7 @@
                 <a:ea typeface="Aptos"/>
                 <a:cs typeface="Aptos"/>
               </a:rPr>
-              <a:t> Los posibles desafíos del plan de promoción y la estrategia para el té Chai en América Latina son:</a:t>
+              <a:t>Los posibles desafíos del plan y estrategia de promoción para el té chai en América Latina son:</a:t>
             </a:r>
             <a:r>
               <a:rPr sz="1200"/>
@@ -1636,7 +1646,7 @@
                 <a:ea typeface="Aptos"/>
                 <a:cs typeface="Aptos"/>
               </a:rPr>
-              <a:t>·         El alto precio y baja asequibilidad de productos de té Chai en comparación con otras bebidas</a:t>
+              <a:t>·         El elevado precio y la baja asequibilidad de productos de té chai en comparación con otras bebidas</a:t>
             </a:r>
             <a:r>
               <a:rPr sz="1200"/>
@@ -1653,7 +1663,7 @@
                 <a:ea typeface="Aptos"/>
                 <a:cs typeface="Aptos"/>
               </a:rPr>
-              <a:t>·         La falta de conciencia y familiaridad con el té Chai entre algunos segmentos de la población</a:t>
+              <a:t>·        La falta de conocimiento y familiaridad con el té chai en algunos segmentos de la población</a:t>
             </a:r>
             <a:r>
               <a:rPr sz="1200"/>
@@ -1670,7 +1680,7 @@
                 <a:ea typeface="Aptos"/>
                 <a:cs typeface="Aptos"/>
               </a:rPr>
-              <a:t>·         La competencia de otros productos de té, como hierbas, verdes y tés negros</a:t>
+              <a:t>·         La competencia de otros productos de té, como tés de hierbas, verdes y negros</a:t>
             </a:r>
             <a:r>
               <a:rPr sz="1200"/>
@@ -1687,7 +1697,7 @@
                 <a:ea typeface="Aptos"/>
                 <a:cs typeface="Aptos"/>
               </a:rPr>
-              <a:t>·         Las barreras normativas y culturales que pueden limitar la entrada y expansión de productos de té Chai en algunos países</a:t>
+              <a:t>·         Las barreras normativas y culturales que pueden limitar la entrada y expansión de los productos de té chai en algunos países</a:t>
             </a:r>
             <a:r>
               <a:rPr sz="1200"/>
@@ -1704,7 +1714,7 @@
                 <a:ea typeface="Aptos"/>
                 <a:cs typeface="Aptos"/>
               </a:rPr>
-              <a:t>·         Los problemas ambientales y sociales que pueden afectar el suministro y la calidad de los ingredientes del té Chai</a:t>
+              <a:t>·         Los problemas medioambientales y sociales que pueden afectar al suministro y a la calidad de los ingredientes del té chai</a:t>
             </a:r>
             <a:r>
               <a:rPr sz="1200"/>
@@ -1802,7 +1812,7 @@
                 <a:ea typeface="Aptos"/>
                 <a:cs typeface="Aptos"/>
               </a:rPr>
-              <a:t>チャイ ティーはラテン アメリカ市場で有望な製品であり、健康的でエキゾチックな代替品を提供します。</a:t>
+              <a:t>El té chai es un producto prometedor en el mercado de América Latina que ofrece una alternativa saludable y exótica.</a:t>
             </a:r>
             <a:r>
               <a:rPr lang="es-ES" sz="1200" b="0" i="0" strike="noStrike" cap="none" baseline="0">
@@ -1826,7 +1836,7 @@
                 <a:ea typeface="Aptos"/>
                 <a:cs typeface="Aptos"/>
               </a:rPr>
-              <a:t>独自の機能と利点を活用して、プレミアムで多用途の製品として位置付ける必要があります。</a:t>
+              <a:t>Debe posicionarse como un producto premium y versátil, que saca provecho de sus características y ventajas únicas.</a:t>
             </a:r>
             <a:r>
               <a:rPr lang="es-ES" sz="1200" b="0" i="0" strike="noStrike" cap="none" baseline="0">
@@ -1850,7 +1860,7 @@
                 <a:ea typeface="Aptos"/>
                 <a:cs typeface="Aptos"/>
               </a:rPr>
-              <a:t>Se debe usar una combinación de tácticas en línea y sin conexión para llegar al público objetivo y superar los desafíos.</a:t>
+              <a:t>Se debe utilizar una mezcla de tácticas en línea y sin conexión para alcanzar e interactuar con el público objetivo y superar los desafíos.</a:t>
             </a:r>
             <a:r>
               <a:rPr sz="1200"/>
@@ -1894,7 +1904,7 @@
                 <a:ea typeface="Aptos"/>
                 <a:cs typeface="Aptos"/>
               </a:rPr>
-              <a:t> Recomendaciones y conclusiones</a:t>
+              <a:t>Recomendaciones y conclusiones</a:t>
             </a:r>
             <a:r>
               <a:rPr sz="1200"/>
@@ -1911,7 +1921,7 @@
                 <a:ea typeface="Aptos"/>
                 <a:cs typeface="Aptos"/>
               </a:rPr>
-              <a:t>basadas en el análisis de mercado, el análisis competitivo, los canales de distribución y el plan y la estrategia de promoción, se pueden extraer las siguientes recomendaciones y conclusiones para el futuro del té Chai en América Latina:</a:t>
+              <a:t>Con base en el análisis de mercado, el análisis competitivo, los canales de distribución, y el plan y estrategia de promoción, se pueden extraer las siguientes recomendaciones y conclusiones para el futuro del té chai en América Latina:</a:t>
             </a:r>
             <a:r>
               <a:rPr sz="1200"/>
@@ -1928,7 +1938,7 @@
                 <a:ea typeface="Aptos"/>
                 <a:cs typeface="Aptos"/>
               </a:rPr>
-              <a:t>·         El té Chai es un producto prometedor que tiene un potencial para crecer y tener éxito en el mercado latinoamericano, ya que ofrece una alternativa saludable, natural y exótica a otras bebidas</a:t>
+              <a:t>·         El té chai es un producto prometedor que tiene potencial para crecer y tener éxito en el mercado latinoamericano, ya que ofrece una alternativa saludable, natural y exótica a otras bebidas</a:t>
             </a:r>
             <a:r>
               <a:rPr sz="1200"/>
@@ -1945,7 +1955,7 @@
                 <a:ea typeface="Aptos"/>
                 <a:cs typeface="Aptos"/>
               </a:rPr>
-              <a:t>·         El té Chai debe ser colocado y comercializado como un producto premium, auténtico y versátil que puede atraer a diferentes segmentos</a:t>
+              <a:t>·         El té chai debe posicionarse y comercializarse como un producto premium, auténtico y versátil que puede dirigirse a distintos segmentos y ocasiones</a:t>
             </a:r>
             <a:r>
               <a:rPr sz="1200"/>
@@ -1962,7 +1972,7 @@
                 <a:ea typeface="Aptos"/>
                 <a:cs typeface="Aptos"/>
               </a:rPr>
-              <a:t> y ocasiones·         El té Chai necesita aprovechar sus características y beneficios únicos, como su rico aroma, sabor y beneficios de salud, para diferenciarse de otros productos de</a:t>
+              <a:t>·         El té chai necesita sacar provecho de sus características y ventajas únicas, como su aroma intenso, su sabor y sus beneficios para la salud, para diferenciarse de otros productos de té</a:t>
             </a:r>
             <a:r>
               <a:rPr sz="1200"/>
@@ -1979,7 +1989,7 @@
                 <a:ea typeface="Aptos"/>
                 <a:cs typeface="Aptos"/>
               </a:rPr>
-              <a:t> té·         El té Chai necesita usar una mezcla de tácticas en línea y sin conexión para alcanzar y interactuar con el público objetivo, y para crear una base</a:t>
+              <a:t>·   El té chai tiene que utilizar una mezcla de tácticas en línea y sin conexión para alcanzar y interactuar con el público objetivo, y crear una base de clientes leales y satisfechos</a:t>
             </a:r>
             <a:r>
               <a:rPr sz="1200"/>
@@ -1996,7 +2006,7 @@
                 <a:ea typeface="Aptos"/>
                 <a:cs typeface="Aptos"/>
               </a:rPr>
-              <a:t> de clientes leal y satisfecho·         El té Chai necesita superar los desafíos y amenazas que pueden dificultar su crecimiento y expansión en la región, como el precio, la concienciación, la competencia, la regulación y la sostenibilidad</a:t>
+              <a:t>·         El té chai tiene que superar los desafíos y amenazas que pueden dificultar su crecimiento y expansión en la región, como el precio, el conocimiento, la competencia, la normativa y la sostenibilidad</a:t>
             </a:r>
             <a:r>
               <a:rPr sz="1200"/>
@@ -2013,7 +2023,7 @@
                 <a:ea typeface="Aptos"/>
                 <a:cs typeface="Aptos"/>
               </a:rPr>
-              <a:t>En conclusión, el té Chai es un producto que tiene una gran cantidad de posibilidades y oportunidades en el mercado latinoamericano, pero también enfrenta algunos desafíos y riesgos.</a:t>
+              <a:t>En conclusión, el té chai es un producto que tiene una gran cantidad de posibilidades y oportunidades en el mercado latinoamericano, pero también enfrenta algunos desafíos y riesgos.</a:t>
             </a:r>
             <a:r>
               <a:rPr lang="es-ES" sz="1200" b="0" i="0" strike="noStrike" cap="none" baseline="0">
@@ -2037,7 +2047,7 @@
                 <a:ea typeface="Aptos"/>
                 <a:cs typeface="Aptos"/>
               </a:rPr>
-              <a:t>このレポートで概説されたプロモーション計画と戦略は、これらの問題に対処し、望ましい結果を達成することを目的としています。</a:t>
+              <a:t>El plan y la estrategia de promoción que se han resumido en este informe buscan abordar estos problemas y lograr los resultados deseados.</a:t>
             </a:r>
             <a:r>
               <a:rPr lang="es-ES" sz="1200" b="0" i="0" strike="noStrike" cap="none" baseline="0">
@@ -2061,7 +2071,12 @@
                 <a:ea typeface="Aptos"/>
                 <a:cs typeface="Aptos"/>
               </a:rPr>
-              <a:t>ただし、プロモーション計画と戦略は、市場の状況の変化や顧客からのフィードバックに応じて常に監視、評価、調整する必要があります。</a:t>
+              <a:t>Con todo, el plan y la estrategia de promoción deben supervisarse, evaluarse y ajustarse de forma constante en función de las condiciones cambiantes del mercado y los comentarios de los clientes.</a:t>
+            </a:r>
+            <a:r>
+              <a:rPr sz="1200"/>
+              <a:t>
+</a:t>
             </a:r>
           </a:p>
         </p:txBody>
@@ -2154,7 +2169,7 @@
                 <a:ea typeface="Aptos"/>
                 <a:cs typeface="Aptos"/>
               </a:rPr>
-              <a:t>Agenda</a:t>
+              <a:t>Programa</a:t>
             </a:r>
             <a:r>
               <a:rPr sz="1200"/>
@@ -2176,7 +2191,7 @@
                 <a:ea typeface="Aptos"/>
                 <a:cs typeface="Aptos"/>
               </a:rPr>
-              <a:t>* Introduction</a:t>
+              <a:t>* Introducción</a:t>
             </a:r>
             <a:r>
               <a:rPr sz="1200"/>
@@ -2193,7 +2208,7 @@
                 <a:ea typeface="Aptos"/>
                 <a:cs typeface="Aptos"/>
               </a:rPr>
-              <a:t>* Product Description* Product Description</a:t>
+              <a:t>* Descripción del producto</a:t>
             </a:r>
             <a:r>
               <a:rPr sz="1200"/>
@@ -2210,7 +2225,7 @@
                 <a:ea typeface="Aptos"/>
                 <a:cs typeface="Aptos"/>
               </a:rPr>
-              <a:t>* Product Description (1/2)</a:t>
+              <a:t>* Descripción del producto (1/2)</a:t>
             </a:r>
             <a:r>
               <a:rPr sz="1200"/>
@@ -2227,7 +2242,7 @@
                 <a:ea typeface="Aptos"/>
                 <a:cs typeface="Aptos"/>
               </a:rPr>
-              <a:t>* Product Description (2/2)</a:t>
+              <a:t>* Descripción del producto (2/2)</a:t>
             </a:r>
             <a:r>
               <a:rPr sz="1200"/>
@@ -2244,7 +2259,7 @@
                 <a:ea typeface="Aptos"/>
                 <a:cs typeface="Aptos"/>
               </a:rPr>
-              <a:t>* Market Trend and Demand</a:t>
+              <a:t>* Tendencias y demanda del mercado</a:t>
             </a:r>
             <a:r>
               <a:rPr sz="1200"/>
@@ -2261,7 +2276,7 @@
                 <a:ea typeface="Aptos"/>
                 <a:cs typeface="Aptos"/>
               </a:rPr>
-              <a:t>* Competitive Analysis</a:t>
+              <a:t>* Análisis competitivo</a:t>
             </a:r>
             <a:r>
               <a:rPr sz="1200"/>
@@ -2295,7 +2310,7 @@
                 <a:ea typeface="Aptos"/>
                 <a:cs typeface="Aptos"/>
               </a:rPr>
-              <a:t> * Teavana * Teavana</a:t>
+              <a:t> * Teavana</a:t>
             </a:r>
             <a:r>
               <a:rPr sz="1200"/>
@@ -2312,7 +2327,7 @@
                 <a:ea typeface="Aptos"/>
                 <a:cs typeface="Aptos"/>
               </a:rPr>
-              <a:t> *</a:t>
+              <a:t> * David's Tea</a:t>
             </a:r>
             <a:r>
               <a:rPr sz="1200"/>
@@ -2329,7 +2344,7 @@
                 <a:ea typeface="Aptos"/>
                 <a:cs typeface="Aptos"/>
               </a:rPr>
-              <a:t> Local Brands</a:t>
+              <a:t> * Marcas locales</a:t>
             </a:r>
             <a:r>
               <a:rPr sz="1200"/>
@@ -2346,7 +2361,7 @@
                 <a:ea typeface="Aptos"/>
                 <a:cs typeface="Aptos"/>
               </a:rPr>
-              <a:t>* Market Share of Chai Tea in Latin America</a:t>
+              <a:t>* Cuota de mercado del té chai en América Latina</a:t>
             </a:r>
             <a:r>
               <a:rPr sz="1200"/>
@@ -2363,7 +2378,7 @@
                 <a:ea typeface="Aptos"/>
                 <a:cs typeface="Aptos"/>
               </a:rPr>
-              <a:t>* Distribution Channels</a:t>
+              <a:t>* Canales de distribución</a:t>
             </a:r>
             <a:r>
               <a:rPr sz="1200"/>
@@ -2380,7 +2395,7 @@
                 <a:ea typeface="Aptos"/>
                 <a:cs typeface="Aptos"/>
               </a:rPr>
-              <a:t> * Retails * Retails</a:t>
+              <a:t> * Minoristas</a:t>
             </a:r>
             <a:r>
               <a:rPr sz="1200"/>
@@ -2397,7 +2412,7 @@
                 <a:ea typeface="Aptos"/>
                 <a:cs typeface="Aptos"/>
               </a:rPr>
-              <a:t> * Wholesalers</a:t>
+              <a:t> * Mayoristas</a:t>
             </a:r>
             <a:r>
               <a:rPr sz="1200"/>
@@ -2431,7 +2446,7 @@
                 <a:ea typeface="Aptos"/>
                 <a:cs typeface="Aptos"/>
               </a:rPr>
-              <a:t>* Plan de promoción y estrategia</a:t>
+              <a:t>* Plan y estrategia de promoción</a:t>
             </a:r>
             <a:r>
               <a:rPr sz="1200"/>
@@ -2448,7 +2463,7 @@
                 <a:ea typeface="Aptos"/>
                 <a:cs typeface="Aptos"/>
               </a:rPr>
-              <a:t>* Resultados esperados</a:t>
+              <a:t>* Resultados esperados y desafíos</a:t>
             </a:r>
             <a:r>
               <a:rPr sz="1200"/>
@@ -2482,7 +2497,7 @@
                 <a:ea typeface="Aptos"/>
                 <a:cs typeface="Aptos"/>
               </a:rPr>
-              <a:t> * Desafíos</a:t>
+              <a:t> * Posibles desafíos</a:t>
             </a:r>
             <a:r>
               <a:rPr sz="1200"/>
@@ -2499,7 +2514,7 @@
                 <a:ea typeface="Aptos"/>
                 <a:cs typeface="Aptos"/>
               </a:rPr>
-              <a:t> potenciales* Recomendaciones y conclusiones</a:t>
+              <a:t>* Recomendaciones y conclusiones</a:t>
             </a:r>
             <a:r>
               <a:rPr sz="1200"/>
@@ -2597,7 +2612,7 @@
                 <a:ea typeface="Aptos"/>
                 <a:cs typeface="Aptos"/>
               </a:rPr>
-              <a:t>このレポートは、ラテン アメリカ地域における Mystic Spice Premium Chai Tea の市場分析を提供します。</a:t>
+              <a:t>Este informe ofrece un análisis del mercado del té chai premium Mystic Spice en la región de América Latina.</a:t>
             </a:r>
             <a:r>
               <a:rPr lang="es-ES" sz="1200" b="0" i="0" strike="noStrike" cap="none" baseline="0">
@@ -2621,7 +2636,7 @@
                 <a:ea typeface="Aptos"/>
                 <a:cs typeface="Aptos"/>
               </a:rPr>
-              <a:t>Abarca la descripción del producto, la tendencia del mercado, el análisis competitivo, los canales de distribución, el plan de promoción, los resultados esperados y las recomendaciones para el futuro.</a:t>
+              <a:t>Abarca la descripción del producto, la tendencia del mercado, el análisis competitivo, los canales de distribución, el plan de promoción, los resultados que se esperan y las recomendaciones para el futuro.</a:t>
             </a:r>
             <a:r>
               <a:rPr sz="1200"/>
@@ -2648,7 +2663,7 @@
                 <a:ea typeface="Aptos"/>
                 <a:cs typeface="Aptos"/>
               </a:rPr>
-              <a:t>Original Content:</a:t>
+              <a:t>Contenido original:</a:t>
             </a:r>
             <a:r>
               <a:rPr sz="1200"/>
@@ -2665,7 +2680,7 @@
                 <a:ea typeface="Aptos"/>
                 <a:cs typeface="Aptos"/>
               </a:rPr>
-              <a:t>Introductions</a:t>
+              <a:t>Introducción</a:t>
             </a:r>
             <a:r>
               <a:rPr sz="1200"/>
@@ -2682,7 +2697,7 @@
                 <a:ea typeface="Aptos"/>
                 <a:cs typeface="Aptos"/>
               </a:rPr>
-              <a:t>Mystic Spice Premium Chai Tea es un nuevo producto lanzado por Contoso Beverage, una empresa especializada en producir y distribuir bebidas de alta calidad en todo el mundo.</a:t>
+              <a:t>El té chai premium Mystic Spice es un nuevo producto que ha lanzado Contoso Beverage, una empresa que se especializa en la producción y distribución de bebidas de alta calidad por todo el mundo.</a:t>
             </a:r>
             <a:r>
               <a:rPr lang="es-ES" sz="1200" b="0" i="0" strike="noStrike" cap="none" baseline="0">
@@ -2706,7 +2721,7 @@
                 <a:ea typeface="Aptos"/>
                 <a:cs typeface="Aptos"/>
               </a:rPr>
-              <a:t>Mystic Spice Premium Chai Tea は、インド発祥で世界中で人気のスパイス入りティー ドリンクです。</a:t>
+              <a:t>El té chai premium Mystic Spice es un té especiado originario de la India y que se ha hecho popular en todo el mundo.</a:t>
             </a:r>
             <a:r>
               <a:rPr lang="es-ES" sz="1200" b="0" i="0" strike="noStrike" cap="none" baseline="0">
@@ -2730,7 +2745,7 @@
                 <a:ea typeface="Aptos"/>
                 <a:cs typeface="Aptos"/>
               </a:rPr>
-              <a:t>温かくても冷たくても、ミルクの有無にかかわらず、さまざまなスパイスや甘味料と一緒に楽しめる多用途の飲み物です。</a:t>
+              <a:t>Se trata de una bebida versátil que se puede degustar fría o caliente, con o sin leche y con distintas especias y edulcorantes.</a:t>
             </a:r>
             <a:r>
               <a:rPr lang="es-ES" sz="1200" b="0" i="0" strike="noStrike" cap="none" baseline="0">
@@ -2754,7 +2769,7 @@
                 <a:ea typeface="Aptos"/>
                 <a:cs typeface="Aptos"/>
               </a:rPr>
-              <a:t>チャイ ティーには、免疫力の向上、炎症の軽減、消化の改善など、多くの健康上の利点があります。</a:t>
+              <a:t>El té chai posee numerosos beneficios para la salud, como incrementar la inmunidad, reducir la inflamación y mejorar la digestión.</a:t>
             </a:r>
             <a:r>
               <a:rPr lang="es-ES" sz="1200" b="0" i="0" strike="noStrike" cap="none" baseline="0">
@@ -2778,43 +2793,7 @@
                 <a:ea typeface="Aptos"/>
                 <a:cs typeface="Aptos"/>
               </a:rPr>
-              <a:t>また、もてなし、友情、リラクゼーションと関連付けられることが多いため、文化的、歴史的にも豊かな重要性があります。</a:t>
-            </a:r>
-            <a:r>
-              <a:rPr lang="es-ES" sz="1200" b="0" i="0" strike="noStrike" cap="none" baseline="0">
-                <a:solidFill>
-                  <a:srgbClr val="000000"/>
-                </a:solidFill>
-                <a:effectLst/>
-                <a:latin typeface="Aptos"/>
-                <a:ea typeface="Aptos"/>
-                <a:cs typeface="Aptos"/>
-              </a:rPr>
-              <a:t>このレポートの目的は、ラテン アメリカ地域に焦点を当てた、Mystic Spice Premium Chai Tea の市場分析を提供することです。</a:t>
-            </a:r>
-            <a:r>
-              <a:rPr lang="es-ES" sz="1200" b="0" i="0" strike="noStrike" cap="none" baseline="0">
-                <a:solidFill>
-                  <a:srgbClr val="000000"/>
-                </a:solidFill>
-                <a:effectLst/>
-                <a:latin typeface="Aptos"/>
-                <a:ea typeface="Aptos"/>
-                <a:cs typeface="Aptos"/>
-              </a:rPr>
-              <a:t> </a:t>
-            </a:r>
-            <a:r>
-              <a:rPr lang="es-ES" sz="1200" b="0" i="0" strike="noStrike" cap="none" baseline="0">
-                <a:solidFill>
-                  <a:srgbClr val="000000"/>
-                </a:solidFill>
-                <a:effectLst/>
-                <a:latin typeface="Aptos"/>
-                <a:ea typeface="Aptos"/>
-                <a:cs typeface="Aptos"/>
-              </a:rPr>
-              <a:t>El informe abarcará los siguientes aspectos:</a:t>
+              <a:t>También posee un rico significado cultural e histórico, ya que se suele asociar con la hospitalidad, la amistad y la relajación.</a:t>
             </a:r>
             <a:r>
               <a:rPr sz="1200"/>
@@ -2831,7 +2810,31 @@
                 <a:ea typeface="Aptos"/>
                 <a:cs typeface="Aptos"/>
               </a:rPr>
-              <a:t>·         Descripción del producto, características y beneficios de Mystic Spice Premium Chai Tea</a:t>
+              <a:t>La finalidad de este informe es ofrecer un análisis del mercado del té chai premium Mystic Spice, con un enfoque en la región de América Latina.</a:t>
+            </a:r>
+            <a:r>
+              <a:rPr lang="es-ES" sz="1200" b="0" i="0" strike="noStrike" cap="none" baseline="0">
+                <a:solidFill>
+                  <a:srgbClr val="000000"/>
+                </a:solidFill>
+                <a:effectLst/>
+                <a:latin typeface="Aptos"/>
+                <a:ea typeface="Aptos"/>
+                <a:cs typeface="Aptos"/>
+              </a:rPr>
+              <a:t> </a:t>
+            </a:r>
+            <a:r>
+              <a:rPr lang="es-ES" sz="1200" b="0" i="0" strike="noStrike" cap="none" baseline="0">
+                <a:solidFill>
+                  <a:srgbClr val="000000"/>
+                </a:solidFill>
+                <a:effectLst/>
+                <a:latin typeface="Aptos"/>
+                <a:ea typeface="Aptos"/>
+                <a:cs typeface="Aptos"/>
+              </a:rPr>
+              <a:t>El informe abarcará los siguientes aspectos:</a:t>
             </a:r>
             <a:r>
               <a:rPr sz="1200"/>
@@ -2848,7 +2851,7 @@
                 <a:ea typeface="Aptos"/>
                 <a:cs typeface="Aptos"/>
               </a:rPr>
-              <a:t>·         La tendencia del mercado y la demanda de té Chai en América</a:t>
+              <a:t>·         La descripción del producto, las características y las ventajas del té chai premium Mystic Spice</a:t>
             </a:r>
             <a:r>
               <a:rPr sz="1200"/>
@@ -2865,7 +2868,7 @@
                 <a:ea typeface="Aptos"/>
                 <a:cs typeface="Aptos"/>
               </a:rPr>
-              <a:t> Latina·         El análisis competitivo del té Chai en América</a:t>
+              <a:t>·         La tendencia y demanda de té chai en América Latina</a:t>
             </a:r>
             <a:r>
               <a:rPr sz="1200"/>
@@ -2882,7 +2885,7 @@
                 <a:ea typeface="Aptos"/>
                 <a:cs typeface="Aptos"/>
               </a:rPr>
-              <a:t> Latina·         Los canales de distribución para el té Chai en América</a:t>
+              <a:t>         El análisis competitivo del té chai en América Latina</a:t>
             </a:r>
             <a:r>
               <a:rPr sz="1200"/>
@@ -2899,7 +2902,7 @@
                 <a:ea typeface="Aptos"/>
                 <a:cs typeface="Aptos"/>
               </a:rPr>
-              <a:t> Latina·         El plan de promoción y la estrategia para el té Chai en América</a:t>
+              <a:t>         Los canales de distribución del té chai en América Latina</a:t>
             </a:r>
             <a:r>
               <a:rPr sz="1200"/>
@@ -2916,7 +2919,7 @@
                 <a:ea typeface="Aptos"/>
                 <a:cs typeface="Aptos"/>
               </a:rPr>
-              <a:t> Latina·         Los resultados esperados y los desafíos del plan</a:t>
+              <a:t>         El plan y la estrategia de promoción para el té chai en América Latina</a:t>
             </a:r>
             <a:r>
               <a:rPr sz="1200"/>
@@ -2933,7 +2936,24 @@
                 <a:ea typeface="Aptos"/>
                 <a:cs typeface="Aptos"/>
               </a:rPr>
-              <a:t> de promoción·         Recomendaciones y conclusiones para el futuro del té Chai en América Latina</a:t>
+              <a:t>         Los resultados y los desafíos que se esperan del plan de promoción</a:t>
+            </a:r>
+            <a:r>
+              <a:rPr sz="1200"/>
+              <a:t>
+</a:t>
+            </a:r>
+            <a:r>
+              <a:rPr lang="es-ES" sz="1200" b="0" i="0" strike="noStrike" cap="none" baseline="0">
+                <a:solidFill>
+                  <a:srgbClr val="000000"/>
+                </a:solidFill>
+                <a:effectLst/>
+                <a:latin typeface="Aptos"/>
+                <a:ea typeface="Aptos"/>
+                <a:cs typeface="Aptos"/>
+              </a:rPr>
+              <a:t>         Las recomendaciones y conclusiones para el futuro del té chai en América Latina</a:t>
             </a:r>
             <a:r>
               <a:rPr sz="1200"/>
@@ -3031,7 +3051,7 @@
                 <a:ea typeface="Aptos"/>
                 <a:cs typeface="Aptos"/>
               </a:rPr>
-              <a:t>Mystic Spice Premium Chai Tea は、インドのチャイの伝統を尊重して丁寧に作られたブレンドです。</a:t>
+              <a:t>El té chai premium Mystic Spice es una combinación creada cuidadosamente que rinde homenaje a las tradiciones del chai indio.</a:t>
             </a:r>
             <a:r>
               <a:rPr lang="es-ES" sz="1200" b="0" i="0" strike="noStrike" cap="none" baseline="0">
@@ -3055,7 +3075,7 @@
                 <a:ea typeface="Aptos"/>
                 <a:cs typeface="Aptos"/>
               </a:rPr>
-              <a:t>Cada copa te lleva a un viaje a través de los paisajes vibrantes de la India, llevando una auténtica experiencia de chai a tu hogar.</a:t>
+              <a:t>Cada taza ofrece un recorrido fascinante por los encantadores paisajes de la India, que le permite vivir una verdadera experiencia chai desde su hogar.</a:t>
             </a:r>
             <a:r>
               <a:rPr sz="1200"/>
@@ -3082,7 +3102,7 @@
                 <a:ea typeface="Aptos"/>
                 <a:cs typeface="Aptos"/>
               </a:rPr>
-              <a:t>Original Content:</a:t>
+              <a:t>Contenido original:</a:t>
             </a:r>
             <a:r>
               <a:rPr sz="1200"/>
@@ -3099,7 +3119,7 @@
                 <a:ea typeface="Aptos"/>
                 <a:cs typeface="Aptos"/>
               </a:rPr>
-              <a:t>Product Description</a:t>
+              <a:t>Descripción del producto</a:t>
             </a:r>
             <a:r>
               <a:rPr sz="1200"/>
@@ -3116,7 +3136,7 @@
                 <a:ea typeface="Aptos"/>
                 <a:cs typeface="Aptos"/>
               </a:rPr>
-              <a:t>Mystic Spice Premium Chai Tea es una mezcla cuidadosamente elaborada que rinde homenaje a las tradiciones atemporales de la chai india.</a:t>
+              <a:t>El té chai premium Mystic Spice es una combinación creada meticulosamente que rinde homenaje a las tradiciones atemporales del chai indio.</a:t>
             </a:r>
             <a:r>
               <a:rPr lang="es-ES" sz="1200" b="0" i="0" strike="noStrike" cap="none" baseline="0">
@@ -3140,7 +3160,7 @@
                 <a:ea typeface="Aptos"/>
                 <a:cs typeface="Aptos"/>
               </a:rPr>
-              <a:t>各カップはインドの活気に満ちた風景を巡る魅惑的な旅を提供し、自宅で本格的なチャイ体験をお届けします。</a:t>
+              <a:t>Cada taza ofrece un recorrido fascinante por los encantadores paisajes de la India, que le permite vivir una verdadera experiencia chai desde su hogar.</a:t>
             </a:r>
             <a:r>
               <a:rPr lang="es-ES" sz="1200" b="0" i="0" strike="noStrike" cap="none" baseline="0">
@@ -3164,7 +3184,12 @@
                 <a:ea typeface="Aptos"/>
                 <a:cs typeface="Aptos"/>
               </a:rPr>
-              <a:t>Mystic Spice Premium Chai Tea の製品説明、特徴、利点を以下の表にまとめます。</a:t>
+              <a:t>La descripción del producto, las características y las ventajas del té chai premium Mystic Spice se resumen en la siguiente tabla:</a:t>
+            </a:r>
+            <a:r>
+              <a:rPr sz="1200"/>
+              <a:t>
+</a:t>
             </a:r>
           </a:p>
         </p:txBody>
@@ -3443,7 +3468,7 @@
                 <a:ea typeface="Aptos"/>
                 <a:cs typeface="Aptos"/>
               </a:rPr>
-              <a:t>ラテン アメリカ市場は、健康的、自然的、そしてエキゾチックな製品に対する需要が高まっており、チャイ ティーにとって大きなチャンスをもたらしています。</a:t>
+              <a:t>El mercado de América Latina ofrece una excelente oportunidad para el té chai, con una creciente demanda por productos saludables, naturales y exóticos.</a:t>
             </a:r>
             <a:r>
               <a:rPr lang="es-ES" sz="1200" b="0" i="0" strike="noStrike" cap="none" baseline="0">
@@ -3467,7 +3492,7 @@
                 <a:ea typeface="Aptos"/>
                 <a:cs typeface="Aptos"/>
               </a:rPr>
-              <a:t>世界のチャイ ティー市場規模は 2019 年に 19 億米ドルと評価され、2020 年から 2027 年にかけて 5.5% の CAGR で成長すると予想されており、ラテン アメリカは最も急速に成長している地域の 1 つです。</a:t>
+              <a:t>El tamaño del mercado mundial del té chai se valoró en 1,9 mil millones de dólares en 2019 y se espera que crezca a una CAGR del 5,5 % desde 2020 hasta 2027, con América Latina como una de las regiones con el crecimiento más rápido.</a:t>
             </a:r>
             <a:r>
               <a:rPr lang="es-ES" sz="1200" b="0" i="0" strike="noStrike" cap="none" baseline="0">
@@ -3491,7 +3516,7 @@
                 <a:ea typeface="Aptos"/>
                 <a:cs typeface="Aptos"/>
               </a:rPr>
-              <a:t>Entre los principales impulsores del crecimiento se incluyen el aumento de la concienciación, el aumento de los ingresos descartables y la expansión de la distribución.</a:t>
+              <a:t>Los principales impulsores del crecimiento son el aumento de la concienciación, el incremento de la renta disponible y la ampliación de la distribución.</a:t>
             </a:r>
             <a:r>
               <a:rPr sz="1200"/>
@@ -3518,7 +3543,7 @@
                 <a:ea typeface="Aptos"/>
                 <a:cs typeface="Aptos"/>
               </a:rPr>
-              <a:t>Original Content:</a:t>
+              <a:t>Contenido original:</a:t>
             </a:r>
             <a:r>
               <a:rPr sz="1200"/>
@@ -3535,7 +3560,7 @@
                 <a:ea typeface="Aptos"/>
                 <a:cs typeface="Aptos"/>
               </a:rPr>
-              <a:t>Market Trend and Demand</a:t>
+              <a:t>Tendencia y demanda del mercado</a:t>
             </a:r>
             <a:r>
               <a:rPr sz="1200"/>
@@ -3552,7 +3577,7 @@
                 <a:ea typeface="Aptos"/>
                 <a:cs typeface="Aptos"/>
               </a:rPr>
-              <a:t>The Latin American market ofrece una gran oportunidad para el té Chai, ya que la región tiene una creciente demanda de productos saludables, naturales y exóticos.</a:t>
+              <a:t>El mercado de América Latina ofrece una excelente oportunidad para el té chai, ya que la región muestra una creciente demanda de productos saludables, naturales y exóticos.</a:t>
             </a:r>
             <a:r>
               <a:rPr lang="es-ES" sz="1200" b="0" i="0" strike="noStrike" cap="none" baseline="0">
@@ -3576,7 +3601,7 @@
                 <a:ea typeface="Aptos"/>
                 <a:cs typeface="Aptos"/>
               </a:rPr>
-              <a:t>この地域には紅茶文化も根付いており、特にアルゼンチン、チリ、ウルグアイなどの国ではマテ茶が人気の飲み物です。</a:t>
+              <a:t>La región también posee una sólida cultura del té, sobre todo en países como Argentina, Chile y Uruguay, donde el mate es una bebida popular.</a:t>
             </a:r>
             <a:r>
               <a:rPr lang="es-ES" sz="1200" b="0" i="0" strike="noStrike" cap="none" baseline="0">
@@ -3600,7 +3625,7 @@
                 <a:ea typeface="Aptos"/>
                 <a:cs typeface="Aptos"/>
               </a:rPr>
-              <a:t>チャイ ティーは、カフェインが増加し、複雑な風味プロファイルを提供するため、紅茶愛好家とコーヒー愛好家の両方にアピールできます。</a:t>
+              <a:t>El té chai puede gustarles tanto a los amantes del té como a los del café, ya que ofrece un impulso de cafeína similar y un perfil de sabor más complejo.</a:t>
             </a:r>
             <a:r>
               <a:rPr lang="es-ES" sz="1200" b="0" i="0" strike="noStrike" cap="none" baseline="0">
@@ -3624,67 +3649,7 @@
                 <a:ea typeface="Aptos"/>
                 <a:cs typeface="Aptos"/>
               </a:rPr>
-              <a:t>チャイ ティーは、社交、分かち合い、甘いお菓子を満喫することを楽しむラテン アメリカの消費者のライフスタイルや好みにもフィットします。</a:t>
-            </a:r>
-            <a:r>
-              <a:rPr lang="es-ES" sz="1200" b="0" i="0" strike="noStrike" cap="none" baseline="0">
-                <a:solidFill>
-                  <a:srgbClr val="000000"/>
-                </a:solidFill>
-                <a:effectLst/>
-                <a:latin typeface="Aptos"/>
-                <a:ea typeface="Aptos"/>
-                <a:cs typeface="Aptos"/>
-              </a:rPr>
-              <a:t>Grand View Research のレポートによると、世界のチャイ ティー市場規模は 2019 年に 19 億米ドルと評価され、2020 年から 2027 年まで年間平均成長率 (CAGR) 5.5% で成長すると予想されています。</a:t>
-            </a:r>
-            <a:r>
-              <a:rPr lang="es-ES" sz="1200" b="0" i="0" strike="noStrike" cap="none" baseline="0">
-                <a:solidFill>
-                  <a:srgbClr val="000000"/>
-                </a:solidFill>
-                <a:effectLst/>
-                <a:latin typeface="Aptos"/>
-                <a:ea typeface="Aptos"/>
-                <a:cs typeface="Aptos"/>
-              </a:rPr>
-              <a:t> </a:t>
-            </a:r>
-            <a:r>
-              <a:rPr lang="es-ES" sz="1200" b="0" i="0" strike="noStrike" cap="none" baseline="0">
-                <a:solidFill>
-                  <a:srgbClr val="000000"/>
-                </a:solidFill>
-                <a:effectLst/>
-                <a:latin typeface="Aptos"/>
-                <a:ea typeface="Aptos"/>
-                <a:cs typeface="Aptos"/>
-              </a:rPr>
-              <a:t>また、このレポートでは、ラテン アメリカはチャイ ティーの最も急成長している地域の一つであり、2020 年から 2027 年までの CAGR は 6.2% であると述べています。</a:t>
-            </a:r>
-            <a:r>
-              <a:rPr lang="es-ES" sz="1200" b="0" i="0" strike="noStrike" cap="none" baseline="0">
-                <a:solidFill>
-                  <a:srgbClr val="000000"/>
-                </a:solidFill>
-                <a:effectLst/>
-                <a:latin typeface="Aptos"/>
-                <a:ea typeface="Aptos"/>
-                <a:cs typeface="Aptos"/>
-              </a:rPr>
-              <a:t> </a:t>
-            </a:r>
-            <a:r>
-              <a:rPr lang="es-ES" sz="1200" b="0" i="0" strike="noStrike" cap="none" baseline="0">
-                <a:solidFill>
-                  <a:srgbClr val="000000"/>
-                </a:solidFill>
-                <a:effectLst/>
-                <a:latin typeface="Aptos"/>
-                <a:ea typeface="Aptos"/>
-                <a:cs typeface="Aptos"/>
-              </a:rPr>
-              <a:t>Los principales impulsores del crecimiento del té Chai en América Latina son:</a:t>
+              <a:t>El té chai también puede adaptarse al estilo de vida y a las preferencias de los consumidores de América Latina, quienes disfrutan al socializar, compartir y saborear delicias dulces.</a:t>
             </a:r>
             <a:r>
               <a:rPr sz="1200"/>
@@ -3701,7 +3666,55 @@
                 <a:ea typeface="Aptos"/>
                 <a:cs typeface="Aptos"/>
               </a:rPr>
-              <a:t>·         El aumento de la concienciación y el interés en los beneficios de salud y aspectos culturales del té</a:t>
+              <a:t>Según un informe de Grand View Research, el tamaño del mercado mundial del té chai se valoró en 1,9 mil millones de dólares en 2019 y se espera que crezca a una tasa de crecimiento compuesto anual (CAGR) del 5,5 % desde 2020 hasta 2027.</a:t>
+            </a:r>
+            <a:r>
+              <a:rPr lang="es-ES" sz="1200" b="0" i="0" strike="noStrike" cap="none" baseline="0">
+                <a:solidFill>
+                  <a:srgbClr val="000000"/>
+                </a:solidFill>
+                <a:effectLst/>
+                <a:latin typeface="Aptos"/>
+                <a:ea typeface="Aptos"/>
+                <a:cs typeface="Aptos"/>
+              </a:rPr>
+              <a:t> </a:t>
+            </a:r>
+            <a:r>
+              <a:rPr lang="es-ES" sz="1200" b="0" i="0" strike="noStrike" cap="none" baseline="0">
+                <a:solidFill>
+                  <a:srgbClr val="000000"/>
+                </a:solidFill>
+                <a:effectLst/>
+                <a:latin typeface="Aptos"/>
+                <a:ea typeface="Aptos"/>
+                <a:cs typeface="Aptos"/>
+              </a:rPr>
+              <a:t>El informe también indica que América Latina es una de las regiones con el crecimiento más rápido para el té chai, con una CAGR del 6,2 % desde 2020 hasta 2027.</a:t>
+            </a:r>
+            <a:r>
+              <a:rPr lang="es-ES" sz="1200" b="0" i="0" strike="noStrike" cap="none" baseline="0">
+                <a:solidFill>
+                  <a:srgbClr val="000000"/>
+                </a:solidFill>
+                <a:effectLst/>
+                <a:latin typeface="Aptos"/>
+                <a:ea typeface="Aptos"/>
+                <a:cs typeface="Aptos"/>
+              </a:rPr>
+              <a:t> </a:t>
+            </a:r>
+            <a:r>
+              <a:rPr lang="es-ES" sz="1200" b="0" i="0" strike="noStrike" cap="none" baseline="0">
+                <a:solidFill>
+                  <a:srgbClr val="000000"/>
+                </a:solidFill>
+                <a:effectLst/>
+                <a:latin typeface="Aptos"/>
+                <a:ea typeface="Aptos"/>
+                <a:cs typeface="Aptos"/>
+              </a:rPr>
+              <a:t>Los principales impulsores del crecimiento del té chai en América Latina son:</a:t>
             </a:r>
             <a:r>
               <a:rPr sz="1200"/>
@@ -3718,7 +3731,7 @@
                 <a:ea typeface="Aptos"/>
                 <a:cs typeface="Aptos"/>
               </a:rPr>
-              <a:t> Chai·         El aumento de los ingresos descartables y el poder de gasto de los consumidores</a:t>
+              <a:t>·         El aumento de la concienciación y el interés por los beneficios de sobre la salud y los aspectos culturales del té chai</a:t>
             </a:r>
             <a:r>
               <a:rPr sz="1200"/>
@@ -3735,7 +3748,7 @@
                 <a:ea typeface="Aptos"/>
                 <a:cs typeface="Aptos"/>
               </a:rPr>
-              <a:t> de clase media·         La creciente popularidad de las especialidades y tés premium entre los segmentos más jóvenes y urbanos</a:t>
+              <a:t>·         El aumento de los ingresos disponibles y el poder adquisitivo de los consumidores de clase media</a:t>
             </a:r>
             <a:r>
               <a:rPr sz="1200"/>
@@ -3752,7 +3765,7 @@
                 <a:ea typeface="Aptos"/>
                 <a:cs typeface="Aptos"/>
               </a:rPr>
-              <a:t>·         La expansión de la distribución y disponibilidad de productos de té Chai en varios canales, como supermercados, cafeterías y plataformas</a:t>
+              <a:t>·         La creciente popularidad de las especialidades y tés premium entre los segmentos más jóvenes y urbanos</a:t>
             </a:r>
             <a:r>
               <a:rPr sz="1200"/>
@@ -3769,7 +3782,24 @@
                 <a:ea typeface="Aptos"/>
                 <a:cs typeface="Aptos"/>
               </a:rPr>
-              <a:t> en línea·         La aparición de nuevos e innovadores sabores y formatos de té Chai, como variedades listas para beber, instantáneas y orgánicas</a:t>
+              <a:t>·         La expansión de la distribución y disponibilidad de productos de té chai en varios canales, como supermercados, cafeterías y plataformas en línea</a:t>
+            </a:r>
+            <a:r>
+              <a:rPr sz="1200"/>
+              <a:t>
+</a:t>
+            </a:r>
+            <a:r>
+              <a:rPr lang="es-ES" sz="1200" b="0" i="0" strike="noStrike" cap="none" baseline="0">
+                <a:solidFill>
+                  <a:srgbClr val="000000"/>
+                </a:solidFill>
+                <a:effectLst/>
+                <a:latin typeface="Aptos"/>
+                <a:ea typeface="Aptos"/>
+                <a:cs typeface="Aptos"/>
+              </a:rPr>
+              <a:t>·         La aparición de nuevos e innovadores sabores y formatos de té chai, como variedades listas para beber, instantáneas y orgánicas</a:t>
             </a:r>
             <a:r>
               <a:rPr sz="1200"/>
@@ -3867,7 +3897,7 @@
                 <a:ea typeface="Aptos"/>
                 <a:cs typeface="Aptos"/>
               </a:rPr>
-              <a:t>ラテン アメリカのチャイ ティーは、小売業者、卸売業者、流通業者を通じて流通しています。</a:t>
+              <a:t>El té chai en América Latina se distribuye mediante minoristas, mayoristas y distribuidores.</a:t>
             </a:r>
             <a:r>
               <a:rPr lang="es-ES" sz="1200" b="0" i="0" strike="noStrike" cap="none" baseline="0">
@@ -3891,7 +3921,7 @@
                 <a:ea typeface="Aptos"/>
                 <a:cs typeface="Aptos"/>
               </a:rPr>
-              <a:t>スーパーマーケットやカフェなどの小売業者は消費者に直接販売しており、消費者の認識や購入に影響を与えることができます。</a:t>
+              <a:t>Los minoristas, como los supermercados y cafeterías, venden directamente a los consumidores y pueden influir en su percepción y compra.</a:t>
             </a:r>
             <a:r>
               <a:rPr lang="es-ES" sz="1200" b="0" i="0" strike="noStrike" cap="none" baseline="0">
@@ -3915,7 +3945,7 @@
                 <a:ea typeface="Aptos"/>
                 <a:cs typeface="Aptos"/>
               </a:rPr>
-              <a:t>大手小売業者には Walmart や Starbucks などがあります。</a:t>
+              <a:t>Entre los principales minoristas se incluyen Walmart y Starbucks.</a:t>
             </a:r>
             <a:r>
               <a:rPr lang="es-ES" sz="1200" b="0" i="0" strike="noStrike" cap="none" baseline="0">
@@ -3939,7 +3969,7 @@
                 <a:ea typeface="Aptos"/>
                 <a:cs typeface="Aptos"/>
               </a:rPr>
-              <a:t>Los mayoristas venden de forma masiva a minoristas, mientras que los distribuidores transporta productos de fabricantes a minoristas.</a:t>
+              <a:t>Los mayoristas venden de forma masiva a los minoristas, mientras que los distribuidores transportan los productos desde los fabricantes hasta los minoristas.</a:t>
             </a:r>
             <a:r>
               <a:rPr sz="1200"/>
@@ -3983,7 +4013,7 @@
                 <a:ea typeface="Aptos"/>
                 <a:cs typeface="Aptos"/>
               </a:rPr>
-              <a:t> Los canales de distribución para el té Chai en América Latina son las formas y medios por los que los productos de té Chai se entregan y venden a los consumidores finales.</a:t>
+              <a:t>Los canales de distribución del té chai en América Latina son las formas y medios por los que se entregan y venden los productos de té chai a los consumidores finales.</a:t>
             </a:r>
             <a:r>
               <a:rPr lang="es-ES" sz="1200" b="0" i="0" strike="noStrike" cap="none" baseline="0">
@@ -4007,19 +4037,24 @@
                 <a:ea typeface="Aptos"/>
                 <a:cs typeface="Aptos"/>
               </a:rPr>
-              <a:t>ラテン アメリカにおけるチャイ ティーの流通チャネルは、小売業者、卸売業者、流通業者の 3 つに分類できます。</a:t>
-            </a:r>
-            <a:r>
-              <a:rPr lang="es-ES" sz="1200" b="0" i="0" strike="noStrike" cap="none" baseline="0">
-                <a:solidFill>
-                  <a:srgbClr val="000000"/>
-                </a:solidFill>
-                <a:effectLst/>
-                <a:latin typeface="Aptos"/>
-                <a:ea typeface="Aptos"/>
-                <a:cs typeface="Aptos"/>
-              </a:rPr>
-              <a:t>小売業者とは、スーパーマーケット、コンビニエンス ストア、専門店、カフェ、オンライン プラットフォームなど、チャイ ティー製品を消費者に直接販売する企業です。</a:t>
+              <a:t>Los canales de distribución del té chai en América Latina se pueden clasificar en tres tipos: minoristas, mayoristas y distribuidores.</a:t>
+            </a:r>
+            <a:r>
+              <a:rPr sz="1200"/>
+              <a:t>
+</a:t>
+            </a:r>
+            <a:r>
+              <a:rPr lang="es-ES" sz="1200" b="0" i="0" strike="noStrike" cap="none" baseline="0">
+                <a:solidFill>
+                  <a:srgbClr val="000000"/>
+                </a:solidFill>
+                <a:effectLst/>
+                <a:latin typeface="Aptos"/>
+                <a:ea typeface="Aptos"/>
+                <a:cs typeface="Aptos"/>
+              </a:rPr>
+              <a:t>Los minoristas son los negocios que venden productos de té chai directamente a los consumidores, como supermercados, tiendas abiertas las 24 horas, tiendas especializadas, cafeterías y plataformas en línea.</a:t>
             </a:r>
             <a:r>
               <a:rPr lang="es-ES" sz="1200" b="0" i="0" strike="noStrike" cap="none" baseline="0">
@@ -4043,7 +4078,7 @@
                 <a:ea typeface="Aptos"/>
                 <a:cs typeface="Aptos"/>
               </a:rPr>
-              <a:t>小売業者はチャイ ティー製品の最も目に付きやすくアクセスしやすいチャネルであり、消費者のチャイ ティー製品に対する認識、好み、購入に影響を与える可能性があります。</a:t>
+              <a:t>Son el canal más visible y accesible para los productos de té chai y pueden influir en la percepción, preferencias y compra de productos de té chai por parte del consumidor.</a:t>
             </a:r>
             <a:r>
               <a:rPr lang="es-ES" sz="1200" b="0" i="0" strike="noStrike" cap="none" baseline="0">
@@ -4067,7 +4102,7 @@
                 <a:ea typeface="Aptos"/>
                 <a:cs typeface="Aptos"/>
               </a:rPr>
-              <a:t>小売業者は、ディスプレイ、看板、棚スペースなど、チャイ ティー製品のプロモーションや商品化をサポートすることもできます。</a:t>
+              <a:t>Los minoristas también pueden ofrecer asistencia promocional y de comercialización para los productos de té chai, como expositores, letreros y espacio en los estantes.</a:t>
             </a:r>
             <a:r>
               <a:rPr lang="es-ES" sz="1200" b="0" i="0" strike="noStrike" cap="none" baseline="0">
@@ -4091,7 +4126,12 @@
                 <a:ea typeface="Aptos"/>
                 <a:cs typeface="Aptos"/>
               </a:rPr>
-              <a:t>ラテン アメリカにおけるチャイ ティー製品の主な小売業者には、Walmart、Carrefour、Oxxo、Starbucks、Amazon などがあります。</a:t>
+              <a:t>Algunos de los principales minoristas de productos de té chai de América Latina son Walmart, Carrefour, Oxxo, Starbucks y Amazon.</a:t>
+            </a:r>
+            <a:r>
+              <a:rPr sz="1200"/>
+              <a:t>
+</a:t>
             </a:r>
           </a:p>
         </p:txBody>
@@ -4184,7 +4224,7 @@
                 <a:ea typeface="Aptos"/>
                 <a:cs typeface="Aptos"/>
               </a:rPr>
-              <a:t>卸売業者はチャイ ティー製品を大量に購入し、小売業者やその他の仲介業者に販売します。</a:t>
+              <a:t>Los mayoristas compran productos de té chai en masa y los venden a los minoristas u otros intermediarios.</a:t>
             </a:r>
             <a:r>
               <a:rPr lang="es-ES" sz="1200" b="0" i="0" strike="noStrike" cap="none" baseline="0">
@@ -4208,7 +4248,7 @@
                 <a:ea typeface="Aptos"/>
                 <a:cs typeface="Aptos"/>
               </a:rPr>
-              <a:t>チャイ ティー製品の需要と供給を結び、さまざまなサービスを提供しています。</a:t>
+              <a:t>Vinculan la oferta y la demanda de productos de té chai y ofrecen diversos servicios.</a:t>
             </a:r>
             <a:r>
               <a:rPr lang="es-ES" sz="1200" b="0" i="0" strike="noStrike" cap="none" baseline="0">
@@ -4232,7 +4272,7 @@
                 <a:ea typeface="Aptos"/>
                 <a:cs typeface="Aptos"/>
               </a:rPr>
-              <a:t>Entre los principales mayoristas de América Latina se incluyen Cencosud, Grupo Pao de Acucar, La Anonima y Makro.</a:t>
+              <a:t>Algunos de los principales mayoristas de productos de té chai en América Latina son Cencosud, Grupo Pão de Açúcar, La Anónima y Makro.</a:t>
             </a:r>
             <a:r>
               <a:rPr sz="1200"/>
@@ -4259,7 +4299,7 @@
                 <a:ea typeface="Aptos"/>
                 <a:cs typeface="Aptos"/>
               </a:rPr>
-              <a:t>Original Content:</a:t>
+              <a:t>Contenido original:</a:t>
             </a:r>
             <a:r>
               <a:rPr sz="1200"/>
@@ -4276,7 +4316,7 @@
                 <a:ea typeface="Aptos"/>
                 <a:cs typeface="Aptos"/>
               </a:rPr>
-              <a:t>Wholesalers son las empresas que compran productos de té Chai en masa de los fabricantes o distribuidores y los venden a los minoristas u otros intermediarios.</a:t>
+              <a:t>Los mayoristas son los negocios que compran productos de té chai en masa a los fabricantes o distribuidores y los venden a los minoristas u otros intermediarios.</a:t>
             </a:r>
             <a:r>
               <a:rPr lang="es-ES" sz="1200" b="0" i="0" strike="noStrike" cap="none" baseline="0">
@@ -4300,7 +4340,7 @@
                 <a:ea typeface="Aptos"/>
                 <a:cs typeface="Aptos"/>
               </a:rPr>
-              <a:t>卸売業者は、チャイ ティー製品の需要と供給をつなぐ役割を担っており、チャイ ティー製品の規模の経済、保管、輸送サービスを提供できます。</a:t>
+              <a:t>Son el vínculo entre la oferta y la demanda de productos de té chai y pueden ofrecer economías de escala, almacenamiento y servicios de transporte para los productos de té chai.</a:t>
             </a:r>
             <a:r>
               <a:rPr lang="es-ES" sz="1200" b="0" i="0" strike="noStrike" cap="none" baseline="0">
@@ -4324,7 +4364,7 @@
                 <a:ea typeface="Aptos"/>
                 <a:cs typeface="Aptos"/>
               </a:rPr>
-              <a:t>卸売業者は、チャイ ティー製品の市場情報、フィードバック、信用制度を提供することもできます。</a:t>
+              <a:t>Los mayoristas también pueden ofrecer información del mercado, comentarios y mecanismos de crédito para los productos de té chai.</a:t>
             </a:r>
             <a:r>
               <a:rPr lang="es-ES" sz="1200" b="0" i="0" strike="noStrike" cap="none" baseline="0">
@@ -4348,7 +4388,12 @@
                 <a:ea typeface="Aptos"/>
                 <a:cs typeface="Aptos"/>
               </a:rPr>
-              <a:t>ラテン アメリカにおけるチャイ ティー製品の主要な卸売業者には、Cencosud、Grupo Pao de Acucar、La Anonima、Makro などがあります。</a:t>
+              <a:t>Algunos de los principales mayoristas de productos de té chai en América Latina son Cencosud, Grupo Pão de Açúcar, La Anónima y Makro.</a:t>
+            </a:r>
+            <a:r>
+              <a:rPr sz="1200"/>
+              <a:t>
+</a:t>
             </a:r>
           </a:p>
         </p:txBody>
@@ -8169,7 +8214,7 @@
                 <a:ea typeface="Bookman Old Style"/>
                 <a:cs typeface="Bookman Old Style"/>
               </a:rPr>
-              <a:t>Mystic Spice Premium Chai Tea 市場分析レポート</a:t>
+              <a:t>Informe de análisis del mercado para el té chai premium Mystic Spice</a:t>
             </a:r>
           </a:p>
         </p:txBody>
@@ -8606,7 +8651,7 @@
                 <a:ea typeface="Bookman Old Style"/>
                 <a:cs typeface="Bookman Old Style"/>
               </a:rPr>
-              <a:t>Canales de distribución: Distribuidores</a:t>
+              <a:t>Canales de distribución: distribuidores</a:t>
             </a:r>
           </a:p>
         </p:txBody>
@@ -8706,7 +8751,7 @@
                 <a:ea typeface="Franklin Gothic Book"/>
                 <a:cs typeface="Franklin Gothic Book"/>
               </a:rPr>
-              <a:t>流通業者の役割</a:t>
+              <a:t>Rol de los distribuidores</a:t>
             </a:r>
           </a:p>
           <a:p>
@@ -8725,7 +8770,7 @@
                 <a:ea typeface="Franklin Gothic Book"/>
                 <a:cs typeface="Franklin Gothic Book"/>
               </a:rPr>
-              <a:t>チャイティー製品の代理および流通</a:t>
+              <a:t>Representar y distribuir productos de té chai</a:t>
             </a:r>
           </a:p>
           <a:p>
@@ -8744,7 +8789,7 @@
                 <a:ea typeface="Franklin Gothic Book"/>
                 <a:cs typeface="Franklin Gothic Book"/>
               </a:rPr>
-              <a:t>さまざまな市場での移動と販売を促進する</a:t>
+              <a:t>Facilitar el movimiento y la venta en distintos mercados</a:t>
             </a:r>
           </a:p>
           <a:p>
@@ -8763,7 +8808,7 @@
                 <a:ea typeface="Franklin Gothic Book"/>
                 <a:cs typeface="Franklin Gothic Book"/>
               </a:rPr>
-              <a:t>マーケティング、販売、アフター サービスの提供</a:t>
+              <a:t>Ofrecer servicios de marketing, ventas y posventa</a:t>
             </a:r>
           </a:p>
           <a:p>
@@ -8801,7 +8846,7 @@
                 <a:ea typeface="Franklin Gothic Book"/>
                 <a:cs typeface="Franklin Gothic Book"/>
               </a:rPr>
-              <a:t>小売業者および消費者との関係を確立および維持する</a:t>
+              <a:t>Establecer y mantener relaciones con los minoristas y consumidores</a:t>
             </a:r>
           </a:p>
           <a:p>
@@ -8820,7 +8865,7 @@
                 <a:ea typeface="Franklin Gothic Book"/>
                 <a:cs typeface="Franklin Gothic Book"/>
               </a:rPr>
-              <a:t>技術的および物流的なサポートを提供する</a:t>
+              <a:t>Ofrecer asistencia técnica y logística</a:t>
             </a:r>
           </a:p>
           <a:p>
@@ -8839,7 +8884,7 @@
                 <a:ea typeface="Franklin Gothic Book"/>
                 <a:cs typeface="Franklin Gothic Book"/>
               </a:rPr>
-              <a:t>ラテン アメリカの主要流通業者</a:t>
+              <a:t>Principales distribuidores de América Latina</a:t>
             </a:r>
           </a:p>
           <a:p>
@@ -9113,7 +9158,7 @@
                 <a:ea typeface="Bookman Old Style"/>
                 <a:cs typeface="Bookman Old Style"/>
               </a:rPr>
-              <a:t>プロモーション計画と戦略</a:t>
+              <a:t>Plan y estrategia de promoción</a:t>
             </a:r>
           </a:p>
         </p:txBody>
@@ -9142,7 +9187,7 @@
         </p:spPr>
         <p:txBody>
           <a:bodyPr anchor="ctr">
-            <a:normAutofit/>
+            <a:normAutofit lnSpcReduction="20000"/>
           </a:bodyPr>
           <a:lstStyle/>
           <a:p>
@@ -9161,7 +9206,7 @@
                 <a:ea typeface="Franklin Gothic Book"/>
                 <a:cs typeface="Franklin Gothic Book"/>
               </a:rPr>
-              <a:t>プロモーション計画と戦略の目的</a:t>
+              <a:t>Objetivos del plan y estrategia de promoción</a:t>
             </a:r>
           </a:p>
           <a:p>
@@ -9180,7 +9225,7 @@
                 <a:ea typeface="Franklin Gothic Book"/>
                 <a:cs typeface="Franklin Gothic Book"/>
               </a:rPr>
-              <a:t>ターゲット層のチャイ ティーへの認識度と関心を高める</a:t>
+              <a:t>Incrementar el conocimiento y el interés por el té chai en el público objetivo</a:t>
             </a:r>
           </a:p>
           <a:p>
@@ -9199,7 +9244,7 @@
                 <a:ea typeface="Franklin Gothic Book"/>
                 <a:cs typeface="Franklin Gothic Book"/>
               </a:rPr>
-              <a:t>チャイ ティーをプレミアム、自然、そして健康的な製品として位置づける</a:t>
+              <a:t>Posicionar al té chai como un producto premium, natural y saludable</a:t>
             </a:r>
           </a:p>
           <a:p>
@@ -9218,7 +9263,7 @@
                 <a:ea typeface="Franklin Gothic Book"/>
                 <a:cs typeface="Franklin Gothic Book"/>
               </a:rPr>
-              <a:t>さまざまなチャネルやインセンティブを通じてチャイ ティーの試用と購入を奨励する</a:t>
+              <a:t>Fomentar la prueba y compra de té chai mediante diversos canales e incentivos</a:t>
             </a:r>
           </a:p>
           <a:p>
@@ -9237,7 +9282,7 @@
                 <a:ea typeface="Franklin Gothic Book"/>
                 <a:cs typeface="Franklin Gothic Book"/>
               </a:rPr>
-              <a:t>チャイ ティー消費者のロイヤルティを確立して維持する</a:t>
+              <a:t>Desarrollar la fidelidad y la retención entre los consumidores de té chai</a:t>
             </a:r>
           </a:p>
           <a:p>
@@ -9256,7 +9301,7 @@
                 <a:ea typeface="Franklin Gothic Book"/>
                 <a:cs typeface="Franklin Gothic Book"/>
               </a:rPr>
-              <a:t>プロモーション計画と戦略で使用される戦術</a:t>
+              <a:t>Tácticas que se han utilizado en el plan y estrategia de promoción</a:t>
             </a:r>
           </a:p>
           <a:p>
@@ -9275,7 +9320,7 @@
                 <a:ea typeface="Franklin Gothic Book"/>
                 <a:cs typeface="Franklin Gothic Book"/>
               </a:rPr>
-              <a:t>キャッチーで記憶に残るチャイ ティーのブランド名とロゴを作成する</a:t>
+              <a:t>Crear un nombre de marca y logotipo pegadizos y fáciles de recordar para el té chai</a:t>
             </a:r>
           </a:p>
           <a:p>
@@ -9294,7 +9339,7 @@
                 <a:ea typeface="Franklin Gothic Book"/>
                 <a:cs typeface="Franklin Gothic Book"/>
               </a:rPr>
-              <a:t>Web サイトとソーシャル メディアでのチャイ ティーの存在感を確立する</a:t>
+              <a:t>Desarrollar un sitio web y presencia en redes sociales para el té chai</a:t>
             </a:r>
           </a:p>
           <a:p>
@@ -9313,7 +9358,7 @@
                 <a:ea typeface="Franklin Gothic Book"/>
                 <a:cs typeface="Franklin Gothic Book"/>
               </a:rPr>
-              <a:t>デジタル マーケティング キャンペーンを開始する</a:t>
+              <a:t>Iniciar una campaña de marketing digital</a:t>
             </a:r>
           </a:p>
           <a:p>
@@ -9332,7 +9377,7 @@
                 <a:ea typeface="Franklin Gothic Book"/>
                 <a:cs typeface="Franklin Gothic Book"/>
               </a:rPr>
-              <a:t>チャイ ティーの無料サンプルとクーポンを配布する</a:t>
+              <a:t>Distribuir muestras gratis y cupones de té chai</a:t>
             </a:r>
           </a:p>
           <a:p>
@@ -9351,7 +9396,7 @@
                 <a:ea typeface="Franklin Gothic Book"/>
                 <a:cs typeface="Franklin Gothic Book"/>
               </a:rPr>
-              <a:t>イベントやコンテストを企画する</a:t>
+              <a:t>Organizar eventos y concursos</a:t>
             </a:r>
           </a:p>
           <a:p>
@@ -9370,7 +9415,7 @@
                 <a:ea typeface="Franklin Gothic Book"/>
                 <a:cs typeface="Franklin Gothic Book"/>
               </a:rPr>
-              <a:t>プロモーション計画と戦略の実施と評価</a:t>
+              <a:t>Implementación y evaluación del plan y la estrategia de promoción</a:t>
             </a:r>
           </a:p>
         </p:txBody>
@@ -9759,7 +9804,7 @@
                 <a:ea typeface="Franklin Gothic Book"/>
                 <a:cs typeface="Franklin Gothic Book"/>
               </a:rPr>
-              <a:t>ターゲット層のチャイ ティーに対する認知度および関心が 20% 増加</a:t>
+              <a:t>Un aumento del 20 % en el conocimiento y el interés por el té chai en el público objetivo</a:t>
             </a:r>
           </a:p>
           <a:p>
@@ -9773,7 +9818,7 @@
                 <a:ea typeface="Franklin Gothic Book"/>
                 <a:cs typeface="Franklin Gothic Book"/>
               </a:rPr>
-              <a:t>この地域におけるチャイ ティーの市場シェアが 10% 増加</a:t>
+              <a:t>Un aumento del 10 % en la cuota de mercado del té chai en la región</a:t>
             </a:r>
           </a:p>
           <a:p>
@@ -9787,7 +9832,7 @@
                 <a:ea typeface="Franklin Gothic Book"/>
                 <a:cs typeface="Franklin Gothic Book"/>
               </a:rPr>
-              <a:t>この地域におけるチャイ ティーの販売量と収益が 15% 増加</a:t>
+              <a:t>Un aumento del 15 % en el volumen de ventas y los ingresos del té chai en la región</a:t>
             </a:r>
           </a:p>
           <a:p>
@@ -9801,7 +9846,7 @@
                 <a:ea typeface="Franklin Gothic Book"/>
                 <a:cs typeface="Franklin Gothic Book"/>
               </a:rPr>
-              <a:t>この地域におけるチャイ ティーの顧客満足度と維持率が 25% 向上</a:t>
+              <a:t>Un aumento del 25 % en la satisfacción del cliente y las tasas de retención del té chai en la región</a:t>
             </a:r>
           </a:p>
         </p:txBody>
@@ -10033,7 +10078,7 @@
         </p:spPr>
         <p:txBody>
           <a:bodyPr anchor="ctr">
-            <a:normAutofit/>
+            <a:normAutofit fontScale="92500" lnSpcReduction="20000"/>
           </a:bodyPr>
           <a:lstStyle/>
           <a:p>
@@ -10047,7 +10092,7 @@
                 <a:ea typeface="Franklin Gothic Book"/>
                 <a:cs typeface="Franklin Gothic Book"/>
               </a:rPr>
-              <a:t>チャイ ティー製品は他の飲料に比べて価格が高く、手頃な価格ではない</a:t>
+              <a:t>Elevado precio y baja asequibilidad de los productos de té chai en comparación con otras bebidas</a:t>
             </a:r>
           </a:p>
           <a:p>
@@ -10061,7 +10106,7 @@
                 <a:ea typeface="Franklin Gothic Book"/>
                 <a:cs typeface="Franklin Gothic Book"/>
               </a:rPr>
-              <a:t>人口の一部の層ではチャイ ティーに対する認知度と馴染みが不足している</a:t>
+              <a:t>Falta de conocimiento y familiaridad con el té chai en algunos segmentos de la población</a:t>
             </a:r>
           </a:p>
           <a:p>
@@ -10075,7 +10120,7 @@
                 <a:ea typeface="Franklin Gothic Book"/>
                 <a:cs typeface="Franklin Gothic Book"/>
               </a:rPr>
-              <a:t>ハーブ ティー、緑茶、紅茶などの他のお茶製品との競合</a:t>
+              <a:t>Competencia de otros productos de té, como tés de hierbas, verdes y negros</a:t>
             </a:r>
           </a:p>
           <a:p>
@@ -10089,7 +10134,7 @@
                 <a:ea typeface="Franklin Gothic Book"/>
                 <a:cs typeface="Franklin Gothic Book"/>
               </a:rPr>
-              <a:t>一部の国におけるチャイ ティー製品の参入と拡大を制限する可能性がある規制および文化的障壁</a:t>
+              <a:t>Barreras normativas y culturales que pueden limitar la entrada y expansión de los productos de té chai en algunos países</a:t>
             </a:r>
           </a:p>
           <a:p>
@@ -10103,7 +10148,7 @@
                 <a:ea typeface="Franklin Gothic Book"/>
                 <a:cs typeface="Franklin Gothic Book"/>
               </a:rPr>
-              <a:t>チャイ ティー原料の供給と品質に影響を与える可能性がある環境問題と社会問題</a:t>
+              <a:t>Problemas medioambientales y sociales que pueden afectar al suministro y a la calidad de los ingredientes del té chai</a:t>
             </a:r>
           </a:p>
         </p:txBody>
@@ -10306,7 +10351,7 @@
                 <a:ea typeface="Bookman Old Style"/>
                 <a:cs typeface="Bookman Old Style"/>
               </a:rPr>
-              <a:t>推奨事項と結論</a:t>
+              <a:t>Recomendaciones y conclusiones</a:t>
             </a:r>
           </a:p>
         </p:txBody>
@@ -10335,7 +10380,7 @@
         </p:spPr>
         <p:txBody>
           <a:bodyPr anchor="ctr">
-            <a:normAutofit/>
+            <a:normAutofit fontScale="95000" lnSpcReduction="20000"/>
           </a:bodyPr>
           <a:lstStyle/>
           <a:p>
@@ -10354,7 +10399,7 @@
                 <a:ea typeface="Franklin Gothic Book"/>
                 <a:cs typeface="Franklin Gothic Book"/>
               </a:rPr>
-              <a:t>チャイ ティーはラテン アメリカ市場で成長の可能性を秘めた有望な製品である</a:t>
+              <a:t>El té chai es un producto prometedor con potencial para crecer en el mercado de América Latina</a:t>
             </a:r>
           </a:p>
           <a:p>
@@ -10373,7 +10418,7 @@
                 <a:ea typeface="Franklin Gothic Book"/>
                 <a:cs typeface="Franklin Gothic Book"/>
               </a:rPr>
-              <a:t>他の飲み物に代わる、健康的で自然でエキゾチックな飲み物を提供する</a:t>
+              <a:t>Ofrece una alternativa saludable, natural y exótica a otras bebidas</a:t>
             </a:r>
           </a:p>
           <a:p>
@@ -10392,7 +10437,7 @@
                 <a:ea typeface="Franklin Gothic Book"/>
                 <a:cs typeface="Franklin Gothic Book"/>
               </a:rPr>
-              <a:t>チャイ ティーをプレミアムで本格的かつ多用途な製品として位置づけ、販売する</a:t>
+              <a:t>Posicionar y comercializar el té chai como un producto premium, auténtico y versátil</a:t>
             </a:r>
           </a:p>
           <a:p>
@@ -10411,7 +10456,7 @@
                 <a:ea typeface="Franklin Gothic Book"/>
                 <a:cs typeface="Franklin Gothic Book"/>
               </a:rPr>
-              <a:t>さまざまなセグメントや機会にアピール</a:t>
+              <a:t>Se dirige a distintos segmentos y ocasiones</a:t>
             </a:r>
           </a:p>
           <a:p>
@@ -10430,7 +10475,7 @@
                 <a:ea typeface="Franklin Gothic Book"/>
                 <a:cs typeface="Franklin Gothic Book"/>
               </a:rPr>
-              <a:t>豊かな香り、風味、健康上の利点などの独自の機能と利点を活用する</a:t>
+              <a:t>Sacar provecho de sus características y ventajas únicas, como su aroma intenso, su sabor y sus beneficios para la salud</a:t>
             </a:r>
           </a:p>
           <a:p>
@@ -10449,7 +10494,7 @@
                 <a:ea typeface="Franklin Gothic Book"/>
                 <a:cs typeface="Franklin Gothic Book"/>
               </a:rPr>
-              <a:t>他のお茶製品との差別化</a:t>
+              <a:t>Se diferencia de los demás productos de té</a:t>
             </a:r>
           </a:p>
           <a:p>
@@ -10468,7 +10513,7 @@
                 <a:ea typeface="Franklin Gothic Book"/>
                 <a:cs typeface="Franklin Gothic Book"/>
               </a:rPr>
-              <a:t>オンラインとオフラインの戦略を組み合わせてターゲット ユーザーにリーチし、エンゲージメントを図る</a:t>
+              <a:t>Utilizar una mezcla de tácticas en línea y sin conexión para alcanzar e interactuar con el público objetivo</a:t>
             </a:r>
           </a:p>
           <a:p>
@@ -10487,7 +10532,7 @@
                 <a:ea typeface="Franklin Gothic Book"/>
                 <a:cs typeface="Franklin Gothic Book"/>
               </a:rPr>
-              <a:t>忠実で満足度の高い顧客ベースを構築する</a:t>
+              <a:t>Crear una base de clientes leales y satisfechos</a:t>
             </a:r>
           </a:p>
           <a:p>
@@ -10506,7 +10551,7 @@
                 <a:ea typeface="Franklin Gothic Book"/>
                 <a:cs typeface="Franklin Gothic Book"/>
               </a:rPr>
-              <a:t>価格、認知度、競争、規制、持続可能性などの課題と脅威を克服する</a:t>
+              <a:t>Superar los desafíos y amenazas, como el precio, conocimiento, competencia, normativa y sostenibilidad</a:t>
             </a:r>
           </a:p>
           <a:p>
@@ -10525,7 +10570,7 @@
                 <a:ea typeface="Franklin Gothic Book"/>
                 <a:cs typeface="Franklin Gothic Book"/>
               </a:rPr>
-              <a:t>プロモーション計画と戦略を常に監視、評価、調整する</a:t>
+              <a:t>Supervisar, evaluar y ajustar el plan y la estrategia de promoción de forma constante</a:t>
             </a:r>
           </a:p>
         </p:txBody>
@@ -10872,7 +10917,7 @@
                 <a:ea typeface="Franklin Gothic Book"/>
                 <a:cs typeface="Franklin Gothic Book"/>
               </a:rPr>
-              <a:t>製品説明 (1/2)</a:t>
+              <a:t>Descripción del producto (1/2)</a:t>
             </a:r>
           </a:p>
           <a:p>
@@ -10891,7 +10936,7 @@
                 <a:ea typeface="Franklin Gothic Book"/>
                 <a:cs typeface="Franklin Gothic Book"/>
               </a:rPr>
-              <a:t>製品説明 (2/2)</a:t>
+              <a:t>Descripción del producto (2/2)</a:t>
             </a:r>
           </a:p>
           <a:p>
@@ -10910,7 +10955,7 @@
                 <a:ea typeface="Franklin Gothic Book"/>
                 <a:cs typeface="Franklin Gothic Book"/>
               </a:rPr>
-              <a:t>市場の動向と需要</a:t>
+              <a:t>Tendencia y demanda del mercado</a:t>
             </a:r>
           </a:p>
           <a:p>
@@ -10929,7 +10974,7 @@
                 <a:ea typeface="Franklin Gothic Book"/>
                 <a:cs typeface="Franklin Gothic Book"/>
               </a:rPr>
-              <a:t>ラテン アメリカにおけるチャイ ティーの市場シェア</a:t>
+              <a:t>Cuota de mercado del té chai en América Latina</a:t>
             </a:r>
           </a:p>
           <a:p>
@@ -10948,7 +10993,7 @@
                 <a:ea typeface="Franklin Gothic Book"/>
                 <a:cs typeface="Franklin Gothic Book"/>
               </a:rPr>
-              <a:t>流通チャネル</a:t>
+              <a:t>Canales de distribución</a:t>
             </a:r>
           </a:p>
           <a:p>
@@ -10967,7 +11012,7 @@
                 <a:ea typeface="Franklin Gothic Book"/>
                 <a:cs typeface="Franklin Gothic Book"/>
               </a:rPr>
-              <a:t>プロモーション計画と戦略</a:t>
+              <a:t>Plan y estrategia de promoción</a:t>
             </a:r>
           </a:p>
           <a:p>
@@ -10986,7 +11031,7 @@
                 <a:ea typeface="Franklin Gothic Book"/>
                 <a:cs typeface="Franklin Gothic Book"/>
               </a:rPr>
-              <a:t>期待される成果と課題</a:t>
+              <a:t>Resultados y desafíos que se esperan</a:t>
             </a:r>
           </a:p>
           <a:p>
@@ -11005,7 +11050,7 @@
                 <a:ea typeface="Franklin Gothic Book"/>
                 <a:cs typeface="Franklin Gothic Book"/>
               </a:rPr>
-              <a:t>推奨事項と結論</a:t>
+              <a:t>Recomendaciones y conclusiones</a:t>
             </a:r>
           </a:p>
         </p:txBody>
@@ -11346,7 +11391,7 @@
         </p:spPr>
         <p:txBody>
           <a:bodyPr vert="horz" lIns="0" tIns="45720" rIns="0" bIns="45720" rtlCol="0">
-            <a:normAutofit/>
+            <a:normAutofit fontScale="95000" lnSpcReduction="20000"/>
           </a:bodyPr>
           <a:lstStyle/>
           <a:p>
@@ -11365,7 +11410,7 @@
                 <a:ea typeface="Franklin Gothic Book"/>
                 <a:cs typeface="Franklin Gothic Book"/>
               </a:rPr>
-              <a:t>製品の説明、特徴、利点</a:t>
+              <a:t>Descripción del producto, características y ventajas</a:t>
             </a:r>
           </a:p>
           <a:p>
@@ -11384,7 +11429,7 @@
                 <a:ea typeface="Franklin Gothic Book"/>
                 <a:cs typeface="Franklin Gothic Book"/>
               </a:rPr>
-              <a:t>ラテン アメリカの市場の動向と需要</a:t>
+              <a:t>Tendencia y demanda del mercado en América Latina</a:t>
             </a:r>
           </a:p>
           <a:p>
@@ -11403,7 +11448,7 @@
                 <a:ea typeface="Franklin Gothic Book"/>
                 <a:cs typeface="Franklin Gothic Book"/>
               </a:rPr>
-              <a:t>ラテン アメリカにおける競合分析</a:t>
+              <a:t>Análisis competitivo en América Latina</a:t>
             </a:r>
           </a:p>
           <a:p>
@@ -11422,7 +11467,7 @@
                 <a:ea typeface="Franklin Gothic Book"/>
                 <a:cs typeface="Franklin Gothic Book"/>
               </a:rPr>
-              <a:t>ラテン アメリカにおける流通チャネル</a:t>
+              <a:t>Canales de distribución en América Latina</a:t>
             </a:r>
           </a:p>
           <a:p>
@@ -11441,7 +11486,7 @@
                 <a:ea typeface="Franklin Gothic Book"/>
                 <a:cs typeface="Franklin Gothic Book"/>
               </a:rPr>
-              <a:t>ラテン アメリカにおけるプロモーション計画と戦略</a:t>
+              <a:t>Plan y estrategia de promoción en América Latina</a:t>
             </a:r>
           </a:p>
           <a:p>
@@ -11460,7 +11505,7 @@
                 <a:ea typeface="Franklin Gothic Book"/>
                 <a:cs typeface="Franklin Gothic Book"/>
               </a:rPr>
-              <a:t>期待される成果と課題</a:t>
+              <a:t>Resultados y desafíos que se esperan</a:t>
             </a:r>
           </a:p>
           <a:p>
@@ -11479,7 +11524,7 @@
                 <a:ea typeface="Franklin Gothic Book"/>
                 <a:cs typeface="Franklin Gothic Book"/>
               </a:rPr>
-              <a:t>推奨事項と結論</a:t>
+              <a:t>Recomendaciones y conclusiones</a:t>
             </a:r>
           </a:p>
         </p:txBody>
@@ -11914,7 +11959,7 @@
         </p:spPr>
         <p:txBody>
           <a:bodyPr vert="horz" lIns="0" tIns="45720" rIns="0" bIns="45720" rtlCol="0" anchor="ctr">
-            <a:normAutofit/>
+            <a:normAutofit fontScale="95000" lnSpcReduction="20000"/>
           </a:bodyPr>
           <a:lstStyle/>
           <a:p>
@@ -11933,7 +11978,7 @@
                 <a:ea typeface="Franklin Gothic Book"/>
                 <a:cs typeface="Franklin Gothic Book"/>
               </a:rPr>
-              <a:t>丁寧に作られたブレンド</a:t>
+              <a:t>Combinación creada meticulosamente</a:t>
             </a:r>
           </a:p>
           <a:p>
@@ -11952,7 +11997,7 @@
                 <a:ea typeface="Franklin Gothic Book"/>
                 <a:cs typeface="Franklin Gothic Book"/>
               </a:rPr>
-              <a:t>インドのチャイの時代を超えた伝統に敬意を表す</a:t>
+              <a:t>Rinde homenaje a las tradiciones atemporales del chai indio</a:t>
             </a:r>
           </a:p>
           <a:p>
@@ -11971,7 +12016,7 @@
                 <a:ea typeface="Franklin Gothic Book"/>
                 <a:cs typeface="Franklin Gothic Book"/>
               </a:rPr>
-              <a:t>インドの活気に満ちた風景を巡る魅惑的な旅</a:t>
+              <a:t>Un recorrido fascinante por los encantadores paisajes de la India</a:t>
             </a:r>
           </a:p>
           <a:p>
@@ -11990,7 +12035,7 @@
                 <a:ea typeface="Franklin Gothic Book"/>
                 <a:cs typeface="Franklin Gothic Book"/>
               </a:rPr>
-              <a:t>本格的なチャイ体験をご自宅で</a:t>
+              <a:t>Permite vivir una verdadera experiencia chai desde su hogar</a:t>
             </a:r>
           </a:p>
         </p:txBody>
@@ -12018,7 +12063,7 @@
         </p:nvGraphicFramePr>
         <p:xfrm>
           <a:off x="1346750" y="930063"/>
-          <a:ext cx="9499602" cy="2983992"/>
+          <a:ext cx="9499602" cy="3855720"/>
         </p:xfrm>
         <a:graphic>
           <a:graphicData uri="http://schemas.openxmlformats.org/drawingml/2006/table">
@@ -12056,7 +12101,7 @@
                     <a:lstStyle/>
                     <a:p>
                       <a:r>
-                        <a:rPr lang="es-ES" sz="3300" b="0" i="0" strike="noStrike" cap="none" baseline="0">
+                        <a:rPr lang="es-ES" sz="3300" b="1" i="0" strike="noStrike" cap="none" baseline="0">
                           <a:solidFill>
                             <a:srgbClr val="FFFFFF"/>
                           </a:solidFill>
@@ -12065,7 +12110,7 @@
                           <a:ea typeface="Franklin Gothic Book"/>
                           <a:cs typeface="Franklin Gothic Book"/>
                         </a:rPr>
-                        <a:t>製品説明</a:t>
+                        <a:t>Descripción del producto</a:t>
                       </a:r>
                     </a:p>
                   </a:txBody>
@@ -12135,7 +12180,7 @@
                           <a:ea typeface="Franklin Gothic Book"/>
                           <a:cs typeface="Franklin Gothic Book"/>
                         </a:rPr>
-                        <a:t>Mystic Spice Premium Chai Tea</a:t>
+                        <a:t>té chai premium Mystic Spice</a:t>
                       </a:r>
                     </a:p>
                   </a:txBody>
@@ -12156,7 +12201,7 @@
                           <a:ea typeface="Franklin Gothic Book"/>
                           <a:cs typeface="Franklin Gothic Book"/>
                         </a:rPr>
-                        <a:t>丁寧に作られたブレンド</a:t>
+                        <a:t>Combinación creada meticulosamente</a:t>
                       </a:r>
                     </a:p>
                   </a:txBody>
@@ -12177,7 +12222,7 @@
                           <a:ea typeface="Franklin Gothic Book"/>
                           <a:cs typeface="Franklin Gothic Book"/>
                         </a:rPr>
-                        <a:t>本格的なチャイ体験</a:t>
+                        <a:t>Verdadera experiencia chai</a:t>
                       </a:r>
                     </a:p>
                   </a:txBody>
@@ -12329,7 +12374,7 @@
                 <a:ea typeface="Bookman Old Style"/>
                 <a:cs typeface="Bookman Old Style"/>
               </a:rPr>
-              <a:t>製品説明 (1/2)</a:t>
+              <a:t>Descripción del producto (1/2)</a:t>
             </a:r>
           </a:p>
         </p:txBody>
@@ -12474,7 +12519,7 @@
         </p:nvGraphicFramePr>
         <p:xfrm>
           <a:off x="1096963" y="2287915"/>
-          <a:ext cx="10058401" cy="3407281"/>
+          <a:ext cx="10058401" cy="3697554"/>
         </p:xfrm>
         <a:graphic>
           <a:graphicData uri="http://schemas.openxmlformats.org/drawingml/2006/table">
@@ -12539,7 +12584,7 @@
                         </a:spcAft>
                       </a:pPr>
                       <a:r>
-                        <a:rPr lang="es-ES" sz="1400" b="0" i="0" strike="noStrike" cap="none" baseline="0">
+                        <a:rPr lang="es-ES" sz="1400" b="1" i="0" strike="noStrike" cap="none" baseline="0">
                           <a:solidFill>
                             <a:srgbClr val="FFFFFF"/>
                           </a:solidFill>
@@ -12548,7 +12593,7 @@
                           <a:ea typeface="Franklin Gothic Book"/>
                           <a:cs typeface="Franklin Gothic Book"/>
                         </a:rPr>
-                        <a:t>製品説明</a:t>
+                        <a:t>Descripción del producto</a:t>
                       </a:r>
                       <a:endParaRPr lang="en-US" sz="2300">
                         <a:effectLst/>
@@ -12584,7 +12629,7 @@
                           <a:ea typeface="Franklin Gothic Book"/>
                           <a:cs typeface="Franklin Gothic Book"/>
                         </a:rPr>
-                        <a:t>Mystic Spice Premium Chai Tea</a:t>
+                        <a:t>té chai premium Mystic Spice</a:t>
                       </a:r>
                       <a:endParaRPr lang="en-US" sz="2300">
                         <a:effectLst/>
@@ -12613,7 +12658,7 @@
                           <a:ea typeface="Franklin Gothic Book"/>
                           <a:cs typeface="Franklin Gothic Book"/>
                         </a:rPr>
-                        <a:t>インドのチャイの時代を超越した伝統に敬意を表し、細心の注意を払って作られたブレンドである Mystic Spice Premium Chai Tea の豊かで香り高い抱擁をお楽しみください。</a:t>
+                        <a:t>Entréguese al rico y aromático abrazo del té chai premium Mystic Spice, una combinación creada meticulosamente que rinde homenaje a las tradiciones atemporales del chai indio.</a:t>
                       </a:r>
                       <a:r>
                         <a:rPr lang="es-ES" sz="1400" b="0" i="0" strike="noStrike" cap="none" baseline="0">
@@ -12637,7 +12682,7 @@
                           <a:ea typeface="Franklin Gothic Book"/>
                           <a:cs typeface="Franklin Gothic Book"/>
                         </a:rPr>
-                        <a:t>各カップはインドの活気に満ちた風景を巡る魅惑的な旅を提供し、自宅で本格的なチャイ体験をお届けします。</a:t>
+                        <a:t>Cada taza ofrece un recorrido fascinante por los encantadores paisajes de la India, que le permite vivir una verdadera experiencia chai desde su hogar.</a:t>
                       </a:r>
                       <a:endParaRPr lang="en-US" sz="2300">
                         <a:effectLst/>
@@ -12673,7 +12718,7 @@
                           <a:ea typeface="Franklin Gothic Book"/>
                           <a:cs typeface="Franklin Gothic Book"/>
                         </a:rPr>
-                        <a:t>Principales características</a:t>
+                        <a:t>Características principales</a:t>
                       </a:r>
                       <a:endParaRPr lang="en-US" sz="2300">
                         <a:effectLst/>
@@ -12738,7 +12783,7 @@
                           <a:ea typeface="Franklin Gothic Book"/>
                           <a:cs typeface="Franklin Gothic Book"/>
                         </a:rPr>
-                        <a:t>Mezcla auténtica: Nuestra chai es una mezcla armónica de hojas de té negro premium y una selección de especias molidas, incluyendo canela, cardamomo, cloves, jengibre y pimienta negra.</a:t>
+                        <a:t>Combinación auténtica: nuestro té chai es una armoniosa combinación de hojas de té negro premium y una exclusiva selección de especias molidas, como la canela, el cardamomo, el clavo, el jengibre y la pimienta negra.</a:t>
                       </a:r>
                       <a:r>
                         <a:rPr lang="es-ES" sz="1400" b="0" i="0" strike="noStrike" cap="none" baseline="0">
@@ -12762,7 +12807,7 @@
                           <a:ea typeface="Franklin Gothic Book"/>
                           <a:cs typeface="Franklin Gothic Book"/>
                         </a:rPr>
-                        <a:t>この古くから伝わるレシピは、一口飲むごとに本格的でしっかりとした味わいを約束します。</a:t>
+                        <a:t>Esta receta inmemorial promete un sabor auténtico y sólido en cada sorbo.</a:t>
                       </a:r>
                       <a:endParaRPr lang="en-US" sz="2300">
                         <a:effectLst/>
@@ -12791,7 +12836,7 @@
                           <a:ea typeface="Franklin Gothic Book"/>
                           <a:cs typeface="Franklin Gothic Book"/>
                         </a:rPr>
-                        <a:t>Ingredientes de mejora de la salud: Cada ingrediente del Místico Spice Chai Tea se elige para sus beneficios naturales para la salud.</a:t>
+                        <a:t>Ingredientes beneficiosos para la salud: cada ingrediente del té chai Mystic Spice se elige por sus beneficios naturales para la salud.</a:t>
                       </a:r>
                       <a:r>
                         <a:rPr lang="es-ES" sz="1400" b="0" i="0" strike="noStrike" cap="none" baseline="0">
@@ -12815,7 +12860,7 @@
                           <a:ea typeface="Franklin Gothic Book"/>
                           <a:cs typeface="Franklin Gothic Book"/>
                         </a:rPr>
-                        <a:t>ジンジャーとカルダモンは消化を助け、シナモンは血糖値の調節を助け、クローブは抗酸化物質を高めます。</a:t>
+                        <a:t>El jengibre y el cardamomo ayudan a la digestión, la canela ayuda a regular el azúcar en sangre y los clavos agregan un impulso de antioxidantes.</a:t>
                       </a:r>
                       <a:endParaRPr lang="en-US" sz="2300">
                         <a:effectLst/>
@@ -13149,7 +13194,7 @@
                 <a:ea typeface="Bookman Old Style"/>
                 <a:cs typeface="Bookman Old Style"/>
               </a:rPr>
-              <a:t>製品説明 (2/2)</a:t>
+              <a:t>Descripción del producto (2/2)</a:t>
             </a:r>
           </a:p>
         </p:txBody>
@@ -13229,7 +13274,7 @@
         </p:nvGraphicFramePr>
         <p:xfrm>
           <a:off x="5282335" y="1994843"/>
-          <a:ext cx="6275668" cy="3677462"/>
+          <a:ext cx="6275668" cy="4012742"/>
         </p:xfrm>
         <a:graphic>
           <a:graphicData uri="http://schemas.openxmlformats.org/drawingml/2006/table">
@@ -13294,7 +13339,7 @@
                         </a:spcAft>
                       </a:pPr>
                       <a:r>
-                        <a:rPr lang="es-ES" sz="1100" b="0" i="0" strike="noStrike" cap="none" baseline="0">
+                        <a:rPr lang="es-ES" sz="1100" b="1" i="0" strike="noStrike" cap="none" baseline="0">
                           <a:solidFill>
                             <a:srgbClr val="FFFFFF"/>
                           </a:solidFill>
@@ -13303,7 +13348,7 @@
                           <a:ea typeface="Franklin Gothic Book"/>
                           <a:cs typeface="Franklin Gothic Book"/>
                         </a:rPr>
-                        <a:t>製品説明</a:t>
+                        <a:t>Descripción del producto</a:t>
                       </a:r>
                       <a:endParaRPr lang="en-US" sz="1700">
                         <a:effectLst/>
@@ -13339,7 +13384,7 @@
                           <a:ea typeface="Franklin Gothic Book"/>
                           <a:cs typeface="Franklin Gothic Book"/>
                         </a:rPr>
-                        <a:t>Rico Aroma y Sabor: El aroma cálido, picante y profundo, vigorizante sabor de nuestra chai hacen que sea la bebida perfecta para comenzar su día o relajarse por la noche.</a:t>
+                        <a:t>Aroma y sabor intensos: el aroma cálido y especiado, y el sabor profundo y vigorizante de nuestro chai hacen que sea la bebida perfecta para comenzar el día o relajarse por la noche.</a:t>
                       </a:r>
                       <a:r>
                         <a:rPr lang="es-ES" sz="1100" b="0" i="0" strike="noStrike" cap="none" baseline="0">
@@ -13363,7 +13408,7 @@
                           <a:ea typeface="Franklin Gothic Book"/>
                           <a:cs typeface="Franklin Gothic Book"/>
                         </a:rPr>
-                        <a:t>風味は強烈でありながらバランスが取れており、快適で心地よい体験を生み出します。</a:t>
+                        <a:t>Los sabores son intensos pero equilibrados, de forma que se genera una experiencia reconfortante y relajante.</a:t>
                       </a:r>
                       <a:endParaRPr lang="en-US" sz="1700">
                         <a:effectLst/>
@@ -13392,7 +13437,7 @@
                           <a:ea typeface="Franklin Gothic Book"/>
                           <a:cs typeface="Franklin Gothic Book"/>
                         </a:rPr>
-                        <a:t>Opciones versátiles de preparación: Ya sea que amas tu chai vaporing caliente, como un refrescante té helado, o como una latte cremosa, nuestra mezcla es lo suficientemente versátil como para adaptarte a cualquier preferencia.</a:t>
+                        <a:t>Opciones versátiles de preparación: Ya sea que le guste su chai bien caliente, como un refrescante té helado, o como una latte cremoso, nuestra mezcla es lo suficientemente versátil como para adaptarse a cualquier preferencia.</a:t>
                       </a:r>
                       <a:r>
                         <a:rPr lang="es-ES" sz="1100" b="0" i="0" strike="noStrike" cap="none" baseline="0">
@@ -13416,7 +13461,7 @@
                           <a:ea typeface="Franklin Gothic Book"/>
                           <a:cs typeface="Franklin Gothic Book"/>
                         </a:rPr>
-                        <a:t>お好みの方法でチャイをお楽しみいただけるよう、簡単な淹れ方の説明書が付属しています。</a:t>
+                        <a:t>Se incluyen instrucciones de elaboración sencillas para ayudarle a disfrutar de su chai de la forma en la que lo desee.</a:t>
                       </a:r>
                       <a:endParaRPr lang="en-US" sz="1700">
                         <a:effectLst/>
@@ -13452,7 +13497,7 @@
                           <a:ea typeface="Franklin Gothic Book"/>
                           <a:cs typeface="Franklin Gothic Book"/>
                         </a:rPr>
-                        <a:t>Origen sostenible: Comprometidos con la sostenibilidad, originamos nuestros ingredientes de granjas a pequeña escala que practican la agricultura ecológica, garantizando no sólo la mejor calidad, sino también el bienestar de nuestro planeta.</a:t>
+                        <a:t>Origen sostenible: al estar comprometidos con la sostenibilidad, obtenemos nuestros ingredientes de pequeñas explotaciones que practican la agricultura ecológica, garantizando no solo la mejor calidad, sino también el bienestar de nuestro planeta.</a:t>
                       </a:r>
                       <a:endParaRPr lang="en-US" sz="1700">
                         <a:effectLst/>
@@ -13481,7 +13526,7 @@
                           <a:ea typeface="Franklin Gothic Book"/>
                           <a:cs typeface="Franklin Gothic Book"/>
                         </a:rPr>
-                        <a:t>Empaquetado elegante: El té de Spice Chai místico viene en un empaquetado elegante, ecológico, lo que lo convierte en un regalo ideal para los amantes del té o un lujoso trato para usted mismo.</a:t>
+                        <a:t>Envase elegante: el té chai Mystic Spice viene en un envase elegante, ecológico, lo que lo convierte en el regalo ideal para los amantes del té o un capricho lujoso para uno mismo.</a:t>
                       </a:r>
                       <a:endParaRPr lang="en-US" sz="1700">
                         <a:effectLst/>
@@ -13517,7 +13562,7 @@
                           <a:ea typeface="Franklin Gothic Book"/>
                           <a:cs typeface="Franklin Gothic Book"/>
                         </a:rPr>
-                        <a:t>Garantía de satisfacción del cliente: Estamos detrás de nuestro producto y ofrecemos una garantía de satisfacción.</a:t>
+                        <a:t>Garantía de satisfacción del cliente: respaldamos nuestro producto y ofrecemos una garantía de satisfacción.</a:t>
                       </a:r>
                       <a:r>
                         <a:rPr lang="es-ES" sz="1100" b="0" i="0" strike="noStrike" cap="none" baseline="0">
@@ -13541,7 +13586,7 @@
                           <a:ea typeface="Franklin Gothic Book"/>
                           <a:cs typeface="Franklin Gothic Book"/>
                         </a:rPr>
-                        <a:t>Mystic Spice Chai Tea がお客様のご期待に添えない場合は、当社が改善するよう努めます。</a:t>
+                        <a:t>Si el té chai Mystic Spice no satisface sus expectativas, nos comprometemos a resolverlo.</a:t>
                       </a:r>
                       <a:endParaRPr lang="en-US" sz="1700">
                         <a:effectLst/>
@@ -13570,7 +13615,7 @@
                           <a:ea typeface="Franklin Gothic Book"/>
                           <a:cs typeface="Franklin Gothic Book"/>
                         </a:rPr>
-                        <a:t>Ideal para: entusiastas del té, individuos conscientes de la salud, amantes de bebidas calientes, especiadas, y cualquier persona que busca explorar los ricos sabores de la chai india tradicional.</a:t>
+                        <a:t>Ideal para: los apasionados del té, las personas conscientes de la salud, los amantes de las bebidas calientes especiadas, y cualquier persona que desea explorar los sabores intensos del chai indio tradicional.</a:t>
                       </a:r>
                       <a:endParaRPr lang="en-US" sz="1700">
                         <a:effectLst/>
@@ -13828,7 +13873,7 @@
         </p:spPr>
         <p:txBody>
           <a:bodyPr vert="horz" lIns="91440" tIns="45720" rIns="91440" bIns="45720" rtlCol="0" anchor="b">
-            <a:normAutofit/>
+            <a:normAutofit fontScale="90000"/>
           </a:bodyPr>
           <a:lstStyle/>
           <a:p>
@@ -13842,7 +13887,7 @@
                 <a:ea typeface="Bookman Old Style"/>
                 <a:cs typeface="Bookman Old Style"/>
               </a:rPr>
-              <a:t>市場の動向と需要</a:t>
+              <a:t>Tendencias y demanda del mercado</a:t>
             </a:r>
           </a:p>
         </p:txBody>
@@ -13926,7 +13971,7 @@
         </p:spPr>
         <p:txBody>
           <a:bodyPr vert="horz" lIns="0" tIns="45720" rIns="0" bIns="45720" rtlCol="0">
-            <a:normAutofit/>
+            <a:normAutofit fontScale="92500" lnSpcReduction="20000"/>
           </a:bodyPr>
           <a:lstStyle/>
           <a:p>
@@ -13945,7 +13990,7 @@
                 <a:ea typeface="Franklin Gothic Book"/>
                 <a:cs typeface="Franklin Gothic Book"/>
               </a:rPr>
-              <a:t>ラテン アメリカはチャイ ティーの素晴らしい機会を提供</a:t>
+              <a:t>América Latina ofrece una excelente oportunidad para el té chai</a:t>
             </a:r>
           </a:p>
           <a:p>
@@ -13964,7 +14009,7 @@
                 <a:ea typeface="Franklin Gothic Book"/>
                 <a:cs typeface="Franklin Gothic Book"/>
               </a:rPr>
-              <a:t>健康的、自然的、そしてエキゾチックな製品に対する需要の高まり</a:t>
+              <a:t>Creciente demanda por productos saludables, naturales y exóticos</a:t>
             </a:r>
           </a:p>
           <a:p>
@@ -13983,7 +14028,7 @@
                 <a:ea typeface="Franklin Gothic Book"/>
                 <a:cs typeface="Franklin Gothic Book"/>
               </a:rPr>
-              <a:t>アルゼンチン、チリ、ウルグアイなどの国々で根強いお茶文化</a:t>
+              <a:t>Sólida cultura del té en países como Argentina, Chile y Uruguay</a:t>
             </a:r>
           </a:p>
           <a:p>
@@ -14002,7 +14047,7 @@
                 <a:ea typeface="Franklin Gothic Book"/>
                 <a:cs typeface="Franklin Gothic Book"/>
               </a:rPr>
-              <a:t>チャイ ティーは紅茶とコーヒーの両方の愛好家を魅了</a:t>
+              <a:t>El té chai puede gustarles tanto a los amantes del té como a los del café</a:t>
             </a:r>
           </a:p>
           <a:p>
@@ -14021,7 +14066,7 @@
                 <a:ea typeface="Franklin Gothic Book"/>
                 <a:cs typeface="Franklin Gothic Book"/>
               </a:rPr>
-              <a:t>チャイ ティーはラテン アメリカの消費者のライフスタイルと好みにフィット</a:t>
+              <a:t>El té chai se adapta al estilo de vida y las preferencias de los consumidores de América Latina</a:t>
             </a:r>
           </a:p>
           <a:p>
@@ -14040,7 +14085,7 @@
                 <a:ea typeface="Franklin Gothic Book"/>
                 <a:cs typeface="Franklin Gothic Book"/>
               </a:rPr>
-              <a:t>世界のチャイ ティー市場規模は 2019 年に 19 億米ドルと評価された</a:t>
+              <a:t>El tamaño del mercado mundial del té chai se valoró en 1,9 mil millones de dólares en 2019</a:t>
             </a:r>
           </a:p>
           <a:p>
@@ -14059,7 +14104,7 @@
                 <a:ea typeface="Franklin Gothic Book"/>
                 <a:cs typeface="Franklin Gothic Book"/>
               </a:rPr>
-              <a:t>2020 年から 2027 年にかけて 5.5% の CAGR で成長すると予想</a:t>
+              <a:t>Se espera que crezca a una CAGR del 5,5 % desde 2020 hasta 2027</a:t>
             </a:r>
           </a:p>
           <a:p>
@@ -14078,7 +14123,7 @@
                 <a:ea typeface="Franklin Gothic Book"/>
                 <a:cs typeface="Franklin Gothic Book"/>
               </a:rPr>
-              <a:t>ラテン アメリカはチャイ ティーの最も急成長している地域の一つ</a:t>
+              <a:t>América Latina es una de las regiones con el crecimiento más rápido para el té chai</a:t>
             </a:r>
           </a:p>
           <a:p>
@@ -14097,7 +14142,7 @@
                 <a:ea typeface="Franklin Gothic Book"/>
                 <a:cs typeface="Franklin Gothic Book"/>
               </a:rPr>
-              <a:t>成長の主な原動力には、認知度の向上、可処分所得の増加、流通の拡大が含まれる</a:t>
+              <a:t>Entre los principales impulsores del crecimiento se incluye el creciente conocimiento, el aumento de los ingresos disponibles y la distribución en aumento</a:t>
             </a:r>
           </a:p>
         </p:txBody>
@@ -14187,7 +14232,7 @@
         </p:nvGraphicFramePr>
         <p:xfrm>
           <a:off x="643192" y="1541387"/>
-          <a:ext cx="5115348" cy="3455187"/>
+          <a:ext cx="5115348" cy="5556972"/>
         </p:xfrm>
         <a:graphic>
           <a:graphicData uri="http://schemas.openxmlformats.org/drawingml/2006/table">
@@ -14263,7 +14308,7 @@
                     <a:lstStyle/>
                     <a:p>
                       <a:r>
-                        <a:rPr lang="es-ES" sz="2000" b="0" i="0" strike="noStrike" cap="all" baseline="0">
+                        <a:rPr lang="es-ES" sz="2000" b="1" i="0" strike="noStrike" cap="all" baseline="0">
                           <a:solidFill>
                             <a:srgbClr val="000000"/>
                           </a:solidFill>
@@ -14272,7 +14317,7 @@
                           <a:ea typeface="Franklin Gothic Book"/>
                           <a:cs typeface="Franklin Gothic Book"/>
                         </a:rPr>
-                        <a:t>チャイ ティー市場規模 (10 億米ドル)</a:t>
+                        <a:t>Tamaño del mercado del té chai (miles de millones de dólares estadounidenses)</a:t>
                       </a:r>
                     </a:p>
                   </a:txBody>
@@ -14298,7 +14343,7 @@
                     <a:lstStyle/>
                     <a:p>
                       <a:r>
-                        <a:rPr lang="es-ES" sz="2000" b="0" i="0" strike="noStrike" cap="all" baseline="0">
+                        <a:rPr lang="es-ES" sz="2000" b="1" i="0" strike="noStrike" cap="all" baseline="0">
                           <a:solidFill>
                             <a:srgbClr val="000000"/>
                           </a:solidFill>
@@ -14307,7 +14352,7 @@
                           <a:ea typeface="Franklin Gothic Book"/>
                           <a:cs typeface="Franklin Gothic Book"/>
                         </a:rPr>
-                        <a:t>CAGR (2020 から 2027 年)</a:t>
+                        <a:t>CAGR (2020-2027)</a:t>
                       </a:r>
                     </a:p>
                   </a:txBody>
@@ -14389,7 +14434,7 @@
                           <a:ea typeface="Franklin Gothic Book"/>
                           <a:cs typeface="Franklin Gothic Book"/>
                         </a:rPr>
-                        <a:t>1.9</a:t>
+                        <a:t>1,9</a:t>
                       </a:r>
                     </a:p>
                   </a:txBody>
@@ -14429,7 +14474,7 @@
                           <a:ea typeface="Franklin Gothic Book"/>
                           <a:cs typeface="Franklin Gothic Book"/>
                         </a:rPr>
-                        <a:t>5.5%</a:t>
+                        <a:t>5,5 %</a:t>
                       </a:r>
                     </a:p>
                   </a:txBody>
@@ -14562,7 +14607,7 @@
                           <a:ea typeface="Franklin Gothic Book"/>
                           <a:cs typeface="Franklin Gothic Book"/>
                         </a:rPr>
-                        <a:t>6.2%</a:t>
+                        <a:t>6,2 %</a:t>
                       </a:r>
                     </a:p>
                   </a:txBody>
@@ -14827,7 +14872,7 @@
         </p:spPr>
         <p:txBody>
           <a:bodyPr anchor="ctr">
-            <a:normAutofit/>
+            <a:normAutofit lnSpcReduction="20000"/>
           </a:bodyPr>
           <a:lstStyle/>
           <a:p>
@@ -14841,7 +14886,7 @@
                 <a:ea typeface="Franklin Gothic Book"/>
                 <a:cs typeface="Franklin Gothic Book"/>
               </a:rPr>
-              <a:t>Minoristas: Vender productos de té Chai directamente a los consumidores</a:t>
+              <a:t>Minoristas: venden los productos de té chai directamente a los consumidores</a:t>
             </a:r>
           </a:p>
           <a:p>
@@ -14856,7 +14901,7 @@
                 <a:ea typeface="Franklin Gothic Book"/>
                 <a:cs typeface="Franklin Gothic Book"/>
               </a:rPr>
-              <a:t>スーパーマーケット、コンビニエンス ストア、専門店、カフェ、オンライン プラットフォーム</a:t>
+              <a:t>Supermercados, tiendas abiertas las 24 horas, tiendas especializadas, cafeterías y plataformas en línea</a:t>
             </a:r>
           </a:p>
           <a:p>
@@ -14871,7 +14916,7 @@
                 <a:ea typeface="Franklin Gothic Book"/>
                 <a:cs typeface="Franklin Gothic Book"/>
               </a:rPr>
-              <a:t>消費者の認識、好み、購入に影響を与える</a:t>
+              <a:t>Influyen en la percepción, preferencias y compra por parte del consumidor</a:t>
             </a:r>
           </a:p>
           <a:p>
@@ -14886,7 +14931,7 @@
                 <a:ea typeface="Franklin Gothic Book"/>
                 <a:cs typeface="Franklin Gothic Book"/>
               </a:rPr>
-              <a:t>プロモーションや商品化のサポートを提供する</a:t>
+              <a:t>Ofrecen asistencia promocional y de comercialización</a:t>
             </a:r>
           </a:p>
           <a:p>
@@ -14901,7 +14946,7 @@
                 <a:ea typeface="Franklin Gothic Book"/>
                 <a:cs typeface="Franklin Gothic Book"/>
               </a:rPr>
-              <a:t>大手小売業者</a:t>
+              <a:t>Principales minoristas</a:t>
             </a:r>
           </a:p>
           <a:p>
@@ -14915,7 +14960,7 @@
                 <a:ea typeface="Franklin Gothic Book"/>
                 <a:cs typeface="Franklin Gothic Book"/>
               </a:rPr>
-              <a:t>Mayoristas: Venta de productos de té Chai en masa a minoristas</a:t>
+              <a:t>Mayoristas: venden productos de té chai al por mayor a minoristas</a:t>
             </a:r>
           </a:p>
           <a:p>
@@ -14929,7 +14974,7 @@
                 <a:ea typeface="Franklin Gothic Book"/>
                 <a:cs typeface="Franklin Gothic Book"/>
               </a:rPr>
-              <a:t>Distribuidores: Transporte de productos de té Chai de fabricantes a minoristas</a:t>
+              <a:t>Distribuidores: transportan los productos de té chai desde los fabricantes hasta los minoristas</a:t>
             </a:r>
           </a:p>
         </p:txBody>
@@ -15161,7 +15206,7 @@
         </p:spPr>
         <p:txBody>
           <a:bodyPr anchor="ctr">
-            <a:normAutofit/>
+            <a:normAutofit lnSpcReduction="10000"/>
           </a:bodyPr>
           <a:lstStyle/>
           <a:p>
@@ -15175,7 +15220,7 @@
                 <a:ea typeface="Franklin Gothic Book"/>
                 <a:cs typeface="Franklin Gothic Book"/>
               </a:rPr>
-              <a:t>卸売業者は製造元や流通業者からチャイ ティー製品を大量に購入します</a:t>
+              <a:t>Los mayoristas compran productos de té chai en masa a los fabricantes o distribuidores</a:t>
             </a:r>
           </a:p>
           <a:p>
@@ -15190,7 +15235,7 @@
                 <a:ea typeface="Franklin Gothic Book"/>
                 <a:cs typeface="Franklin Gothic Book"/>
               </a:rPr>
-              <a:t>小売業者や他の仲介業者に販売します</a:t>
+              <a:t>Venden a los minoristas u otros intermediarios</a:t>
             </a:r>
           </a:p>
           <a:p>
@@ -15204,7 +15249,7 @@
                 <a:ea typeface="Franklin Gothic Book"/>
                 <a:cs typeface="Franklin Gothic Book"/>
               </a:rPr>
-              <a:t>卸売業者はチャイ ティー製品の需要と供給を結びつけます</a:t>
+              <a:t>Los mayoristas vinculan la oferta y la demanda de productos de té chai</a:t>
             </a:r>
           </a:p>
           <a:p>
@@ -15219,7 +15264,7 @@
                 <a:ea typeface="Franklin Gothic Book"/>
                 <a:cs typeface="Franklin Gothic Book"/>
               </a:rPr>
-              <a:t>規模の経済、保管、輸送サービスを提供します</a:t>
+              <a:t>Ofrecen economías de escala, almacenamiento y servicios de transporte</a:t>
             </a:r>
           </a:p>
           <a:p>
@@ -15233,7 +15278,7 @@
                 <a:ea typeface="Franklin Gothic Book"/>
                 <a:cs typeface="Franklin Gothic Book"/>
               </a:rPr>
-              <a:t>卸売業者は市場情報、フィードバック、信用制度を提供します</a:t>
+              <a:t>Los mayoristas ofrecen información del mercado, comentarios y mecanismos de crédito</a:t>
             </a:r>
           </a:p>
         </p:txBody>

--- a/ResourceFiles/Mystic Spice Premium Chai Market Analysis Presentation.pptx
+++ b/ResourceFiles/Mystic Spice Premium Chai Market Analysis Presentation.pptx
@@ -1,6 +1,6 @@
 
 <file path=ppt/presentation.xml><?xml version="1.0" encoding="utf-8"?>
-<!--Generated by Aspose.Slides for Java 23.6.1-->
+<!--Generated by Aspose.Slides for Java 23.6-->
 <p:presentation xmlns:r="http://schemas.openxmlformats.org/officeDocument/2006/relationships" xmlns:a="http://schemas.openxmlformats.org/drawingml/2006/main" xmlns:p="http://schemas.openxmlformats.org/presentationml/2006/main" removePersonalInfoOnSave="1" saveSubsetFonts="1">
   <p:sldMasterIdLst>
     <p:sldMasterId id="2147483660" r:id="rId1"/>
@@ -8305,6 +8305,77 @@
           </a:prstGeom>
         </p:spPr>
       </p:pic>
+      <p:sp>
+        <p:nvSpPr>
+          <p:cNvPr id="20" name="TextBox"/>
+          <p:cNvSpPr txBox="1">
+            <a:spLocks noGrp="1" noSelect="1" noRot="1" noMove="1"/>
+          </p:cNvSpPr>
+          <p:nvPr/>
+        </p:nvSpPr>
+        <p:spPr>
+          <a:xfrm>
+            <a:off x="2890520" y="2644140"/>
+            <a:ext cx="6411372" cy="1569660"/>
+          </a:xfrm>
+          <a:prstGeom prst="rect">
+            <a:avLst/>
+          </a:prstGeom>
+          <a:noFill/>
+        </p:spPr>
+        <p:txBody>
+          <a:bodyPr wrap="none" rtlCol="0" anchor="ctr" anchorCtr="1">
+            <a:spAutoFit/>
+          </a:bodyPr>
+          <a:lstStyle>
+            <a:lvl1pPr algn="l">
+              <a:lnSpc>
+                <a:spcPct val="150000"/>
+              </a:lnSpc>
+              <a:spcBef>
+                <a:spcPct val="0"/>
+              </a:spcBef>
+              <a:spcAft>
+                <a:spcPct val="0"/>
+              </a:spcAft>
+              <a:defRPr lang="en-US" sz="3200" b="1" noProof="1" dirty="0">
+                <a:solidFill>
+                  <a:prstClr val="red">
+                    <a:lumOff val="30000"/>
+                    <a:alpha val="40000"/>
+                  </a:prstClr>
+                </a:solidFill>
+                <a:effectLst>
+                  <a:outerShdw blurRad="50800" dist="38100" algn="tr" rotWithShape="0">
+                    <a:prstClr val="black">
+                      <a:alpha val="80000"/>
+                    </a:prstClr>
+                  </a:outerShdw>
+                </a:effectLst>
+                <a:latin typeface="Calibri" pitchFamily="34" charset="0"/>
+              </a:defRPr>
+            </a:lvl1pPr>
+          </a:lstStyle>
+          <a:p>
+            <a:pPr algn="ctr"/>
+            <a:r>
+              <a:t>Evaluation only.</a:t>
+            </a:r>
+          </a:p>
+          <a:p>
+            <a:pPr algn="ctr"/>
+            <a:r>
+              <a:t>Created with Aspose.Slides for Java 23.6.</a:t>
+            </a:r>
+          </a:p>
+          <a:p>
+            <a:pPr algn="ctr"/>
+            <a:r>
+              <a:t>Copyright 2004-2023 Aspose Pty Ltd.</a:t>
+            </a:r>
+          </a:p>
+        </p:txBody>
+      </p:sp>
     </p:spTree>
     <p:extLst>
       <p:ext uri="{BB962C8B-B14F-4D97-AF65-F5344CB8AC3E}">
@@ -8960,6 +9031,77 @@
           </a:prstGeom>
         </p:spPr>
       </p:pic>
+      <p:sp>
+        <p:nvSpPr>
+          <p:cNvPr id="17" name="TextBox"/>
+          <p:cNvSpPr txBox="1">
+            <a:spLocks noGrp="1" noSelect="1" noRot="1" noMove="1"/>
+          </p:cNvSpPr>
+          <p:nvPr/>
+        </p:nvSpPr>
+        <p:spPr>
+          <a:xfrm>
+            <a:off x="2890520" y="2644140"/>
+            <a:ext cx="6411372" cy="1569660"/>
+          </a:xfrm>
+          <a:prstGeom prst="rect">
+            <a:avLst/>
+          </a:prstGeom>
+          <a:noFill/>
+        </p:spPr>
+        <p:txBody>
+          <a:bodyPr wrap="none" rtlCol="0" anchor="ctr" anchorCtr="1">
+            <a:spAutoFit/>
+          </a:bodyPr>
+          <a:lstStyle>
+            <a:lvl1pPr algn="l">
+              <a:lnSpc>
+                <a:spcPct val="150000"/>
+              </a:lnSpc>
+              <a:spcBef>
+                <a:spcPct val="0"/>
+              </a:spcBef>
+              <a:spcAft>
+                <a:spcPct val="0"/>
+              </a:spcAft>
+              <a:defRPr lang="en-US" sz="3200" b="1" noProof="1" dirty="0">
+                <a:solidFill>
+                  <a:prstClr val="red">
+                    <a:lumOff val="30000"/>
+                    <a:alpha val="40000"/>
+                  </a:prstClr>
+                </a:solidFill>
+                <a:effectLst>
+                  <a:outerShdw blurRad="50800" dist="38100" algn="tr" rotWithShape="0">
+                    <a:prstClr val="black">
+                      <a:alpha val="80000"/>
+                    </a:prstClr>
+                  </a:outerShdw>
+                </a:effectLst>
+                <a:latin typeface="Calibri" pitchFamily="34" charset="0"/>
+              </a:defRPr>
+            </a:lvl1pPr>
+          </a:lstStyle>
+          <a:p>
+            <a:pPr algn="ctr"/>
+            <a:r>
+              <a:t>Evaluation only.</a:t>
+            </a:r>
+          </a:p>
+          <a:p>
+            <a:pPr algn="ctr"/>
+            <a:r>
+              <a:t>Created with Aspose.Slides for Java 23.6.</a:t>
+            </a:r>
+          </a:p>
+          <a:p>
+            <a:pPr algn="ctr"/>
+            <a:r>
+              <a:t>Copyright 2004-2023 Aspose Pty Ltd.</a:t>
+            </a:r>
+          </a:p>
+        </p:txBody>
+      </p:sp>
     </p:spTree>
     <p:extLst>
       <p:ext uri="{BB962C8B-B14F-4D97-AF65-F5344CB8AC3E}">
@@ -9420,6 +9562,77 @@
           </a:p>
         </p:txBody>
       </p:sp>
+      <p:sp>
+        <p:nvSpPr>
+          <p:cNvPr id="11" name="TextBox"/>
+          <p:cNvSpPr txBox="1">
+            <a:spLocks noGrp="1" noSelect="1" noRot="1" noMove="1"/>
+          </p:cNvSpPr>
+          <p:nvPr/>
+        </p:nvSpPr>
+        <p:spPr>
+          <a:xfrm>
+            <a:off x="2890520" y="2644140"/>
+            <a:ext cx="6411372" cy="1569660"/>
+          </a:xfrm>
+          <a:prstGeom prst="rect">
+            <a:avLst/>
+          </a:prstGeom>
+          <a:noFill/>
+        </p:spPr>
+        <p:txBody>
+          <a:bodyPr wrap="none" rtlCol="0" anchor="ctr" anchorCtr="1">
+            <a:spAutoFit/>
+          </a:bodyPr>
+          <a:lstStyle>
+            <a:lvl1pPr algn="l">
+              <a:lnSpc>
+                <a:spcPct val="150000"/>
+              </a:lnSpc>
+              <a:spcBef>
+                <a:spcPct val="0"/>
+              </a:spcBef>
+              <a:spcAft>
+                <a:spcPct val="0"/>
+              </a:spcAft>
+              <a:defRPr lang="en-US" sz="3200" b="1" noProof="1" dirty="0">
+                <a:solidFill>
+                  <a:prstClr val="red">
+                    <a:lumOff val="30000"/>
+                    <a:alpha val="40000"/>
+                  </a:prstClr>
+                </a:solidFill>
+                <a:effectLst>
+                  <a:outerShdw blurRad="50800" dist="38100" algn="tr" rotWithShape="0">
+                    <a:prstClr val="black">
+                      <a:alpha val="80000"/>
+                    </a:prstClr>
+                  </a:outerShdw>
+                </a:effectLst>
+                <a:latin typeface="Calibri" pitchFamily="34" charset="0"/>
+              </a:defRPr>
+            </a:lvl1pPr>
+          </a:lstStyle>
+          <a:p>
+            <a:pPr algn="ctr"/>
+            <a:r>
+              <a:t>Evaluation only.</a:t>
+            </a:r>
+          </a:p>
+          <a:p>
+            <a:pPr algn="ctr"/>
+            <a:r>
+              <a:t>Created with Aspose.Slides for Java 23.6.</a:t>
+            </a:r>
+          </a:p>
+          <a:p>
+            <a:pPr algn="ctr"/>
+            <a:r>
+              <a:t>Copyright 2004-2023 Aspose Pty Ltd.</a:t>
+            </a:r>
+          </a:p>
+        </p:txBody>
+      </p:sp>
     </p:spTree>
     <p:extLst>
       <p:ext uri="{BB962C8B-B14F-4D97-AF65-F5344CB8AC3E}">
@@ -9847,6 +10060,77 @@
                 <a:cs typeface="Franklin Gothic Book"/>
               </a:rPr>
               <a:t>Un aumento del 25 % en la satisfacción del cliente y las tasas de retención del té chai en la región</a:t>
+            </a:r>
+          </a:p>
+        </p:txBody>
+      </p:sp>
+      <p:sp>
+        <p:nvSpPr>
+          <p:cNvPr id="17" name="TextBox"/>
+          <p:cNvSpPr txBox="1">
+            <a:spLocks noGrp="1" noSelect="1" noRot="1" noMove="1"/>
+          </p:cNvSpPr>
+          <p:nvPr/>
+        </p:nvSpPr>
+        <p:spPr>
+          <a:xfrm>
+            <a:off x="2890520" y="2644140"/>
+            <a:ext cx="6411372" cy="1569660"/>
+          </a:xfrm>
+          <a:prstGeom prst="rect">
+            <a:avLst/>
+          </a:prstGeom>
+          <a:noFill/>
+        </p:spPr>
+        <p:txBody>
+          <a:bodyPr wrap="none" rtlCol="0" anchor="ctr" anchorCtr="1">
+            <a:spAutoFit/>
+          </a:bodyPr>
+          <a:lstStyle>
+            <a:lvl1pPr algn="l">
+              <a:lnSpc>
+                <a:spcPct val="150000"/>
+              </a:lnSpc>
+              <a:spcBef>
+                <a:spcPct val="0"/>
+              </a:spcBef>
+              <a:spcAft>
+                <a:spcPct val="0"/>
+              </a:spcAft>
+              <a:defRPr lang="en-US" sz="3200" b="1" noProof="1" dirty="0">
+                <a:solidFill>
+                  <a:prstClr val="red">
+                    <a:lumOff val="30000"/>
+                    <a:alpha val="40000"/>
+                  </a:prstClr>
+                </a:solidFill>
+                <a:effectLst>
+                  <a:outerShdw blurRad="50800" dist="38100" algn="tr" rotWithShape="0">
+                    <a:prstClr val="black">
+                      <a:alpha val="80000"/>
+                    </a:prstClr>
+                  </a:outerShdw>
+                </a:effectLst>
+                <a:latin typeface="Calibri" pitchFamily="34" charset="0"/>
+              </a:defRPr>
+            </a:lvl1pPr>
+          </a:lstStyle>
+          <a:p>
+            <a:pPr algn="ctr"/>
+            <a:r>
+              <a:t>Evaluation only.</a:t>
+            </a:r>
+          </a:p>
+          <a:p>
+            <a:pPr algn="ctr"/>
+            <a:r>
+              <a:t>Created with Aspose.Slides for Java 23.6.</a:t>
+            </a:r>
+          </a:p>
+          <a:p>
+            <a:pPr algn="ctr"/>
+            <a:r>
+              <a:t>Copyright 2004-2023 Aspose Pty Ltd.</a:t>
             </a:r>
           </a:p>
         </p:txBody>
@@ -10078,7 +10362,7 @@
         </p:spPr>
         <p:txBody>
           <a:bodyPr anchor="ctr">
-            <a:normAutofit fontScale="92500" lnSpcReduction="20000"/>
+            <a:normAutofit fontScale="97500" lnSpcReduction="10000"/>
           </a:bodyPr>
           <a:lstStyle/>
           <a:p>
@@ -10149,6 +10433,77 @@
                 <a:cs typeface="Franklin Gothic Book"/>
               </a:rPr>
               <a:t>Problemas medioambientales y sociales que pueden afectar al suministro y a la calidad de los ingredientes del té chai</a:t>
+            </a:r>
+          </a:p>
+        </p:txBody>
+      </p:sp>
+      <p:sp>
+        <p:nvSpPr>
+          <p:cNvPr id="11" name="TextBox"/>
+          <p:cNvSpPr txBox="1">
+            <a:spLocks noGrp="1" noSelect="1" noRot="1" noMove="1"/>
+          </p:cNvSpPr>
+          <p:nvPr/>
+        </p:nvSpPr>
+        <p:spPr>
+          <a:xfrm>
+            <a:off x="2890520" y="2644140"/>
+            <a:ext cx="6411372" cy="1569660"/>
+          </a:xfrm>
+          <a:prstGeom prst="rect">
+            <a:avLst/>
+          </a:prstGeom>
+          <a:noFill/>
+        </p:spPr>
+        <p:txBody>
+          <a:bodyPr wrap="none" rtlCol="0" anchor="ctr" anchorCtr="1">
+            <a:spAutoFit/>
+          </a:bodyPr>
+          <a:lstStyle>
+            <a:lvl1pPr algn="l">
+              <a:lnSpc>
+                <a:spcPct val="150000"/>
+              </a:lnSpc>
+              <a:spcBef>
+                <a:spcPct val="0"/>
+              </a:spcBef>
+              <a:spcAft>
+                <a:spcPct val="0"/>
+              </a:spcAft>
+              <a:defRPr lang="en-US" sz="3200" b="1" noProof="1" dirty="0">
+                <a:solidFill>
+                  <a:prstClr val="red">
+                    <a:lumOff val="30000"/>
+                    <a:alpha val="40000"/>
+                  </a:prstClr>
+                </a:solidFill>
+                <a:effectLst>
+                  <a:outerShdw blurRad="50800" dist="38100" algn="tr" rotWithShape="0">
+                    <a:prstClr val="black">
+                      <a:alpha val="80000"/>
+                    </a:prstClr>
+                  </a:outerShdw>
+                </a:effectLst>
+                <a:latin typeface="Calibri" pitchFamily="34" charset="0"/>
+              </a:defRPr>
+            </a:lvl1pPr>
+          </a:lstStyle>
+          <a:p>
+            <a:pPr algn="ctr"/>
+            <a:r>
+              <a:t>Evaluation only.</a:t>
+            </a:r>
+          </a:p>
+          <a:p>
+            <a:pPr algn="ctr"/>
+            <a:r>
+              <a:t>Created with Aspose.Slides for Java 23.6.</a:t>
+            </a:r>
+          </a:p>
+          <a:p>
+            <a:pPr algn="ctr"/>
+            <a:r>
+              <a:t>Copyright 2004-2023 Aspose Pty Ltd.</a:t>
             </a:r>
           </a:p>
         </p:txBody>
@@ -10380,7 +10735,7 @@
         </p:spPr>
         <p:txBody>
           <a:bodyPr anchor="ctr">
-            <a:normAutofit fontScale="95000" lnSpcReduction="20000"/>
+            <a:normAutofit lnSpcReduction="10000"/>
           </a:bodyPr>
           <a:lstStyle/>
           <a:p>
@@ -10571,6 +10926,77 @@
                 <a:cs typeface="Franklin Gothic Book"/>
               </a:rPr>
               <a:t>Supervisar, evaluar y ajustar el plan y la estrategia de promoción de forma constante</a:t>
+            </a:r>
+          </a:p>
+        </p:txBody>
+      </p:sp>
+      <p:sp>
+        <p:nvSpPr>
+          <p:cNvPr id="11" name="TextBox"/>
+          <p:cNvSpPr txBox="1">
+            <a:spLocks noGrp="1" noSelect="1" noRot="1" noMove="1"/>
+          </p:cNvSpPr>
+          <p:nvPr/>
+        </p:nvSpPr>
+        <p:spPr>
+          <a:xfrm>
+            <a:off x="2890520" y="2644140"/>
+            <a:ext cx="6411372" cy="1569660"/>
+          </a:xfrm>
+          <a:prstGeom prst="rect">
+            <a:avLst/>
+          </a:prstGeom>
+          <a:noFill/>
+        </p:spPr>
+        <p:txBody>
+          <a:bodyPr wrap="none" rtlCol="0" anchor="ctr" anchorCtr="1">
+            <a:spAutoFit/>
+          </a:bodyPr>
+          <a:lstStyle>
+            <a:lvl1pPr algn="l">
+              <a:lnSpc>
+                <a:spcPct val="150000"/>
+              </a:lnSpc>
+              <a:spcBef>
+                <a:spcPct val="0"/>
+              </a:spcBef>
+              <a:spcAft>
+                <a:spcPct val="0"/>
+              </a:spcAft>
+              <a:defRPr lang="en-US" sz="3200" b="1" noProof="1" dirty="0">
+                <a:solidFill>
+                  <a:prstClr val="red">
+                    <a:lumOff val="30000"/>
+                    <a:alpha val="40000"/>
+                  </a:prstClr>
+                </a:solidFill>
+                <a:effectLst>
+                  <a:outerShdw blurRad="50800" dist="38100" algn="tr" rotWithShape="0">
+                    <a:prstClr val="black">
+                      <a:alpha val="80000"/>
+                    </a:prstClr>
+                  </a:outerShdw>
+                </a:effectLst>
+                <a:latin typeface="Calibri" pitchFamily="34" charset="0"/>
+              </a:defRPr>
+            </a:lvl1pPr>
+          </a:lstStyle>
+          <a:p>
+            <a:pPr algn="ctr"/>
+            <a:r>
+              <a:t>Evaluation only.</a:t>
+            </a:r>
+          </a:p>
+          <a:p>
+            <a:pPr algn="ctr"/>
+            <a:r>
+              <a:t>Created with Aspose.Slides for Java 23.6.</a:t>
+            </a:r>
+          </a:p>
+          <a:p>
+            <a:pPr algn="ctr"/>
+            <a:r>
+              <a:t>Copyright 2004-2023 Aspose Pty Ltd.</a:t>
             </a:r>
           </a:p>
         </p:txBody>
@@ -11055,6 +11481,77 @@
           </a:p>
         </p:txBody>
       </p:sp>
+      <p:sp>
+        <p:nvSpPr>
+          <p:cNvPr id="20" name="TextBox"/>
+          <p:cNvSpPr txBox="1">
+            <a:spLocks noGrp="1" noSelect="1" noRot="1" noMove="1"/>
+          </p:cNvSpPr>
+          <p:nvPr/>
+        </p:nvSpPr>
+        <p:spPr>
+          <a:xfrm>
+            <a:off x="2890520" y="2644140"/>
+            <a:ext cx="6411372" cy="1569660"/>
+          </a:xfrm>
+          <a:prstGeom prst="rect">
+            <a:avLst/>
+          </a:prstGeom>
+          <a:noFill/>
+        </p:spPr>
+        <p:txBody>
+          <a:bodyPr wrap="none" rtlCol="0" anchor="ctr" anchorCtr="1">
+            <a:spAutoFit/>
+          </a:bodyPr>
+          <a:lstStyle>
+            <a:lvl1pPr algn="l">
+              <a:lnSpc>
+                <a:spcPct val="150000"/>
+              </a:lnSpc>
+              <a:spcBef>
+                <a:spcPct val="0"/>
+              </a:spcBef>
+              <a:spcAft>
+                <a:spcPct val="0"/>
+              </a:spcAft>
+              <a:defRPr lang="en-US" sz="3200" b="1" noProof="1" dirty="0">
+                <a:solidFill>
+                  <a:prstClr val="red">
+                    <a:lumOff val="30000"/>
+                    <a:alpha val="40000"/>
+                  </a:prstClr>
+                </a:solidFill>
+                <a:effectLst>
+                  <a:outerShdw blurRad="50800" dist="38100" algn="tr" rotWithShape="0">
+                    <a:prstClr val="black">
+                      <a:alpha val="80000"/>
+                    </a:prstClr>
+                  </a:outerShdw>
+                </a:effectLst>
+                <a:latin typeface="Calibri" pitchFamily="34" charset="0"/>
+              </a:defRPr>
+            </a:lvl1pPr>
+          </a:lstStyle>
+          <a:p>
+            <a:pPr algn="ctr"/>
+            <a:r>
+              <a:t>Evaluation only.</a:t>
+            </a:r>
+          </a:p>
+          <a:p>
+            <a:pPr algn="ctr"/>
+            <a:r>
+              <a:t>Created with Aspose.Slides for Java 23.6.</a:t>
+            </a:r>
+          </a:p>
+          <a:p>
+            <a:pPr algn="ctr"/>
+            <a:r>
+              <a:t>Copyright 2004-2023 Aspose Pty Ltd.</a:t>
+            </a:r>
+          </a:p>
+        </p:txBody>
+      </p:sp>
     </p:spTree>
     <p:extLst>
       <p:ext uri="{BB962C8B-B14F-4D97-AF65-F5344CB8AC3E}">
@@ -11391,7 +11888,7 @@
         </p:spPr>
         <p:txBody>
           <a:bodyPr vert="horz" lIns="0" tIns="45720" rIns="0" bIns="45720" rtlCol="0">
-            <a:normAutofit fontScale="95000" lnSpcReduction="20000"/>
+            <a:normAutofit lnSpcReduction="10000"/>
           </a:bodyPr>
           <a:lstStyle/>
           <a:p>
@@ -11562,6 +12059,77 @@
           </a:prstGeom>
         </p:spPr>
       </p:pic>
+      <p:sp>
+        <p:nvSpPr>
+          <p:cNvPr id="30" name="TextBox"/>
+          <p:cNvSpPr txBox="1">
+            <a:spLocks noGrp="1" noSelect="1" noRot="1" noMove="1"/>
+          </p:cNvSpPr>
+          <p:nvPr/>
+        </p:nvSpPr>
+        <p:spPr>
+          <a:xfrm>
+            <a:off x="2890520" y="2644140"/>
+            <a:ext cx="6411372" cy="1569660"/>
+          </a:xfrm>
+          <a:prstGeom prst="rect">
+            <a:avLst/>
+          </a:prstGeom>
+          <a:noFill/>
+        </p:spPr>
+        <p:txBody>
+          <a:bodyPr wrap="none" rtlCol="0" anchor="ctr" anchorCtr="1">
+            <a:spAutoFit/>
+          </a:bodyPr>
+          <a:lstStyle>
+            <a:lvl1pPr algn="l">
+              <a:lnSpc>
+                <a:spcPct val="150000"/>
+              </a:lnSpc>
+              <a:spcBef>
+                <a:spcPct val="0"/>
+              </a:spcBef>
+              <a:spcAft>
+                <a:spcPct val="0"/>
+              </a:spcAft>
+              <a:defRPr lang="en-US" sz="3200" b="1" noProof="1" dirty="0">
+                <a:solidFill>
+                  <a:prstClr val="red">
+                    <a:lumOff val="30000"/>
+                    <a:alpha val="40000"/>
+                  </a:prstClr>
+                </a:solidFill>
+                <a:effectLst>
+                  <a:outerShdw blurRad="50800" dist="38100" algn="tr" rotWithShape="0">
+                    <a:prstClr val="black">
+                      <a:alpha val="80000"/>
+                    </a:prstClr>
+                  </a:outerShdw>
+                </a:effectLst>
+                <a:latin typeface="Calibri" pitchFamily="34" charset="0"/>
+              </a:defRPr>
+            </a:lvl1pPr>
+          </a:lstStyle>
+          <a:p>
+            <a:pPr algn="ctr"/>
+            <a:r>
+              <a:t>Evaluation only.</a:t>
+            </a:r>
+          </a:p>
+          <a:p>
+            <a:pPr algn="ctr"/>
+            <a:r>
+              <a:t>Created with Aspose.Slides for Java 23.6.</a:t>
+            </a:r>
+          </a:p>
+          <a:p>
+            <a:pPr algn="ctr"/>
+            <a:r>
+              <a:t>Copyright 2004-2023 Aspose Pty Ltd.</a:t>
+            </a:r>
+          </a:p>
+        </p:txBody>
+      </p:sp>
     </p:spTree>
     <p:extLst>
       <p:ext uri="{BB962C8B-B14F-4D97-AF65-F5344CB8AC3E}">
@@ -11959,7 +12527,7 @@
         </p:spPr>
         <p:txBody>
           <a:bodyPr vert="horz" lIns="0" tIns="45720" rIns="0" bIns="45720" rtlCol="0" anchor="ctr">
-            <a:normAutofit fontScale="95000" lnSpcReduction="20000"/>
+            <a:normAutofit/>
           </a:bodyPr>
           <a:lstStyle/>
           <a:p>
@@ -12063,7 +12631,7 @@
         </p:nvGraphicFramePr>
         <p:xfrm>
           <a:off x="1346750" y="930063"/>
-          <a:ext cx="9499602" cy="3855720"/>
+          <a:ext cx="9499602" cy="3419856"/>
         </p:xfrm>
         <a:graphic>
           <a:graphicData uri="http://schemas.openxmlformats.org/drawingml/2006/table">
@@ -12238,6 +12806,77 @@
           </a:graphicData>
         </a:graphic>
       </p:graphicFrame>
+      <p:sp>
+        <p:nvSpPr>
+          <p:cNvPr id="20" name="TextBox"/>
+          <p:cNvSpPr txBox="1">
+            <a:spLocks noGrp="1" noSelect="1" noRot="1" noMove="1"/>
+          </p:cNvSpPr>
+          <p:nvPr/>
+        </p:nvSpPr>
+        <p:spPr>
+          <a:xfrm>
+            <a:off x="2890520" y="2644140"/>
+            <a:ext cx="6411372" cy="1569660"/>
+          </a:xfrm>
+          <a:prstGeom prst="rect">
+            <a:avLst/>
+          </a:prstGeom>
+          <a:noFill/>
+        </p:spPr>
+        <p:txBody>
+          <a:bodyPr wrap="none" rtlCol="0" anchor="ctr" anchorCtr="1">
+            <a:spAutoFit/>
+          </a:bodyPr>
+          <a:lstStyle>
+            <a:lvl1pPr algn="l">
+              <a:lnSpc>
+                <a:spcPct val="150000"/>
+              </a:lnSpc>
+              <a:spcBef>
+                <a:spcPct val="0"/>
+              </a:spcBef>
+              <a:spcAft>
+                <a:spcPct val="0"/>
+              </a:spcAft>
+              <a:defRPr lang="en-US" sz="3200" b="1" noProof="1" dirty="0">
+                <a:solidFill>
+                  <a:prstClr val="red">
+                    <a:lumOff val="30000"/>
+                    <a:alpha val="40000"/>
+                  </a:prstClr>
+                </a:solidFill>
+                <a:effectLst>
+                  <a:outerShdw blurRad="50800" dist="38100" algn="tr" rotWithShape="0">
+                    <a:prstClr val="black">
+                      <a:alpha val="80000"/>
+                    </a:prstClr>
+                  </a:outerShdw>
+                </a:effectLst>
+                <a:latin typeface="Calibri" pitchFamily="34" charset="0"/>
+              </a:defRPr>
+            </a:lvl1pPr>
+          </a:lstStyle>
+          <a:p>
+            <a:pPr algn="ctr"/>
+            <a:r>
+              <a:t>Evaluation only.</a:t>
+            </a:r>
+          </a:p>
+          <a:p>
+            <a:pPr algn="ctr"/>
+            <a:r>
+              <a:t>Created with Aspose.Slides for Java 23.6.</a:t>
+            </a:r>
+          </a:p>
+          <a:p>
+            <a:pPr algn="ctr"/>
+            <a:r>
+              <a:t>Copyright 2004-2023 Aspose Pty Ltd.</a:t>
+            </a:r>
+          </a:p>
+        </p:txBody>
+      </p:sp>
     </p:spTree>
     <p:extLst>
       <p:ext uri="{BB962C8B-B14F-4D97-AF65-F5344CB8AC3E}">
@@ -12519,7 +13158,7 @@
         </p:nvGraphicFramePr>
         <p:xfrm>
           <a:off x="1096963" y="2287915"/>
-          <a:ext cx="10058401" cy="3697554"/>
+          <a:ext cx="10058401" cy="3407281"/>
         </p:xfrm>
         <a:graphic>
           <a:graphicData uri="http://schemas.openxmlformats.org/drawingml/2006/table">
@@ -12629,7 +13268,7 @@
                           <a:ea typeface="Franklin Gothic Book"/>
                           <a:cs typeface="Franklin Gothic Book"/>
                         </a:rPr>
-                        <a:t>té chai premium Mystic Spice</a:t>
+                        <a:t>Té chai premium Mystic Spice</a:t>
                       </a:r>
                       <a:endParaRPr lang="en-US" sz="2300">
                         <a:effectLst/>
@@ -12783,7 +13422,7 @@
                           <a:ea typeface="Franklin Gothic Book"/>
                           <a:cs typeface="Franklin Gothic Book"/>
                         </a:rPr>
-                        <a:t>Combinación auténtica: nuestro té chai es una armoniosa combinación de hojas de té negro premium y una exclusiva selección de especias molidas, como la canela, el cardamomo, el clavo, el jengibre y la pimienta negra.</a:t>
+                        <a:t>Mezcla auténtica: nuestro chai es una mezcla armoniosa de hojas de té negro premium y una selección de especias molidas, incluyendo canela, cardamomo, clavo, jengibre y pimienta negra.</a:t>
                       </a:r>
                       <a:r>
                         <a:rPr lang="es-ES" sz="1400" b="0" i="0" strike="noStrike" cap="none" baseline="0">
@@ -12836,7 +13475,7 @@
                           <a:ea typeface="Franklin Gothic Book"/>
                           <a:cs typeface="Franklin Gothic Book"/>
                         </a:rPr>
-                        <a:t>Ingredientes beneficiosos para la salud: cada ingrediente del té chai Mystic Spice se elige por sus beneficios naturales para la salud.</a:t>
+                        <a:t>Ingredientes beneficiosos para la salud: cada ingrediente del té chai Mystic Spice se elige para sus beneficios naturales para la salud.</a:t>
                       </a:r>
                       <a:r>
                         <a:rPr lang="es-ES" sz="1400" b="0" i="0" strike="noStrike" cap="none" baseline="0">
@@ -12879,6 +13518,77 @@
           </a:graphicData>
         </a:graphic>
       </p:graphicFrame>
+      <p:sp>
+        <p:nvSpPr>
+          <p:cNvPr id="15" name="TextBox"/>
+          <p:cNvSpPr txBox="1">
+            <a:spLocks noGrp="1" noSelect="1" noRot="1" noMove="1"/>
+          </p:cNvSpPr>
+          <p:nvPr/>
+        </p:nvSpPr>
+        <p:spPr>
+          <a:xfrm>
+            <a:off x="2890520" y="2644140"/>
+            <a:ext cx="6411372" cy="1569660"/>
+          </a:xfrm>
+          <a:prstGeom prst="rect">
+            <a:avLst/>
+          </a:prstGeom>
+          <a:noFill/>
+        </p:spPr>
+        <p:txBody>
+          <a:bodyPr wrap="none" rtlCol="0" anchor="ctr" anchorCtr="1">
+            <a:spAutoFit/>
+          </a:bodyPr>
+          <a:lstStyle>
+            <a:lvl1pPr algn="l">
+              <a:lnSpc>
+                <a:spcPct val="150000"/>
+              </a:lnSpc>
+              <a:spcBef>
+                <a:spcPct val="0"/>
+              </a:spcBef>
+              <a:spcAft>
+                <a:spcPct val="0"/>
+              </a:spcAft>
+              <a:defRPr lang="en-US" sz="3200" b="1" noProof="1" dirty="0">
+                <a:solidFill>
+                  <a:prstClr val="red">
+                    <a:lumOff val="30000"/>
+                    <a:alpha val="40000"/>
+                  </a:prstClr>
+                </a:solidFill>
+                <a:effectLst>
+                  <a:outerShdw blurRad="50800" dist="38100" algn="tr" rotWithShape="0">
+                    <a:prstClr val="black">
+                      <a:alpha val="80000"/>
+                    </a:prstClr>
+                  </a:outerShdw>
+                </a:effectLst>
+                <a:latin typeface="Calibri" pitchFamily="34" charset="0"/>
+              </a:defRPr>
+            </a:lvl1pPr>
+          </a:lstStyle>
+          <a:p>
+            <a:pPr algn="ctr"/>
+            <a:r>
+              <a:t>Evaluation only.</a:t>
+            </a:r>
+          </a:p>
+          <a:p>
+            <a:pPr algn="ctr"/>
+            <a:r>
+              <a:t>Created with Aspose.Slides for Java 23.6.</a:t>
+            </a:r>
+          </a:p>
+          <a:p>
+            <a:pPr algn="ctr"/>
+            <a:r>
+              <a:t>Copyright 2004-2023 Aspose Pty Ltd.</a:t>
+            </a:r>
+          </a:p>
+        </p:txBody>
+      </p:sp>
     </p:spTree>
     <p:extLst>
       <p:ext uri="{BB962C8B-B14F-4D97-AF65-F5344CB8AC3E}">
@@ -13274,7 +13984,7 @@
         </p:nvGraphicFramePr>
         <p:xfrm>
           <a:off x="5282335" y="1994843"/>
-          <a:ext cx="6275668" cy="4012742"/>
+          <a:ext cx="6275668" cy="3509822"/>
         </p:xfrm>
         <a:graphic>
           <a:graphicData uri="http://schemas.openxmlformats.org/drawingml/2006/table">
@@ -13437,7 +14147,7 @@
                           <a:ea typeface="Franklin Gothic Book"/>
                           <a:cs typeface="Franklin Gothic Book"/>
                         </a:rPr>
-                        <a:t>Opciones versátiles de preparación: Ya sea que le guste su chai bien caliente, como un refrescante té helado, o como una latte cremoso, nuestra mezcla es lo suficientemente versátil como para adaptarse a cualquier preferencia.</a:t>
+                        <a:t>Opciones versátiles de preparación: ya sea que te guste tu chai bien caliente, o prefieras un refrescante té helado, o un latte cremoso, nuestra mezcla es lo suficientemente versátil como para adaptarse a cualquier preferencia.</a:t>
                       </a:r>
                       <a:r>
                         <a:rPr lang="es-ES" sz="1100" b="0" i="0" strike="noStrike" cap="none" baseline="0">
@@ -13526,7 +14236,7 @@
                           <a:ea typeface="Franklin Gothic Book"/>
                           <a:cs typeface="Franklin Gothic Book"/>
                         </a:rPr>
-                        <a:t>Envase elegante: el té chai Mystic Spice viene en un envase elegante, ecológico, lo que lo convierte en el regalo ideal para los amantes del té o un capricho lujoso para uno mismo.</a:t>
+                        <a:t>Envase elegante: el té chai Mystic Spice viene en un envase elegante, ecológico, lo que lo convierte en el regalo ideal para los amantes del té o un capricho lujoso para ti mismo.</a:t>
                       </a:r>
                       <a:endParaRPr lang="en-US" sz="1700">
                         <a:effectLst/>
@@ -13562,7 +14272,7 @@
                           <a:ea typeface="Franklin Gothic Book"/>
                           <a:cs typeface="Franklin Gothic Book"/>
                         </a:rPr>
-                        <a:t>Garantía de satisfacción del cliente: respaldamos nuestro producto y ofrecemos una garantía de satisfacción.</a:t>
+                        <a:t>Garantía de satisfacción del cliente: Respaldamos nuestro producto y ofrecemos una garantía de satisfacción.</a:t>
                       </a:r>
                       <a:r>
                         <a:rPr lang="es-ES" sz="1100" b="0" i="0" strike="noStrike" cap="none" baseline="0">
@@ -13634,6 +14344,77 @@
           </a:graphicData>
         </a:graphic>
       </p:graphicFrame>
+      <p:sp>
+        <p:nvSpPr>
+          <p:cNvPr id="19" name="TextBox"/>
+          <p:cNvSpPr txBox="1">
+            <a:spLocks noGrp="1" noSelect="1" noRot="1" noMove="1"/>
+          </p:cNvSpPr>
+          <p:nvPr/>
+        </p:nvSpPr>
+        <p:spPr>
+          <a:xfrm>
+            <a:off x="2890520" y="2644140"/>
+            <a:ext cx="6411372" cy="1569660"/>
+          </a:xfrm>
+          <a:prstGeom prst="rect">
+            <a:avLst/>
+          </a:prstGeom>
+          <a:noFill/>
+        </p:spPr>
+        <p:txBody>
+          <a:bodyPr wrap="none" rtlCol="0" anchor="ctr" anchorCtr="1">
+            <a:spAutoFit/>
+          </a:bodyPr>
+          <a:lstStyle>
+            <a:lvl1pPr algn="l">
+              <a:lnSpc>
+                <a:spcPct val="150000"/>
+              </a:lnSpc>
+              <a:spcBef>
+                <a:spcPct val="0"/>
+              </a:spcBef>
+              <a:spcAft>
+                <a:spcPct val="0"/>
+              </a:spcAft>
+              <a:defRPr lang="en-US" sz="3200" b="1" noProof="1" dirty="0">
+                <a:solidFill>
+                  <a:prstClr val="red">
+                    <a:lumOff val="30000"/>
+                    <a:alpha val="40000"/>
+                  </a:prstClr>
+                </a:solidFill>
+                <a:effectLst>
+                  <a:outerShdw blurRad="50800" dist="38100" algn="tr" rotWithShape="0">
+                    <a:prstClr val="black">
+                      <a:alpha val="80000"/>
+                    </a:prstClr>
+                  </a:outerShdw>
+                </a:effectLst>
+                <a:latin typeface="Calibri" pitchFamily="34" charset="0"/>
+              </a:defRPr>
+            </a:lvl1pPr>
+          </a:lstStyle>
+          <a:p>
+            <a:pPr algn="ctr"/>
+            <a:r>
+              <a:t>Evaluation only.</a:t>
+            </a:r>
+          </a:p>
+          <a:p>
+            <a:pPr algn="ctr"/>
+            <a:r>
+              <a:t>Created with Aspose.Slides for Java 23.6.</a:t>
+            </a:r>
+          </a:p>
+          <a:p>
+            <a:pPr algn="ctr"/>
+            <a:r>
+              <a:t>Copyright 2004-2023 Aspose Pty Ltd.</a:t>
+            </a:r>
+          </a:p>
+        </p:txBody>
+      </p:sp>
     </p:spTree>
     <p:extLst>
       <p:ext uri="{BB962C8B-B14F-4D97-AF65-F5344CB8AC3E}">
@@ -13971,7 +14752,7 @@
         </p:spPr>
         <p:txBody>
           <a:bodyPr vert="horz" lIns="0" tIns="45720" rIns="0" bIns="45720" rtlCol="0">
-            <a:normAutofit fontScale="92500" lnSpcReduction="20000"/>
+            <a:normAutofit fontScale="95000" lnSpcReduction="20000"/>
           </a:bodyPr>
           <a:lstStyle/>
           <a:p>
@@ -14232,7 +15013,7 @@
         </p:nvGraphicFramePr>
         <p:xfrm>
           <a:off x="643192" y="1541387"/>
-          <a:ext cx="5115348" cy="5556972"/>
+          <a:ext cx="5115348" cy="4642572"/>
         </p:xfrm>
         <a:graphic>
           <a:graphicData uri="http://schemas.openxmlformats.org/drawingml/2006/table">
@@ -14645,6 +15426,77 @@
           </a:graphicData>
         </a:graphic>
       </p:graphicFrame>
+      <p:sp>
+        <p:nvSpPr>
+          <p:cNvPr id="20" name="TextBox"/>
+          <p:cNvSpPr txBox="1">
+            <a:spLocks noGrp="1" noSelect="1" noRot="1" noMove="1"/>
+          </p:cNvSpPr>
+          <p:nvPr/>
+        </p:nvSpPr>
+        <p:spPr>
+          <a:xfrm>
+            <a:off x="2890520" y="2644140"/>
+            <a:ext cx="6411372" cy="1569660"/>
+          </a:xfrm>
+          <a:prstGeom prst="rect">
+            <a:avLst/>
+          </a:prstGeom>
+          <a:noFill/>
+        </p:spPr>
+        <p:txBody>
+          <a:bodyPr wrap="none" rtlCol="0" anchor="ctr" anchorCtr="1">
+            <a:spAutoFit/>
+          </a:bodyPr>
+          <a:lstStyle>
+            <a:lvl1pPr algn="l">
+              <a:lnSpc>
+                <a:spcPct val="150000"/>
+              </a:lnSpc>
+              <a:spcBef>
+                <a:spcPct val="0"/>
+              </a:spcBef>
+              <a:spcAft>
+                <a:spcPct val="0"/>
+              </a:spcAft>
+              <a:defRPr lang="en-US" sz="3200" b="1" noProof="1" dirty="0">
+                <a:solidFill>
+                  <a:prstClr val="red">
+                    <a:lumOff val="30000"/>
+                    <a:alpha val="40000"/>
+                  </a:prstClr>
+                </a:solidFill>
+                <a:effectLst>
+                  <a:outerShdw blurRad="50800" dist="38100" algn="tr" rotWithShape="0">
+                    <a:prstClr val="black">
+                      <a:alpha val="80000"/>
+                    </a:prstClr>
+                  </a:outerShdw>
+                </a:effectLst>
+                <a:latin typeface="Calibri" pitchFamily="34" charset="0"/>
+              </a:defRPr>
+            </a:lvl1pPr>
+          </a:lstStyle>
+          <a:p>
+            <a:pPr algn="ctr"/>
+            <a:r>
+              <a:t>Evaluation only.</a:t>
+            </a:r>
+          </a:p>
+          <a:p>
+            <a:pPr algn="ctr"/>
+            <a:r>
+              <a:t>Created with Aspose.Slides for Java 23.6.</a:t>
+            </a:r>
+          </a:p>
+          <a:p>
+            <a:pPr algn="ctr"/>
+            <a:r>
+              <a:t>Copyright 2004-2023 Aspose Pty Ltd.</a:t>
+            </a:r>
+          </a:p>
+        </p:txBody>
+      </p:sp>
     </p:spTree>
     <p:extLst>
       <p:ext uri="{BB962C8B-B14F-4D97-AF65-F5344CB8AC3E}">
@@ -14872,7 +15724,7 @@
         </p:spPr>
         <p:txBody>
           <a:bodyPr anchor="ctr">
-            <a:normAutofit lnSpcReduction="20000"/>
+            <a:normAutofit fontScale="97500" lnSpcReduction="10000"/>
           </a:bodyPr>
           <a:lstStyle/>
           <a:p>
@@ -14975,6 +15827,77 @@
                 <a:cs typeface="Franklin Gothic Book"/>
               </a:rPr>
               <a:t>Distribuidores: transportan los productos de té chai desde los fabricantes hasta los minoristas</a:t>
+            </a:r>
+          </a:p>
+        </p:txBody>
+      </p:sp>
+      <p:sp>
+        <p:nvSpPr>
+          <p:cNvPr id="11" name="TextBox"/>
+          <p:cNvSpPr txBox="1">
+            <a:spLocks noGrp="1" noSelect="1" noRot="1" noMove="1"/>
+          </p:cNvSpPr>
+          <p:nvPr/>
+        </p:nvSpPr>
+        <p:spPr>
+          <a:xfrm>
+            <a:off x="2890520" y="2644140"/>
+            <a:ext cx="6411372" cy="1569660"/>
+          </a:xfrm>
+          <a:prstGeom prst="rect">
+            <a:avLst/>
+          </a:prstGeom>
+          <a:noFill/>
+        </p:spPr>
+        <p:txBody>
+          <a:bodyPr wrap="none" rtlCol="0" anchor="ctr" anchorCtr="1">
+            <a:spAutoFit/>
+          </a:bodyPr>
+          <a:lstStyle>
+            <a:lvl1pPr algn="l">
+              <a:lnSpc>
+                <a:spcPct val="150000"/>
+              </a:lnSpc>
+              <a:spcBef>
+                <a:spcPct val="0"/>
+              </a:spcBef>
+              <a:spcAft>
+                <a:spcPct val="0"/>
+              </a:spcAft>
+              <a:defRPr lang="en-US" sz="3200" b="1" noProof="1" dirty="0">
+                <a:solidFill>
+                  <a:prstClr val="red">
+                    <a:lumOff val="30000"/>
+                    <a:alpha val="40000"/>
+                  </a:prstClr>
+                </a:solidFill>
+                <a:effectLst>
+                  <a:outerShdw blurRad="50800" dist="38100" algn="tr" rotWithShape="0">
+                    <a:prstClr val="black">
+                      <a:alpha val="80000"/>
+                    </a:prstClr>
+                  </a:outerShdw>
+                </a:effectLst>
+                <a:latin typeface="Calibri" pitchFamily="34" charset="0"/>
+              </a:defRPr>
+            </a:lvl1pPr>
+          </a:lstStyle>
+          <a:p>
+            <a:pPr algn="ctr"/>
+            <a:r>
+              <a:t>Evaluation only.</a:t>
+            </a:r>
+          </a:p>
+          <a:p>
+            <a:pPr algn="ctr"/>
+            <a:r>
+              <a:t>Created with Aspose.Slides for Java 23.6.</a:t>
+            </a:r>
+          </a:p>
+          <a:p>
+            <a:pPr algn="ctr"/>
+            <a:r>
+              <a:t>Copyright 2004-2023 Aspose Pty Ltd.</a:t>
             </a:r>
           </a:p>
         </p:txBody>
@@ -15206,7 +16129,7 @@
         </p:spPr>
         <p:txBody>
           <a:bodyPr anchor="ctr">
-            <a:normAutofit lnSpcReduction="10000"/>
+            <a:normAutofit/>
           </a:bodyPr>
           <a:lstStyle/>
           <a:p>
@@ -15279,6 +16202,77 @@
                 <a:cs typeface="Franklin Gothic Book"/>
               </a:rPr>
               <a:t>Los mayoristas ofrecen información del mercado, comentarios y mecanismos de crédito</a:t>
+            </a:r>
+          </a:p>
+        </p:txBody>
+      </p:sp>
+      <p:sp>
+        <p:nvSpPr>
+          <p:cNvPr id="11" name="TextBox"/>
+          <p:cNvSpPr txBox="1">
+            <a:spLocks noGrp="1" noSelect="1" noRot="1" noMove="1"/>
+          </p:cNvSpPr>
+          <p:nvPr/>
+        </p:nvSpPr>
+        <p:spPr>
+          <a:xfrm>
+            <a:off x="2890520" y="2644140"/>
+            <a:ext cx="6411372" cy="1569660"/>
+          </a:xfrm>
+          <a:prstGeom prst="rect">
+            <a:avLst/>
+          </a:prstGeom>
+          <a:noFill/>
+        </p:spPr>
+        <p:txBody>
+          <a:bodyPr wrap="none" rtlCol="0" anchor="ctr" anchorCtr="1">
+            <a:spAutoFit/>
+          </a:bodyPr>
+          <a:lstStyle>
+            <a:lvl1pPr algn="l">
+              <a:lnSpc>
+                <a:spcPct val="150000"/>
+              </a:lnSpc>
+              <a:spcBef>
+                <a:spcPct val="0"/>
+              </a:spcBef>
+              <a:spcAft>
+                <a:spcPct val="0"/>
+              </a:spcAft>
+              <a:defRPr lang="en-US" sz="3200" b="1" noProof="1" dirty="0">
+                <a:solidFill>
+                  <a:prstClr val="red">
+                    <a:lumOff val="30000"/>
+                    <a:alpha val="40000"/>
+                  </a:prstClr>
+                </a:solidFill>
+                <a:effectLst>
+                  <a:outerShdw blurRad="50800" dist="38100" algn="tr" rotWithShape="0">
+                    <a:prstClr val="black">
+                      <a:alpha val="80000"/>
+                    </a:prstClr>
+                  </a:outerShdw>
+                </a:effectLst>
+                <a:latin typeface="Calibri" pitchFamily="34" charset="0"/>
+              </a:defRPr>
+            </a:lvl1pPr>
+          </a:lstStyle>
+          <a:p>
+            <a:pPr algn="ctr"/>
+            <a:r>
+              <a:t>Evaluation only.</a:t>
+            </a:r>
+          </a:p>
+          <a:p>
+            <a:pPr algn="ctr"/>
+            <a:r>
+              <a:t>Created with Aspose.Slides for Java 23.6.</a:t>
+            </a:r>
+          </a:p>
+          <a:p>
+            <a:pPr algn="ctr"/>
+            <a:r>
+              <a:t>Copyright 2004-2023 Aspose Pty Ltd.</a:t>
             </a:r>
           </a:p>
         </p:txBody>
@@ -15300,10 +16294,10 @@
 
 <file path=ppt/tags/tag1.xml><?xml version="1.0" encoding="utf-8"?>
 <p:tagLst xmlns:p="http://schemas.openxmlformats.org/presentationml/2006/main">
-  <p:tag name="AS_OS" val="Unix 3.10.0.1160"/>
+  <p:tag name="AS_OS" val="Microsoft Windows NT 10.0"/>
   <p:tag name="AS_RELEASE_DATE" val="2023.06.30"/>
   <p:tag name="AS_TITLE" val="Aspose.Slides for Java"/>
-  <p:tag name="AS_VERSION" val="23.6.1"/>
+  <p:tag name="AS_VERSION" val="23.6"/>
 </p:tagLst>
 </file>
 

--- a/ResourceFiles/Mystic Spice Premium Chai Market Analysis Presentation.pptx
+++ b/ResourceFiles/Mystic Spice Premium Chai Market Analysis Presentation.pptx
@@ -1,34 +1,30 @@
 
 <file path=ppt/presentation.xml><?xml version="1.0" encoding="utf-8"?>
-<!--Generated by Aspose.Slides for Java 23.6-->
-<p:presentation xmlns:r="http://schemas.openxmlformats.org/officeDocument/2006/relationships" xmlns:a="http://schemas.openxmlformats.org/drawingml/2006/main" xmlns:p="http://schemas.openxmlformats.org/presentationml/2006/main" removePersonalInfoOnSave="1" saveSubsetFonts="1">
+<p:presentation xmlns:a="http://schemas.openxmlformats.org/drawingml/2006/main" xmlns:r="http://schemas.openxmlformats.org/officeDocument/2006/relationships" xmlns:p="http://schemas.openxmlformats.org/presentationml/2006/main" removePersonalInfoOnSave="1" saveSubsetFonts="1">
   <p:sldMasterIdLst>
     <p:sldMasterId id="2147483660" r:id="rId1"/>
   </p:sldMasterIdLst>
   <p:notesMasterIdLst>
-    <p:notesMasterId r:id="rId2"/>
+    <p:notesMasterId r:id="rId16"/>
   </p:notesMasterIdLst>
   <p:sldIdLst>
-    <p:sldId id="256" r:id="rId3"/>
-    <p:sldId id="257" r:id="rId4"/>
-    <p:sldId id="258" r:id="rId5"/>
-    <p:sldId id="259" r:id="rId6"/>
-    <p:sldId id="260" r:id="rId7"/>
-    <p:sldId id="261" r:id="rId8"/>
-    <p:sldId id="262" r:id="rId9"/>
-    <p:sldId id="268" r:id="rId10"/>
-    <p:sldId id="269" r:id="rId11"/>
-    <p:sldId id="270" r:id="rId12"/>
-    <p:sldId id="271" r:id="rId13"/>
-    <p:sldId id="272" r:id="rId14"/>
-    <p:sldId id="273" r:id="rId15"/>
-    <p:sldId id="274" r:id="rId16"/>
+    <p:sldId id="256" r:id="rId2"/>
+    <p:sldId id="257" r:id="rId3"/>
+    <p:sldId id="258" r:id="rId4"/>
+    <p:sldId id="259" r:id="rId5"/>
+    <p:sldId id="260" r:id="rId6"/>
+    <p:sldId id="261" r:id="rId7"/>
+    <p:sldId id="262" r:id="rId8"/>
+    <p:sldId id="268" r:id="rId9"/>
+    <p:sldId id="269" r:id="rId10"/>
+    <p:sldId id="270" r:id="rId11"/>
+    <p:sldId id="271" r:id="rId12"/>
+    <p:sldId id="272" r:id="rId13"/>
+    <p:sldId id="273" r:id="rId14"/>
+    <p:sldId id="274" r:id="rId15"/>
   </p:sldIdLst>
   <p:sldSz cx="12192000" cy="6858000"/>
   <p:notesSz cx="6858000" cy="9144000"/>
-  <p:custDataLst>
-    <p:tags r:id="rId17"/>
-  </p:custDataLst>
   <p:defaultTextStyle>
     <a:defPPr>
       <a:defRPr lang="en-US"/>
@@ -133,8 +129,8 @@
 </file>
 
 <file path=ppt/notesMasters/notesMaster1.xml><?xml version="1.0" encoding="utf-8"?>
-<p:notesMaster xmlns:a="http://schemas.openxmlformats.org/drawingml/2006/main" xmlns:r="http://schemas.openxmlformats.org/officeDocument/2006/relationships" xmlns:m="http://schemas.openxmlformats.org/officeDocument/2006/math" xmlns:w="http://schemas.openxmlformats.org/wordprocessingml/2006/main" xmlns:wp="http://schemas.openxmlformats.org/drawingml/2006/wordprocessingDrawing" xmlns:a14="http://schemas.microsoft.com/office/drawing/2010/main" xmlns:mc="http://schemas.openxmlformats.org/markup-compatibility/2006" xmlns:p14="http://schemas.microsoft.com/office/powerpoint/2010/main" xmlns:p="http://schemas.openxmlformats.org/presentationml/2006/main">
-  <p:cSld name="">
+<p:notesMaster xmlns:a="http://schemas.openxmlformats.org/drawingml/2006/main" xmlns:r="http://schemas.openxmlformats.org/officeDocument/2006/relationships" xmlns:p="http://schemas.openxmlformats.org/presentationml/2006/main">
+  <p:cSld>
     <p:bg>
       <p:bgRef idx="1001">
         <a:schemeClr val="bg1"/>
@@ -150,6 +146,8 @@
         <a:xfrm>
           <a:off x="0" y="0"/>
           <a:ext cx="0" cy="0"/>
+          <a:chOff x="0" y="0"/>
+          <a:chExt cx="0" cy="0"/>
         </a:xfrm>
       </p:grpSpPr>
       <p:sp>
@@ -212,7 +210,7 @@
           <a:p>
             <a:fld id="{4B79337C-AD0D-499E-B6BA-802817985C42}" type="datetimeFigureOut">
               <a:rPr lang="en-US" smtClean="0"/>
-              <a:t>6/26/2024</a:t>
+              <a:t>5/29/2025</a:t>
             </a:fld>
             <a:endParaRPr lang="en-US"/>
           </a:p>
@@ -243,6 +241,13 @@
             </a:solidFill>
           </a:ln>
         </p:spPr>
+        <p:txBody>
+          <a:bodyPr vert="horz" lIns="91440" tIns="45720" rIns="91440" bIns="45720" rtlCol="0" anchor="ctr"/>
+          <a:lstStyle/>
+          <a:p>
+            <a:endParaRPr lang="en-US"/>
+          </a:p>
+        </p:txBody>
       </p:sp>
       <p:sp>
         <p:nvSpPr>
@@ -473,8 +478,8 @@
 </file>
 
 <file path=ppt/notesSlides/notesSlide1.xml><?xml version="1.0" encoding="utf-8"?>
-<p:notes xmlns:a="http://schemas.openxmlformats.org/drawingml/2006/main" xmlns:r="http://schemas.openxmlformats.org/officeDocument/2006/relationships" xmlns:m="http://schemas.openxmlformats.org/officeDocument/2006/math" xmlns:w="http://schemas.openxmlformats.org/wordprocessingml/2006/main" xmlns:wp="http://schemas.openxmlformats.org/drawingml/2006/wordprocessingDrawing" xmlns:a14="http://schemas.microsoft.com/office/drawing/2010/main" xmlns:mc="http://schemas.openxmlformats.org/markup-compatibility/2006" xmlns:p14="http://schemas.microsoft.com/office/powerpoint/2010/main" xmlns:p="http://schemas.openxmlformats.org/presentationml/2006/main">
-  <p:cSld name="">
+<p:notes xmlns:a="http://schemas.openxmlformats.org/drawingml/2006/main" xmlns:r="http://schemas.openxmlformats.org/officeDocument/2006/relationships" xmlns:p="http://schemas.openxmlformats.org/presentationml/2006/main">
+  <p:cSld>
     <p:spTree>
       <p:nvGrpSpPr>
         <p:cNvPr id="1" name=""/>
@@ -485,6 +490,8 @@
         <a:xfrm>
           <a:off x="0" y="0"/>
           <a:ext cx="0" cy="0"/>
+          <a:chOff x="0" y="0"/>
+          <a:chExt cx="0" cy="0"/>
         </a:xfrm>
       </p:grpSpPr>
       <p:sp>
@@ -515,60 +522,28 @@
           <a:lstStyle/>
           <a:p>
             <a:r>
-              <a:rPr lang="es-ES" sz="1200" b="0" i="0" strike="noStrike" cap="none" baseline="0">
-                <a:solidFill>
-                  <a:srgbClr val="000000"/>
-                </a:solidFill>
-                <a:effectLst/>
-                <a:latin typeface="Aptos"/>
-                <a:ea typeface="Aptos"/>
-                <a:cs typeface="Aptos"/>
-              </a:rPr>
-              <a:t>PowerPoint Copilot generó automáticamente esta presentación en función del contenido que se encuentra en este documento:</a:t>
-            </a:r>
-            <a:r>
-              <a:rPr sz="1200"/>
-              <a:t>
-</a:t>
-            </a:r>
-            <a:r>
-              <a:rPr lang="es-ES" sz="1200" b="0" i="0" strike="noStrike" cap="none" baseline="0">
-                <a:solidFill>
-                  <a:srgbClr val="000000"/>
-                </a:solidFill>
-                <a:effectLst/>
-                <a:latin typeface="Aptos"/>
-                <a:ea typeface="Aptos"/>
-                <a:cs typeface="Aptos"/>
-              </a:rPr>
+              <a:rPr lang="es-ES"/>
+              <a:t>Esta presentación se ha generado de forma automática con PowerPoint Copilot en base al contenido de este documento:</a:t>
+            </a:r>
+            <a:br>
+              <a:rPr lang="es-ES"/>
+            </a:br>
+            <a:r>
+              <a:rPr lang="es-ES"/>
               <a:t>https://microsoft-my.sharepoint.com/personal/dahans_microsoft_com/Documents/MS-4005/Market%20Analysis%20Report%20for%20Mystic%20Spice%20Premium%20Chai%20Tea.docx</a:t>
             </a:r>
-            <a:r>
-              <a:rPr sz="1200"/>
-              <a:t>
-</a:t>
-            </a:r>
-            <a:r>
-              <a:rPr sz="1200"/>
-              <a:t>
-</a:t>
-            </a:r>
-            <a:r>
-              <a:rPr sz="1200"/>
-              <a:t>
-</a:t>
-            </a:r>
-            <a:r>
-              <a:rPr lang="es-ES" sz="1200" b="0" i="0" strike="noStrike" cap="none" baseline="0">
-                <a:solidFill>
-                  <a:srgbClr val="000000"/>
-                </a:solidFill>
-                <a:effectLst/>
-                <a:latin typeface="Aptos"/>
-                <a:ea typeface="Aptos"/>
-                <a:cs typeface="Aptos"/>
-              </a:rPr>
-              <a:t>El contenido generado por la IA puede ser incorrecto.</a:t>
+            <a:br>
+              <a:rPr lang="es-ES"/>
+            </a:br>
+            <a:br>
+              <a:rPr lang="es-ES"/>
+            </a:br>
+            <a:br>
+              <a:rPr lang="es-ES"/>
+            </a:br>
+            <a:r>
+              <a:rPr lang="es-ES"/>
+              <a:t>El contenido generado por IA puede ser incorrecto.</a:t>
             </a:r>
           </a:p>
         </p:txBody>
@@ -610,8 +585,8 @@
 </file>
 
 <file path=ppt/notesSlides/notesSlide10.xml><?xml version="1.0" encoding="utf-8"?>
-<p:notes xmlns:a="http://schemas.openxmlformats.org/drawingml/2006/main" xmlns:r="http://schemas.openxmlformats.org/officeDocument/2006/relationships" xmlns:m="http://schemas.openxmlformats.org/officeDocument/2006/math" xmlns:w="http://schemas.openxmlformats.org/wordprocessingml/2006/main" xmlns:wp="http://schemas.openxmlformats.org/drawingml/2006/wordprocessingDrawing" xmlns:a14="http://schemas.microsoft.com/office/drawing/2010/main" xmlns:mc="http://schemas.openxmlformats.org/markup-compatibility/2006" xmlns:p14="http://schemas.microsoft.com/office/powerpoint/2010/main" xmlns:p="http://schemas.openxmlformats.org/presentationml/2006/main">
-  <p:cSld name="">
+<p:notes xmlns:a="http://schemas.openxmlformats.org/drawingml/2006/main" xmlns:r="http://schemas.openxmlformats.org/officeDocument/2006/relationships" xmlns:p="http://schemas.openxmlformats.org/presentationml/2006/main">
+  <p:cSld>
     <p:spTree>
       <p:nvGrpSpPr>
         <p:cNvPr id="1" name=""/>
@@ -622,6 +597,8 @@
         <a:xfrm>
           <a:off x="0" y="0"/>
           <a:ext cx="0" cy="0"/>
+          <a:chOff x="0" y="0"/>
+          <a:chExt cx="0" cy="0"/>
         </a:xfrm>
       </p:grpSpPr>
       <p:sp>
@@ -652,186 +629,33 @@
           <a:lstStyle/>
           <a:p>
             <a:r>
-              <a:rPr lang="es-ES" sz="1200" b="0" i="0" strike="noStrike" cap="none" baseline="0">
-                <a:solidFill>
-                  <a:srgbClr val="000000"/>
-                </a:solidFill>
-                <a:effectLst/>
-                <a:latin typeface="Aptos"/>
-                <a:ea typeface="Aptos"/>
-                <a:cs typeface="Aptos"/>
-              </a:rPr>
-              <a:t>Los distribuidores representan y distribuyen productos de té chai, facilitan su movimiento y venta y ofrecen servicios de marketing, ventas y posventa.</a:t>
-            </a:r>
-            <a:r>
-              <a:rPr lang="es-ES" sz="1200" b="0" i="0" strike="noStrike" cap="none" baseline="0">
-                <a:solidFill>
-                  <a:srgbClr val="000000"/>
-                </a:solidFill>
-                <a:effectLst/>
-                <a:latin typeface="Aptos"/>
-                <a:ea typeface="Aptos"/>
-                <a:cs typeface="Aptos"/>
-              </a:rPr>
-              <a:t> </a:t>
-            </a:r>
-            <a:r>
-              <a:rPr lang="es-ES" sz="1200" b="0" i="0" strike="noStrike" cap="none" baseline="0">
-                <a:solidFill>
-                  <a:srgbClr val="000000"/>
-                </a:solidFill>
-                <a:effectLst/>
-                <a:latin typeface="Aptos"/>
-                <a:ea typeface="Aptos"/>
-                <a:cs typeface="Aptos"/>
-              </a:rPr>
-              <a:t>Establecen y mantienen relaciones con los minoristas y consumidores, y ofrecen asistencia técnica y logística.</a:t>
-            </a:r>
-            <a:r>
-              <a:rPr lang="es-ES" sz="1200" b="0" i="0" strike="noStrike" cap="none" baseline="0">
-                <a:solidFill>
-                  <a:srgbClr val="000000"/>
-                </a:solidFill>
-                <a:effectLst/>
-                <a:latin typeface="Aptos"/>
-                <a:ea typeface="Aptos"/>
-                <a:cs typeface="Aptos"/>
-              </a:rPr>
-              <a:t> </a:t>
-            </a:r>
-            <a:r>
-              <a:rPr lang="es-ES" sz="1200" b="0" i="0" strike="noStrike" cap="none" baseline="0">
-                <a:solidFill>
-                  <a:srgbClr val="000000"/>
-                </a:solidFill>
-                <a:effectLst/>
-                <a:latin typeface="Aptos"/>
-                <a:ea typeface="Aptos"/>
-                <a:cs typeface="Aptos"/>
-              </a:rPr>
-              <a:t>Entre los principales distribuidores en América Latina se incluyen Unilever, Nestlé, Coca-Cola y PepsiCo.</a:t>
-            </a:r>
-            <a:r>
-              <a:rPr sz="1200"/>
-              <a:t>
-</a:t>
-            </a:r>
-            <a:r>
-              <a:rPr sz="1200"/>
-              <a:t>
-</a:t>
-            </a:r>
-            <a:r>
-              <a:rPr sz="1200"/>
-              <a:t>
-</a:t>
-            </a:r>
-            <a:r>
-              <a:rPr lang="es-ES" sz="1200" b="0" i="0" strike="noStrike" cap="none" baseline="0">
-                <a:solidFill>
-                  <a:srgbClr val="000000"/>
-                </a:solidFill>
-                <a:effectLst/>
-                <a:latin typeface="Aptos"/>
-                <a:ea typeface="Aptos"/>
-                <a:cs typeface="Aptos"/>
-              </a:rPr>
+              <a:rPr lang="es-ES"/>
+              <a:t>Los distribuidores representan y distribuyen productos de té chai, facilitan su movimiento y venta y ofrecen servicios de marketing, ventas y posventa. Establecen y mantienen relaciones con los minoristas y consumidores, y ofrecen asistencia técnica y logística. Entre los principales distribuidores de América Latina se incluyen Unilever, Nestlé, Coca-Cola y PepsiCo.</a:t>
+            </a:r>
+            <a:br>
+              <a:rPr lang="es-ES"/>
+            </a:br>
+            <a:br>
+              <a:rPr lang="es-ES"/>
+            </a:br>
+            <a:br>
+              <a:rPr lang="es-ES"/>
+            </a:br>
+            <a:r>
+              <a:rPr lang="es-ES"/>
               <a:t>Contenido original:</a:t>
             </a:r>
-            <a:r>
-              <a:rPr sz="1200"/>
-              <a:t>
-</a:t>
-            </a:r>
-            <a:r>
-              <a:rPr lang="es-ES" sz="1200" b="0" i="0" strike="noStrike" cap="none" baseline="0">
-                <a:solidFill>
-                  <a:srgbClr val="000000"/>
-                </a:solidFill>
-                <a:effectLst/>
-                <a:latin typeface="Aptos"/>
-                <a:ea typeface="Aptos"/>
-                <a:cs typeface="Aptos"/>
-              </a:rPr>
-              <a:t>Los distribuidores son negocios que representan y distribuyen productos de té chai en nombre de los fabricantes o mayoristas.</a:t>
-            </a:r>
-            <a:r>
-              <a:rPr lang="es-ES" sz="1200" b="0" i="0" strike="noStrike" cap="none" baseline="0">
-                <a:solidFill>
-                  <a:srgbClr val="000000"/>
-                </a:solidFill>
-                <a:effectLst/>
-                <a:latin typeface="Aptos"/>
-                <a:ea typeface="Aptos"/>
-                <a:cs typeface="Aptos"/>
-              </a:rPr>
-              <a:t> </a:t>
-            </a:r>
-            <a:r>
-              <a:rPr lang="es-ES" sz="1200" b="0" i="0" strike="noStrike" cap="none" baseline="0">
-                <a:solidFill>
-                  <a:srgbClr val="000000"/>
-                </a:solidFill>
-                <a:effectLst/>
-                <a:latin typeface="Aptos"/>
-                <a:ea typeface="Aptos"/>
-                <a:cs typeface="Aptos"/>
-              </a:rPr>
-              <a:t>Son los agentes que facilitan el movimiento y la venta de productos de té chai en distintos mercados y regiones. Además, pueden ofrecer servicios de marketing, ventas y posventa para los productos de té chai.</a:t>
-            </a:r>
-            <a:r>
-              <a:rPr lang="es-ES" sz="1200" b="0" i="0" strike="noStrike" cap="none" baseline="0">
-                <a:solidFill>
-                  <a:srgbClr val="000000"/>
-                </a:solidFill>
-                <a:effectLst/>
-                <a:latin typeface="Aptos"/>
-                <a:ea typeface="Aptos"/>
-                <a:cs typeface="Aptos"/>
-              </a:rPr>
-              <a:t> </a:t>
-            </a:r>
-            <a:r>
-              <a:rPr lang="es-ES" sz="1200" b="0" i="0" strike="noStrike" cap="none" baseline="0">
-                <a:solidFill>
-                  <a:srgbClr val="000000"/>
-                </a:solidFill>
-                <a:effectLst/>
-                <a:latin typeface="Aptos"/>
-                <a:ea typeface="Aptos"/>
-                <a:cs typeface="Aptos"/>
-              </a:rPr>
-              <a:t>Los distribuidores también pueden establecer y mantener relaciones con los minoristas y consumidores, y ofrecer asistencia técnica y logística para los productos de té chai.</a:t>
-            </a:r>
-            <a:r>
-              <a:rPr lang="es-ES" sz="1200" b="0" i="0" strike="noStrike" cap="none" baseline="0">
-                <a:solidFill>
-                  <a:srgbClr val="000000"/>
-                </a:solidFill>
-                <a:effectLst/>
-                <a:latin typeface="Aptos"/>
-                <a:ea typeface="Aptos"/>
-                <a:cs typeface="Aptos"/>
-              </a:rPr>
-              <a:t> </a:t>
-            </a:r>
-            <a:r>
-              <a:rPr lang="es-ES" sz="1200" b="0" i="0" strike="noStrike" cap="none" baseline="0">
-                <a:solidFill>
-                  <a:srgbClr val="000000"/>
-                </a:solidFill>
-                <a:effectLst/>
-                <a:latin typeface="Aptos"/>
-                <a:ea typeface="Aptos"/>
-                <a:cs typeface="Aptos"/>
-              </a:rPr>
-              <a:t>Algunos de los principales distribuidores de productos de té chai en América Latina son Unilever, Nestlé, Coca-Cola y PepsiCo.</a:t>
-            </a:r>
-            <a:r>
-              <a:rPr sz="1200"/>
-              <a:t>
-</a:t>
-            </a:r>
+            <a:br>
+              <a:rPr lang="es-ES"/>
+            </a:br>
+            <a:r>
+              <a:rPr lang="es-ES"/>
+              <a:t>Los distribuidores son negocios que representan y distribuyen productos de té chai en nombre de los fabricantes o mayoristas. Son los agentes que facilitan el movimiento y la venta de productos de té chai en distintos mercados y regiones. Además, pueden ofrecer servicios de marketing, ventas y posventa para los productos de té chai. Los distribuidores también pueden establecer y mantener relaciones con los minoristas y consumidores, y ofrecer asistencia técnica y logística para los productos de té chai. Algunos de los principales distribuidores de productos de té chai de América Latina son Unilever, Nestlé, Coca-Cola y PepsiCo.</a:t>
+            </a:r>
+            <a:br>
+              <a:rPr lang="es-ES"/>
+            </a:br>
+            <a:endParaRPr lang="es-ES"/>
           </a:p>
         </p:txBody>
       </p:sp>
@@ -872,8 +696,8 @@
 </file>
 
 <file path=ppt/notesSlides/notesSlide11.xml><?xml version="1.0" encoding="utf-8"?>
-<p:notes xmlns:a="http://schemas.openxmlformats.org/drawingml/2006/main" xmlns:r="http://schemas.openxmlformats.org/officeDocument/2006/relationships" xmlns:m="http://schemas.openxmlformats.org/officeDocument/2006/math" xmlns:w="http://schemas.openxmlformats.org/wordprocessingml/2006/main" xmlns:wp="http://schemas.openxmlformats.org/drawingml/2006/wordprocessingDrawing" xmlns:a14="http://schemas.microsoft.com/office/drawing/2010/main" xmlns:mc="http://schemas.openxmlformats.org/markup-compatibility/2006" xmlns:p14="http://schemas.microsoft.com/office/powerpoint/2010/main" xmlns:p="http://schemas.openxmlformats.org/presentationml/2006/main">
-  <p:cSld name="">
+<p:notes xmlns:a="http://schemas.openxmlformats.org/drawingml/2006/main" xmlns:r="http://schemas.openxmlformats.org/officeDocument/2006/relationships" xmlns:p="http://schemas.openxmlformats.org/presentationml/2006/main">
+  <p:cSld>
     <p:spTree>
       <p:nvGrpSpPr>
         <p:cNvPr id="1" name=""/>
@@ -884,6 +708,8 @@
         <a:xfrm>
           <a:off x="0" y="0"/>
           <a:ext cx="0" cy="0"/>
+          <a:chOff x="0" y="0"/>
+          <a:chExt cx="0" cy="0"/>
         </a:xfrm>
       </p:grpSpPr>
       <p:sp>
@@ -914,359 +740,124 @@
           <a:lstStyle/>
           <a:p>
             <a:r>
-              <a:rPr lang="es-ES" sz="1200" b="0" i="0" strike="noStrike" cap="none" baseline="0">
-                <a:solidFill>
-                  <a:srgbClr val="000000"/>
-                </a:solidFill>
-                <a:effectLst/>
-                <a:latin typeface="Aptos"/>
-                <a:ea typeface="Aptos"/>
-                <a:cs typeface="Aptos"/>
-              </a:rPr>
-              <a:t>El plan y la estrategia de promoción para el té chai en América Latina busca incrementar el conocimiento, colocarlo como un producto premium, fomentar la prueba y compra y desarrollar la fidelidad.</a:t>
-            </a:r>
-            <a:r>
-              <a:rPr lang="es-ES" sz="1200" b="0" i="0" strike="noStrike" cap="none" baseline="0">
-                <a:solidFill>
-                  <a:srgbClr val="000000"/>
-                </a:solidFill>
-                <a:effectLst/>
-                <a:latin typeface="Aptos"/>
-                <a:ea typeface="Aptos"/>
-                <a:cs typeface="Aptos"/>
-              </a:rPr>
-              <a:t> </a:t>
-            </a:r>
-            <a:r>
-              <a:rPr lang="es-ES" sz="1200" b="0" i="0" strike="noStrike" cap="none" baseline="0">
-                <a:solidFill>
-                  <a:srgbClr val="000000"/>
-                </a:solidFill>
-                <a:effectLst/>
-                <a:latin typeface="Aptos"/>
-                <a:ea typeface="Aptos"/>
-                <a:cs typeface="Aptos"/>
-              </a:rPr>
-              <a:t>Entre las tácticas se incluye crear un nombre de marca y logotipo, desarrollar un sitio web y presencia en redes sociales, iniciar una campaña de marketing digital, distribuir muestras gratis, organizar eventos y asociarse con negocios locales.</a:t>
-            </a:r>
-            <a:r>
-              <a:rPr lang="es-ES" sz="1200" b="0" i="0" strike="noStrike" cap="none" baseline="0">
-                <a:solidFill>
-                  <a:srgbClr val="000000"/>
-                </a:solidFill>
-                <a:effectLst/>
-                <a:latin typeface="Aptos"/>
-                <a:ea typeface="Aptos"/>
-                <a:cs typeface="Aptos"/>
-              </a:rPr>
-              <a:t> </a:t>
-            </a:r>
-            <a:r>
-              <a:rPr lang="es-ES" sz="1200" b="0" i="0" strike="noStrike" cap="none" baseline="0">
-                <a:solidFill>
-                  <a:srgbClr val="000000"/>
-                </a:solidFill>
-                <a:effectLst/>
-                <a:latin typeface="Aptos"/>
-                <a:ea typeface="Aptos"/>
-                <a:cs typeface="Aptos"/>
-              </a:rPr>
-              <a:t>El plan se implementará durante 12 meses con un presupuesto de 100 000 dólares estadounidenses y se evaluará mediante indicadores clave de rendimiento.</a:t>
-            </a:r>
-            <a:r>
-              <a:rPr sz="1200"/>
-              <a:t>
-</a:t>
-            </a:r>
-            <a:r>
-              <a:rPr sz="1200"/>
-              <a:t>
-</a:t>
-            </a:r>
-            <a:r>
-              <a:rPr sz="1200"/>
-              <a:t>
-</a:t>
-            </a:r>
-            <a:r>
-              <a:rPr lang="es-ES" sz="1200" b="0" i="0" strike="noStrike" cap="none" baseline="0">
-                <a:solidFill>
-                  <a:srgbClr val="000000"/>
-                </a:solidFill>
-                <a:effectLst/>
-                <a:latin typeface="Aptos"/>
-                <a:ea typeface="Aptos"/>
-                <a:cs typeface="Aptos"/>
-              </a:rPr>
+              <a:rPr lang="es-ES"/>
+              <a:t>El plan y la estrategia de promoción para el té chai en América Latina busca incrementar el conocimiento, colocarlo como un producto premium, fomentar la prueba y compra y desarrollar la fidelidad. Entre las tácticas se incluye crear un nombre de marca y logotipo, desarrollar un sitio web y presencia en redes sociales, iniciar una campaña de marketing digital, distribuir muestras gratis, organizar eventos y asociarse con negocios locales. El plan se implementará durante 12 meses, con un presupuesto de 100 000 $ y se evaluará con indicadores clave de rendimiento.</a:t>
+            </a:r>
+            <a:br>
+              <a:rPr lang="es-ES"/>
+            </a:br>
+            <a:br>
+              <a:rPr lang="es-ES"/>
+            </a:br>
+            <a:br>
+              <a:rPr lang="es-ES"/>
+            </a:br>
+            <a:r>
+              <a:rPr lang="es-ES"/>
               <a:t>Contenido original:</a:t>
             </a:r>
-            <a:r>
-              <a:rPr sz="1200"/>
-              <a:t>
-</a:t>
-            </a:r>
-            <a:r>
-              <a:rPr lang="es-ES" sz="1200" b="0" i="0" strike="noStrike" cap="none" baseline="0">
-                <a:solidFill>
-                  <a:srgbClr val="000000"/>
-                </a:solidFill>
-                <a:effectLst/>
-                <a:latin typeface="Aptos"/>
-                <a:ea typeface="Aptos"/>
-                <a:cs typeface="Aptos"/>
-              </a:rPr>
+            <a:br>
+              <a:rPr lang="es-ES"/>
+            </a:br>
+            <a:r>
+              <a:rPr lang="es-ES"/>
               <a:t>Plan y estrategia de promoción</a:t>
             </a:r>
-            <a:r>
-              <a:rPr sz="1200"/>
-              <a:t>
-</a:t>
-            </a:r>
-            <a:r>
-              <a:rPr lang="es-ES" sz="1200" b="0" i="0" strike="noStrike" cap="none" baseline="0">
-                <a:solidFill>
-                  <a:srgbClr val="000000"/>
-                </a:solidFill>
-                <a:effectLst/>
-                <a:latin typeface="Aptos"/>
-                <a:ea typeface="Aptos"/>
-                <a:cs typeface="Aptos"/>
-              </a:rPr>
-              <a:t>El plan y estrategia de promoción para el té chai en América Latina busca lograr los siguientes objetivos:</a:t>
-            </a:r>
-            <a:r>
-              <a:rPr sz="1200"/>
-              <a:t>
-</a:t>
-            </a:r>
-            <a:r>
-              <a:rPr lang="es-ES" sz="1200" b="0" i="0" strike="noStrike" cap="none" baseline="0">
-                <a:solidFill>
-                  <a:srgbClr val="000000"/>
-                </a:solidFill>
-                <a:effectLst/>
-                <a:latin typeface="Aptos"/>
-                <a:ea typeface="Aptos"/>
-                <a:cs typeface="Aptos"/>
-              </a:rPr>
+            <a:br>
+              <a:rPr lang="es-ES"/>
+            </a:br>
+            <a:r>
+              <a:rPr lang="es-ES"/>
+              <a:t>El plan y la estrategia de promoción para el té chai en América Latina busca lograr los siguientes objetivos:</a:t>
+            </a:r>
+            <a:br>
+              <a:rPr lang="es-ES"/>
+            </a:br>
+            <a:r>
+              <a:rPr lang="es-ES"/>
               <a:t>·         Incrementar el conocimiento y el interés por el té chai en el público objetivo</a:t>
             </a:r>
-            <a:r>
-              <a:rPr sz="1200"/>
-              <a:t>
-</a:t>
-            </a:r>
-            <a:r>
-              <a:rPr lang="es-ES" sz="1200" b="0" i="0" strike="noStrike" cap="none" baseline="0">
-                <a:solidFill>
-                  <a:srgbClr val="000000"/>
-                </a:solidFill>
-                <a:effectLst/>
-                <a:latin typeface="Aptos"/>
-                <a:ea typeface="Aptos"/>
-                <a:cs typeface="Aptos"/>
-              </a:rPr>
-              <a:t>          Posicionar al té chai como un producto premium, natural y saludable que ofrece una experiencia única y satisfactoria</a:t>
-            </a:r>
-            <a:r>
-              <a:rPr sz="1200"/>
-              <a:t>
-</a:t>
-            </a:r>
-            <a:r>
-              <a:rPr lang="es-ES" sz="1200" b="0" i="0" strike="noStrike" cap="none" baseline="0">
-                <a:solidFill>
-                  <a:srgbClr val="000000"/>
-                </a:solidFill>
-                <a:effectLst/>
-                <a:latin typeface="Aptos"/>
-                <a:ea typeface="Aptos"/>
-                <a:cs typeface="Aptos"/>
-              </a:rPr>
+            <a:br>
+              <a:rPr lang="es-ES"/>
+            </a:br>
+            <a:r>
+              <a:rPr lang="es-ES"/>
+              <a:t>·         Colocar al té chai como un producto premium, natural y saludable que ofrece una experiencia única y satisfactoria</a:t>
+            </a:r>
+            <a:br>
+              <a:rPr lang="es-ES"/>
+            </a:br>
+            <a:r>
+              <a:rPr lang="es-ES"/>
               <a:t>·         Fomentar la prueba y compra de té chai mediante diversos canales e incentivos</a:t>
             </a:r>
-            <a:r>
-              <a:rPr sz="1200"/>
-              <a:t>
-</a:t>
-            </a:r>
-            <a:r>
-              <a:rPr lang="es-ES" sz="1200" b="0" i="0" strike="noStrike" cap="none" baseline="0">
-                <a:solidFill>
-                  <a:srgbClr val="000000"/>
-                </a:solidFill>
-                <a:effectLst/>
-                <a:latin typeface="Aptos"/>
-                <a:ea typeface="Aptos"/>
-                <a:cs typeface="Aptos"/>
-              </a:rPr>
-              <a:t>·         Desarrollar la fidelidad y la retención entre los consumidores de té chai a través de la involucración y los comentarios</a:t>
-            </a:r>
-            <a:r>
-              <a:rPr sz="1200"/>
-              <a:t>
-</a:t>
-            </a:r>
-            <a:r>
-              <a:rPr lang="es-ES" sz="1200" b="0" i="0" strike="noStrike" cap="none" baseline="0">
-                <a:solidFill>
-                  <a:srgbClr val="000000"/>
-                </a:solidFill>
-                <a:effectLst/>
-                <a:latin typeface="Aptos"/>
-                <a:ea typeface="Aptos"/>
-                <a:cs typeface="Aptos"/>
-              </a:rPr>
-              <a:t>El plan y estrategia de promoción para el té chai en América Latina usará una combinación de tácticas, como:</a:t>
-            </a:r>
-            <a:r>
-              <a:rPr sz="1200"/>
-              <a:t>
-</a:t>
-            </a:r>
-            <a:r>
-              <a:rPr lang="es-ES" sz="1200" b="0" i="0" strike="noStrike" cap="none" baseline="0">
-                <a:solidFill>
-                  <a:srgbClr val="000000"/>
-                </a:solidFill>
-                <a:effectLst/>
-                <a:latin typeface="Aptos"/>
-                <a:ea typeface="Aptos"/>
-                <a:cs typeface="Aptos"/>
-              </a:rPr>
-              <a:t>·         Crear un nombre de marca y un logotipo fáciles de recordar para el té chai</a:t>
-            </a:r>
-            <a:r>
-              <a:rPr sz="1200"/>
-              <a:t>
-</a:t>
-            </a:r>
-            <a:r>
-              <a:rPr lang="es-ES" sz="1200" b="0" i="0" strike="noStrike" cap="none" baseline="0">
-                <a:solidFill>
-                  <a:srgbClr val="000000"/>
-                </a:solidFill>
-                <a:effectLst/>
-                <a:latin typeface="Aptos"/>
-                <a:ea typeface="Aptos"/>
-                <a:cs typeface="Aptos"/>
-              </a:rPr>
-              <a:t>          Desarrollar un sitio web y presencia en redes sociales para el té chai que muestre sus beneficios, características e historias</a:t>
-            </a:r>
-            <a:r>
-              <a:rPr sz="1200"/>
-              <a:t>
-</a:t>
-            </a:r>
-            <a:r>
-              <a:rPr lang="es-ES" sz="1200" b="0" i="0" strike="noStrike" cap="none" baseline="0">
-                <a:solidFill>
-                  <a:srgbClr val="000000"/>
-                </a:solidFill>
-                <a:effectLst/>
-                <a:latin typeface="Aptos"/>
-                <a:ea typeface="Aptos"/>
-                <a:cs typeface="Aptos"/>
-              </a:rPr>
-              <a:t>·         Iniciar una campaña de marketing digital que use SEO, SEM, marketing por correo electrónico y marketing de "influencers" para alcanzar y atraer clientes potenciales</a:t>
-            </a:r>
-            <a:r>
-              <a:rPr sz="1200"/>
-              <a:t>
-</a:t>
-            </a:r>
-            <a:r>
-              <a:rPr lang="es-ES" sz="1200" b="0" i="0" strike="noStrike" cap="none" baseline="0">
-                <a:solidFill>
-                  <a:srgbClr val="000000"/>
-                </a:solidFill>
-                <a:effectLst/>
-                <a:latin typeface="Aptos"/>
-                <a:ea typeface="Aptos"/>
-                <a:cs typeface="Aptos"/>
-              </a:rPr>
+            <a:br>
+              <a:rPr lang="es-ES"/>
+            </a:br>
+            <a:r>
+              <a:rPr lang="es-ES"/>
+              <a:t>·         Desarrollar la fidelidad y la retención entre los consumidores de té chai mediante la involucración y los comentarios</a:t>
+            </a:r>
+            <a:br>
+              <a:rPr lang="es-ES"/>
+            </a:br>
+            <a:r>
+              <a:rPr lang="es-ES"/>
+              <a:t>El plan y la estrategia de promoción para el té chai en América Latina utilizará una combinación de tácticas, como las siguientes:</a:t>
+            </a:r>
+            <a:br>
+              <a:rPr lang="es-ES"/>
+            </a:br>
+            <a:r>
+              <a:rPr lang="es-ES"/>
+              <a:t>·         Crear un nombre de marca y logotipo pegadizos y fáciles de recordar para el té chai</a:t>
+            </a:r>
+            <a:br>
+              <a:rPr lang="es-ES"/>
+            </a:br>
+            <a:r>
+              <a:rPr lang="es-ES"/>
+              <a:t>·         Desarrollar un sitio web y presencia en redes sociales para el té chai que exhiba sus ventajas, características e historias</a:t>
+            </a:r>
+            <a:br>
+              <a:rPr lang="es-ES"/>
+            </a:br>
+            <a:r>
+              <a:rPr lang="es-ES"/>
+              <a:t>·         Iniciar una campaña de marketing digital que utilice SEO, SEM, marketing por correo electrónico y marketing de "influencers" para llegar y atraer a clientes potenciales</a:t>
+            </a:r>
+            <a:br>
+              <a:rPr lang="es-ES"/>
+            </a:br>
+            <a:r>
+              <a:rPr lang="es-ES"/>
               <a:t>·         Distribuir muestras gratis y cupones de té chai en ubicaciones estratégicas, como supermercados, cafeterías y herbolarios</a:t>
             </a:r>
-            <a:r>
-              <a:rPr sz="1200"/>
-              <a:t>
-</a:t>
-            </a:r>
-            <a:r>
-              <a:rPr lang="es-ES" sz="1200" b="0" i="0" strike="noStrike" cap="none" baseline="0">
-                <a:solidFill>
-                  <a:srgbClr val="000000"/>
-                </a:solidFill>
-                <a:effectLst/>
-                <a:latin typeface="Aptos"/>
-                <a:ea typeface="Aptos"/>
-                <a:cs typeface="Aptos"/>
-              </a:rPr>
-              <a:t>          Organizar eventos y concursos que inviten a la gente a probar y compartir el té chai con amigos y familiares</a:t>
-            </a:r>
-            <a:r>
-              <a:rPr sz="1200"/>
-              <a:t>
-</a:t>
-            </a:r>
-            <a:r>
-              <a:rPr lang="es-ES" sz="1200" b="0" i="0" strike="noStrike" cap="none" baseline="0">
-                <a:solidFill>
-                  <a:srgbClr val="000000"/>
-                </a:solidFill>
-                <a:effectLst/>
-                <a:latin typeface="Aptos"/>
-                <a:ea typeface="Aptos"/>
-                <a:cs typeface="Aptos"/>
-              </a:rPr>
-              <a:t>·         Asociarse con negocios y organizaciones locales que compartan los mismos valores y visiones que el té chai</a:t>
-            </a:r>
-            <a:r>
-              <a:rPr sz="1200"/>
-              <a:t>
-</a:t>
-            </a:r>
-            <a:r>
-              <a:rPr lang="es-ES" sz="1200" b="0" i="0" strike="noStrike" cap="none" baseline="0">
-                <a:solidFill>
-                  <a:srgbClr val="000000"/>
-                </a:solidFill>
-                <a:effectLst/>
-                <a:latin typeface="Aptos"/>
-                <a:ea typeface="Aptos"/>
-                <a:cs typeface="Aptos"/>
-              </a:rPr>
-              <a:t>El plan y estrategia de promoción para el té chai en América Latina se implementarán durante un período de 12 meses, con un presupuesto de 100 000 dólares estadounidenses.</a:t>
-            </a:r>
-            <a:r>
-              <a:rPr lang="es-ES" sz="1200" b="0" i="0" strike="noStrike" cap="none" baseline="0">
-                <a:solidFill>
-                  <a:srgbClr val="000000"/>
-                </a:solidFill>
-                <a:effectLst/>
-                <a:latin typeface="Aptos"/>
-                <a:ea typeface="Aptos"/>
-                <a:cs typeface="Aptos"/>
-              </a:rPr>
-              <a:t> </a:t>
-            </a:r>
-            <a:r>
-              <a:rPr lang="es-ES" sz="1200" b="0" i="0" strike="noStrike" cap="none" baseline="0">
-                <a:solidFill>
-                  <a:srgbClr val="000000"/>
-                </a:solidFill>
-                <a:effectLst/>
-                <a:latin typeface="Aptos"/>
-                <a:ea typeface="Aptos"/>
-                <a:cs typeface="Aptos"/>
-              </a:rPr>
-              <a:t>El plan se supervisará y evaluará con indicadores clave de rendimiento, como el tráfico del sitio web, la involucración en redes sociales, tasas de apertura de correos electrónicos, tasas de conversión, volumen de ventas, satisfacción del cliente y tasas de retención.</a:t>
-            </a:r>
-            <a:r>
-              <a:rPr sz="1200"/>
-              <a:t>
-</a:t>
-            </a:r>
+            <a:br>
+              <a:rPr lang="es-ES"/>
+            </a:br>
+            <a:r>
+              <a:rPr lang="es-ES"/>
+              <a:t>·         Organizar eventos y concursos que inviten a la gente a probar y compartir el té chai con sus amigos y familiares</a:t>
+            </a:r>
+            <a:br>
+              <a:rPr lang="es-ES"/>
+            </a:br>
+            <a:r>
+              <a:rPr lang="es-ES"/>
+              <a:t>·         Asociarse con negocios y organizaciones locales que compartan los mismos valores y visión que el té chai</a:t>
+            </a:r>
+            <a:br>
+              <a:rPr lang="es-ES"/>
+            </a:br>
+            <a:r>
+              <a:rPr lang="es-ES"/>
+              <a:t>El plan y la estrategia de promoción para el té chai en América Latina se implementará durante un período de 12 meses, con un presupuesto de 100 000 $. El plan se supervisará y evaluará con indicadores clave de rendimiento, como el tráfico del sitio web, la involucración en redes sociales, tasas de apertura de correos electrónicos, tasas de conversión, volumen de ventas, satisfacción del cliente y tasas de retención.</a:t>
+            </a:r>
+            <a:br>
+              <a:rPr lang="es-ES"/>
+            </a:br>
+            <a:endParaRPr lang="es-ES"/>
           </a:p>
         </p:txBody>
       </p:sp>
@@ -1307,8 +898,8 @@
 </file>
 
 <file path=ppt/notesSlides/notesSlide12.xml><?xml version="1.0" encoding="utf-8"?>
-<p:notes xmlns:a="http://schemas.openxmlformats.org/drawingml/2006/main" xmlns:r="http://schemas.openxmlformats.org/officeDocument/2006/relationships" xmlns:m="http://schemas.openxmlformats.org/officeDocument/2006/math" xmlns:w="http://schemas.openxmlformats.org/wordprocessingml/2006/main" xmlns:wp="http://schemas.openxmlformats.org/drawingml/2006/wordprocessingDrawing" xmlns:a14="http://schemas.microsoft.com/office/drawing/2010/main" xmlns:mc="http://schemas.openxmlformats.org/markup-compatibility/2006" xmlns:p14="http://schemas.microsoft.com/office/powerpoint/2010/main" xmlns:p="http://schemas.openxmlformats.org/presentationml/2006/main">
-  <p:cSld name="">
+<p:notes xmlns:a="http://schemas.openxmlformats.org/drawingml/2006/main" xmlns:r="http://schemas.openxmlformats.org/officeDocument/2006/relationships" xmlns:p="http://schemas.openxmlformats.org/presentationml/2006/main">
+  <p:cSld>
     <p:spTree>
       <p:nvGrpSpPr>
         <p:cNvPr id="1" name=""/>
@@ -1319,6 +910,8 @@
         <a:xfrm>
           <a:off x="0" y="0"/>
           <a:ext cx="0" cy="0"/>
+          <a:chOff x="0" y="0"/>
+          <a:chExt cx="0" cy="0"/>
         </a:xfrm>
       </p:grpSpPr>
       <p:sp>
@@ -1349,151 +942,68 @@
           <a:lstStyle/>
           <a:p>
             <a:r>
-              <a:rPr lang="es-ES" sz="1200" b="0" i="0" strike="noStrike" cap="none" baseline="0">
-                <a:solidFill>
-                  <a:srgbClr val="000000"/>
-                </a:solidFill>
-                <a:effectLst/>
-                <a:latin typeface="Aptos"/>
-                <a:ea typeface="Aptos"/>
-                <a:cs typeface="Aptos"/>
-              </a:rPr>
-              <a:t>Se espera que el plan y estrategia de promoción del té chai en América Latina produzcan un aumento del 20 % en el conocimiento e interés, un aumento del 10 % en la cuota de mercado, un aumento del 15 % en el volumen de ventas y los ingresos, y un aumento del 25 % en la satisfacción del cliente y las tasas de retención.</a:t>
-            </a:r>
-            <a:r>
-              <a:rPr sz="1200"/>
-              <a:t>
-</a:t>
-            </a:r>
-            <a:r>
-              <a:rPr sz="1200"/>
-              <a:t>
-</a:t>
-            </a:r>
-            <a:r>
-              <a:rPr sz="1200"/>
-              <a:t>
-</a:t>
-            </a:r>
-            <a:r>
-              <a:rPr lang="es-ES" sz="1200" b="0" i="0" strike="noStrike" cap="none" baseline="0">
-                <a:solidFill>
-                  <a:srgbClr val="000000"/>
-                </a:solidFill>
-                <a:effectLst/>
-                <a:latin typeface="Aptos"/>
-                <a:ea typeface="Aptos"/>
-                <a:cs typeface="Aptos"/>
-              </a:rPr>
+              <a:rPr lang="es-ES"/>
+              <a:t>El plan y la estrategia de promoción para el té chai en América Latina se espera que generen un aumento del 20 % en el conocimiento y el interés, un aumento del 10 % en la cuota de mercado, un aumento del 15 % en el volumen de ventas y los ingresos, y un aumento del 25 % en la satisfacción del cliente y las tasas de retención.</a:t>
+            </a:r>
+            <a:br>
+              <a:rPr lang="es-ES"/>
+            </a:br>
+            <a:br>
+              <a:rPr lang="es-ES"/>
+            </a:br>
+            <a:br>
+              <a:rPr lang="es-ES"/>
+            </a:br>
+            <a:r>
+              <a:rPr lang="es-ES"/>
               <a:t>Contenido original:</a:t>
             </a:r>
-            <a:r>
-              <a:rPr sz="1200"/>
-              <a:t>
-</a:t>
-            </a:r>
-            <a:r>
-              <a:rPr lang="es-ES" sz="1200" b="0" i="0" strike="noStrike" cap="none" baseline="0">
-                <a:solidFill>
-                  <a:srgbClr val="000000"/>
-                </a:solidFill>
-                <a:effectLst/>
-                <a:latin typeface="Aptos"/>
-                <a:ea typeface="Aptos"/>
-                <a:cs typeface="Aptos"/>
-              </a:rPr>
+            <a:br>
+              <a:rPr lang="es-ES"/>
+            </a:br>
+            <a:r>
+              <a:rPr lang="es-ES"/>
               <a:t>Resultados y desafíos que se esperan</a:t>
             </a:r>
-            <a:r>
-              <a:rPr sz="1200"/>
-              <a:t>
-</a:t>
-            </a:r>
-            <a:r>
-              <a:rPr lang="es-ES" sz="1200" b="0" i="0" strike="noStrike" cap="none" baseline="0">
-                <a:solidFill>
-                  <a:srgbClr val="000000"/>
-                </a:solidFill>
-                <a:effectLst/>
-                <a:latin typeface="Aptos"/>
-                <a:ea typeface="Aptos"/>
-                <a:cs typeface="Aptos"/>
-              </a:rPr>
-              <a:t>Los resultados del plan y estrategia de promoción para el té chai en América Latina son:</a:t>
-            </a:r>
-            <a:r>
-              <a:rPr sz="1200"/>
-              <a:t>
-</a:t>
-            </a:r>
-            <a:r>
-              <a:rPr lang="es-ES" sz="1200" b="0" i="0" strike="noStrike" cap="none" baseline="0">
-                <a:solidFill>
-                  <a:srgbClr val="000000"/>
-                </a:solidFill>
-                <a:effectLst/>
-                <a:latin typeface="Aptos"/>
-                <a:ea typeface="Aptos"/>
-                <a:cs typeface="Aptos"/>
-              </a:rPr>
+            <a:br>
+              <a:rPr lang="es-ES"/>
+            </a:br>
+            <a:r>
+              <a:rPr lang="es-ES"/>
+              <a:t>Los resultados que se esperan del plan y la estrategia de promoción para el té chai en América Latina son los siguientes:</a:t>
+            </a:r>
+            <a:br>
+              <a:rPr lang="es-ES"/>
+            </a:br>
+            <a:r>
+              <a:rPr lang="es-ES"/>
               <a:t>·         Un aumento del 20 % en el conocimiento y el interés por el té chai en el público objetivo</a:t>
             </a:r>
-            <a:r>
-              <a:rPr sz="1200"/>
-              <a:t>
-</a:t>
-            </a:r>
-            <a:r>
-              <a:rPr lang="es-ES" sz="1200" b="0" i="0" strike="noStrike" cap="none" baseline="0">
-                <a:solidFill>
-                  <a:srgbClr val="000000"/>
-                </a:solidFill>
-                <a:effectLst/>
-                <a:latin typeface="Aptos"/>
-                <a:ea typeface="Aptos"/>
-                <a:cs typeface="Aptos"/>
-              </a:rPr>
-              <a:t>          Un aumento del 10 % en la cuota de mercado del té chai en la región</a:t>
-            </a:r>
-            <a:r>
-              <a:rPr sz="1200"/>
-              <a:t>
-</a:t>
-            </a:r>
-            <a:r>
-              <a:rPr lang="es-ES" sz="1200" b="0" i="0" strike="noStrike" cap="none" baseline="0">
-                <a:solidFill>
-                  <a:srgbClr val="000000"/>
-                </a:solidFill>
-                <a:effectLst/>
-                <a:latin typeface="Aptos"/>
-                <a:ea typeface="Aptos"/>
-                <a:cs typeface="Aptos"/>
-              </a:rPr>
+            <a:br>
+              <a:rPr lang="es-ES"/>
+            </a:br>
+            <a:r>
+              <a:rPr lang="es-ES"/>
+              <a:t>·         Un aumento del 10 % en la cuota de mercado del té chai en la región</a:t>
+            </a:r>
+            <a:br>
+              <a:rPr lang="es-ES"/>
+            </a:br>
+            <a:r>
+              <a:rPr lang="es-ES"/>
               <a:t>·         Un aumento del 15 % en el volumen de ventas y los ingresos del té chai en la región</a:t>
             </a:r>
-            <a:r>
-              <a:rPr sz="1200"/>
-              <a:t>
-</a:t>
-            </a:r>
-            <a:r>
-              <a:rPr lang="es-ES" sz="1200" b="0" i="0" strike="noStrike" cap="none" baseline="0">
-                <a:solidFill>
-                  <a:srgbClr val="000000"/>
-                </a:solidFill>
-                <a:effectLst/>
-                <a:latin typeface="Aptos"/>
-                <a:ea typeface="Aptos"/>
-                <a:cs typeface="Aptos"/>
-              </a:rPr>
+            <a:br>
+              <a:rPr lang="es-ES"/>
+            </a:br>
+            <a:r>
+              <a:rPr lang="es-ES"/>
               <a:t>·         Un aumento del 25 % en la satisfacción del cliente y las tasas de retención del té chai en la región</a:t>
             </a:r>
-            <a:r>
-              <a:rPr sz="1200"/>
-              <a:t>
-</a:t>
-            </a:r>
+            <a:br>
+              <a:rPr lang="es-ES"/>
+            </a:br>
+            <a:endParaRPr lang="es-ES"/>
           </a:p>
         </p:txBody>
       </p:sp>
@@ -1534,8 +1044,8 @@
 </file>
 
 <file path=ppt/notesSlides/notesSlide13.xml><?xml version="1.0" encoding="utf-8"?>
-<p:notes xmlns:a="http://schemas.openxmlformats.org/drawingml/2006/main" xmlns:r="http://schemas.openxmlformats.org/officeDocument/2006/relationships" xmlns:m="http://schemas.openxmlformats.org/officeDocument/2006/math" xmlns:w="http://schemas.openxmlformats.org/wordprocessingml/2006/main" xmlns:wp="http://schemas.openxmlformats.org/drawingml/2006/wordprocessingDrawing" xmlns:a14="http://schemas.microsoft.com/office/drawing/2010/main" xmlns:mc="http://schemas.openxmlformats.org/markup-compatibility/2006" xmlns:p14="http://schemas.microsoft.com/office/powerpoint/2010/main" xmlns:p="http://schemas.openxmlformats.org/presentationml/2006/main">
-  <p:cSld name="">
+<p:notes xmlns:a="http://schemas.openxmlformats.org/drawingml/2006/main" xmlns:r="http://schemas.openxmlformats.org/officeDocument/2006/relationships" xmlns:p="http://schemas.openxmlformats.org/presentationml/2006/main">
+  <p:cSld>
     <p:spTree>
       <p:nvGrpSpPr>
         <p:cNvPr id="1" name=""/>
@@ -1546,6 +1056,8 @@
         <a:xfrm>
           <a:off x="0" y="0"/>
           <a:ext cx="0" cy="0"/>
+          <a:chOff x="0" y="0"/>
+          <a:chExt cx="0" cy="0"/>
         </a:xfrm>
       </p:grpSpPr>
       <p:sp>
@@ -1576,151 +1088,68 @@
           <a:lstStyle/>
           <a:p>
             <a:r>
-              <a:rPr lang="es-ES" sz="1200" b="0" i="0" strike="noStrike" cap="none" baseline="0">
-                <a:solidFill>
-                  <a:srgbClr val="000000"/>
-                </a:solidFill>
-                <a:effectLst/>
-                <a:latin typeface="Aptos"/>
-                <a:ea typeface="Aptos"/>
-                <a:cs typeface="Aptos"/>
-              </a:rPr>
-              <a:t>El plan y estrategia de promoción para el té chai en América Latina se enfrentan a varios desafíos, como el alto precio, la falta de conocimiento, la competencia de otros productos de té, las barreras normativas y culturales, y los problemas medioambientales y sociales que pueden afectar al suministro y a la calidad de los ingredientes del té chai.</a:t>
-            </a:r>
-            <a:r>
-              <a:rPr sz="1200"/>
-              <a:t>
-</a:t>
-            </a:r>
-            <a:r>
-              <a:rPr sz="1200"/>
-              <a:t>
-</a:t>
-            </a:r>
-            <a:r>
-              <a:rPr sz="1200"/>
-              <a:t>
-</a:t>
-            </a:r>
-            <a:r>
-              <a:rPr lang="es-ES" sz="1200" b="0" i="0" strike="noStrike" cap="none" baseline="0">
-                <a:solidFill>
-                  <a:srgbClr val="000000"/>
-                </a:solidFill>
-                <a:effectLst/>
-                <a:latin typeface="Aptos"/>
-                <a:ea typeface="Aptos"/>
-                <a:cs typeface="Aptos"/>
-              </a:rPr>
+              <a:rPr lang="es-ES"/>
+              <a:t>El plan y la estrategia de promoción para el té chai en América Latina se enfrenta a diversos desafíos, como precios elevados, falta de conocimiento, competencia de otros productos de té, barreras normativas y culturales, y problemas medioambientales y sociales que pueden afectar al suministro y a la calidad de los ingredientes del té chai.</a:t>
+            </a:r>
+            <a:br>
+              <a:rPr lang="es-ES"/>
+            </a:br>
+            <a:br>
+              <a:rPr lang="es-ES"/>
+            </a:br>
+            <a:br>
+              <a:rPr lang="es-ES"/>
+            </a:br>
+            <a:r>
+              <a:rPr lang="es-ES"/>
               <a:t>Contenido original:</a:t>
             </a:r>
-            <a:r>
-              <a:rPr sz="1200"/>
-              <a:t>
-</a:t>
-            </a:r>
-            <a:r>
-              <a:rPr lang="es-ES" sz="1200" b="0" i="0" strike="noStrike" cap="none" baseline="0">
-                <a:solidFill>
-                  <a:srgbClr val="000000"/>
-                </a:solidFill>
-                <a:effectLst/>
-                <a:latin typeface="Aptos"/>
-                <a:ea typeface="Aptos"/>
-                <a:cs typeface="Aptos"/>
-              </a:rPr>
-              <a:t>Los posibles desafíos del plan y estrategia de promoción para el té chai en América Latina son:</a:t>
-            </a:r>
-            <a:r>
-              <a:rPr sz="1200"/>
-              <a:t>
-</a:t>
-            </a:r>
-            <a:r>
-              <a:rPr lang="es-ES" sz="1200" b="0" i="0" strike="noStrike" cap="none" baseline="0">
-                <a:solidFill>
-                  <a:srgbClr val="000000"/>
-                </a:solidFill>
-                <a:effectLst/>
-                <a:latin typeface="Aptos"/>
-                <a:ea typeface="Aptos"/>
-                <a:cs typeface="Aptos"/>
-              </a:rPr>
-              <a:t>·         El elevado precio y la baja asequibilidad de productos de té chai en comparación con otras bebidas</a:t>
-            </a:r>
-            <a:r>
-              <a:rPr sz="1200"/>
-              <a:t>
-</a:t>
-            </a:r>
-            <a:r>
-              <a:rPr lang="es-ES" sz="1200" b="0" i="0" strike="noStrike" cap="none" baseline="0">
-                <a:solidFill>
-                  <a:srgbClr val="000000"/>
-                </a:solidFill>
-                <a:effectLst/>
-                <a:latin typeface="Aptos"/>
-                <a:ea typeface="Aptos"/>
-                <a:cs typeface="Aptos"/>
-              </a:rPr>
-              <a:t>·        La falta de conocimiento y familiaridad con el té chai en algunos segmentos de la población</a:t>
-            </a:r>
-            <a:r>
-              <a:rPr sz="1200"/>
-              <a:t>
-</a:t>
-            </a:r>
-            <a:r>
-              <a:rPr lang="es-ES" sz="1200" b="0" i="0" strike="noStrike" cap="none" baseline="0">
-                <a:solidFill>
-                  <a:srgbClr val="000000"/>
-                </a:solidFill>
-                <a:effectLst/>
-                <a:latin typeface="Aptos"/>
-                <a:ea typeface="Aptos"/>
-                <a:cs typeface="Aptos"/>
-              </a:rPr>
+            <a:br>
+              <a:rPr lang="es-ES"/>
+            </a:br>
+            <a:r>
+              <a:rPr lang="es-ES"/>
+              <a:t>Los desafíos potenciales del plan y la estrategia de promoción para el té chai en América Latina son los siguientes:</a:t>
+            </a:r>
+            <a:br>
+              <a:rPr lang="es-ES"/>
+            </a:br>
+            <a:r>
+              <a:rPr lang="es-ES"/>
+              <a:t>·         El elevado precio y la baja asequibilidad de los productos de té chai en comparación con otras bebidas</a:t>
+            </a:r>
+            <a:br>
+              <a:rPr lang="es-ES"/>
+            </a:br>
+            <a:r>
+              <a:rPr lang="es-ES"/>
+              <a:t>·         La falta de conocimiento y familiaridad con el té chai en algunos segmentos de la población</a:t>
+            </a:r>
+            <a:br>
+              <a:rPr lang="es-ES"/>
+            </a:br>
+            <a:r>
+              <a:rPr lang="es-ES"/>
               <a:t>·         La competencia de otros productos de té, como tés de hierbas, verdes y negros</a:t>
             </a:r>
-            <a:r>
-              <a:rPr sz="1200"/>
-              <a:t>
-</a:t>
-            </a:r>
-            <a:r>
-              <a:rPr lang="es-ES" sz="1200" b="0" i="0" strike="noStrike" cap="none" baseline="0">
-                <a:solidFill>
-                  <a:srgbClr val="000000"/>
-                </a:solidFill>
-                <a:effectLst/>
-                <a:latin typeface="Aptos"/>
-                <a:ea typeface="Aptos"/>
-                <a:cs typeface="Aptos"/>
-              </a:rPr>
+            <a:br>
+              <a:rPr lang="es-ES"/>
+            </a:br>
+            <a:r>
+              <a:rPr lang="es-ES"/>
               <a:t>·         Las barreras normativas y culturales que pueden limitar la entrada y expansión de los productos de té chai en algunos países</a:t>
             </a:r>
-            <a:r>
-              <a:rPr sz="1200"/>
-              <a:t>
-</a:t>
-            </a:r>
-            <a:r>
-              <a:rPr lang="es-ES" sz="1200" b="0" i="0" strike="noStrike" cap="none" baseline="0">
-                <a:solidFill>
-                  <a:srgbClr val="000000"/>
-                </a:solidFill>
-                <a:effectLst/>
-                <a:latin typeface="Aptos"/>
-                <a:ea typeface="Aptos"/>
-                <a:cs typeface="Aptos"/>
-              </a:rPr>
+            <a:br>
+              <a:rPr lang="es-ES"/>
+            </a:br>
+            <a:r>
+              <a:rPr lang="es-ES"/>
               <a:t>·         Los problemas medioambientales y sociales que pueden afectar al suministro y a la calidad de los ingredientes del té chai</a:t>
             </a:r>
-            <a:r>
-              <a:rPr sz="1200"/>
-              <a:t>
-</a:t>
-            </a:r>
+            <a:br>
+              <a:rPr lang="es-ES"/>
+            </a:br>
+            <a:endParaRPr lang="es-ES"/>
           </a:p>
         </p:txBody>
       </p:sp>
@@ -1761,8 +1190,8 @@
 </file>
 
 <file path=ppt/notesSlides/notesSlide14.xml><?xml version="1.0" encoding="utf-8"?>
-<p:notes xmlns:a="http://schemas.openxmlformats.org/drawingml/2006/main" xmlns:r="http://schemas.openxmlformats.org/officeDocument/2006/relationships" xmlns:m="http://schemas.openxmlformats.org/officeDocument/2006/math" xmlns:w="http://schemas.openxmlformats.org/wordprocessingml/2006/main" xmlns:wp="http://schemas.openxmlformats.org/drawingml/2006/wordprocessingDrawing" xmlns:a14="http://schemas.microsoft.com/office/drawing/2010/main" xmlns:mc="http://schemas.openxmlformats.org/markup-compatibility/2006" xmlns:p14="http://schemas.microsoft.com/office/powerpoint/2010/main" xmlns:p="http://schemas.openxmlformats.org/presentationml/2006/main">
-  <p:cSld name="">
+<p:notes xmlns:a="http://schemas.openxmlformats.org/drawingml/2006/main" xmlns:r="http://schemas.openxmlformats.org/officeDocument/2006/relationships" xmlns:p="http://schemas.openxmlformats.org/presentationml/2006/main">
+  <p:cSld>
     <p:spTree>
       <p:nvGrpSpPr>
         <p:cNvPr id="1" name=""/>
@@ -1773,6 +1202,8 @@
         <a:xfrm>
           <a:off x="0" y="0"/>
           <a:ext cx="0" cy="0"/>
+          <a:chOff x="0" y="0"/>
+          <a:chExt cx="0" cy="0"/>
         </a:xfrm>
       </p:grpSpPr>
       <p:sp>
@@ -1803,281 +1234,82 @@
           <a:lstStyle/>
           <a:p>
             <a:r>
-              <a:rPr lang="es-ES" sz="1200" b="0" i="0" strike="noStrike" cap="none" baseline="0">
-                <a:solidFill>
-                  <a:srgbClr val="000000"/>
-                </a:solidFill>
-                <a:effectLst/>
-                <a:latin typeface="Aptos"/>
-                <a:ea typeface="Aptos"/>
-                <a:cs typeface="Aptos"/>
-              </a:rPr>
-              <a:t>El té chai es un producto prometedor en el mercado de América Latina que ofrece una alternativa saludable y exótica.</a:t>
-            </a:r>
-            <a:r>
-              <a:rPr lang="es-ES" sz="1200" b="0" i="0" strike="noStrike" cap="none" baseline="0">
-                <a:solidFill>
-                  <a:srgbClr val="000000"/>
-                </a:solidFill>
-                <a:effectLst/>
-                <a:latin typeface="Aptos"/>
-                <a:ea typeface="Aptos"/>
-                <a:cs typeface="Aptos"/>
-              </a:rPr>
-              <a:t> </a:t>
-            </a:r>
-            <a:r>
-              <a:rPr lang="es-ES" sz="1200" b="0" i="0" strike="noStrike" cap="none" baseline="0">
-                <a:solidFill>
-                  <a:srgbClr val="000000"/>
-                </a:solidFill>
-                <a:effectLst/>
-                <a:latin typeface="Aptos"/>
-                <a:ea typeface="Aptos"/>
-                <a:cs typeface="Aptos"/>
-              </a:rPr>
-              <a:t>Debe posicionarse como un producto premium y versátil, que saca provecho de sus características y ventajas únicas.</a:t>
-            </a:r>
-            <a:r>
-              <a:rPr lang="es-ES" sz="1200" b="0" i="0" strike="noStrike" cap="none" baseline="0">
-                <a:solidFill>
-                  <a:srgbClr val="000000"/>
-                </a:solidFill>
-                <a:effectLst/>
-                <a:latin typeface="Aptos"/>
-                <a:ea typeface="Aptos"/>
-                <a:cs typeface="Aptos"/>
-              </a:rPr>
-              <a:t> </a:t>
-            </a:r>
-            <a:r>
-              <a:rPr lang="es-ES" sz="1200" b="0" i="0" strike="noStrike" cap="none" baseline="0">
-                <a:solidFill>
-                  <a:srgbClr val="000000"/>
-                </a:solidFill>
-                <a:effectLst/>
-                <a:latin typeface="Aptos"/>
-                <a:ea typeface="Aptos"/>
-                <a:cs typeface="Aptos"/>
-              </a:rPr>
-              <a:t>Se debe utilizar una mezcla de tácticas en línea y sin conexión para alcanzar e interactuar con el público objetivo y superar los desafíos.</a:t>
-            </a:r>
-            <a:r>
-              <a:rPr sz="1200"/>
-              <a:t>
-</a:t>
-            </a:r>
-            <a:r>
-              <a:rPr sz="1200"/>
-              <a:t>
-</a:t>
-            </a:r>
-            <a:r>
-              <a:rPr sz="1200"/>
-              <a:t>
-</a:t>
-            </a:r>
-            <a:r>
-              <a:rPr lang="es-ES" sz="1200" b="0" i="0" strike="noStrike" cap="none" baseline="0">
-                <a:solidFill>
-                  <a:srgbClr val="000000"/>
-                </a:solidFill>
-                <a:effectLst/>
-                <a:latin typeface="Aptos"/>
-                <a:ea typeface="Aptos"/>
-                <a:cs typeface="Aptos"/>
-              </a:rPr>
+              <a:rPr lang="es-ES"/>
+              <a:t>El té chai es un producto prometedor en el mercado de América Latina que ofrece una alternativa saludable y exótica. Debe posicionarse como un producto premium y versátil, que saca provecho de sus características y ventajas únicas. Deben utilizarse una mezcla de tácticas en línea y sin conexión para alcanzar e interactuar con el público objetivo y superar los desafíos.</a:t>
+            </a:r>
+            <a:br>
+              <a:rPr lang="es-ES"/>
+            </a:br>
+            <a:br>
+              <a:rPr lang="es-ES"/>
+            </a:br>
+            <a:br>
+              <a:rPr lang="es-ES"/>
+            </a:br>
+            <a:r>
+              <a:rPr lang="es-ES"/>
               <a:t>Contenido original:</a:t>
             </a:r>
-            <a:r>
-              <a:rPr sz="1200"/>
-              <a:t>
-</a:t>
-            </a:r>
-            <a:r>
-              <a:rPr lang="es-ES" sz="1200" b="0" i="0" strike="noStrike" cap="none" baseline="0">
-                <a:solidFill>
-                  <a:srgbClr val="000000"/>
-                </a:solidFill>
-                <a:effectLst/>
-                <a:latin typeface="Aptos"/>
-                <a:ea typeface="Aptos"/>
-                <a:cs typeface="Aptos"/>
-              </a:rPr>
+            <a:br>
+              <a:rPr lang="es-ES"/>
+            </a:br>
+            <a:r>
+              <a:rPr lang="es-ES"/>
               <a:t>Recomendaciones y conclusiones</a:t>
             </a:r>
-            <a:r>
-              <a:rPr sz="1200"/>
-              <a:t>
-</a:t>
-            </a:r>
-            <a:r>
-              <a:rPr lang="es-ES" sz="1200" b="0" i="0" strike="noStrike" cap="none" baseline="0">
-                <a:solidFill>
-                  <a:srgbClr val="000000"/>
-                </a:solidFill>
-                <a:effectLst/>
-                <a:latin typeface="Aptos"/>
-                <a:ea typeface="Aptos"/>
-                <a:cs typeface="Aptos"/>
-              </a:rPr>
-              <a:t>Con base en el análisis de mercado, el análisis competitivo, los canales de distribución, y el plan y estrategia de promoción, se pueden extraer las siguientes recomendaciones y conclusiones para el futuro del té chai en América Latina:</a:t>
-            </a:r>
-            <a:r>
-              <a:rPr sz="1200"/>
-              <a:t>
-</a:t>
-            </a:r>
-            <a:r>
-              <a:rPr lang="es-ES" sz="1200" b="0" i="0" strike="noStrike" cap="none" baseline="0">
-                <a:solidFill>
-                  <a:srgbClr val="000000"/>
-                </a:solidFill>
-                <a:effectLst/>
-                <a:latin typeface="Aptos"/>
-                <a:ea typeface="Aptos"/>
-                <a:cs typeface="Aptos"/>
-              </a:rPr>
-              <a:t>·         El té chai es un producto prometedor que tiene potencial para crecer y tener éxito en el mercado latinoamericano, ya que ofrece una alternativa saludable, natural y exótica a otras bebidas</a:t>
-            </a:r>
-            <a:r>
-              <a:rPr sz="1200"/>
-              <a:t>
-</a:t>
-            </a:r>
-            <a:r>
-              <a:rPr lang="es-ES" sz="1200" b="0" i="0" strike="noStrike" cap="none" baseline="0">
-                <a:solidFill>
-                  <a:srgbClr val="000000"/>
-                </a:solidFill>
-                <a:effectLst/>
-                <a:latin typeface="Aptos"/>
-                <a:ea typeface="Aptos"/>
-                <a:cs typeface="Aptos"/>
-              </a:rPr>
+            <a:br>
+              <a:rPr lang="es-ES"/>
+            </a:br>
+            <a:r>
+              <a:rPr lang="es-ES"/>
+              <a:t>En base al análisis del mercado, al análisis competitivo, los canales de distribución y el plan y la estrategia de promoción, se pueden extraer las siguientes recomendaciones y conclusiones para el futuro del té chai en América Latina:</a:t>
+            </a:r>
+            <a:br>
+              <a:rPr lang="es-ES"/>
+            </a:br>
+            <a:r>
+              <a:rPr lang="es-ES"/>
+              <a:t>·         El té chai es un producto prometedor con potencial para crecer y tener éxito en el mercado de América Latina, ya que ofrece una alternativa saludable, natural y exótica a otras bebidas</a:t>
+            </a:r>
+            <a:br>
+              <a:rPr lang="es-ES"/>
+            </a:br>
+            <a:r>
+              <a:rPr lang="es-ES"/>
               <a:t>·         El té chai debe posicionarse y comercializarse como un producto premium, auténtico y versátil que puede dirigirse a distintos segmentos y ocasiones</a:t>
             </a:r>
-            <a:r>
-              <a:rPr sz="1200"/>
-              <a:t>
-</a:t>
-            </a:r>
-            <a:r>
-              <a:rPr lang="es-ES" sz="1200" b="0" i="0" strike="noStrike" cap="none" baseline="0">
-                <a:solidFill>
-                  <a:srgbClr val="000000"/>
-                </a:solidFill>
-                <a:effectLst/>
-                <a:latin typeface="Aptos"/>
-                <a:ea typeface="Aptos"/>
-                <a:cs typeface="Aptos"/>
-              </a:rPr>
-              <a:t>·         El té chai necesita sacar provecho de sus características y ventajas únicas, como su aroma intenso, su sabor y sus beneficios para la salud, para diferenciarse de otros productos de té</a:t>
-            </a:r>
-            <a:r>
-              <a:rPr sz="1200"/>
-              <a:t>
-</a:t>
-            </a:r>
-            <a:r>
-              <a:rPr lang="es-ES" sz="1200" b="0" i="0" strike="noStrike" cap="none" baseline="0">
-                <a:solidFill>
-                  <a:srgbClr val="000000"/>
-                </a:solidFill>
-                <a:effectLst/>
-                <a:latin typeface="Aptos"/>
-                <a:ea typeface="Aptos"/>
-                <a:cs typeface="Aptos"/>
-              </a:rPr>
-              <a:t>·   El té chai tiene que utilizar una mezcla de tácticas en línea y sin conexión para alcanzar y interactuar con el público objetivo, y crear una base de clientes leales y satisfechos</a:t>
-            </a:r>
-            <a:r>
-              <a:rPr sz="1200"/>
-              <a:t>
-</a:t>
-            </a:r>
-            <a:r>
-              <a:rPr lang="es-ES" sz="1200" b="0" i="0" strike="noStrike" cap="none" baseline="0">
-                <a:solidFill>
-                  <a:srgbClr val="000000"/>
-                </a:solidFill>
-                <a:effectLst/>
-                <a:latin typeface="Aptos"/>
-                <a:ea typeface="Aptos"/>
-                <a:cs typeface="Aptos"/>
-              </a:rPr>
-              <a:t>·         El té chai tiene que superar los desafíos y amenazas que pueden dificultar su crecimiento y expansión en la región, como el precio, el conocimiento, la competencia, la normativa y la sostenibilidad</a:t>
-            </a:r>
-            <a:r>
-              <a:rPr sz="1200"/>
-              <a:t>
-</a:t>
-            </a:r>
-            <a:r>
-              <a:rPr lang="es-ES" sz="1200" b="0" i="0" strike="noStrike" cap="none" baseline="0">
-                <a:solidFill>
-                  <a:srgbClr val="000000"/>
-                </a:solidFill>
-                <a:effectLst/>
-                <a:latin typeface="Aptos"/>
-                <a:ea typeface="Aptos"/>
-                <a:cs typeface="Aptos"/>
-              </a:rPr>
-              <a:t>En conclusión, el té chai es un producto que tiene una gran cantidad de posibilidades y oportunidades en el mercado latinoamericano, pero también enfrenta algunos desafíos y riesgos.</a:t>
-            </a:r>
-            <a:r>
-              <a:rPr lang="es-ES" sz="1200" b="0" i="0" strike="noStrike" cap="none" baseline="0">
-                <a:solidFill>
-                  <a:srgbClr val="000000"/>
-                </a:solidFill>
-                <a:effectLst/>
-                <a:latin typeface="Aptos"/>
-                <a:ea typeface="Aptos"/>
-                <a:cs typeface="Aptos"/>
-              </a:rPr>
-              <a:t> </a:t>
-            </a:r>
-            <a:r>
-              <a:rPr lang="es-ES" sz="1200" b="0" i="0" strike="noStrike" cap="none" baseline="0">
-                <a:solidFill>
-                  <a:srgbClr val="000000"/>
-                </a:solidFill>
-                <a:effectLst/>
-                <a:latin typeface="Aptos"/>
-                <a:ea typeface="Aptos"/>
-                <a:cs typeface="Aptos"/>
-              </a:rPr>
-              <a:t>El plan y la estrategia de promoción que se han resumido en este informe buscan abordar estos problemas y lograr los resultados deseados.</a:t>
-            </a:r>
-            <a:r>
-              <a:rPr lang="es-ES" sz="1200" b="0" i="0" strike="noStrike" cap="none" baseline="0">
-                <a:solidFill>
-                  <a:srgbClr val="000000"/>
-                </a:solidFill>
-                <a:effectLst/>
-                <a:latin typeface="Aptos"/>
-                <a:ea typeface="Aptos"/>
-                <a:cs typeface="Aptos"/>
-              </a:rPr>
-              <a:t> </a:t>
-            </a:r>
-            <a:r>
-              <a:rPr lang="es-ES" sz="1200" b="0" i="0" strike="noStrike" cap="none" baseline="0">
-                <a:solidFill>
-                  <a:srgbClr val="000000"/>
-                </a:solidFill>
-                <a:effectLst/>
-                <a:latin typeface="Aptos"/>
-                <a:ea typeface="Aptos"/>
-                <a:cs typeface="Aptos"/>
-              </a:rPr>
-              <a:t>Con todo, el plan y la estrategia de promoción deben supervisarse, evaluarse y ajustarse de forma constante en función de las condiciones cambiantes del mercado y los comentarios de los clientes.</a:t>
-            </a:r>
-            <a:r>
-              <a:rPr sz="1200"/>
-              <a:t>
-</a:t>
-            </a:r>
+            <a:br>
+              <a:rPr lang="es-ES"/>
+            </a:br>
+            <a:r>
+              <a:rPr lang="es-ES"/>
+              <a:t>·         El té chai tiene que sacar provecho de sus características y ventajas únicas, como su aroma intenso, su sabor y sus beneficios para la salud, para diferenciarse de los demás productos de té</a:t>
+            </a:r>
+            <a:br>
+              <a:rPr lang="es-ES"/>
+            </a:br>
+            <a:r>
+              <a:rPr lang="es-ES"/>
+              <a:t>·         El té chai debe utilizar una mezcla de tácticas en línea y sin conexión para alcanzar e interactuar con el público objetivo y crear una base de clientes leales y satisfechos</a:t>
+            </a:r>
+            <a:br>
+              <a:rPr lang="es-ES"/>
+            </a:br>
+            <a:r>
+              <a:rPr lang="es-ES"/>
+              <a:t>·         El té chai tiene que superar los desafíos y amenazas que pueden entorpecer su crecimiento y expansión en la región, como el precio, conocimiento, competencia, normativa y sostenibilidad</a:t>
+            </a:r>
+            <a:br>
+              <a:rPr lang="es-ES"/>
+            </a:br>
+            <a:r>
+              <a:rPr lang="es-ES"/>
+              <a:t>En conclusión, el té chai es un producto con mucho potencial y oportunidades en el mercado de América Latina, pero también se enfrenta a algunos desafíos y riesgos. El plan y la estrategia de promoción que se han resumido en este informe buscan abordar estos problemas y lograr los resultados deseados. Con todo, el plan y la estrategia de promoción deben supervisarse, evaluarse y ajustarse de forma constante en función de las condiciones cambiantes del mercado y los comentarios de los clientes.</a:t>
+            </a:r>
+            <a:br>
+              <a:rPr lang="es-ES"/>
+            </a:br>
+            <a:endParaRPr lang="es-ES"/>
           </a:p>
         </p:txBody>
       </p:sp>
@@ -2118,8 +1350,8 @@
 </file>
 
 <file path=ppt/notesSlides/notesSlide2.xml><?xml version="1.0" encoding="utf-8"?>
-<p:notes xmlns:a="http://schemas.openxmlformats.org/drawingml/2006/main" xmlns:r="http://schemas.openxmlformats.org/officeDocument/2006/relationships" xmlns:m="http://schemas.openxmlformats.org/officeDocument/2006/math" xmlns:w="http://schemas.openxmlformats.org/wordprocessingml/2006/main" xmlns:wp="http://schemas.openxmlformats.org/drawingml/2006/wordprocessingDrawing" xmlns:a14="http://schemas.microsoft.com/office/drawing/2010/main" xmlns:mc="http://schemas.openxmlformats.org/markup-compatibility/2006" xmlns:p14="http://schemas.microsoft.com/office/powerpoint/2010/main" xmlns:p="http://schemas.openxmlformats.org/presentationml/2006/main">
-  <p:cSld name="">
+<p:notes xmlns:a="http://schemas.openxmlformats.org/drawingml/2006/main" xmlns:r="http://schemas.openxmlformats.org/officeDocument/2006/relationships" xmlns:p="http://schemas.openxmlformats.org/presentationml/2006/main">
+  <p:cSld>
     <p:spTree>
       <p:nvGrpSpPr>
         <p:cNvPr id="1" name=""/>
@@ -2130,6 +1362,8 @@
         <a:xfrm>
           <a:off x="0" y="0"/>
           <a:ext cx="0" cy="0"/>
+          <a:chOff x="0" y="0"/>
+          <a:chExt cx="0" cy="0"/>
         </a:xfrm>
       </p:grpSpPr>
       <p:sp>
@@ -2160,367 +1394,156 @@
           <a:lstStyle/>
           <a:p>
             <a:r>
-              <a:rPr lang="es-ES" sz="1200" b="0" i="0" strike="noStrike" cap="none" baseline="0">
-                <a:solidFill>
-                  <a:srgbClr val="000000"/>
-                </a:solidFill>
-                <a:effectLst/>
-                <a:latin typeface="Aptos"/>
-                <a:ea typeface="Aptos"/>
-                <a:cs typeface="Aptos"/>
-              </a:rPr>
+              <a:rPr lang="es-ES"/>
               <a:t>Programa</a:t>
             </a:r>
-            <a:r>
-              <a:rPr sz="1200"/>
-              <a:t>
-</a:t>
-            </a:r>
-            <a:r>
-              <a:rPr sz="1200"/>
-              <a:t>
-</a:t>
-            </a:r>
-            <a:r>
-              <a:rPr lang="es-ES" sz="1200" b="0" i="0" strike="noStrike" cap="none" baseline="0">
-                <a:solidFill>
-                  <a:srgbClr val="000000"/>
-                </a:solidFill>
-                <a:effectLst/>
-                <a:latin typeface="Aptos"/>
-                <a:ea typeface="Aptos"/>
-                <a:cs typeface="Aptos"/>
-              </a:rPr>
+            <a:br>
+              <a:rPr lang="es-ES"/>
+            </a:br>
+            <a:br>
+              <a:rPr lang="es-ES"/>
+            </a:br>
+            <a:r>
+              <a:rPr lang="es-ES"/>
               <a:t>* Introducción</a:t>
             </a:r>
-            <a:r>
-              <a:rPr sz="1200"/>
-              <a:t>
-</a:t>
-            </a:r>
-            <a:r>
-              <a:rPr lang="es-ES" sz="1200" b="0" i="0" strike="noStrike" cap="none" baseline="0">
-                <a:solidFill>
-                  <a:srgbClr val="000000"/>
-                </a:solidFill>
-                <a:effectLst/>
-                <a:latin typeface="Aptos"/>
-                <a:ea typeface="Aptos"/>
-                <a:cs typeface="Aptos"/>
-              </a:rPr>
+            <a:br>
+              <a:rPr lang="es-ES"/>
+            </a:br>
+            <a:r>
+              <a:rPr lang="es-ES"/>
               <a:t>* Descripción del producto</a:t>
             </a:r>
-            <a:r>
-              <a:rPr sz="1200"/>
-              <a:t>
-</a:t>
-            </a:r>
-            <a:r>
-              <a:rPr lang="es-ES" sz="1200" b="0" i="0" strike="noStrike" cap="none" baseline="0">
-                <a:solidFill>
-                  <a:srgbClr val="000000"/>
-                </a:solidFill>
-                <a:effectLst/>
-                <a:latin typeface="Aptos"/>
-                <a:ea typeface="Aptos"/>
-                <a:cs typeface="Aptos"/>
-              </a:rPr>
+            <a:br>
+              <a:rPr lang="es-ES"/>
+            </a:br>
+            <a:r>
+              <a:rPr lang="es-ES"/>
               <a:t>* Descripción del producto (1/2)</a:t>
             </a:r>
-            <a:r>
-              <a:rPr sz="1200"/>
-              <a:t>
-</a:t>
-            </a:r>
-            <a:r>
-              <a:rPr lang="es-ES" sz="1200" b="0" i="0" strike="noStrike" cap="none" baseline="0">
-                <a:solidFill>
-                  <a:srgbClr val="000000"/>
-                </a:solidFill>
-                <a:effectLst/>
-                <a:latin typeface="Aptos"/>
-                <a:ea typeface="Aptos"/>
-                <a:cs typeface="Aptos"/>
-              </a:rPr>
+            <a:br>
+              <a:rPr lang="es-ES"/>
+            </a:br>
+            <a:r>
+              <a:rPr lang="es-ES"/>
               <a:t>* Descripción del producto (2/2)</a:t>
             </a:r>
-            <a:r>
-              <a:rPr sz="1200"/>
-              <a:t>
-</a:t>
-            </a:r>
-            <a:r>
-              <a:rPr lang="es-ES" sz="1200" b="0" i="0" strike="noStrike" cap="none" baseline="0">
-                <a:solidFill>
-                  <a:srgbClr val="000000"/>
-                </a:solidFill>
-                <a:effectLst/>
-                <a:latin typeface="Aptos"/>
-                <a:ea typeface="Aptos"/>
-                <a:cs typeface="Aptos"/>
-              </a:rPr>
-              <a:t>* Tendencias y demanda del mercado</a:t>
-            </a:r>
-            <a:r>
-              <a:rPr sz="1200"/>
-              <a:t>
-</a:t>
-            </a:r>
-            <a:r>
-              <a:rPr lang="es-ES" sz="1200" b="0" i="0" strike="noStrike" cap="none" baseline="0">
-                <a:solidFill>
-                  <a:srgbClr val="000000"/>
-                </a:solidFill>
-                <a:effectLst/>
-                <a:latin typeface="Aptos"/>
-                <a:ea typeface="Aptos"/>
-                <a:cs typeface="Aptos"/>
-              </a:rPr>
+            <a:br>
+              <a:rPr lang="es-ES"/>
+            </a:br>
+            <a:r>
+              <a:rPr lang="es-ES"/>
+              <a:t>* Tendencia y demanda del mercado</a:t>
+            </a:r>
+            <a:br>
+              <a:rPr lang="es-ES"/>
+            </a:br>
+            <a:r>
+              <a:rPr lang="es-ES"/>
               <a:t>* Análisis competitivo</a:t>
             </a:r>
-            <a:r>
-              <a:rPr sz="1200"/>
-              <a:t>
-</a:t>
-            </a:r>
-            <a:r>
-              <a:rPr lang="es-ES" sz="1200" b="0" i="0" strike="noStrike" cap="none" baseline="0">
-                <a:solidFill>
-                  <a:srgbClr val="000000"/>
-                </a:solidFill>
-                <a:effectLst/>
-                <a:latin typeface="Aptos"/>
-                <a:ea typeface="Aptos"/>
-                <a:cs typeface="Aptos"/>
-              </a:rPr>
-              <a:t> * Tetley</a:t>
-            </a:r>
-            <a:r>
-              <a:rPr sz="1200"/>
-              <a:t>
-</a:t>
-            </a:r>
-            <a:r>
-              <a:rPr lang="es-ES" sz="1200" b="0" i="0" strike="noStrike" cap="none" baseline="0">
-                <a:solidFill>
-                  <a:srgbClr val="000000"/>
-                </a:solidFill>
-                <a:effectLst/>
-                <a:latin typeface="Aptos"/>
-                <a:ea typeface="Aptos"/>
-                <a:cs typeface="Aptos"/>
-              </a:rPr>
-              <a:t> * Teavana</a:t>
-            </a:r>
-            <a:r>
-              <a:rPr sz="1200"/>
-              <a:t>
-</a:t>
-            </a:r>
-            <a:r>
-              <a:rPr lang="es-ES" sz="1200" b="0" i="0" strike="noStrike" cap="none" baseline="0">
-                <a:solidFill>
-                  <a:srgbClr val="000000"/>
-                </a:solidFill>
-                <a:effectLst/>
-                <a:latin typeface="Aptos"/>
-                <a:ea typeface="Aptos"/>
-                <a:cs typeface="Aptos"/>
-              </a:rPr>
-              <a:t> * David's Tea</a:t>
-            </a:r>
-            <a:r>
-              <a:rPr sz="1200"/>
-              <a:t>
-</a:t>
-            </a:r>
-            <a:r>
-              <a:rPr lang="es-ES" sz="1200" b="0" i="0" strike="noStrike" cap="none" baseline="0">
-                <a:solidFill>
-                  <a:srgbClr val="000000"/>
-                </a:solidFill>
-                <a:effectLst/>
-                <a:latin typeface="Aptos"/>
-                <a:ea typeface="Aptos"/>
-                <a:cs typeface="Aptos"/>
-              </a:rPr>
-              <a:t> * Marcas locales</a:t>
-            </a:r>
-            <a:r>
-              <a:rPr sz="1200"/>
-              <a:t>
-</a:t>
-            </a:r>
-            <a:r>
-              <a:rPr lang="es-ES" sz="1200" b="0" i="0" strike="noStrike" cap="none" baseline="0">
-                <a:solidFill>
-                  <a:srgbClr val="000000"/>
-                </a:solidFill>
-                <a:effectLst/>
-                <a:latin typeface="Aptos"/>
-                <a:ea typeface="Aptos"/>
-                <a:cs typeface="Aptos"/>
-              </a:rPr>
+            <a:br>
+              <a:rPr lang="es-ES"/>
+            </a:br>
+            <a:r>
+              <a:rPr lang="es-ES"/>
+              <a:t>    * Tetley</a:t>
+            </a:r>
+            <a:br>
+              <a:rPr lang="es-ES"/>
+            </a:br>
+            <a:r>
+              <a:rPr lang="es-ES"/>
+              <a:t>    * Teavana</a:t>
+            </a:r>
+            <a:br>
+              <a:rPr lang="es-ES"/>
+            </a:br>
+            <a:r>
+              <a:rPr lang="es-ES"/>
+              <a:t>    * David's Tea</a:t>
+            </a:r>
+            <a:br>
+              <a:rPr lang="es-ES"/>
+            </a:br>
+            <a:r>
+              <a:rPr lang="es-ES"/>
+              <a:t>    * Marcas locales</a:t>
+            </a:r>
+            <a:br>
+              <a:rPr lang="es-ES"/>
+            </a:br>
+            <a:r>
+              <a:rPr lang="es-ES"/>
               <a:t>* Cuota de mercado del té chai en América Latina</a:t>
             </a:r>
-            <a:r>
-              <a:rPr sz="1200"/>
-              <a:t>
-</a:t>
-            </a:r>
-            <a:r>
-              <a:rPr lang="es-ES" sz="1200" b="0" i="0" strike="noStrike" cap="none" baseline="0">
-                <a:solidFill>
-                  <a:srgbClr val="000000"/>
-                </a:solidFill>
-                <a:effectLst/>
-                <a:latin typeface="Aptos"/>
-                <a:ea typeface="Aptos"/>
-                <a:cs typeface="Aptos"/>
-              </a:rPr>
+            <a:br>
+              <a:rPr lang="es-ES"/>
+            </a:br>
+            <a:r>
+              <a:rPr lang="es-ES"/>
               <a:t>* Canales de distribución</a:t>
             </a:r>
-            <a:r>
-              <a:rPr sz="1200"/>
-              <a:t>
-</a:t>
-            </a:r>
-            <a:r>
-              <a:rPr lang="es-ES" sz="1200" b="0" i="0" strike="noStrike" cap="none" baseline="0">
-                <a:solidFill>
-                  <a:srgbClr val="000000"/>
-                </a:solidFill>
-                <a:effectLst/>
-                <a:latin typeface="Aptos"/>
-                <a:ea typeface="Aptos"/>
-                <a:cs typeface="Aptos"/>
-              </a:rPr>
-              <a:t> * Minoristas</a:t>
-            </a:r>
-            <a:r>
-              <a:rPr sz="1200"/>
-              <a:t>
-</a:t>
-            </a:r>
-            <a:r>
-              <a:rPr lang="es-ES" sz="1200" b="0" i="0" strike="noStrike" cap="none" baseline="0">
-                <a:solidFill>
-                  <a:srgbClr val="000000"/>
-                </a:solidFill>
-                <a:effectLst/>
-                <a:latin typeface="Aptos"/>
-                <a:ea typeface="Aptos"/>
-                <a:cs typeface="Aptos"/>
-              </a:rPr>
-              <a:t> * Mayoristas</a:t>
-            </a:r>
-            <a:r>
-              <a:rPr sz="1200"/>
-              <a:t>
-</a:t>
-            </a:r>
-            <a:r>
-              <a:rPr lang="es-ES" sz="1200" b="0" i="0" strike="noStrike" cap="none" baseline="0">
-                <a:solidFill>
-                  <a:srgbClr val="000000"/>
-                </a:solidFill>
-                <a:effectLst/>
-                <a:latin typeface="Aptos"/>
-                <a:ea typeface="Aptos"/>
-                <a:cs typeface="Aptos"/>
-              </a:rPr>
-              <a:t> * Distribuidores</a:t>
-            </a:r>
-            <a:r>
-              <a:rPr sz="1200"/>
-              <a:t>
-</a:t>
-            </a:r>
-            <a:r>
-              <a:rPr lang="es-ES" sz="1200" b="0" i="0" strike="noStrike" cap="none" baseline="0">
-                <a:solidFill>
-                  <a:srgbClr val="000000"/>
-                </a:solidFill>
-                <a:effectLst/>
-                <a:latin typeface="Aptos"/>
-                <a:ea typeface="Aptos"/>
-                <a:cs typeface="Aptos"/>
-              </a:rPr>
+            <a:br>
+              <a:rPr lang="es-ES"/>
+            </a:br>
+            <a:r>
+              <a:rPr lang="es-ES"/>
+              <a:t>    * Minoristas</a:t>
+            </a:r>
+            <a:br>
+              <a:rPr lang="es-ES"/>
+            </a:br>
+            <a:r>
+              <a:rPr lang="es-ES"/>
+              <a:t>    * Mayoristas</a:t>
+            </a:r>
+            <a:br>
+              <a:rPr lang="es-ES"/>
+            </a:br>
+            <a:r>
+              <a:rPr lang="es-ES"/>
+              <a:t>    * Distribuidores</a:t>
+            </a:r>
+            <a:br>
+              <a:rPr lang="es-ES"/>
+            </a:br>
+            <a:r>
+              <a:rPr lang="es-ES"/>
               <a:t>* Plan y estrategia de promoción</a:t>
             </a:r>
-            <a:r>
-              <a:rPr sz="1200"/>
-              <a:t>
-</a:t>
-            </a:r>
-            <a:r>
-              <a:rPr lang="es-ES" sz="1200" b="0" i="0" strike="noStrike" cap="none" baseline="0">
-                <a:solidFill>
-                  <a:srgbClr val="000000"/>
-                </a:solidFill>
-                <a:effectLst/>
-                <a:latin typeface="Aptos"/>
-                <a:ea typeface="Aptos"/>
-                <a:cs typeface="Aptos"/>
-              </a:rPr>
-              <a:t>* Resultados esperados y desafíos</a:t>
-            </a:r>
-            <a:r>
-              <a:rPr sz="1200"/>
-              <a:t>
-</a:t>
-            </a:r>
-            <a:r>
-              <a:rPr lang="es-ES" sz="1200" b="0" i="0" strike="noStrike" cap="none" baseline="0">
-                <a:solidFill>
-                  <a:srgbClr val="000000"/>
-                </a:solidFill>
-                <a:effectLst/>
-                <a:latin typeface="Aptos"/>
-                <a:ea typeface="Aptos"/>
-                <a:cs typeface="Aptos"/>
-              </a:rPr>
-              <a:t> * Resultados esperados</a:t>
-            </a:r>
-            <a:r>
-              <a:rPr sz="1200"/>
-              <a:t>
-</a:t>
-            </a:r>
-            <a:r>
-              <a:rPr lang="es-ES" sz="1200" b="0" i="0" strike="noStrike" cap="none" baseline="0">
-                <a:solidFill>
-                  <a:srgbClr val="000000"/>
-                </a:solidFill>
-                <a:effectLst/>
-                <a:latin typeface="Aptos"/>
-                <a:ea typeface="Aptos"/>
-                <a:cs typeface="Aptos"/>
-              </a:rPr>
-              <a:t> * Posibles desafíos</a:t>
-            </a:r>
-            <a:r>
-              <a:rPr sz="1200"/>
-              <a:t>
-</a:t>
-            </a:r>
-            <a:r>
-              <a:rPr lang="es-ES" sz="1200" b="0" i="0" strike="noStrike" cap="none" baseline="0">
-                <a:solidFill>
-                  <a:srgbClr val="000000"/>
-                </a:solidFill>
-                <a:effectLst/>
-                <a:latin typeface="Aptos"/>
-                <a:ea typeface="Aptos"/>
-                <a:cs typeface="Aptos"/>
-              </a:rPr>
+            <a:br>
+              <a:rPr lang="es-ES"/>
+            </a:br>
+            <a:r>
+              <a:rPr lang="es-ES"/>
+              <a:t>* Resultados y desafíos que se esperan</a:t>
+            </a:r>
+            <a:br>
+              <a:rPr lang="es-ES"/>
+            </a:br>
+            <a:r>
+              <a:rPr lang="es-ES"/>
+              <a:t>    * Resultados que se esperan</a:t>
+            </a:r>
+            <a:br>
+              <a:rPr lang="es-ES"/>
+            </a:br>
+            <a:r>
+              <a:rPr lang="es-ES"/>
+              <a:t>    * Desafíos potenciales</a:t>
+            </a:r>
+            <a:br>
+              <a:rPr lang="es-ES"/>
+            </a:br>
+            <a:r>
+              <a:rPr lang="es-ES"/>
               <a:t>* Recomendaciones y conclusiones</a:t>
             </a:r>
-            <a:r>
-              <a:rPr sz="1200"/>
-              <a:t>
-</a:t>
-            </a:r>
+            <a:br>
+              <a:rPr lang="es-ES"/>
+            </a:br>
+            <a:endParaRPr lang="es-ES"/>
           </a:p>
         </p:txBody>
       </p:sp>
@@ -2561,8 +1584,8 @@
 </file>
 
 <file path=ppt/notesSlides/notesSlide3.xml><?xml version="1.0" encoding="utf-8"?>
-<p:notes xmlns:a="http://schemas.openxmlformats.org/drawingml/2006/main" xmlns:r="http://schemas.openxmlformats.org/officeDocument/2006/relationships" xmlns:m="http://schemas.openxmlformats.org/officeDocument/2006/math" xmlns:w="http://schemas.openxmlformats.org/wordprocessingml/2006/main" xmlns:wp="http://schemas.openxmlformats.org/drawingml/2006/wordprocessingDrawing" xmlns:a14="http://schemas.microsoft.com/office/drawing/2010/main" xmlns:mc="http://schemas.openxmlformats.org/markup-compatibility/2006" xmlns:p14="http://schemas.microsoft.com/office/powerpoint/2010/main" xmlns:p="http://schemas.openxmlformats.org/presentationml/2006/main">
-  <p:cSld name="">
+<p:notes xmlns:a="http://schemas.openxmlformats.org/drawingml/2006/main" xmlns:r="http://schemas.openxmlformats.org/officeDocument/2006/relationships" xmlns:p="http://schemas.openxmlformats.org/presentationml/2006/main">
+  <p:cSld>
     <p:spTree>
       <p:nvGrpSpPr>
         <p:cNvPr id="1" name=""/>
@@ -2573,6 +1596,8 @@
         <a:xfrm>
           <a:off x="0" y="0"/>
           <a:ext cx="0" cy="0"/>
+          <a:chOff x="0" y="0"/>
+          <a:chExt cx="0" cy="0"/>
         </a:xfrm>
       </p:grpSpPr>
       <p:sp>
@@ -2603,363 +1628,96 @@
           <a:lstStyle/>
           <a:p>
             <a:r>
-              <a:rPr lang="es-ES" sz="1200" b="0" i="0" strike="noStrike" cap="none" baseline="0">
-                <a:solidFill>
-                  <a:srgbClr val="000000"/>
-                </a:solidFill>
-                <a:effectLst/>
-                <a:latin typeface="Aptos"/>
-                <a:ea typeface="Aptos"/>
-                <a:cs typeface="Aptos"/>
-              </a:rPr>
-              <a:t>Este informe ofrece un análisis del mercado del té chai premium Mystic Spice en la región de América Latina.</a:t>
-            </a:r>
-            <a:r>
-              <a:rPr lang="es-ES" sz="1200" b="0" i="0" strike="noStrike" cap="none" baseline="0">
-                <a:solidFill>
-                  <a:srgbClr val="000000"/>
-                </a:solidFill>
-                <a:effectLst/>
-                <a:latin typeface="Aptos"/>
-                <a:ea typeface="Aptos"/>
-                <a:cs typeface="Aptos"/>
-              </a:rPr>
-              <a:t> </a:t>
-            </a:r>
-            <a:r>
-              <a:rPr lang="es-ES" sz="1200" b="0" i="0" strike="noStrike" cap="none" baseline="0">
-                <a:solidFill>
-                  <a:srgbClr val="000000"/>
-                </a:solidFill>
-                <a:effectLst/>
-                <a:latin typeface="Aptos"/>
-                <a:ea typeface="Aptos"/>
-                <a:cs typeface="Aptos"/>
-              </a:rPr>
-              <a:t>Abarca la descripción del producto, la tendencia del mercado, el análisis competitivo, los canales de distribución, el plan de promoción, los resultados que se esperan y las recomendaciones para el futuro.</a:t>
-            </a:r>
-            <a:r>
-              <a:rPr sz="1200"/>
-              <a:t>
-</a:t>
-            </a:r>
-            <a:r>
-              <a:rPr sz="1200"/>
-              <a:t>
-</a:t>
-            </a:r>
-            <a:r>
-              <a:rPr sz="1200"/>
-              <a:t>
-</a:t>
-            </a:r>
-            <a:r>
-              <a:rPr lang="es-ES" sz="1200" b="0" i="0" strike="noStrike" cap="none" baseline="0">
-                <a:solidFill>
-                  <a:srgbClr val="000000"/>
-                </a:solidFill>
-                <a:effectLst/>
-                <a:latin typeface="Aptos"/>
-                <a:ea typeface="Aptos"/>
-                <a:cs typeface="Aptos"/>
-              </a:rPr>
+              <a:rPr lang="es-ES"/>
+              <a:t>Este informe ofrece un análisis del mercado del té chai premium Mystic Spice en la región de América Latina. Trata la descripción del producto, la tendencia del mercado, el análisis competitivo, los canales de distribución, el plan de promoción, los resultados que se esperan y las recomendaciones para el futuro.</a:t>
+            </a:r>
+            <a:br>
+              <a:rPr lang="es-ES"/>
+            </a:br>
+            <a:br>
+              <a:rPr lang="es-ES"/>
+            </a:br>
+            <a:br>
+              <a:rPr lang="es-ES"/>
+            </a:br>
+            <a:r>
+              <a:rPr lang="es-ES"/>
               <a:t>Contenido original:</a:t>
             </a:r>
-            <a:r>
-              <a:rPr sz="1200"/>
-              <a:t>
-</a:t>
-            </a:r>
-            <a:r>
-              <a:rPr lang="es-ES" sz="1200" b="0" i="0" strike="noStrike" cap="none" baseline="0">
-                <a:solidFill>
-                  <a:srgbClr val="000000"/>
-                </a:solidFill>
-                <a:effectLst/>
-                <a:latin typeface="Aptos"/>
-                <a:ea typeface="Aptos"/>
-                <a:cs typeface="Aptos"/>
-              </a:rPr>
-              <a:t>Introducción</a:t>
-            </a:r>
-            <a:r>
-              <a:rPr sz="1200"/>
-              <a:t>
-</a:t>
-            </a:r>
-            <a:r>
-              <a:rPr lang="es-ES" sz="1200" b="0" i="0" strike="noStrike" cap="none" baseline="0">
-                <a:solidFill>
-                  <a:srgbClr val="000000"/>
-                </a:solidFill>
-                <a:effectLst/>
-                <a:latin typeface="Aptos"/>
-                <a:ea typeface="Aptos"/>
-                <a:cs typeface="Aptos"/>
-              </a:rPr>
-              <a:t>El té chai premium Mystic Spice es un nuevo producto que ha lanzado Contoso Beverage, una empresa que se especializa en la producción y distribución de bebidas de alta calidad por todo el mundo.</a:t>
-            </a:r>
-            <a:r>
-              <a:rPr lang="es-ES" sz="1200" b="0" i="0" strike="noStrike" cap="none" baseline="0">
-                <a:solidFill>
-                  <a:srgbClr val="000000"/>
-                </a:solidFill>
-                <a:effectLst/>
-                <a:latin typeface="Aptos"/>
-                <a:ea typeface="Aptos"/>
-                <a:cs typeface="Aptos"/>
-              </a:rPr>
-              <a:t> </a:t>
-            </a:r>
-            <a:r>
-              <a:rPr lang="es-ES" sz="1200" b="0" i="0" strike="noStrike" cap="none" baseline="0">
-                <a:solidFill>
-                  <a:srgbClr val="000000"/>
-                </a:solidFill>
-                <a:effectLst/>
-                <a:latin typeface="Aptos"/>
-                <a:ea typeface="Aptos"/>
-                <a:cs typeface="Aptos"/>
-              </a:rPr>
-              <a:t>El té chai premium Mystic Spice es un té especiado originario de la India y que se ha hecho popular en todo el mundo.</a:t>
-            </a:r>
-            <a:r>
-              <a:rPr lang="es-ES" sz="1200" b="0" i="0" strike="noStrike" cap="none" baseline="0">
-                <a:solidFill>
-                  <a:srgbClr val="000000"/>
-                </a:solidFill>
-                <a:effectLst/>
-                <a:latin typeface="Aptos"/>
-                <a:ea typeface="Aptos"/>
-                <a:cs typeface="Aptos"/>
-              </a:rPr>
-              <a:t> </a:t>
-            </a:r>
-            <a:r>
-              <a:rPr lang="es-ES" sz="1200" b="0" i="0" strike="noStrike" cap="none" baseline="0">
-                <a:solidFill>
-                  <a:srgbClr val="000000"/>
-                </a:solidFill>
-                <a:effectLst/>
-                <a:latin typeface="Aptos"/>
-                <a:ea typeface="Aptos"/>
-                <a:cs typeface="Aptos"/>
-              </a:rPr>
-              <a:t>Se trata de una bebida versátil que se puede degustar fría o caliente, con o sin leche y con distintas especias y edulcorantes.</a:t>
-            </a:r>
-            <a:r>
-              <a:rPr lang="es-ES" sz="1200" b="0" i="0" strike="noStrike" cap="none" baseline="0">
-                <a:solidFill>
-                  <a:srgbClr val="000000"/>
-                </a:solidFill>
-                <a:effectLst/>
-                <a:latin typeface="Aptos"/>
-                <a:ea typeface="Aptos"/>
-                <a:cs typeface="Aptos"/>
-              </a:rPr>
-              <a:t> </a:t>
-            </a:r>
-            <a:r>
-              <a:rPr lang="es-ES" sz="1200" b="0" i="0" strike="noStrike" cap="none" baseline="0">
-                <a:solidFill>
-                  <a:srgbClr val="000000"/>
-                </a:solidFill>
-                <a:effectLst/>
-                <a:latin typeface="Aptos"/>
-                <a:ea typeface="Aptos"/>
-                <a:cs typeface="Aptos"/>
-              </a:rPr>
-              <a:t>El té chai posee numerosos beneficios para la salud, como incrementar la inmunidad, reducir la inflamación y mejorar la digestión.</a:t>
-            </a:r>
-            <a:r>
-              <a:rPr lang="es-ES" sz="1200" b="0" i="0" strike="noStrike" cap="none" baseline="0">
-                <a:solidFill>
-                  <a:srgbClr val="000000"/>
-                </a:solidFill>
-                <a:effectLst/>
-                <a:latin typeface="Aptos"/>
-                <a:ea typeface="Aptos"/>
-                <a:cs typeface="Aptos"/>
-              </a:rPr>
-              <a:t> </a:t>
-            </a:r>
-            <a:r>
-              <a:rPr lang="es-ES" sz="1200" b="0" i="0" strike="noStrike" cap="none" baseline="0">
-                <a:solidFill>
-                  <a:srgbClr val="000000"/>
-                </a:solidFill>
-                <a:effectLst/>
-                <a:latin typeface="Aptos"/>
-                <a:ea typeface="Aptos"/>
-                <a:cs typeface="Aptos"/>
-              </a:rPr>
-              <a:t>También posee un rico significado cultural e histórico, ya que se suele asociar con la hospitalidad, la amistad y la relajación.</a:t>
-            </a:r>
-            <a:r>
-              <a:rPr sz="1200"/>
-              <a:t>
-</a:t>
-            </a:r>
-            <a:r>
-              <a:rPr lang="es-ES" sz="1200" b="0" i="0" strike="noStrike" cap="none" baseline="0">
-                <a:solidFill>
-                  <a:srgbClr val="000000"/>
-                </a:solidFill>
-                <a:effectLst/>
-                <a:latin typeface="Aptos"/>
-                <a:ea typeface="Aptos"/>
-                <a:cs typeface="Aptos"/>
-              </a:rPr>
-              <a:t>La finalidad de este informe es ofrecer un análisis del mercado del té chai premium Mystic Spice, con un enfoque en la región de América Latina.</a:t>
-            </a:r>
-            <a:r>
-              <a:rPr lang="es-ES" sz="1200" b="0" i="0" strike="noStrike" cap="none" baseline="0">
-                <a:solidFill>
-                  <a:srgbClr val="000000"/>
-                </a:solidFill>
-                <a:effectLst/>
-                <a:latin typeface="Aptos"/>
-                <a:ea typeface="Aptos"/>
-                <a:cs typeface="Aptos"/>
-              </a:rPr>
-              <a:t> </a:t>
-            </a:r>
-            <a:r>
-              <a:rPr lang="es-ES" sz="1200" b="0" i="0" strike="noStrike" cap="none" baseline="0">
-                <a:solidFill>
-                  <a:srgbClr val="000000"/>
-                </a:solidFill>
-                <a:effectLst/>
-                <a:latin typeface="Aptos"/>
-                <a:ea typeface="Aptos"/>
-                <a:cs typeface="Aptos"/>
-              </a:rPr>
-              <a:t>El informe abarcará los siguientes aspectos:</a:t>
-            </a:r>
-            <a:r>
-              <a:rPr sz="1200"/>
-              <a:t>
-</a:t>
-            </a:r>
-            <a:r>
-              <a:rPr lang="es-ES" sz="1200" b="0" i="0" strike="noStrike" cap="none" baseline="0">
-                <a:solidFill>
-                  <a:srgbClr val="000000"/>
-                </a:solidFill>
-                <a:effectLst/>
-                <a:latin typeface="Aptos"/>
-                <a:ea typeface="Aptos"/>
-                <a:cs typeface="Aptos"/>
-              </a:rPr>
-              <a:t>·         La descripción del producto, las características y las ventajas del té chai premium Mystic Spice</a:t>
-            </a:r>
-            <a:r>
-              <a:rPr sz="1200"/>
-              <a:t>
-</a:t>
-            </a:r>
-            <a:r>
-              <a:rPr lang="es-ES" sz="1200" b="0" i="0" strike="noStrike" cap="none" baseline="0">
-                <a:solidFill>
-                  <a:srgbClr val="000000"/>
-                </a:solidFill>
-                <a:effectLst/>
-                <a:latin typeface="Aptos"/>
-                <a:ea typeface="Aptos"/>
-                <a:cs typeface="Aptos"/>
-              </a:rPr>
-              <a:t>·         La tendencia y demanda de té chai en América Latina</a:t>
-            </a:r>
-            <a:r>
-              <a:rPr sz="1200"/>
-              <a:t>
-</a:t>
-            </a:r>
-            <a:r>
-              <a:rPr lang="es-ES" sz="1200" b="0" i="0" strike="noStrike" cap="none" baseline="0">
-                <a:solidFill>
-                  <a:srgbClr val="000000"/>
-                </a:solidFill>
-                <a:effectLst/>
-                <a:latin typeface="Aptos"/>
-                <a:ea typeface="Aptos"/>
-                <a:cs typeface="Aptos"/>
-              </a:rPr>
-              <a:t>         El análisis competitivo del té chai en América Latina</a:t>
-            </a:r>
-            <a:r>
-              <a:rPr sz="1200"/>
-              <a:t>
-</a:t>
-            </a:r>
-            <a:r>
-              <a:rPr lang="es-ES" sz="1200" b="0" i="0" strike="noStrike" cap="none" baseline="0">
-                <a:solidFill>
-                  <a:srgbClr val="000000"/>
-                </a:solidFill>
-                <a:effectLst/>
-                <a:latin typeface="Aptos"/>
-                <a:ea typeface="Aptos"/>
-                <a:cs typeface="Aptos"/>
-              </a:rPr>
-              <a:t>         Los canales de distribución del té chai en América Latina</a:t>
-            </a:r>
-            <a:r>
-              <a:rPr sz="1200"/>
-              <a:t>
-</a:t>
-            </a:r>
-            <a:r>
-              <a:rPr lang="es-ES" sz="1200" b="0" i="0" strike="noStrike" cap="none" baseline="0">
-                <a:solidFill>
-                  <a:srgbClr val="000000"/>
-                </a:solidFill>
-                <a:effectLst/>
-                <a:latin typeface="Aptos"/>
-                <a:ea typeface="Aptos"/>
-                <a:cs typeface="Aptos"/>
-              </a:rPr>
-              <a:t>         El plan y la estrategia de promoción para el té chai en América Latina</a:t>
-            </a:r>
-            <a:r>
-              <a:rPr sz="1200"/>
-              <a:t>
-</a:t>
-            </a:r>
-            <a:r>
-              <a:rPr lang="es-ES" sz="1200" b="0" i="0" strike="noStrike" cap="none" baseline="0">
-                <a:solidFill>
-                  <a:srgbClr val="000000"/>
-                </a:solidFill>
-                <a:effectLst/>
-                <a:latin typeface="Aptos"/>
-                <a:ea typeface="Aptos"/>
-                <a:cs typeface="Aptos"/>
-              </a:rPr>
-              <a:t>         Los resultados y los desafíos que se esperan del plan de promoción</a:t>
-            </a:r>
-            <a:r>
-              <a:rPr sz="1200"/>
-              <a:t>
-</a:t>
-            </a:r>
-            <a:r>
-              <a:rPr lang="es-ES" sz="1200" b="0" i="0" strike="noStrike" cap="none" baseline="0">
-                <a:solidFill>
-                  <a:srgbClr val="000000"/>
-                </a:solidFill>
-                <a:effectLst/>
-                <a:latin typeface="Aptos"/>
-                <a:ea typeface="Aptos"/>
-                <a:cs typeface="Aptos"/>
-              </a:rPr>
-              <a:t>         Las recomendaciones y conclusiones para el futuro del té chai en América Latina</a:t>
-            </a:r>
-            <a:r>
-              <a:rPr sz="1200"/>
-              <a:t>
-</a:t>
-            </a:r>
+            <a:br>
+              <a:rPr lang="es-ES"/>
+            </a:br>
+            <a:r>
+              <a:rPr lang="es-ES"/>
+              <a:t>Introducciones</a:t>
+            </a:r>
+            <a:br>
+              <a:rPr lang="es-ES"/>
+            </a:br>
+            <a:r>
+              <a:rPr lang="es-ES"/>
+              <a:t>El té chai premium Mystic Spice es un nuevo producto que ha lanzado Contoso Beverage, una empresa que se especializa en la producción y distribución de bebidas de alta calidad por todo el mundo. El té chai premium Mystic Spice es un té especiado originario de la India y que se ha hecho popular en todo el mundo. Se trata de una bebida versátil que se puede degustar fría o caliente, con o sin leche y con distintas especias y edulcorantes. El té chai posee numerosos beneficios para la salud, como incrementar la inmunidad, reducir la inflamación y mejorar la digestión. También posee un rico significado cultural e histórico, ya que se suele asociar con la hospitalidad, la amistad y la relajación.</a:t>
+            </a:r>
+            <a:br>
+              <a:rPr lang="es-ES"/>
+            </a:br>
+            <a:r>
+              <a:rPr lang="es-ES"/>
+              <a:t>La finalidad de este informe es ofrecer un análisis del mercado del té chai premium Mystic Spice, con un enfoque en la región de América Latina. El informe tratará los siguientes aspectos:</a:t>
+            </a:r>
+            <a:br>
+              <a:rPr lang="es-ES"/>
+            </a:br>
+            <a:r>
+              <a:rPr lang="es-ES"/>
+              <a:t>·         La descripción del producto, características y ventajas del té chai premium Mystic Spice</a:t>
+            </a:r>
+            <a:br>
+              <a:rPr lang="es-ES"/>
+            </a:br>
+            <a:r>
+              <a:rPr lang="es-ES"/>
+              <a:t>·         La tendencia y la demanda del mercado del té chai en América Latina</a:t>
+            </a:r>
+            <a:br>
+              <a:rPr lang="es-ES"/>
+            </a:br>
+            <a:r>
+              <a:rPr lang="es-ES"/>
+              <a:t>·         El análisis competitivo del té chai en América Latina</a:t>
+            </a:r>
+            <a:br>
+              <a:rPr lang="es-ES"/>
+            </a:br>
+            <a:r>
+              <a:rPr lang="es-ES"/>
+              <a:t>·         Los canales de distribución del té chai en América Latina</a:t>
+            </a:r>
+            <a:br>
+              <a:rPr lang="es-ES"/>
+            </a:br>
+            <a:r>
+              <a:rPr lang="es-ES"/>
+              <a:t>·         El plan y la estrategia de promoción para el té chai en América Latina</a:t>
+            </a:r>
+            <a:br>
+              <a:rPr lang="es-ES"/>
+            </a:br>
+            <a:r>
+              <a:rPr lang="es-ES"/>
+              <a:t>·         Los resultados y desafíos que se esperan del plan de promoción</a:t>
+            </a:r>
+            <a:br>
+              <a:rPr lang="es-ES"/>
+            </a:br>
+            <a:r>
+              <a:rPr lang="es-ES"/>
+              <a:t>·         Las recomendaciones y conclusiones para el futuro del té chai en América Latina</a:t>
+            </a:r>
+            <a:br>
+              <a:rPr lang="es-ES"/>
+            </a:br>
+            <a:endParaRPr lang="es-ES"/>
           </a:p>
         </p:txBody>
       </p:sp>
@@ -3000,8 +1758,8 @@
 </file>
 
 <file path=ppt/notesSlides/notesSlide4.xml><?xml version="1.0" encoding="utf-8"?>
-<p:notes xmlns:a="http://schemas.openxmlformats.org/drawingml/2006/main" xmlns:r="http://schemas.openxmlformats.org/officeDocument/2006/relationships" xmlns:m="http://schemas.openxmlformats.org/officeDocument/2006/math" xmlns:w="http://schemas.openxmlformats.org/wordprocessingml/2006/main" xmlns:wp="http://schemas.openxmlformats.org/drawingml/2006/wordprocessingDrawing" xmlns:a14="http://schemas.microsoft.com/office/drawing/2010/main" xmlns:mc="http://schemas.openxmlformats.org/markup-compatibility/2006" xmlns:p14="http://schemas.microsoft.com/office/powerpoint/2010/main" xmlns:p="http://schemas.openxmlformats.org/presentationml/2006/main">
-  <p:cSld name="">
+<p:notes xmlns:a="http://schemas.openxmlformats.org/drawingml/2006/main" xmlns:r="http://schemas.openxmlformats.org/officeDocument/2006/relationships" xmlns:p="http://schemas.openxmlformats.org/presentationml/2006/main">
+  <p:cSld>
     <p:spTree>
       <p:nvGrpSpPr>
         <p:cNvPr id="1" name=""/>
@@ -3012,6 +1770,8 @@
         <a:xfrm>
           <a:off x="0" y="0"/>
           <a:ext cx="0" cy="0"/>
+          <a:chOff x="0" y="0"/>
+          <a:chExt cx="0" cy="0"/>
         </a:xfrm>
       </p:grpSpPr>
       <p:sp>
@@ -3042,155 +1802,40 @@
           <a:lstStyle/>
           <a:p>
             <a:r>
-              <a:rPr lang="es-ES" sz="1200" b="0" i="0" strike="noStrike" cap="none" baseline="0">
-                <a:solidFill>
-                  <a:srgbClr val="000000"/>
-                </a:solidFill>
-                <a:effectLst/>
-                <a:latin typeface="Aptos"/>
-                <a:ea typeface="Aptos"/>
-                <a:cs typeface="Aptos"/>
-              </a:rPr>
-              <a:t>El té chai premium Mystic Spice es una combinación creada cuidadosamente que rinde homenaje a las tradiciones del chai indio.</a:t>
-            </a:r>
-            <a:r>
-              <a:rPr lang="es-ES" sz="1200" b="0" i="0" strike="noStrike" cap="none" baseline="0">
-                <a:solidFill>
-                  <a:srgbClr val="000000"/>
-                </a:solidFill>
-                <a:effectLst/>
-                <a:latin typeface="Aptos"/>
-                <a:ea typeface="Aptos"/>
-                <a:cs typeface="Aptos"/>
-              </a:rPr>
-              <a:t> </a:t>
-            </a:r>
-            <a:r>
-              <a:rPr lang="es-ES" sz="1200" b="0" i="0" strike="noStrike" cap="none" baseline="0">
-                <a:solidFill>
-                  <a:srgbClr val="000000"/>
-                </a:solidFill>
-                <a:effectLst/>
-                <a:latin typeface="Aptos"/>
-                <a:ea typeface="Aptos"/>
-                <a:cs typeface="Aptos"/>
-              </a:rPr>
-              <a:t>Cada taza ofrece un recorrido fascinante por los encantadores paisajes de la India, que le permite vivir una verdadera experiencia chai desde su hogar.</a:t>
-            </a:r>
-            <a:r>
-              <a:rPr sz="1200"/>
-              <a:t>
-</a:t>
-            </a:r>
-            <a:r>
-              <a:rPr sz="1200"/>
-              <a:t>
-</a:t>
-            </a:r>
-            <a:r>
-              <a:rPr sz="1200"/>
-              <a:t>
-</a:t>
-            </a:r>
-            <a:r>
-              <a:rPr lang="es-ES" sz="1200" b="0" i="0" strike="noStrike" cap="none" baseline="0">
-                <a:solidFill>
-                  <a:srgbClr val="000000"/>
-                </a:solidFill>
-                <a:effectLst/>
-                <a:latin typeface="Aptos"/>
-                <a:ea typeface="Aptos"/>
-                <a:cs typeface="Aptos"/>
-              </a:rPr>
+              <a:rPr lang="es-ES"/>
+              <a:t>El té chai premium Mystic Spice es una combinación creada cuidadosamente que rinde homenaje a las tradiciones del chai indio. Cada taza le lleva a un recorrido por los encantadores paisajes de la India, por lo que le permite vivir una verdadera experiencia chai desde su hogar.</a:t>
+            </a:r>
+            <a:br>
+              <a:rPr lang="es-ES"/>
+            </a:br>
+            <a:br>
+              <a:rPr lang="es-ES"/>
+            </a:br>
+            <a:br>
+              <a:rPr lang="es-ES"/>
+            </a:br>
+            <a:r>
+              <a:rPr lang="es-ES"/>
               <a:t>Contenido original:</a:t>
             </a:r>
-            <a:r>
-              <a:rPr sz="1200"/>
-              <a:t>
-</a:t>
-            </a:r>
-            <a:r>
-              <a:rPr lang="es-ES" sz="1200" b="0" i="0" strike="noStrike" cap="none" baseline="0">
-                <a:solidFill>
-                  <a:srgbClr val="000000"/>
-                </a:solidFill>
-                <a:effectLst/>
-                <a:latin typeface="Aptos"/>
-                <a:ea typeface="Aptos"/>
-                <a:cs typeface="Aptos"/>
-              </a:rPr>
+            <a:br>
+              <a:rPr lang="es-ES"/>
+            </a:br>
+            <a:r>
+              <a:rPr lang="es-ES"/>
               <a:t>Descripción del producto</a:t>
             </a:r>
-            <a:r>
-              <a:rPr sz="1200"/>
-              <a:t>
-</a:t>
-            </a:r>
-            <a:r>
-              <a:rPr lang="es-ES" sz="1200" b="0" i="0" strike="noStrike" cap="none" baseline="0">
-                <a:solidFill>
-                  <a:srgbClr val="000000"/>
-                </a:solidFill>
-                <a:effectLst/>
-                <a:latin typeface="Aptos"/>
-                <a:ea typeface="Aptos"/>
-                <a:cs typeface="Aptos"/>
-              </a:rPr>
-              <a:t>El té chai premium Mystic Spice es una combinación creada meticulosamente que rinde homenaje a las tradiciones atemporales del chai indio.</a:t>
-            </a:r>
-            <a:r>
-              <a:rPr lang="es-ES" sz="1200" b="0" i="0" strike="noStrike" cap="none" baseline="0">
-                <a:solidFill>
-                  <a:srgbClr val="000000"/>
-                </a:solidFill>
-                <a:effectLst/>
-                <a:latin typeface="Aptos"/>
-                <a:ea typeface="Aptos"/>
-                <a:cs typeface="Aptos"/>
-              </a:rPr>
-              <a:t> </a:t>
-            </a:r>
-            <a:r>
-              <a:rPr lang="es-ES" sz="1200" b="0" i="0" strike="noStrike" cap="none" baseline="0">
-                <a:solidFill>
-                  <a:srgbClr val="000000"/>
-                </a:solidFill>
-                <a:effectLst/>
-                <a:latin typeface="Aptos"/>
-                <a:ea typeface="Aptos"/>
-                <a:cs typeface="Aptos"/>
-              </a:rPr>
-              <a:t>Cada taza ofrece un recorrido fascinante por los encantadores paisajes de la India, que le permite vivir una verdadera experiencia chai desde su hogar.</a:t>
-            </a:r>
-            <a:r>
-              <a:rPr lang="es-ES" sz="1200" b="0" i="0" strike="noStrike" cap="none" baseline="0">
-                <a:solidFill>
-                  <a:srgbClr val="000000"/>
-                </a:solidFill>
-                <a:effectLst/>
-                <a:latin typeface="Aptos"/>
-                <a:ea typeface="Aptos"/>
-                <a:cs typeface="Aptos"/>
-              </a:rPr>
-              <a:t> </a:t>
-            </a:r>
-            <a:r>
-              <a:rPr lang="es-ES" sz="1200" b="0" i="0" strike="noStrike" cap="none" baseline="0">
-                <a:solidFill>
-                  <a:srgbClr val="000000"/>
-                </a:solidFill>
-                <a:effectLst/>
-                <a:latin typeface="Aptos"/>
-                <a:ea typeface="Aptos"/>
-                <a:cs typeface="Aptos"/>
-              </a:rPr>
-              <a:t>La descripción del producto, las características y las ventajas del té chai premium Mystic Spice se resumen en la siguiente tabla:</a:t>
-            </a:r>
-            <a:r>
-              <a:rPr sz="1200"/>
-              <a:t>
-</a:t>
-            </a:r>
+            <a:br>
+              <a:rPr lang="es-ES"/>
+            </a:br>
+            <a:r>
+              <a:rPr lang="es-ES"/>
+              <a:t>El té chai premium Mystic Spice es una combinación creada meticulosamente que rinde homenaje a las tradiciones atemporales del chai indio. Cada taza ofrece un recorrido fascinante por los encantadores paisajes de la India, que le permite vivir una verdadera experiencia chai desde su hogar. La descripción del producto, características y ventajas del té chai premium Mystic Spice se resumen en la siguiente tabla:</a:t>
+            </a:r>
+            <a:br>
+              <a:rPr lang="es-ES"/>
+            </a:br>
+            <a:endParaRPr lang="es-ES"/>
           </a:p>
         </p:txBody>
       </p:sp>
@@ -3231,8 +1876,8 @@
 </file>
 
 <file path=ppt/notesSlides/notesSlide5.xml><?xml version="1.0" encoding="utf-8"?>
-<p:notes xmlns:a="http://schemas.openxmlformats.org/drawingml/2006/main" xmlns:r="http://schemas.openxmlformats.org/officeDocument/2006/relationships" xmlns:m="http://schemas.openxmlformats.org/officeDocument/2006/math" xmlns:w="http://schemas.openxmlformats.org/wordprocessingml/2006/main" xmlns:wp="http://schemas.openxmlformats.org/drawingml/2006/wordprocessingDrawing" xmlns:a14="http://schemas.microsoft.com/office/drawing/2010/main" xmlns:mc="http://schemas.openxmlformats.org/markup-compatibility/2006" xmlns:p14="http://schemas.microsoft.com/office/powerpoint/2010/main" xmlns:p="http://schemas.openxmlformats.org/presentationml/2006/main">
-  <p:cSld name="">
+<p:notes xmlns:a="http://schemas.openxmlformats.org/drawingml/2006/main" xmlns:r="http://schemas.openxmlformats.org/officeDocument/2006/relationships" xmlns:p="http://schemas.openxmlformats.org/presentationml/2006/main">
+  <p:cSld>
     <p:spTree>
       <p:nvGrpSpPr>
         <p:cNvPr id="1" name=""/>
@@ -3243,6 +1888,8 @@
         <a:xfrm>
           <a:off x="0" y="0"/>
           <a:ext cx="0" cy="0"/>
+          <a:chOff x="0" y="0"/>
+          <a:chExt cx="0" cy="0"/>
         </a:xfrm>
       </p:grpSpPr>
       <p:sp>
@@ -3273,15 +1920,7 @@
           <a:lstStyle/>
           <a:p>
             <a:r>
-              <a:rPr lang="es-ES" sz="1200" b="0" i="0" strike="noStrike" cap="none" baseline="0">
-                <a:solidFill>
-                  <a:srgbClr val="000000"/>
-                </a:solidFill>
-                <a:effectLst/>
-                <a:latin typeface="Aptos"/>
-                <a:ea typeface="Aptos"/>
-                <a:cs typeface="Aptos"/>
-              </a:rPr>
+              <a:rPr lang="es-ES"/>
               <a:t>no definido</a:t>
             </a:r>
           </a:p>
@@ -3324,8 +1963,8 @@
 </file>
 
 <file path=ppt/notesSlides/notesSlide6.xml><?xml version="1.0" encoding="utf-8"?>
-<p:notes xmlns:a="http://schemas.openxmlformats.org/drawingml/2006/main" xmlns:r="http://schemas.openxmlformats.org/officeDocument/2006/relationships" xmlns:m="http://schemas.openxmlformats.org/officeDocument/2006/math" xmlns:w="http://schemas.openxmlformats.org/wordprocessingml/2006/main" xmlns:wp="http://schemas.openxmlformats.org/drawingml/2006/wordprocessingDrawing" xmlns:a14="http://schemas.microsoft.com/office/drawing/2010/main" xmlns:mc="http://schemas.openxmlformats.org/markup-compatibility/2006" xmlns:p14="http://schemas.microsoft.com/office/powerpoint/2010/main" xmlns:p="http://schemas.openxmlformats.org/presentationml/2006/main">
-  <p:cSld name="">
+<p:notes xmlns:a="http://schemas.openxmlformats.org/drawingml/2006/main" xmlns:r="http://schemas.openxmlformats.org/officeDocument/2006/relationships" xmlns:p="http://schemas.openxmlformats.org/presentationml/2006/main">
+  <p:cSld>
     <p:spTree>
       <p:nvGrpSpPr>
         <p:cNvPr id="1" name=""/>
@@ -3336,6 +1975,8 @@
         <a:xfrm>
           <a:off x="0" y="0"/>
           <a:ext cx="0" cy="0"/>
+          <a:chOff x="0" y="0"/>
+          <a:chExt cx="0" cy="0"/>
         </a:xfrm>
       </p:grpSpPr>
       <p:sp>
@@ -3366,15 +2007,7 @@
           <a:lstStyle/>
           <a:p>
             <a:r>
-              <a:rPr lang="es-ES" sz="1200" b="0" i="0" strike="noStrike" cap="none" baseline="0">
-                <a:solidFill>
-                  <a:srgbClr val="000000"/>
-                </a:solidFill>
-                <a:effectLst/>
-                <a:latin typeface="Aptos"/>
-                <a:ea typeface="Aptos"/>
-                <a:cs typeface="Aptos"/>
-              </a:rPr>
+              <a:rPr lang="es-ES"/>
               <a:t>no definido</a:t>
             </a:r>
           </a:p>
@@ -3417,8 +2050,8 @@
 </file>
 
 <file path=ppt/notesSlides/notesSlide7.xml><?xml version="1.0" encoding="utf-8"?>
-<p:notes xmlns:a="http://schemas.openxmlformats.org/drawingml/2006/main" xmlns:r="http://schemas.openxmlformats.org/officeDocument/2006/relationships" xmlns:m="http://schemas.openxmlformats.org/officeDocument/2006/math" xmlns:w="http://schemas.openxmlformats.org/wordprocessingml/2006/main" xmlns:wp="http://schemas.openxmlformats.org/drawingml/2006/wordprocessingDrawing" xmlns:a14="http://schemas.microsoft.com/office/drawing/2010/main" xmlns:mc="http://schemas.openxmlformats.org/markup-compatibility/2006" xmlns:p14="http://schemas.microsoft.com/office/powerpoint/2010/main" xmlns:p="http://schemas.openxmlformats.org/presentationml/2006/main">
-  <p:cSld name="">
+<p:notes xmlns:a="http://schemas.openxmlformats.org/drawingml/2006/main" xmlns:r="http://schemas.openxmlformats.org/officeDocument/2006/relationships" xmlns:p="http://schemas.openxmlformats.org/presentationml/2006/main">
+  <p:cSld>
     <p:spTree>
       <p:nvGrpSpPr>
         <p:cNvPr id="1" name=""/>
@@ -3429,6 +2062,8 @@
         <a:xfrm>
           <a:off x="0" y="0"/>
           <a:ext cx="0" cy="0"/>
+          <a:chOff x="0" y="0"/>
+          <a:chExt cx="0" cy="0"/>
         </a:xfrm>
       </p:grpSpPr>
       <p:sp>
@@ -3459,353 +2094,82 @@
           <a:lstStyle/>
           <a:p>
             <a:r>
-              <a:rPr lang="es-ES" sz="1200" b="0" i="0" strike="noStrike" cap="none" baseline="0">
-                <a:solidFill>
-                  <a:srgbClr val="000000"/>
-                </a:solidFill>
-                <a:effectLst/>
-                <a:latin typeface="Aptos"/>
-                <a:ea typeface="Aptos"/>
-                <a:cs typeface="Aptos"/>
-              </a:rPr>
-              <a:t>El mercado de América Latina ofrece una excelente oportunidad para el té chai, con una creciente demanda por productos saludables, naturales y exóticos.</a:t>
-            </a:r>
-            <a:r>
-              <a:rPr lang="es-ES" sz="1200" b="0" i="0" strike="noStrike" cap="none" baseline="0">
-                <a:solidFill>
-                  <a:srgbClr val="000000"/>
-                </a:solidFill>
-                <a:effectLst/>
-                <a:latin typeface="Aptos"/>
-                <a:ea typeface="Aptos"/>
-                <a:cs typeface="Aptos"/>
-              </a:rPr>
-              <a:t> </a:t>
-            </a:r>
-            <a:r>
-              <a:rPr lang="es-ES" sz="1200" b="0" i="0" strike="noStrike" cap="none" baseline="0">
-                <a:solidFill>
-                  <a:srgbClr val="000000"/>
-                </a:solidFill>
-                <a:effectLst/>
-                <a:latin typeface="Aptos"/>
-                <a:ea typeface="Aptos"/>
-                <a:cs typeface="Aptos"/>
-              </a:rPr>
-              <a:t>El tamaño del mercado mundial del té chai se valoró en 1,9 mil millones de dólares en 2019 y se espera que crezca a una CAGR del 5,5 % desde 2020 hasta 2027, con América Latina como una de las regiones con el crecimiento más rápido.</a:t>
-            </a:r>
-            <a:r>
-              <a:rPr lang="es-ES" sz="1200" b="0" i="0" strike="noStrike" cap="none" baseline="0">
-                <a:solidFill>
-                  <a:srgbClr val="000000"/>
-                </a:solidFill>
-                <a:effectLst/>
-                <a:latin typeface="Aptos"/>
-                <a:ea typeface="Aptos"/>
-                <a:cs typeface="Aptos"/>
-              </a:rPr>
-              <a:t> </a:t>
-            </a:r>
-            <a:r>
-              <a:rPr lang="es-ES" sz="1200" b="0" i="0" strike="noStrike" cap="none" baseline="0">
-                <a:solidFill>
-                  <a:srgbClr val="000000"/>
-                </a:solidFill>
-                <a:effectLst/>
-                <a:latin typeface="Aptos"/>
-                <a:ea typeface="Aptos"/>
-                <a:cs typeface="Aptos"/>
-              </a:rPr>
-              <a:t>Los principales impulsores del crecimiento son el aumento de la concienciación, el incremento de la renta disponible y la ampliación de la distribución.</a:t>
-            </a:r>
-            <a:r>
-              <a:rPr sz="1200"/>
-              <a:t>
-</a:t>
-            </a:r>
-            <a:r>
-              <a:rPr sz="1200"/>
-              <a:t>
-</a:t>
-            </a:r>
-            <a:r>
-              <a:rPr sz="1200"/>
-              <a:t>
-</a:t>
-            </a:r>
-            <a:r>
-              <a:rPr lang="es-ES" sz="1200" b="0" i="0" strike="noStrike" cap="none" baseline="0">
-                <a:solidFill>
-                  <a:srgbClr val="000000"/>
-                </a:solidFill>
-                <a:effectLst/>
-                <a:latin typeface="Aptos"/>
-                <a:ea typeface="Aptos"/>
-                <a:cs typeface="Aptos"/>
-              </a:rPr>
+              <a:rPr lang="es-ES"/>
+              <a:t>El mercado de América Latina ofrece una excelente oportunidad para el té chai, con una creciente demanda por productos saludables, naturales y exóticos. El tamaño del mercado mundial del té chai se valoró en 1,9 mil millones de dólares en 2019 y se espera que crezca a una CAGR del 5,5 % desde 2020 hasta 2027, con América Latina como una de las regiones con el crecimiento más rápido. Los principales impulsores del crecimiento son el creciente conocimiento, el aumento de los ingresos disponibles y la distribución en aumento.</a:t>
+            </a:r>
+            <a:br>
+              <a:rPr lang="es-ES"/>
+            </a:br>
+            <a:br>
+              <a:rPr lang="es-ES"/>
+            </a:br>
+            <a:br>
+              <a:rPr lang="es-ES"/>
+            </a:br>
+            <a:r>
+              <a:rPr lang="es-ES"/>
               <a:t>Contenido original:</a:t>
             </a:r>
-            <a:r>
-              <a:rPr sz="1200"/>
-              <a:t>
-</a:t>
-            </a:r>
-            <a:r>
-              <a:rPr lang="es-ES" sz="1200" b="0" i="0" strike="noStrike" cap="none" baseline="0">
-                <a:solidFill>
-                  <a:srgbClr val="000000"/>
-                </a:solidFill>
-                <a:effectLst/>
-                <a:latin typeface="Aptos"/>
-                <a:ea typeface="Aptos"/>
-                <a:cs typeface="Aptos"/>
-              </a:rPr>
+            <a:br>
+              <a:rPr lang="es-ES"/>
+            </a:br>
+            <a:r>
+              <a:rPr lang="es-ES"/>
               <a:t>Tendencia y demanda del mercado</a:t>
             </a:r>
-            <a:r>
-              <a:rPr sz="1200"/>
-              <a:t>
-</a:t>
-            </a:r>
-            <a:r>
-              <a:rPr lang="es-ES" sz="1200" b="0" i="0" strike="noStrike" cap="none" baseline="0">
-                <a:solidFill>
-                  <a:srgbClr val="000000"/>
-                </a:solidFill>
-                <a:effectLst/>
-                <a:latin typeface="Aptos"/>
-                <a:ea typeface="Aptos"/>
-                <a:cs typeface="Aptos"/>
-              </a:rPr>
-              <a:t>El mercado de América Latina ofrece una excelente oportunidad para el té chai, ya que la región muestra una creciente demanda de productos saludables, naturales y exóticos.</a:t>
-            </a:r>
-            <a:r>
-              <a:rPr lang="es-ES" sz="1200" b="0" i="0" strike="noStrike" cap="none" baseline="0">
-                <a:solidFill>
-                  <a:srgbClr val="000000"/>
-                </a:solidFill>
-                <a:effectLst/>
-                <a:latin typeface="Aptos"/>
-                <a:ea typeface="Aptos"/>
-                <a:cs typeface="Aptos"/>
-              </a:rPr>
-              <a:t> </a:t>
-            </a:r>
-            <a:r>
-              <a:rPr lang="es-ES" sz="1200" b="0" i="0" strike="noStrike" cap="none" baseline="0">
-                <a:solidFill>
-                  <a:srgbClr val="000000"/>
-                </a:solidFill>
-                <a:effectLst/>
-                <a:latin typeface="Aptos"/>
-                <a:ea typeface="Aptos"/>
-                <a:cs typeface="Aptos"/>
-              </a:rPr>
-              <a:t>La región también posee una sólida cultura del té, sobre todo en países como Argentina, Chile y Uruguay, donde el mate es una bebida popular.</a:t>
-            </a:r>
-            <a:r>
-              <a:rPr lang="es-ES" sz="1200" b="0" i="0" strike="noStrike" cap="none" baseline="0">
-                <a:solidFill>
-                  <a:srgbClr val="000000"/>
-                </a:solidFill>
-                <a:effectLst/>
-                <a:latin typeface="Aptos"/>
-                <a:ea typeface="Aptos"/>
-                <a:cs typeface="Aptos"/>
-              </a:rPr>
-              <a:t> </a:t>
-            </a:r>
-            <a:r>
-              <a:rPr lang="es-ES" sz="1200" b="0" i="0" strike="noStrike" cap="none" baseline="0">
-                <a:solidFill>
-                  <a:srgbClr val="000000"/>
-                </a:solidFill>
-                <a:effectLst/>
-                <a:latin typeface="Aptos"/>
-                <a:ea typeface="Aptos"/>
-                <a:cs typeface="Aptos"/>
-              </a:rPr>
-              <a:t>El té chai puede gustarles tanto a los amantes del té como a los del café, ya que ofrece un impulso de cafeína similar y un perfil de sabor más complejo.</a:t>
-            </a:r>
-            <a:r>
-              <a:rPr lang="es-ES" sz="1200" b="0" i="0" strike="noStrike" cap="none" baseline="0">
-                <a:solidFill>
-                  <a:srgbClr val="000000"/>
-                </a:solidFill>
-                <a:effectLst/>
-                <a:latin typeface="Aptos"/>
-                <a:ea typeface="Aptos"/>
-                <a:cs typeface="Aptos"/>
-              </a:rPr>
-              <a:t> </a:t>
-            </a:r>
-            <a:r>
-              <a:rPr lang="es-ES" sz="1200" b="0" i="0" strike="noStrike" cap="none" baseline="0">
-                <a:solidFill>
-                  <a:srgbClr val="000000"/>
-                </a:solidFill>
-                <a:effectLst/>
-                <a:latin typeface="Aptos"/>
-                <a:ea typeface="Aptos"/>
-                <a:cs typeface="Aptos"/>
-              </a:rPr>
-              <a:t>El té chai también puede adaptarse al estilo de vida y a las preferencias de los consumidores de América Latina, quienes disfrutan al socializar, compartir y saborear delicias dulces.</a:t>
-            </a:r>
-            <a:r>
-              <a:rPr sz="1200"/>
-              <a:t>
-</a:t>
-            </a:r>
-            <a:r>
-              <a:rPr lang="es-ES" sz="1200" b="0" i="0" strike="noStrike" cap="none" baseline="0">
-                <a:solidFill>
-                  <a:srgbClr val="000000"/>
-                </a:solidFill>
-                <a:effectLst/>
-                <a:latin typeface="Aptos"/>
-                <a:ea typeface="Aptos"/>
-                <a:cs typeface="Aptos"/>
-              </a:rPr>
-              <a:t>Según un informe de Grand View Research, el tamaño del mercado mundial del té chai se valoró en 1,9 mil millones de dólares en 2019 y se espera que crezca a una tasa de crecimiento compuesto anual (CAGR) del 5,5 % desde 2020 hasta 2027.</a:t>
-            </a:r>
-            <a:r>
-              <a:rPr lang="es-ES" sz="1200" b="0" i="0" strike="noStrike" cap="none" baseline="0">
-                <a:solidFill>
-                  <a:srgbClr val="000000"/>
-                </a:solidFill>
-                <a:effectLst/>
-                <a:latin typeface="Aptos"/>
-                <a:ea typeface="Aptos"/>
-                <a:cs typeface="Aptos"/>
-              </a:rPr>
-              <a:t> </a:t>
-            </a:r>
-            <a:r>
-              <a:rPr lang="es-ES" sz="1200" b="0" i="0" strike="noStrike" cap="none" baseline="0">
-                <a:solidFill>
-                  <a:srgbClr val="000000"/>
-                </a:solidFill>
-                <a:effectLst/>
-                <a:latin typeface="Aptos"/>
-                <a:ea typeface="Aptos"/>
-                <a:cs typeface="Aptos"/>
-              </a:rPr>
-              <a:t>El informe también indica que América Latina es una de las regiones con el crecimiento más rápido para el té chai, con una CAGR del 6,2 % desde 2020 hasta 2027.</a:t>
-            </a:r>
-            <a:r>
-              <a:rPr lang="es-ES" sz="1200" b="0" i="0" strike="noStrike" cap="none" baseline="0">
-                <a:solidFill>
-                  <a:srgbClr val="000000"/>
-                </a:solidFill>
-                <a:effectLst/>
-                <a:latin typeface="Aptos"/>
-                <a:ea typeface="Aptos"/>
-                <a:cs typeface="Aptos"/>
-              </a:rPr>
-              <a:t> </a:t>
-            </a:r>
-            <a:r>
-              <a:rPr lang="es-ES" sz="1200" b="0" i="0" strike="noStrike" cap="none" baseline="0">
-                <a:solidFill>
-                  <a:srgbClr val="000000"/>
-                </a:solidFill>
-                <a:effectLst/>
-                <a:latin typeface="Aptos"/>
-                <a:ea typeface="Aptos"/>
-                <a:cs typeface="Aptos"/>
-              </a:rPr>
-              <a:t>Los principales impulsores del crecimiento del té chai en América Latina son:</a:t>
-            </a:r>
-            <a:r>
-              <a:rPr sz="1200"/>
-              <a:t>
-</a:t>
-            </a:r>
-            <a:r>
-              <a:rPr lang="es-ES" sz="1200" b="0" i="0" strike="noStrike" cap="none" baseline="0">
-                <a:solidFill>
-                  <a:srgbClr val="000000"/>
-                </a:solidFill>
-                <a:effectLst/>
-                <a:latin typeface="Aptos"/>
-                <a:ea typeface="Aptos"/>
-                <a:cs typeface="Aptos"/>
-              </a:rPr>
-              <a:t>·         El aumento de la concienciación y el interés por los beneficios de sobre la salud y los aspectos culturales del té chai</a:t>
-            </a:r>
-            <a:r>
-              <a:rPr sz="1200"/>
-              <a:t>
-</a:t>
-            </a:r>
-            <a:r>
-              <a:rPr lang="es-ES" sz="1200" b="0" i="0" strike="noStrike" cap="none" baseline="0">
-                <a:solidFill>
-                  <a:srgbClr val="000000"/>
-                </a:solidFill>
-                <a:effectLst/>
-                <a:latin typeface="Aptos"/>
-                <a:ea typeface="Aptos"/>
-                <a:cs typeface="Aptos"/>
-              </a:rPr>
-              <a:t>·         El aumento de los ingresos disponibles y el poder adquisitivo de los consumidores de clase media</a:t>
-            </a:r>
-            <a:r>
-              <a:rPr sz="1200"/>
-              <a:t>
-</a:t>
-            </a:r>
-            <a:r>
-              <a:rPr lang="es-ES" sz="1200" b="0" i="0" strike="noStrike" cap="none" baseline="0">
-                <a:solidFill>
-                  <a:srgbClr val="000000"/>
-                </a:solidFill>
-                <a:effectLst/>
-                <a:latin typeface="Aptos"/>
-                <a:ea typeface="Aptos"/>
-                <a:cs typeface="Aptos"/>
-              </a:rPr>
-              <a:t>·         La creciente popularidad de las especialidades y tés premium entre los segmentos más jóvenes y urbanos</a:t>
-            </a:r>
-            <a:r>
-              <a:rPr sz="1200"/>
-              <a:t>
-</a:t>
-            </a:r>
-            <a:r>
-              <a:rPr lang="es-ES" sz="1200" b="0" i="0" strike="noStrike" cap="none" baseline="0">
-                <a:solidFill>
-                  <a:srgbClr val="000000"/>
-                </a:solidFill>
-                <a:effectLst/>
-                <a:latin typeface="Aptos"/>
-                <a:ea typeface="Aptos"/>
-                <a:cs typeface="Aptos"/>
-              </a:rPr>
-              <a:t>·         La expansión de la distribución y disponibilidad de productos de té chai en varios canales, como supermercados, cafeterías y plataformas en línea</a:t>
-            </a:r>
-            <a:r>
-              <a:rPr sz="1200"/>
-              <a:t>
-</a:t>
-            </a:r>
-            <a:r>
-              <a:rPr lang="es-ES" sz="1200" b="0" i="0" strike="noStrike" cap="none" baseline="0">
-                <a:solidFill>
-                  <a:srgbClr val="000000"/>
-                </a:solidFill>
-                <a:effectLst/>
-                <a:latin typeface="Aptos"/>
-                <a:ea typeface="Aptos"/>
-                <a:cs typeface="Aptos"/>
-              </a:rPr>
-              <a:t>·         La aparición de nuevos e innovadores sabores y formatos de té chai, como variedades listas para beber, instantáneas y orgánicas</a:t>
-            </a:r>
-            <a:r>
-              <a:rPr sz="1200"/>
-              <a:t>
-</a:t>
-            </a:r>
+            <a:br>
+              <a:rPr lang="es-ES"/>
+            </a:br>
+            <a:r>
+              <a:rPr lang="es-ES"/>
+              <a:t>El mercado de América Latina ofrece una excelente oportunidad para el té chai, ya que la región cuenta con una creciente demanda por productos saludables, naturales y exóticos. La región también posee una sólida cultura del té, sobre todo en países como Argentina, Chile y Uruguay, donde el mate es una bebida popular. El té chai puede gustarles tanto a los amantes del té como a los del café, ya que ofrece un impulso de cafeína similar y un perfil de sabor más complejo. El té chai también puede adaptarse al estilo de vida y a las preferencias de los consumidores de América Latina, quienes disfrutan al socializar, compartir y saborear delicias dulces.</a:t>
+            </a:r>
+            <a:br>
+              <a:rPr lang="es-ES"/>
+            </a:br>
+            <a:r>
+              <a:rPr lang="es-ES"/>
+              <a:t>Según un informe de Grand View Research, el tamaño del mercado mundial del té chai se valoró en 1,9 mil millones de dólares en 2019 y se espera que crezca a una tasa de crecimiento compuesto anual (CAGR) del 5,5 % desde 2020 hasta 2027. El informe también indica que América Latina es una de las regiones con el crecimiento más rápido para el té chai, con una CAGR del 6,2 % desde 2020 hasta 2027. Los principales impulsores del crecimiento del té chai en América Latina son los siguientes:</a:t>
+            </a:r>
+            <a:br>
+              <a:rPr lang="es-ES"/>
+            </a:br>
+            <a:r>
+              <a:rPr lang="es-ES"/>
+              <a:t>·         El creciente conocimiento e interés en los beneficios para la salud y los aspectos culturales del té chai</a:t>
+            </a:r>
+            <a:br>
+              <a:rPr lang="es-ES"/>
+            </a:br>
+            <a:r>
+              <a:rPr lang="es-ES"/>
+              <a:t>·         El aumento de los ingresos disponibles y el poder adquisitivo de los consumidores de clase media</a:t>
+            </a:r>
+            <a:br>
+              <a:rPr lang="es-ES"/>
+            </a:br>
+            <a:r>
+              <a:rPr lang="es-ES"/>
+              <a:t>·         La creciente popularidad de los tés especializados y premium entre los segmentos más jóvenes y urbanos</a:t>
+            </a:r>
+            <a:br>
+              <a:rPr lang="es-ES"/>
+            </a:br>
+            <a:r>
+              <a:rPr lang="es-ES"/>
+              <a:t>·         La distribución y disponibilidad en aumento de los productos de té chai en diversos canales, como supermercados, cafeterías y plataformas en línea</a:t>
+            </a:r>
+            <a:br>
+              <a:rPr lang="es-ES"/>
+            </a:br>
+            <a:r>
+              <a:rPr lang="es-ES"/>
+              <a:t>·         La aparición de nuevos e innovadores sabores y formatos de té chai, como las variedades listas para beber, instantáneas y ecológicas</a:t>
+            </a:r>
+            <a:br>
+              <a:rPr lang="es-ES"/>
+            </a:br>
+            <a:endParaRPr lang="es-ES"/>
           </a:p>
         </p:txBody>
       </p:sp>
@@ -3846,8 +2210,8 @@
 </file>
 
 <file path=ppt/notesSlides/notesSlide8.xml><?xml version="1.0" encoding="utf-8"?>
-<p:notes xmlns:a="http://schemas.openxmlformats.org/drawingml/2006/main" xmlns:r="http://schemas.openxmlformats.org/officeDocument/2006/relationships" xmlns:m="http://schemas.openxmlformats.org/officeDocument/2006/math" xmlns:w="http://schemas.openxmlformats.org/wordprocessingml/2006/main" xmlns:wp="http://schemas.openxmlformats.org/drawingml/2006/wordprocessingDrawing" xmlns:a14="http://schemas.microsoft.com/office/drawing/2010/main" xmlns:mc="http://schemas.openxmlformats.org/markup-compatibility/2006" xmlns:p14="http://schemas.microsoft.com/office/powerpoint/2010/main" xmlns:p="http://schemas.openxmlformats.org/presentationml/2006/main">
-  <p:cSld name="">
+<p:notes xmlns:a="http://schemas.openxmlformats.org/drawingml/2006/main" xmlns:r="http://schemas.openxmlformats.org/officeDocument/2006/relationships" xmlns:p="http://schemas.openxmlformats.org/presentationml/2006/main">
+  <p:cSld>
     <p:spTree>
       <p:nvGrpSpPr>
         <p:cNvPr id="1" name=""/>
@@ -3858,6 +2222,8 @@
         <a:xfrm>
           <a:off x="0" y="0"/>
           <a:ext cx="0" cy="0"/>
+          <a:chOff x="0" y="0"/>
+          <a:chExt cx="0" cy="0"/>
         </a:xfrm>
       </p:grpSpPr>
       <p:sp>
@@ -3888,251 +2254,40 @@
           <a:lstStyle/>
           <a:p>
             <a:r>
-              <a:rPr lang="es-ES" sz="1200" b="0" i="0" strike="noStrike" cap="none" baseline="0">
-                <a:solidFill>
-                  <a:srgbClr val="000000"/>
-                </a:solidFill>
-                <a:effectLst/>
-                <a:latin typeface="Aptos"/>
-                <a:ea typeface="Aptos"/>
-                <a:cs typeface="Aptos"/>
-              </a:rPr>
-              <a:t>El té chai en América Latina se distribuye mediante minoristas, mayoristas y distribuidores.</a:t>
-            </a:r>
-            <a:r>
-              <a:rPr lang="es-ES" sz="1200" b="0" i="0" strike="noStrike" cap="none" baseline="0">
-                <a:solidFill>
-                  <a:srgbClr val="000000"/>
-                </a:solidFill>
-                <a:effectLst/>
-                <a:latin typeface="Aptos"/>
-                <a:ea typeface="Aptos"/>
-                <a:cs typeface="Aptos"/>
-              </a:rPr>
-              <a:t> </a:t>
-            </a:r>
-            <a:r>
-              <a:rPr lang="es-ES" sz="1200" b="0" i="0" strike="noStrike" cap="none" baseline="0">
-                <a:solidFill>
-                  <a:srgbClr val="000000"/>
-                </a:solidFill>
-                <a:effectLst/>
-                <a:latin typeface="Aptos"/>
-                <a:ea typeface="Aptos"/>
-                <a:cs typeface="Aptos"/>
-              </a:rPr>
-              <a:t>Los minoristas, como los supermercados y cafeterías, venden directamente a los consumidores y pueden influir en su percepción y compra.</a:t>
-            </a:r>
-            <a:r>
-              <a:rPr lang="es-ES" sz="1200" b="0" i="0" strike="noStrike" cap="none" baseline="0">
-                <a:solidFill>
-                  <a:srgbClr val="000000"/>
-                </a:solidFill>
-                <a:effectLst/>
-                <a:latin typeface="Aptos"/>
-                <a:ea typeface="Aptos"/>
-                <a:cs typeface="Aptos"/>
-              </a:rPr>
-              <a:t> </a:t>
-            </a:r>
-            <a:r>
-              <a:rPr lang="es-ES" sz="1200" b="0" i="0" strike="noStrike" cap="none" baseline="0">
-                <a:solidFill>
-                  <a:srgbClr val="000000"/>
-                </a:solidFill>
-                <a:effectLst/>
-                <a:latin typeface="Aptos"/>
-                <a:ea typeface="Aptos"/>
-                <a:cs typeface="Aptos"/>
-              </a:rPr>
-              <a:t>Entre los principales minoristas se incluyen Walmart y Starbucks.</a:t>
-            </a:r>
-            <a:r>
-              <a:rPr lang="es-ES" sz="1200" b="0" i="0" strike="noStrike" cap="none" baseline="0">
-                <a:solidFill>
-                  <a:srgbClr val="000000"/>
-                </a:solidFill>
-                <a:effectLst/>
-                <a:latin typeface="Aptos"/>
-                <a:ea typeface="Aptos"/>
-                <a:cs typeface="Aptos"/>
-              </a:rPr>
-              <a:t> </a:t>
-            </a:r>
-            <a:r>
-              <a:rPr lang="es-ES" sz="1200" b="0" i="0" strike="noStrike" cap="none" baseline="0">
-                <a:solidFill>
-                  <a:srgbClr val="000000"/>
-                </a:solidFill>
-                <a:effectLst/>
-                <a:latin typeface="Aptos"/>
-                <a:ea typeface="Aptos"/>
-                <a:cs typeface="Aptos"/>
-              </a:rPr>
-              <a:t>Los mayoristas venden de forma masiva a los minoristas, mientras que los distribuidores transportan los productos desde los fabricantes hasta los minoristas.</a:t>
-            </a:r>
-            <a:r>
-              <a:rPr sz="1200"/>
-              <a:t>
-</a:t>
-            </a:r>
-            <a:r>
-              <a:rPr sz="1200"/>
-              <a:t>
-</a:t>
-            </a:r>
-            <a:r>
-              <a:rPr sz="1200"/>
-              <a:t>
-</a:t>
-            </a:r>
-            <a:r>
-              <a:rPr lang="es-ES" sz="1200" b="0" i="0" strike="noStrike" cap="none" baseline="0">
-                <a:solidFill>
-                  <a:srgbClr val="000000"/>
-                </a:solidFill>
-                <a:effectLst/>
-                <a:latin typeface="Aptos"/>
-                <a:ea typeface="Aptos"/>
-                <a:cs typeface="Aptos"/>
-              </a:rPr>
+              <a:rPr lang="es-ES"/>
+              <a:t>El té chai en América Latina se distribuye mediante minoristas, mayoristas y distribuidores. Los minoristas, como los supermercados y cafeterías, venden directamente a los consumidores y pueden influir en su percepción y compra. Entre los principales minoristas se incluyen Walmart y Starbucks. Los mayoristas venden en masa a los minoristas, mientras que los distribuidores transportan productos de los fabricantes a los minoristas.</a:t>
+            </a:r>
+            <a:br>
+              <a:rPr lang="es-ES"/>
+            </a:br>
+            <a:br>
+              <a:rPr lang="es-ES"/>
+            </a:br>
+            <a:br>
+              <a:rPr lang="es-ES"/>
+            </a:br>
+            <a:r>
+              <a:rPr lang="es-ES"/>
               <a:t>Contenido original:</a:t>
             </a:r>
-            <a:r>
-              <a:rPr sz="1200"/>
-              <a:t>
-</a:t>
-            </a:r>
-            <a:r>
-              <a:rPr lang="es-ES" sz="1200" b="0" i="0" strike="noStrike" cap="none" baseline="0">
-                <a:solidFill>
-                  <a:srgbClr val="000000"/>
-                </a:solidFill>
-                <a:effectLst/>
-                <a:latin typeface="Aptos"/>
-                <a:ea typeface="Aptos"/>
-                <a:cs typeface="Aptos"/>
-              </a:rPr>
-              <a:t>Los canales de distribución del té chai en América Latina son las formas y medios por los que se entregan y venden los productos de té chai a los consumidores finales.</a:t>
-            </a:r>
-            <a:r>
-              <a:rPr lang="es-ES" sz="1200" b="0" i="0" strike="noStrike" cap="none" baseline="0">
-                <a:solidFill>
-                  <a:srgbClr val="000000"/>
-                </a:solidFill>
-                <a:effectLst/>
-                <a:latin typeface="Aptos"/>
-                <a:ea typeface="Aptos"/>
-                <a:cs typeface="Aptos"/>
-              </a:rPr>
-              <a:t> </a:t>
-            </a:r>
-            <a:r>
-              <a:rPr lang="es-ES" sz="1200" b="0" i="0" strike="noStrike" cap="none" baseline="0">
-                <a:solidFill>
-                  <a:srgbClr val="000000"/>
-                </a:solidFill>
-                <a:effectLst/>
-                <a:latin typeface="Aptos"/>
-                <a:ea typeface="Aptos"/>
-                <a:cs typeface="Aptos"/>
-              </a:rPr>
-              <a:t>Los canales de distribución del té chai en América Latina se pueden clasificar en tres tipos: minoristas, mayoristas y distribuidores.</a:t>
-            </a:r>
-            <a:r>
-              <a:rPr sz="1200"/>
-              <a:t>
-</a:t>
-            </a:r>
-            <a:r>
-              <a:rPr lang="es-ES" sz="1200" b="0" i="0" strike="noStrike" cap="none" baseline="0">
-                <a:solidFill>
-                  <a:srgbClr val="000000"/>
-                </a:solidFill>
-                <a:effectLst/>
-                <a:latin typeface="Aptos"/>
-                <a:ea typeface="Aptos"/>
-                <a:cs typeface="Aptos"/>
-              </a:rPr>
-              <a:t>Los minoristas son los negocios que venden productos de té chai directamente a los consumidores, como supermercados, tiendas abiertas las 24 horas, tiendas especializadas, cafeterías y plataformas en línea.</a:t>
-            </a:r>
-            <a:r>
-              <a:rPr lang="es-ES" sz="1200" b="0" i="0" strike="noStrike" cap="none" baseline="0">
-                <a:solidFill>
-                  <a:srgbClr val="000000"/>
-                </a:solidFill>
-                <a:effectLst/>
-                <a:latin typeface="Aptos"/>
-                <a:ea typeface="Aptos"/>
-                <a:cs typeface="Aptos"/>
-              </a:rPr>
-              <a:t> </a:t>
-            </a:r>
-            <a:r>
-              <a:rPr lang="es-ES" sz="1200" b="0" i="0" strike="noStrike" cap="none" baseline="0">
-                <a:solidFill>
-                  <a:srgbClr val="000000"/>
-                </a:solidFill>
-                <a:effectLst/>
-                <a:latin typeface="Aptos"/>
-                <a:ea typeface="Aptos"/>
-                <a:cs typeface="Aptos"/>
-              </a:rPr>
-              <a:t>Son el canal más visible y accesible para los productos de té chai y pueden influir en la percepción, preferencias y compra de productos de té chai por parte del consumidor.</a:t>
-            </a:r>
-            <a:r>
-              <a:rPr lang="es-ES" sz="1200" b="0" i="0" strike="noStrike" cap="none" baseline="0">
-                <a:solidFill>
-                  <a:srgbClr val="000000"/>
-                </a:solidFill>
-                <a:effectLst/>
-                <a:latin typeface="Aptos"/>
-                <a:ea typeface="Aptos"/>
-                <a:cs typeface="Aptos"/>
-              </a:rPr>
-              <a:t> </a:t>
-            </a:r>
-            <a:r>
-              <a:rPr lang="es-ES" sz="1200" b="0" i="0" strike="noStrike" cap="none" baseline="0">
-                <a:solidFill>
-                  <a:srgbClr val="000000"/>
-                </a:solidFill>
-                <a:effectLst/>
-                <a:latin typeface="Aptos"/>
-                <a:ea typeface="Aptos"/>
-                <a:cs typeface="Aptos"/>
-              </a:rPr>
-              <a:t>Los minoristas también pueden ofrecer asistencia promocional y de comercialización para los productos de té chai, como expositores, letreros y espacio en los estantes.</a:t>
-            </a:r>
-            <a:r>
-              <a:rPr lang="es-ES" sz="1200" b="0" i="0" strike="noStrike" cap="none" baseline="0">
-                <a:solidFill>
-                  <a:srgbClr val="000000"/>
-                </a:solidFill>
-                <a:effectLst/>
-                <a:latin typeface="Aptos"/>
-                <a:ea typeface="Aptos"/>
-                <a:cs typeface="Aptos"/>
-              </a:rPr>
-              <a:t> </a:t>
-            </a:r>
-            <a:r>
-              <a:rPr lang="es-ES" sz="1200" b="0" i="0" strike="noStrike" cap="none" baseline="0">
-                <a:solidFill>
-                  <a:srgbClr val="000000"/>
-                </a:solidFill>
-                <a:effectLst/>
-                <a:latin typeface="Aptos"/>
-                <a:ea typeface="Aptos"/>
-                <a:cs typeface="Aptos"/>
-              </a:rPr>
-              <a:t>Algunos de los principales minoristas de productos de té chai de América Latina son Walmart, Carrefour, Oxxo, Starbucks y Amazon.</a:t>
-            </a:r>
-            <a:r>
-              <a:rPr sz="1200"/>
-              <a:t>
-</a:t>
-            </a:r>
+            <a:br>
+              <a:rPr lang="es-ES"/>
+            </a:br>
+            <a:r>
+              <a:rPr lang="es-ES"/>
+              <a:t>Los canales de distribución del té chai en América Latina son las formas y medios por los que se entregan y venden los productos de té chai a los consumidores finales. Los canales de distribución del té chai en América Latina se pueden clasificar en tres tipos: minoristas, mayoristas y distribuidores.</a:t>
+            </a:r>
+            <a:br>
+              <a:rPr lang="es-ES"/>
+            </a:br>
+            <a:r>
+              <a:rPr lang="es-ES"/>
+              <a:t>Los minoristas son los negocios que venden productos de té chai directamente a los consumidores, como supermercados, tiendas abiertas las 24 horas, tiendas especializadas, cafeterías y plataformas en línea. Son el canal más visible y accesible para los productos de té chai y pueden influir en la percepción, preferencias y compra de productos de té chai por parte del consumidor. Los minoristas también pueden ofrecer asistencia promocional y de comercialización a los productos de té chai, como expositores, letreros y espacio en los estantes. Algunos de los principales minoristas de productos de té chai de América Latina son Walmart, Carrefour, Oxxo, Starbucks y Amazon.</a:t>
+            </a:r>
+            <a:br>
+              <a:rPr lang="es-ES"/>
+            </a:br>
+            <a:endParaRPr lang="es-ES"/>
           </a:p>
         </p:txBody>
       </p:sp>
@@ -4173,8 +2328,8 @@
 </file>
 
 <file path=ppt/notesSlides/notesSlide9.xml><?xml version="1.0" encoding="utf-8"?>
-<p:notes xmlns:a="http://schemas.openxmlformats.org/drawingml/2006/main" xmlns:r="http://schemas.openxmlformats.org/officeDocument/2006/relationships" xmlns:m="http://schemas.openxmlformats.org/officeDocument/2006/math" xmlns:w="http://schemas.openxmlformats.org/wordprocessingml/2006/main" xmlns:wp="http://schemas.openxmlformats.org/drawingml/2006/wordprocessingDrawing" xmlns:a14="http://schemas.microsoft.com/office/drawing/2010/main" xmlns:mc="http://schemas.openxmlformats.org/markup-compatibility/2006" xmlns:p14="http://schemas.microsoft.com/office/powerpoint/2010/main" xmlns:p="http://schemas.openxmlformats.org/presentationml/2006/main">
-  <p:cSld name="">
+<p:notes xmlns:a="http://schemas.openxmlformats.org/drawingml/2006/main" xmlns:r="http://schemas.openxmlformats.org/officeDocument/2006/relationships" xmlns:p="http://schemas.openxmlformats.org/presentationml/2006/main">
+  <p:cSld>
     <p:spTree>
       <p:nvGrpSpPr>
         <p:cNvPr id="1" name=""/>
@@ -4185,6 +2340,8 @@
         <a:xfrm>
           <a:off x="0" y="0"/>
           <a:ext cx="0" cy="0"/>
+          <a:chOff x="0" y="0"/>
+          <a:chExt cx="0" cy="0"/>
         </a:xfrm>
       </p:grpSpPr>
       <p:sp>
@@ -4215,186 +2372,33 @@
           <a:lstStyle/>
           <a:p>
             <a:r>
-              <a:rPr lang="es-ES" sz="1200" b="0" i="0" strike="noStrike" cap="none" baseline="0">
-                <a:solidFill>
-                  <a:srgbClr val="000000"/>
-                </a:solidFill>
-                <a:effectLst/>
-                <a:latin typeface="Aptos"/>
-                <a:ea typeface="Aptos"/>
-                <a:cs typeface="Aptos"/>
-              </a:rPr>
-              <a:t>Los mayoristas compran productos de té chai en masa y los venden a los minoristas u otros intermediarios.</a:t>
-            </a:r>
-            <a:r>
-              <a:rPr lang="es-ES" sz="1200" b="0" i="0" strike="noStrike" cap="none" baseline="0">
-                <a:solidFill>
-                  <a:srgbClr val="000000"/>
-                </a:solidFill>
-                <a:effectLst/>
-                <a:latin typeface="Aptos"/>
-                <a:ea typeface="Aptos"/>
-                <a:cs typeface="Aptos"/>
-              </a:rPr>
-              <a:t> </a:t>
-            </a:r>
-            <a:r>
-              <a:rPr lang="es-ES" sz="1200" b="0" i="0" strike="noStrike" cap="none" baseline="0">
-                <a:solidFill>
-                  <a:srgbClr val="000000"/>
-                </a:solidFill>
-                <a:effectLst/>
-                <a:latin typeface="Aptos"/>
-                <a:ea typeface="Aptos"/>
-                <a:cs typeface="Aptos"/>
-              </a:rPr>
-              <a:t>Vinculan la oferta y la demanda de productos de té chai y ofrecen diversos servicios.</a:t>
-            </a:r>
-            <a:r>
-              <a:rPr lang="es-ES" sz="1200" b="0" i="0" strike="noStrike" cap="none" baseline="0">
-                <a:solidFill>
-                  <a:srgbClr val="000000"/>
-                </a:solidFill>
-                <a:effectLst/>
-                <a:latin typeface="Aptos"/>
-                <a:ea typeface="Aptos"/>
-                <a:cs typeface="Aptos"/>
-              </a:rPr>
-              <a:t> </a:t>
-            </a:r>
-            <a:r>
-              <a:rPr lang="es-ES" sz="1200" b="0" i="0" strike="noStrike" cap="none" baseline="0">
-                <a:solidFill>
-                  <a:srgbClr val="000000"/>
-                </a:solidFill>
-                <a:effectLst/>
-                <a:latin typeface="Aptos"/>
-                <a:ea typeface="Aptos"/>
-                <a:cs typeface="Aptos"/>
-              </a:rPr>
-              <a:t>Algunos de los principales mayoristas de productos de té chai en América Latina son Cencosud, Grupo Pão de Açúcar, La Anónima y Makro.</a:t>
-            </a:r>
-            <a:r>
-              <a:rPr sz="1200"/>
-              <a:t>
-</a:t>
-            </a:r>
-            <a:r>
-              <a:rPr sz="1200"/>
-              <a:t>
-</a:t>
-            </a:r>
-            <a:r>
-              <a:rPr sz="1200"/>
-              <a:t>
-</a:t>
-            </a:r>
-            <a:r>
-              <a:rPr lang="es-ES" sz="1200" b="0" i="0" strike="noStrike" cap="none" baseline="0">
-                <a:solidFill>
-                  <a:srgbClr val="000000"/>
-                </a:solidFill>
-                <a:effectLst/>
-                <a:latin typeface="Aptos"/>
-                <a:ea typeface="Aptos"/>
-                <a:cs typeface="Aptos"/>
-              </a:rPr>
+              <a:rPr lang="es-ES"/>
+              <a:t>Los mayoristas compran productos de té chai en masa y los venden a los minoristas u otros intermediarios. Vinculan la oferta y la demanda de productos de té chai y ofrecen diversos servicios. Los principales mayoristas en América Latina son Cencosud, Grupo Pão de Açúcar, La Anónima y Makro.</a:t>
+            </a:r>
+            <a:br>
+              <a:rPr lang="es-ES"/>
+            </a:br>
+            <a:br>
+              <a:rPr lang="es-ES"/>
+            </a:br>
+            <a:br>
+              <a:rPr lang="es-ES"/>
+            </a:br>
+            <a:r>
+              <a:rPr lang="es-ES"/>
               <a:t>Contenido original:</a:t>
             </a:r>
-            <a:r>
-              <a:rPr sz="1200"/>
-              <a:t>
-</a:t>
-            </a:r>
-            <a:r>
-              <a:rPr lang="es-ES" sz="1200" b="0" i="0" strike="noStrike" cap="none" baseline="0">
-                <a:solidFill>
-                  <a:srgbClr val="000000"/>
-                </a:solidFill>
-                <a:effectLst/>
-                <a:latin typeface="Aptos"/>
-                <a:ea typeface="Aptos"/>
-                <a:cs typeface="Aptos"/>
-              </a:rPr>
-              <a:t>Los mayoristas son los negocios que compran productos de té chai en masa a los fabricantes o distribuidores y los venden a los minoristas u otros intermediarios.</a:t>
-            </a:r>
-            <a:r>
-              <a:rPr lang="es-ES" sz="1200" b="0" i="0" strike="noStrike" cap="none" baseline="0">
-                <a:solidFill>
-                  <a:srgbClr val="000000"/>
-                </a:solidFill>
-                <a:effectLst/>
-                <a:latin typeface="Aptos"/>
-                <a:ea typeface="Aptos"/>
-                <a:cs typeface="Aptos"/>
-              </a:rPr>
-              <a:t> </a:t>
-            </a:r>
-            <a:r>
-              <a:rPr lang="es-ES" sz="1200" b="0" i="0" strike="noStrike" cap="none" baseline="0">
-                <a:solidFill>
-                  <a:srgbClr val="000000"/>
-                </a:solidFill>
-                <a:effectLst/>
-                <a:latin typeface="Aptos"/>
-                <a:ea typeface="Aptos"/>
-                <a:cs typeface="Aptos"/>
-              </a:rPr>
-              <a:t>Son el vínculo entre la oferta y la demanda de productos de té chai y pueden ofrecer economías de escala, almacenamiento y servicios de transporte para los productos de té chai.</a:t>
-            </a:r>
-            <a:r>
-              <a:rPr lang="es-ES" sz="1200" b="0" i="0" strike="noStrike" cap="none" baseline="0">
-                <a:solidFill>
-                  <a:srgbClr val="000000"/>
-                </a:solidFill>
-                <a:effectLst/>
-                <a:latin typeface="Aptos"/>
-                <a:ea typeface="Aptos"/>
-                <a:cs typeface="Aptos"/>
-              </a:rPr>
-              <a:t> </a:t>
-            </a:r>
-            <a:r>
-              <a:rPr lang="es-ES" sz="1200" b="0" i="0" strike="noStrike" cap="none" baseline="0">
-                <a:solidFill>
-                  <a:srgbClr val="000000"/>
-                </a:solidFill>
-                <a:effectLst/>
-                <a:latin typeface="Aptos"/>
-                <a:ea typeface="Aptos"/>
-                <a:cs typeface="Aptos"/>
-              </a:rPr>
-              <a:t>Los mayoristas también pueden ofrecer información del mercado, comentarios y mecanismos de crédito para los productos de té chai.</a:t>
-            </a:r>
-            <a:r>
-              <a:rPr lang="es-ES" sz="1200" b="0" i="0" strike="noStrike" cap="none" baseline="0">
-                <a:solidFill>
-                  <a:srgbClr val="000000"/>
-                </a:solidFill>
-                <a:effectLst/>
-                <a:latin typeface="Aptos"/>
-                <a:ea typeface="Aptos"/>
-                <a:cs typeface="Aptos"/>
-              </a:rPr>
-              <a:t> </a:t>
-            </a:r>
-            <a:r>
-              <a:rPr lang="es-ES" sz="1200" b="0" i="0" strike="noStrike" cap="none" baseline="0">
-                <a:solidFill>
-                  <a:srgbClr val="000000"/>
-                </a:solidFill>
-                <a:effectLst/>
-                <a:latin typeface="Aptos"/>
-                <a:ea typeface="Aptos"/>
-                <a:cs typeface="Aptos"/>
-              </a:rPr>
-              <a:t>Algunos de los principales mayoristas de productos de té chai en América Latina son Cencosud, Grupo Pão de Açúcar, La Anónima y Makro.</a:t>
-            </a:r>
-            <a:r>
-              <a:rPr sz="1200"/>
-              <a:t>
-</a:t>
-            </a:r>
+            <a:br>
+              <a:rPr lang="es-ES"/>
+            </a:br>
+            <a:r>
+              <a:rPr lang="es-ES"/>
+              <a:t>Los mayoristas son los negocios que compran productos de té chai en masa a los fabricantes o distribuidores y los venden a los minoristas u otros intermediarios. Son el vínculo entre la oferta y la demanda de productos de té chai y pueden ofrecer economías de escala, almacenamiento y servicios de transporte para los productos de té chai. Los mayoristas también pueden ofrecer información del mercado, comentarios y mecanismos de crédito para los productos de té chai. Algunos de los principales mayoristas de productos de té chai en América Latina son Cencosud, Grupo Pão de Açúcar, La Anónima y Makro.</a:t>
+            </a:r>
+            <a:br>
+              <a:rPr lang="es-ES"/>
+            </a:br>
+            <a:endParaRPr lang="es-ES"/>
           </a:p>
         </p:txBody>
       </p:sp>
@@ -4435,7 +2439,7 @@
 </file>
 
 <file path=ppt/slideLayouts/slideLayout1.xml><?xml version="1.0" encoding="utf-8"?>
-<p:sldLayout xmlns:a="http://schemas.openxmlformats.org/drawingml/2006/main" xmlns:r="http://schemas.openxmlformats.org/officeDocument/2006/relationships" xmlns:m="http://schemas.openxmlformats.org/officeDocument/2006/math" xmlns:w="http://schemas.openxmlformats.org/wordprocessingml/2006/main" xmlns:wp="http://schemas.openxmlformats.org/drawingml/2006/wordprocessingDrawing" xmlns:a14="http://schemas.microsoft.com/office/drawing/2010/main" xmlns:mc="http://schemas.openxmlformats.org/markup-compatibility/2006" xmlns:p14="http://schemas.microsoft.com/office/powerpoint/2010/main" xmlns:p15="http://schemas.microsoft.com/office/powerpoint/2012/main" xmlns:p159="http://schemas.microsoft.com/office/powerpoint/2015/09/main" xmlns:p="http://schemas.openxmlformats.org/presentationml/2006/main" showMasterSp="0" type="title" preserve="1">
+<p:sldLayout xmlns:a="http://schemas.openxmlformats.org/drawingml/2006/main" xmlns:r="http://schemas.openxmlformats.org/officeDocument/2006/relationships" xmlns:p="http://schemas.openxmlformats.org/presentationml/2006/main" showMasterSp="0" type="title" preserve="1">
   <p:cSld name="Title Slide">
     <p:spTree>
       <p:nvGrpSpPr>
@@ -4447,6 +2451,8 @@
         <a:xfrm>
           <a:off x="0" y="0"/>
           <a:ext cx="0" cy="0"/>
+          <a:chOff x="0" y="0"/>
+          <a:chExt cx="0" cy="0"/>
         </a:xfrm>
       </p:grpSpPr>
       <p:sp>
@@ -4492,11 +2498,6 @@
             <a:schemeClr val="lt1"/>
           </a:fontRef>
         </p:style>
-        <p:txBody>
-          <a:bodyPr/>
-          <a:lstStyle/>
-          <a:p/>
-        </p:txBody>
       </p:sp>
       <p:sp>
         <p:nvSpPr>
@@ -4538,7 +2539,7 @@
               <a:rPr lang="en-US"/>
               <a:t>Click to edit Master title style</a:t>
             </a:r>
-            <a:endParaRPr lang="en-US"/>
+            <a:endParaRPr lang="en-US" dirty="0"/>
           </a:p>
         </p:txBody>
       </p:sp>
@@ -4610,7 +2611,7 @@
               <a:rPr lang="en-US"/>
               <a:t>Click to edit Master subtitle style</a:t>
             </a:r>
-            <a:endParaRPr lang="en-US"/>
+            <a:endParaRPr lang="en-US" dirty="0"/>
           </a:p>
         </p:txBody>
       </p:sp>
@@ -4681,9 +2682,9 @@
           <a:p>
             <a:fld id="{9184DA70-C731-4C70-880D-CCD4705E623C}" type="datetime1">
               <a:rPr lang="en-US" smtClean="0"/>
-              <a:t>6/26/2024</a:t>
+              <a:t>5/29/2025</a:t>
             </a:fld>
-            <a:endParaRPr lang="en-US"/>
+            <a:endParaRPr lang="en-US" dirty="0"/>
           </a:p>
         </p:txBody>
       </p:sp>
@@ -4708,7 +2709,7 @@
           <a:bodyPr/>
           <a:lstStyle/>
           <a:p>
-            <a:endParaRPr lang="en-US"/>
+            <a:endParaRPr lang="en-US" dirty="0"/>
           </a:p>
         </p:txBody>
       </p:sp>
@@ -4737,7 +2738,7 @@
               <a:rPr lang="en-US" smtClean="0"/>
               <a:t>‹#›</a:t>
             </a:fld>
-            <a:endParaRPr lang="en-US"/>
+            <a:endParaRPr lang="en-US" dirty="0"/>
           </a:p>
         </p:txBody>
       </p:sp>
@@ -4751,13 +2752,11 @@
   <p:clrMapOvr>
     <a:masterClrMapping/>
   </p:clrMapOvr>
-  <p:transition/>
-  <p:timing/>
 </p:sldLayout>
 </file>
 
 <file path=ppt/slideLayouts/slideLayout10.xml><?xml version="1.0" encoding="utf-8"?>
-<p:sldLayout xmlns:a="http://schemas.openxmlformats.org/drawingml/2006/main" xmlns:r="http://schemas.openxmlformats.org/officeDocument/2006/relationships" xmlns:m="http://schemas.openxmlformats.org/officeDocument/2006/math" xmlns:w="http://schemas.openxmlformats.org/wordprocessingml/2006/main" xmlns:wp="http://schemas.openxmlformats.org/drawingml/2006/wordprocessingDrawing" xmlns:a14="http://schemas.microsoft.com/office/drawing/2010/main" xmlns:mc="http://schemas.openxmlformats.org/markup-compatibility/2006" xmlns:p14="http://schemas.microsoft.com/office/powerpoint/2010/main" xmlns:p15="http://schemas.microsoft.com/office/powerpoint/2012/main" xmlns:p159="http://schemas.microsoft.com/office/powerpoint/2015/09/main" xmlns:p="http://schemas.openxmlformats.org/presentationml/2006/main" type="vertTx" preserve="1">
+<p:sldLayout xmlns:a="http://schemas.openxmlformats.org/drawingml/2006/main" xmlns:r="http://schemas.openxmlformats.org/officeDocument/2006/relationships" xmlns:p="http://schemas.openxmlformats.org/presentationml/2006/main" type="vertTx" preserve="1">
   <p:cSld name="Title and Vertical Text">
     <p:spTree>
       <p:nvGrpSpPr>
@@ -4769,6 +2768,8 @@
         <a:xfrm>
           <a:off x="0" y="0"/>
           <a:ext cx="0" cy="0"/>
+          <a:chOff x="0" y="0"/>
+          <a:chExt cx="0" cy="0"/>
         </a:xfrm>
       </p:grpSpPr>
       <p:sp>
@@ -4790,7 +2791,7 @@
               <a:rPr lang="en-US"/>
               <a:t>Click to edit Master title style</a:t>
             </a:r>
-            <a:endParaRPr lang="en-US"/>
+            <a:endParaRPr lang="en-US" dirty="0"/>
           </a:p>
         </p:txBody>
       </p:sp>
@@ -4842,7 +2843,7 @@
               <a:rPr lang="en-US"/>
               <a:t>Fifth level</a:t>
             </a:r>
-            <a:endParaRPr lang="en-US"/>
+            <a:endParaRPr lang="en-US" dirty="0"/>
           </a:p>
         </p:txBody>
       </p:sp>
@@ -4869,9 +2870,9 @@
           <a:p>
             <a:fld id="{B612A279-0833-481D-8C56-F67FD0AC6C50}" type="datetime1">
               <a:rPr lang="en-US" smtClean="0"/>
-              <a:t>6/26/2024</a:t>
+              <a:t>5/29/2025</a:t>
             </a:fld>
-            <a:endParaRPr lang="en-US"/>
+            <a:endParaRPr lang="en-US" dirty="0"/>
           </a:p>
         </p:txBody>
       </p:sp>
@@ -4896,7 +2897,7 @@
           <a:bodyPr/>
           <a:lstStyle/>
           <a:p>
-            <a:endParaRPr lang="en-US"/>
+            <a:endParaRPr lang="en-US" dirty="0"/>
           </a:p>
         </p:txBody>
       </p:sp>
@@ -4925,7 +2926,7 @@
               <a:rPr lang="en-US" smtClean="0"/>
               <a:t>‹#›</a:t>
             </a:fld>
-            <a:endParaRPr lang="en-US"/>
+            <a:endParaRPr lang="en-US" dirty="0"/>
           </a:p>
         </p:txBody>
       </p:sp>
@@ -4939,13 +2940,11 @@
   <p:clrMapOvr>
     <a:masterClrMapping/>
   </p:clrMapOvr>
-  <p:transition/>
-  <p:timing/>
 </p:sldLayout>
 </file>
 
 <file path=ppt/slideLayouts/slideLayout11.xml><?xml version="1.0" encoding="utf-8"?>
-<p:sldLayout xmlns:a="http://schemas.openxmlformats.org/drawingml/2006/main" xmlns:r="http://schemas.openxmlformats.org/officeDocument/2006/relationships" xmlns:m="http://schemas.openxmlformats.org/officeDocument/2006/math" xmlns:w="http://schemas.openxmlformats.org/wordprocessingml/2006/main" xmlns:wp="http://schemas.openxmlformats.org/drawingml/2006/wordprocessingDrawing" xmlns:a14="http://schemas.microsoft.com/office/drawing/2010/main" xmlns:mc="http://schemas.openxmlformats.org/markup-compatibility/2006" xmlns:p14="http://schemas.microsoft.com/office/powerpoint/2010/main" xmlns:p15="http://schemas.microsoft.com/office/powerpoint/2012/main" xmlns:p159="http://schemas.microsoft.com/office/powerpoint/2015/09/main" xmlns:p="http://schemas.openxmlformats.org/presentationml/2006/main" showMasterSp="0" type="vertTitleAndTx" preserve="1">
+<p:sldLayout xmlns:a="http://schemas.openxmlformats.org/drawingml/2006/main" xmlns:r="http://schemas.openxmlformats.org/officeDocument/2006/relationships" xmlns:p="http://schemas.openxmlformats.org/presentationml/2006/main" showMasterSp="0" type="vertTitleAndTx" preserve="1">
   <p:cSld name="Vertical Title and Text">
     <p:spTree>
       <p:nvGrpSpPr>
@@ -4957,6 +2956,8 @@
         <a:xfrm>
           <a:off x="0" y="0"/>
           <a:ext cx="0" cy="0"/>
+          <a:chOff x="0" y="0"/>
+          <a:chExt cx="0" cy="0"/>
         </a:xfrm>
       </p:grpSpPr>
       <p:sp>
@@ -5002,11 +3003,6 @@
             <a:schemeClr val="lt1"/>
           </a:fontRef>
         </p:style>
-        <p:txBody>
-          <a:bodyPr/>
-          <a:lstStyle/>
-          <a:p/>
-        </p:txBody>
       </p:sp>
       <p:sp>
         <p:nvSpPr>
@@ -5032,7 +3028,7 @@
               <a:rPr lang="en-US"/>
               <a:t>Click to edit Master title style</a:t>
             </a:r>
-            <a:endParaRPr lang="en-US"/>
+            <a:endParaRPr lang="en-US" dirty="0"/>
           </a:p>
         </p:txBody>
       </p:sp>
@@ -5089,7 +3085,7 @@
               <a:rPr lang="en-US"/>
               <a:t>Fifth level</a:t>
             </a:r>
-            <a:endParaRPr lang="en-US"/>
+            <a:endParaRPr lang="en-US" dirty="0"/>
           </a:p>
         </p:txBody>
       </p:sp>
@@ -5116,9 +3112,9 @@
           <a:p>
             <a:fld id="{6587DA83-5663-4C9C-B9AA-0B40A3DAFF81}" type="datetime1">
               <a:rPr lang="en-US" smtClean="0"/>
-              <a:t>6/26/2024</a:t>
+              <a:t>5/29/2025</a:t>
             </a:fld>
-            <a:endParaRPr lang="en-US"/>
+            <a:endParaRPr lang="en-US" dirty="0"/>
           </a:p>
         </p:txBody>
       </p:sp>
@@ -5143,7 +3139,7 @@
           <a:bodyPr/>
           <a:lstStyle/>
           <a:p>
-            <a:endParaRPr lang="en-US"/>
+            <a:endParaRPr lang="en-US" dirty="0"/>
           </a:p>
         </p:txBody>
       </p:sp>
@@ -5172,7 +3168,7 @@
               <a:rPr lang="en-US" smtClean="0"/>
               <a:t>‹#›</a:t>
             </a:fld>
-            <a:endParaRPr lang="en-US"/>
+            <a:endParaRPr lang="en-US" dirty="0"/>
           </a:p>
         </p:txBody>
       </p:sp>
@@ -5186,13 +3182,11 @@
   <p:clrMapOvr>
     <a:masterClrMapping/>
   </p:clrMapOvr>
-  <p:transition/>
-  <p:timing/>
 </p:sldLayout>
 </file>
 
 <file path=ppt/slideLayouts/slideLayout2.xml><?xml version="1.0" encoding="utf-8"?>
-<p:sldLayout xmlns:a="http://schemas.openxmlformats.org/drawingml/2006/main" xmlns:r="http://schemas.openxmlformats.org/officeDocument/2006/relationships" xmlns:m="http://schemas.openxmlformats.org/officeDocument/2006/math" xmlns:w="http://schemas.openxmlformats.org/wordprocessingml/2006/main" xmlns:wp="http://schemas.openxmlformats.org/drawingml/2006/wordprocessingDrawing" xmlns:a14="http://schemas.microsoft.com/office/drawing/2010/main" xmlns:mc="http://schemas.openxmlformats.org/markup-compatibility/2006" xmlns:p14="http://schemas.microsoft.com/office/powerpoint/2010/main" xmlns:p15="http://schemas.microsoft.com/office/powerpoint/2012/main" xmlns:p159="http://schemas.microsoft.com/office/powerpoint/2015/09/main" xmlns:p="http://schemas.openxmlformats.org/presentationml/2006/main" type="obj" preserve="1">
+<p:sldLayout xmlns:a="http://schemas.openxmlformats.org/drawingml/2006/main" xmlns:r="http://schemas.openxmlformats.org/officeDocument/2006/relationships" xmlns:p="http://schemas.openxmlformats.org/presentationml/2006/main" type="obj" preserve="1">
   <p:cSld name="Title and Content">
     <p:spTree>
       <p:nvGrpSpPr>
@@ -5204,6 +3198,8 @@
         <a:xfrm>
           <a:off x="0" y="0"/>
           <a:ext cx="0" cy="0"/>
+          <a:chOff x="0" y="0"/>
+          <a:chExt cx="0" cy="0"/>
         </a:xfrm>
       </p:grpSpPr>
       <p:sp>
@@ -5225,7 +3221,7 @@
               <a:rPr lang="en-US"/>
               <a:t>Click to edit Master title style</a:t>
             </a:r>
-            <a:endParaRPr lang="en-US"/>
+            <a:endParaRPr lang="en-US" dirty="0"/>
           </a:p>
         </p:txBody>
       </p:sp>
@@ -5277,7 +3273,7 @@
               <a:rPr lang="en-US"/>
               <a:t>Fifth level</a:t>
             </a:r>
-            <a:endParaRPr lang="en-US"/>
+            <a:endParaRPr lang="en-US" dirty="0"/>
           </a:p>
         </p:txBody>
       </p:sp>
@@ -5304,9 +3300,9 @@
           <a:p>
             <a:fld id="{4BE1D723-8F53-4F53-90B0-1982A396982E}" type="datetime1">
               <a:rPr lang="en-US" smtClean="0"/>
-              <a:t>6/26/2024</a:t>
+              <a:t>5/29/2025</a:t>
             </a:fld>
-            <a:endParaRPr lang="en-US"/>
+            <a:endParaRPr lang="en-US" dirty="0"/>
           </a:p>
         </p:txBody>
       </p:sp>
@@ -5331,7 +3327,7 @@
           <a:bodyPr/>
           <a:lstStyle/>
           <a:p>
-            <a:endParaRPr lang="en-US"/>
+            <a:endParaRPr lang="en-US" dirty="0"/>
           </a:p>
         </p:txBody>
       </p:sp>
@@ -5360,7 +3356,7 @@
               <a:rPr lang="en-US" smtClean="0"/>
               <a:t>‹#›</a:t>
             </a:fld>
-            <a:endParaRPr lang="en-US"/>
+            <a:endParaRPr lang="en-US" dirty="0"/>
           </a:p>
         </p:txBody>
       </p:sp>
@@ -5374,13 +3370,11 @@
   <p:clrMapOvr>
     <a:masterClrMapping/>
   </p:clrMapOvr>
-  <p:transition/>
-  <p:timing/>
 </p:sldLayout>
 </file>
 
 <file path=ppt/slideLayouts/slideLayout3.xml><?xml version="1.0" encoding="utf-8"?>
-<p:sldLayout xmlns:a="http://schemas.openxmlformats.org/drawingml/2006/main" xmlns:r="http://schemas.openxmlformats.org/officeDocument/2006/relationships" xmlns:m="http://schemas.openxmlformats.org/officeDocument/2006/math" xmlns:w="http://schemas.openxmlformats.org/wordprocessingml/2006/main" xmlns:wp="http://schemas.openxmlformats.org/drawingml/2006/wordprocessingDrawing" xmlns:a14="http://schemas.microsoft.com/office/drawing/2010/main" xmlns:mc="http://schemas.openxmlformats.org/markup-compatibility/2006" xmlns:p14="http://schemas.microsoft.com/office/powerpoint/2010/main" xmlns:p15="http://schemas.microsoft.com/office/powerpoint/2012/main" xmlns:p159="http://schemas.microsoft.com/office/powerpoint/2015/09/main" xmlns:p="http://schemas.openxmlformats.org/presentationml/2006/main" showMasterSp="0" type="secHead" preserve="1">
+<p:sldLayout xmlns:a="http://schemas.openxmlformats.org/drawingml/2006/main" xmlns:r="http://schemas.openxmlformats.org/officeDocument/2006/relationships" xmlns:p="http://schemas.openxmlformats.org/presentationml/2006/main" showMasterSp="0" type="secHead" preserve="1">
   <p:cSld name="Section Header">
     <p:bg>
       <p:bgPr>
@@ -5400,6 +3394,8 @@
         <a:xfrm>
           <a:off x="0" y="0"/>
           <a:ext cx="0" cy="0"/>
+          <a:chOff x="0" y="0"/>
+          <a:chExt cx="0" cy="0"/>
         </a:xfrm>
       </p:grpSpPr>
       <p:sp>
@@ -5445,11 +3441,6 @@
             <a:schemeClr val="lt1"/>
           </a:fontRef>
         </p:style>
-        <p:txBody>
-          <a:bodyPr/>
-          <a:lstStyle/>
-          <a:p/>
-        </p:txBody>
       </p:sp>
       <p:sp>
         <p:nvSpPr>
@@ -5491,7 +3482,7 @@
               <a:rPr lang="en-US"/>
               <a:t>Click to edit Master title style</a:t>
             </a:r>
-            <a:endParaRPr lang="en-US"/>
+            <a:endParaRPr lang="en-US" dirty="0"/>
           </a:p>
         </p:txBody>
       </p:sp>
@@ -5682,9 +3673,9 @@
           <a:p>
             <a:fld id="{97669AF7-7BEB-44E4-9852-375E34362B5B}" type="datetime1">
               <a:rPr lang="en-US" smtClean="0"/>
-              <a:t>6/26/2024</a:t>
+              <a:t>5/29/2025</a:t>
             </a:fld>
-            <a:endParaRPr lang="en-US"/>
+            <a:endParaRPr lang="en-US" dirty="0"/>
           </a:p>
         </p:txBody>
       </p:sp>
@@ -5709,7 +3700,7 @@
           <a:bodyPr/>
           <a:lstStyle/>
           <a:p>
-            <a:endParaRPr lang="en-US"/>
+            <a:endParaRPr lang="en-US" dirty="0"/>
           </a:p>
         </p:txBody>
       </p:sp>
@@ -5738,7 +3729,7 @@
               <a:rPr lang="en-US" smtClean="0"/>
               <a:t>‹#›</a:t>
             </a:fld>
-            <a:endParaRPr lang="en-US"/>
+            <a:endParaRPr lang="en-US" dirty="0"/>
           </a:p>
         </p:txBody>
       </p:sp>
@@ -5752,13 +3743,11 @@
   <p:clrMapOvr>
     <a:masterClrMapping/>
   </p:clrMapOvr>
-  <p:transition/>
-  <p:timing/>
 </p:sldLayout>
 </file>
 
 <file path=ppt/slideLayouts/slideLayout4.xml><?xml version="1.0" encoding="utf-8"?>
-<p:sldLayout xmlns:a="http://schemas.openxmlformats.org/drawingml/2006/main" xmlns:r="http://schemas.openxmlformats.org/officeDocument/2006/relationships" xmlns:m="http://schemas.openxmlformats.org/officeDocument/2006/math" xmlns:w="http://schemas.openxmlformats.org/wordprocessingml/2006/main" xmlns:wp="http://schemas.openxmlformats.org/drawingml/2006/wordprocessingDrawing" xmlns:a14="http://schemas.microsoft.com/office/drawing/2010/main" xmlns:mc="http://schemas.openxmlformats.org/markup-compatibility/2006" xmlns:p14="http://schemas.microsoft.com/office/powerpoint/2010/main" xmlns:p15="http://schemas.microsoft.com/office/powerpoint/2012/main" xmlns:p159="http://schemas.microsoft.com/office/powerpoint/2015/09/main" xmlns:p="http://schemas.openxmlformats.org/presentationml/2006/main" type="twoObj" preserve="1">
+<p:sldLayout xmlns:a="http://schemas.openxmlformats.org/drawingml/2006/main" xmlns:r="http://schemas.openxmlformats.org/officeDocument/2006/relationships" xmlns:p="http://schemas.openxmlformats.org/presentationml/2006/main" type="twoObj" preserve="1">
   <p:cSld name="Two Content">
     <p:spTree>
       <p:nvGrpSpPr>
@@ -5770,6 +3759,8 @@
         <a:xfrm>
           <a:off x="0" y="0"/>
           <a:ext cx="0" cy="0"/>
+          <a:chOff x="0" y="0"/>
+          <a:chExt cx="0" cy="0"/>
         </a:xfrm>
       </p:grpSpPr>
       <p:sp>
@@ -5796,7 +3787,7 @@
               <a:rPr lang="en-US"/>
               <a:t>Click to edit Master title style</a:t>
             </a:r>
-            <a:endParaRPr lang="en-US"/>
+            <a:endParaRPr lang="en-US" dirty="0"/>
           </a:p>
         </p:txBody>
       </p:sp>
@@ -5853,7 +3844,7 @@
               <a:rPr lang="en-US"/>
               <a:t>Fifth level</a:t>
             </a:r>
-            <a:endParaRPr lang="en-US"/>
+            <a:endParaRPr lang="en-US" dirty="0"/>
           </a:p>
         </p:txBody>
       </p:sp>
@@ -5910,7 +3901,7 @@
               <a:rPr lang="en-US"/>
               <a:t>Fifth level</a:t>
             </a:r>
-            <a:endParaRPr lang="en-US"/>
+            <a:endParaRPr lang="en-US" dirty="0"/>
           </a:p>
         </p:txBody>
       </p:sp>
@@ -5937,9 +3928,9 @@
           <a:p>
             <a:fld id="{BAAAC38D-0552-4C82-B593-E6124DFADBE2}" type="datetime1">
               <a:rPr lang="en-US" smtClean="0"/>
-              <a:t>6/26/2024</a:t>
+              <a:t>5/29/2025</a:t>
             </a:fld>
-            <a:endParaRPr lang="en-US"/>
+            <a:endParaRPr lang="en-US" dirty="0"/>
           </a:p>
         </p:txBody>
       </p:sp>
@@ -5964,7 +3955,7 @@
           <a:bodyPr/>
           <a:lstStyle/>
           <a:p>
-            <a:endParaRPr lang="en-US"/>
+            <a:endParaRPr lang="en-US" dirty="0"/>
           </a:p>
         </p:txBody>
       </p:sp>
@@ -5993,7 +3984,7 @@
               <a:rPr lang="en-US" smtClean="0"/>
               <a:t>‹#›</a:t>
             </a:fld>
-            <a:endParaRPr lang="en-US"/>
+            <a:endParaRPr lang="en-US" dirty="0"/>
           </a:p>
         </p:txBody>
       </p:sp>
@@ -6007,13 +3998,11 @@
   <p:clrMapOvr>
     <a:masterClrMapping/>
   </p:clrMapOvr>
-  <p:transition/>
-  <p:timing/>
 </p:sldLayout>
 </file>
 
 <file path=ppt/slideLayouts/slideLayout5.xml><?xml version="1.0" encoding="utf-8"?>
-<p:sldLayout xmlns:a="http://schemas.openxmlformats.org/drawingml/2006/main" xmlns:r="http://schemas.openxmlformats.org/officeDocument/2006/relationships" xmlns:m="http://schemas.openxmlformats.org/officeDocument/2006/math" xmlns:w="http://schemas.openxmlformats.org/wordprocessingml/2006/main" xmlns:wp="http://schemas.openxmlformats.org/drawingml/2006/wordprocessingDrawing" xmlns:a14="http://schemas.microsoft.com/office/drawing/2010/main" xmlns:mc="http://schemas.openxmlformats.org/markup-compatibility/2006" xmlns:p14="http://schemas.microsoft.com/office/powerpoint/2010/main" xmlns:p15="http://schemas.microsoft.com/office/powerpoint/2012/main" xmlns:p159="http://schemas.microsoft.com/office/powerpoint/2015/09/main" xmlns:p="http://schemas.openxmlformats.org/presentationml/2006/main" type="twoTxTwoObj" preserve="1">
+<p:sldLayout xmlns:a="http://schemas.openxmlformats.org/drawingml/2006/main" xmlns:r="http://schemas.openxmlformats.org/officeDocument/2006/relationships" xmlns:p="http://schemas.openxmlformats.org/presentationml/2006/main" type="twoTxTwoObj" preserve="1">
   <p:cSld name="Comparison">
     <p:spTree>
       <p:nvGrpSpPr>
@@ -6025,6 +4014,8 @@
         <a:xfrm>
           <a:off x="0" y="0"/>
           <a:ext cx="0" cy="0"/>
+          <a:chOff x="0" y="0"/>
+          <a:chExt cx="0" cy="0"/>
         </a:xfrm>
       </p:grpSpPr>
       <p:sp>
@@ -6051,7 +4042,7 @@
               <a:rPr lang="en-US"/>
               <a:t>Click to edit Master title style</a:t>
             </a:r>
-            <a:endParaRPr lang="en-US"/>
+            <a:endParaRPr lang="en-US" dirty="0"/>
           </a:p>
         </p:txBody>
       </p:sp>
@@ -6179,7 +4170,7 @@
               <a:rPr lang="en-US"/>
               <a:t>Fifth level</a:t>
             </a:r>
-            <a:endParaRPr lang="en-US"/>
+            <a:endParaRPr lang="en-US" dirty="0"/>
           </a:p>
         </p:txBody>
       </p:sp>
@@ -6307,7 +4298,7 @@
               <a:rPr lang="en-US"/>
               <a:t>Fifth level</a:t>
             </a:r>
-            <a:endParaRPr lang="en-US"/>
+            <a:endParaRPr lang="en-US" dirty="0"/>
           </a:p>
         </p:txBody>
       </p:sp>
@@ -6334,9 +4325,9 @@
           <a:p>
             <a:fld id="{D9DF0F1C-5577-4ACB-BB62-DF8F3C494C7E}" type="datetime1">
               <a:rPr lang="en-US" smtClean="0"/>
-              <a:t>6/26/2024</a:t>
+              <a:t>5/29/2025</a:t>
             </a:fld>
-            <a:endParaRPr lang="en-US"/>
+            <a:endParaRPr lang="en-US" dirty="0"/>
           </a:p>
         </p:txBody>
       </p:sp>
@@ -6361,7 +4352,7 @@
           <a:bodyPr/>
           <a:lstStyle/>
           <a:p>
-            <a:endParaRPr lang="en-US"/>
+            <a:endParaRPr lang="en-US" dirty="0"/>
           </a:p>
         </p:txBody>
       </p:sp>
@@ -6390,7 +4381,7 @@
               <a:rPr lang="en-US" smtClean="0"/>
               <a:t>‹#›</a:t>
             </a:fld>
-            <a:endParaRPr lang="en-US"/>
+            <a:endParaRPr lang="en-US" dirty="0"/>
           </a:p>
         </p:txBody>
       </p:sp>
@@ -6404,13 +4395,11 @@
   <p:clrMapOvr>
     <a:masterClrMapping/>
   </p:clrMapOvr>
-  <p:transition/>
-  <p:timing/>
 </p:sldLayout>
 </file>
 
 <file path=ppt/slideLayouts/slideLayout6.xml><?xml version="1.0" encoding="utf-8"?>
-<p:sldLayout xmlns:a="http://schemas.openxmlformats.org/drawingml/2006/main" xmlns:r="http://schemas.openxmlformats.org/officeDocument/2006/relationships" xmlns:m="http://schemas.openxmlformats.org/officeDocument/2006/math" xmlns:w="http://schemas.openxmlformats.org/wordprocessingml/2006/main" xmlns:wp="http://schemas.openxmlformats.org/drawingml/2006/wordprocessingDrawing" xmlns:a14="http://schemas.microsoft.com/office/drawing/2010/main" xmlns:mc="http://schemas.openxmlformats.org/markup-compatibility/2006" xmlns:p14="http://schemas.microsoft.com/office/powerpoint/2010/main" xmlns:p15="http://schemas.microsoft.com/office/powerpoint/2012/main" xmlns:p159="http://schemas.microsoft.com/office/powerpoint/2015/09/main" xmlns:p="http://schemas.openxmlformats.org/presentationml/2006/main" type="titleOnly" preserve="1">
+<p:sldLayout xmlns:a="http://schemas.openxmlformats.org/drawingml/2006/main" xmlns:r="http://schemas.openxmlformats.org/officeDocument/2006/relationships" xmlns:p="http://schemas.openxmlformats.org/presentationml/2006/main" type="titleOnly" preserve="1">
   <p:cSld name="Title Only">
     <p:spTree>
       <p:nvGrpSpPr>
@@ -6422,6 +4411,8 @@
         <a:xfrm>
           <a:off x="0" y="0"/>
           <a:ext cx="0" cy="0"/>
+          <a:chOff x="0" y="0"/>
+          <a:chExt cx="0" cy="0"/>
         </a:xfrm>
       </p:grpSpPr>
       <p:sp>
@@ -6443,7 +4434,7 @@
               <a:rPr lang="en-US"/>
               <a:t>Click to edit Master title style</a:t>
             </a:r>
-            <a:endParaRPr lang="en-US"/>
+            <a:endParaRPr lang="en-US" dirty="0"/>
           </a:p>
         </p:txBody>
       </p:sp>
@@ -6470,9 +4461,9 @@
           <a:p>
             <a:fld id="{1775B394-D9F9-4F0C-B15D-605F45CB9E9F}" type="datetime1">
               <a:rPr lang="en-US" smtClean="0"/>
-              <a:t>6/26/2024</a:t>
+              <a:t>5/29/2025</a:t>
             </a:fld>
-            <a:endParaRPr lang="en-US"/>
+            <a:endParaRPr lang="en-US" dirty="0"/>
           </a:p>
         </p:txBody>
       </p:sp>
@@ -6497,7 +4488,7 @@
           <a:bodyPr/>
           <a:lstStyle/>
           <a:p>
-            <a:endParaRPr lang="en-US"/>
+            <a:endParaRPr lang="en-US" dirty="0"/>
           </a:p>
         </p:txBody>
       </p:sp>
@@ -6526,7 +4517,7 @@
               <a:rPr lang="en-US" smtClean="0"/>
               <a:t>‹#›</a:t>
             </a:fld>
-            <a:endParaRPr lang="en-US"/>
+            <a:endParaRPr lang="en-US" dirty="0"/>
           </a:p>
         </p:txBody>
       </p:sp>
@@ -6540,13 +4531,11 @@
   <p:clrMapOvr>
     <a:masterClrMapping/>
   </p:clrMapOvr>
-  <p:transition/>
-  <p:timing/>
 </p:sldLayout>
 </file>
 
 <file path=ppt/slideLayouts/slideLayout7.xml><?xml version="1.0" encoding="utf-8"?>
-<p:sldLayout xmlns:a="http://schemas.openxmlformats.org/drawingml/2006/main" xmlns:r="http://schemas.openxmlformats.org/officeDocument/2006/relationships" xmlns:m="http://schemas.openxmlformats.org/officeDocument/2006/math" xmlns:w="http://schemas.openxmlformats.org/wordprocessingml/2006/main" xmlns:wp="http://schemas.openxmlformats.org/drawingml/2006/wordprocessingDrawing" xmlns:a14="http://schemas.microsoft.com/office/drawing/2010/main" xmlns:mc="http://schemas.openxmlformats.org/markup-compatibility/2006" xmlns:p14="http://schemas.microsoft.com/office/powerpoint/2010/main" xmlns:p15="http://schemas.microsoft.com/office/powerpoint/2012/main" xmlns:p159="http://schemas.microsoft.com/office/powerpoint/2015/09/main" xmlns:p="http://schemas.openxmlformats.org/presentationml/2006/main" showMasterSp="0" type="blank" preserve="1">
+<p:sldLayout xmlns:a="http://schemas.openxmlformats.org/drawingml/2006/main" xmlns:r="http://schemas.openxmlformats.org/officeDocument/2006/relationships" xmlns:p="http://schemas.openxmlformats.org/presentationml/2006/main" showMasterSp="0" type="blank" preserve="1">
   <p:cSld name="Blank">
     <p:spTree>
       <p:nvGrpSpPr>
@@ -6558,6 +4547,8 @@
         <a:xfrm>
           <a:off x="0" y="0"/>
           <a:ext cx="0" cy="0"/>
+          <a:chOff x="0" y="0"/>
+          <a:chExt cx="0" cy="0"/>
         </a:xfrm>
       </p:grpSpPr>
       <p:sp>
@@ -6603,11 +4594,6 @@
             <a:schemeClr val="lt1"/>
           </a:fontRef>
         </p:style>
-        <p:txBody>
-          <a:bodyPr/>
-          <a:lstStyle/>
-          <a:p/>
-        </p:txBody>
       </p:sp>
       <p:sp>
         <p:nvSpPr>
@@ -6632,9 +4618,9 @@
           <a:p>
             <a:fld id="{39667345-2558-425A-8533-9BFDBCE15005}" type="datetime1">
               <a:rPr lang="en-US" smtClean="0"/>
-              <a:t>6/26/2024</a:t>
+              <a:t>5/29/2025</a:t>
             </a:fld>
-            <a:endParaRPr lang="en-US"/>
+            <a:endParaRPr lang="en-US" dirty="0"/>
           </a:p>
         </p:txBody>
       </p:sp>
@@ -6659,7 +4645,7 @@
           <a:bodyPr/>
           <a:lstStyle/>
           <a:p>
-            <a:endParaRPr lang="en-US"/>
+            <a:endParaRPr lang="en-US" dirty="0"/>
           </a:p>
         </p:txBody>
       </p:sp>
@@ -6688,7 +4674,7 @@
               <a:rPr lang="en-US" smtClean="0"/>
               <a:t>‹#›</a:t>
             </a:fld>
-            <a:endParaRPr lang="en-US"/>
+            <a:endParaRPr lang="en-US" dirty="0"/>
           </a:p>
         </p:txBody>
       </p:sp>
@@ -6702,13 +4688,11 @@
   <p:clrMapOvr>
     <a:masterClrMapping/>
   </p:clrMapOvr>
-  <p:transition/>
-  <p:timing/>
 </p:sldLayout>
 </file>
 
 <file path=ppt/slideLayouts/slideLayout8.xml><?xml version="1.0" encoding="utf-8"?>
-<p:sldLayout xmlns:a="http://schemas.openxmlformats.org/drawingml/2006/main" xmlns:r="http://schemas.openxmlformats.org/officeDocument/2006/relationships" xmlns:m="http://schemas.openxmlformats.org/officeDocument/2006/math" xmlns:w="http://schemas.openxmlformats.org/wordprocessingml/2006/main" xmlns:wp="http://schemas.openxmlformats.org/drawingml/2006/wordprocessingDrawing" xmlns:a14="http://schemas.microsoft.com/office/drawing/2010/main" xmlns:mc="http://schemas.openxmlformats.org/markup-compatibility/2006" xmlns:p14="http://schemas.microsoft.com/office/powerpoint/2010/main" xmlns:p15="http://schemas.microsoft.com/office/powerpoint/2012/main" xmlns:p159="http://schemas.microsoft.com/office/powerpoint/2015/09/main" xmlns:p="http://schemas.openxmlformats.org/presentationml/2006/main" showMasterSp="0" type="objTx" preserve="1">
+<p:sldLayout xmlns:a="http://schemas.openxmlformats.org/drawingml/2006/main" xmlns:r="http://schemas.openxmlformats.org/officeDocument/2006/relationships" xmlns:p="http://schemas.openxmlformats.org/presentationml/2006/main" showMasterSp="0" type="objTx" preserve="1">
   <p:cSld name="Content with Caption">
     <p:spTree>
       <p:nvGrpSpPr>
@@ -6720,6 +4704,8 @@
         <a:xfrm>
           <a:off x="0" y="0"/>
           <a:ext cx="0" cy="0"/>
+          <a:chOff x="0" y="0"/>
+          <a:chExt cx="0" cy="0"/>
         </a:xfrm>
       </p:grpSpPr>
       <p:sp>
@@ -6765,11 +4751,6 @@
             <a:schemeClr val="lt1"/>
           </a:fontRef>
         </p:style>
-        <p:txBody>
-          <a:bodyPr/>
-          <a:lstStyle/>
-          <a:p/>
-        </p:txBody>
       </p:sp>
       <p:sp>
         <p:nvSpPr>
@@ -6808,7 +4789,7 @@
               <a:rPr lang="en-US"/>
               <a:t>Click to edit Master title style</a:t>
             </a:r>
-            <a:endParaRPr lang="en-US"/>
+            <a:endParaRPr lang="en-US" dirty="0"/>
           </a:p>
         </p:txBody>
       </p:sp>
@@ -6865,7 +4846,7 @@
               <a:rPr lang="en-US"/>
               <a:t>Fifth level</a:t>
             </a:r>
-            <a:endParaRPr lang="en-US"/>
+            <a:endParaRPr lang="en-US" dirty="0"/>
           </a:p>
         </p:txBody>
       </p:sp>
@@ -6966,9 +4947,9 @@
           <a:p>
             <a:fld id="{92BEA474-078D-4E9B-9B14-09A87B19DC46}" type="datetime1">
               <a:rPr lang="en-US" smtClean="0"/>
-              <a:t>6/26/2024</a:t>
+              <a:t>5/29/2025</a:t>
             </a:fld>
-            <a:endParaRPr lang="en-US"/>
+            <a:endParaRPr lang="en-US" dirty="0"/>
           </a:p>
         </p:txBody>
       </p:sp>
@@ -7000,7 +4981,7 @@
             </a:lvl1pPr>
           </a:lstStyle>
           <a:p>
-            <a:endParaRPr lang="en-US"/>
+            <a:endParaRPr lang="en-US" dirty="0"/>
           </a:p>
         </p:txBody>
       </p:sp>
@@ -7029,9 +5010,10 @@
           <a:p>
             <a:fld id="{3A98EE3D-8CD1-4C3F-BD1C-C98C9596463C}" type="slidenum">
               <a:rPr lang="en-US" smtClean="0"/>
+              <a:pPr/>
               <a:t>‹#›</a:t>
             </a:fld>
-            <a:endParaRPr lang="en-US"/>
+            <a:endParaRPr lang="en-US" dirty="0"/>
           </a:p>
         </p:txBody>
       </p:sp>
@@ -7045,13 +5027,11 @@
   <p:clrMapOvr>
     <a:masterClrMapping/>
   </p:clrMapOvr>
-  <p:transition/>
-  <p:timing/>
 </p:sldLayout>
 </file>
 
 <file path=ppt/slideLayouts/slideLayout9.xml><?xml version="1.0" encoding="utf-8"?>
-<p:sldLayout xmlns:a="http://schemas.openxmlformats.org/drawingml/2006/main" xmlns:r="http://schemas.openxmlformats.org/officeDocument/2006/relationships" xmlns:m="http://schemas.openxmlformats.org/officeDocument/2006/math" xmlns:w="http://schemas.openxmlformats.org/wordprocessingml/2006/main" xmlns:wp="http://schemas.openxmlformats.org/drawingml/2006/wordprocessingDrawing" xmlns:a14="http://schemas.microsoft.com/office/drawing/2010/main" xmlns:mc="http://schemas.openxmlformats.org/markup-compatibility/2006" xmlns:p14="http://schemas.microsoft.com/office/powerpoint/2010/main" xmlns:p15="http://schemas.microsoft.com/office/powerpoint/2012/main" xmlns:p159="http://schemas.microsoft.com/office/powerpoint/2015/09/main" xmlns:p="http://schemas.openxmlformats.org/presentationml/2006/main" showMasterSp="0" type="picTx" preserve="1">
+<p:sldLayout xmlns:a="http://schemas.openxmlformats.org/drawingml/2006/main" xmlns:r="http://schemas.openxmlformats.org/officeDocument/2006/relationships" xmlns:p="http://schemas.openxmlformats.org/presentationml/2006/main" showMasterSp="0" type="picTx" preserve="1">
   <p:cSld name="Picture with Caption">
     <p:spTree>
       <p:nvGrpSpPr>
@@ -7063,6 +5043,8 @@
         <a:xfrm>
           <a:off x="0" y="0"/>
           <a:ext cx="0" cy="0"/>
+          <a:chOff x="0" y="0"/>
+          <a:chExt cx="0" cy="0"/>
         </a:xfrm>
       </p:grpSpPr>
       <p:sp>
@@ -7108,11 +5090,6 @@
             <a:schemeClr val="lt1"/>
           </a:fontRef>
         </p:style>
-        <p:txBody>
-          <a:bodyPr/>
-          <a:lstStyle/>
-          <a:p/>
-        </p:txBody>
       </p:sp>
       <p:sp>
         <p:nvSpPr>
@@ -7180,7 +5157,7 @@
               <a:rPr lang="en-US"/>
               <a:t>Click icon to add picture</a:t>
             </a:r>
-            <a:endParaRPr lang="en-US"/>
+            <a:endParaRPr lang="en-US" dirty="0"/>
           </a:p>
         </p:txBody>
       </p:sp>
@@ -7218,7 +5195,7 @@
               <a:rPr lang="en-US"/>
               <a:t>Click to edit Master title style</a:t>
             </a:r>
-            <a:endParaRPr lang="en-US"/>
+            <a:endParaRPr lang="en-US" dirty="0"/>
           </a:p>
         </p:txBody>
       </p:sp>
@@ -7245,7 +5222,7 @@
           <a:lstStyle>
             <a:lvl1pPr marL="0" indent="0">
               <a:spcBef>
-                <a:spcPct val="0"/>
+                <a:spcPts val="0"/>
               </a:spcBef>
               <a:spcAft>
                 <a:spcPts val="600"/>
@@ -7320,9 +5297,9 @@
           <a:p>
             <a:fld id="{4907D986-8816-4272-A432-0437A28A9828}" type="datetime1">
               <a:rPr lang="en-US" smtClean="0"/>
-              <a:t>6/26/2024</a:t>
+              <a:t>5/29/2025</a:t>
             </a:fld>
-            <a:endParaRPr lang="en-US"/>
+            <a:endParaRPr lang="en-US" dirty="0"/>
           </a:p>
         </p:txBody>
       </p:sp>
@@ -7347,7 +5324,7 @@
           <a:lstStyle/>
           <a:p>
             <a:pPr algn="l"/>
-            <a:endParaRPr lang="en-US"/>
+            <a:endParaRPr lang="en-US" dirty="0"/>
           </a:p>
         </p:txBody>
       </p:sp>
@@ -7370,7 +5347,7 @@
               <a:rPr lang="en-US" smtClean="0"/>
               <a:t>‹#›</a:t>
             </a:fld>
-            <a:endParaRPr lang="en-US"/>
+            <a:endParaRPr lang="en-US" dirty="0"/>
           </a:p>
         </p:txBody>
       </p:sp>
@@ -7384,13 +5361,11 @@
   <p:clrMapOvr>
     <a:masterClrMapping/>
   </p:clrMapOvr>
-  <p:transition/>
-  <p:timing/>
 </p:sldLayout>
 </file>
 
 <file path=ppt/slideMasters/slideMaster1.xml><?xml version="1.0" encoding="utf-8"?>
-<p:sldMaster xmlns:a="http://schemas.openxmlformats.org/drawingml/2006/main" xmlns:r="http://schemas.openxmlformats.org/officeDocument/2006/relationships" xmlns:m="http://schemas.openxmlformats.org/officeDocument/2006/math" xmlns:w="http://schemas.openxmlformats.org/wordprocessingml/2006/main" xmlns:wp="http://schemas.openxmlformats.org/drawingml/2006/wordprocessingDrawing" xmlns:a14="http://schemas.microsoft.com/office/drawing/2010/main" xmlns:mc="http://schemas.openxmlformats.org/markup-compatibility/2006" xmlns:p14="http://schemas.microsoft.com/office/powerpoint/2010/main" xmlns:p15="http://schemas.microsoft.com/office/powerpoint/2012/main" xmlns:p159="http://schemas.microsoft.com/office/powerpoint/2015/09/main" xmlns:p="http://schemas.openxmlformats.org/presentationml/2006/main">
+<p:sldMaster xmlns:a="http://schemas.openxmlformats.org/drawingml/2006/main" xmlns:r="http://schemas.openxmlformats.org/officeDocument/2006/relationships" xmlns:p="http://schemas.openxmlformats.org/presentationml/2006/main">
   <p:cSld>
     <p:bg>
       <p:bgRef idx="1001">
@@ -7407,6 +5382,8 @@
         <a:xfrm>
           <a:off x="0" y="0"/>
           <a:ext cx="0" cy="0"/>
+          <a:chOff x="0" y="0"/>
+          <a:chExt cx="0" cy="0"/>
         </a:xfrm>
       </p:grpSpPr>
       <p:sp>
@@ -7452,11 +5429,6 @@
             <a:schemeClr val="lt1"/>
           </a:fontRef>
         </p:style>
-        <p:txBody>
-          <a:bodyPr/>
-          <a:lstStyle/>
-          <a:p/>
-        </p:txBody>
       </p:sp>
       <p:sp>
         <p:nvSpPr>
@@ -7487,7 +5459,7 @@
               <a:rPr lang="en-US"/>
               <a:t>Click to edit Master title style</a:t>
             </a:r>
-            <a:endParaRPr lang="en-US"/>
+            <a:endParaRPr lang="en-US" dirty="0"/>
           </a:p>
         </p:txBody>
       </p:sp>
@@ -7549,7 +5521,7 @@
               <a:rPr lang="en-US"/>
               <a:t>Fifth level</a:t>
             </a:r>
-            <a:endParaRPr lang="en-US"/>
+            <a:endParaRPr lang="en-US" dirty="0"/>
           </a:p>
         </p:txBody>
       </p:sp>
@@ -7586,9 +5558,9 @@
           <a:p>
             <a:fld id="{62D6E202-B606-4609-B914-27C9371A1F6D}" type="datetime1">
               <a:rPr lang="en-US" smtClean="0"/>
-              <a:t>6/26/2024</a:t>
+              <a:t>5/29/2025</a:t>
             </a:fld>
-            <a:endParaRPr lang="en-US"/>
+            <a:endParaRPr lang="en-US" dirty="0"/>
           </a:p>
         </p:txBody>
       </p:sp>
@@ -7623,7 +5595,7 @@
             </a:lvl1pPr>
           </a:lstStyle>
           <a:p>
-            <a:endParaRPr lang="en-US"/>
+            <a:endParaRPr lang="en-US" dirty="0"/>
           </a:p>
         </p:txBody>
       </p:sp>
@@ -7662,7 +5634,7 @@
               <a:rPr lang="en-US" smtClean="0"/>
               <a:t>‹#›</a:t>
             </a:fld>
-            <a:endParaRPr lang="en-US"/>
+            <a:endParaRPr lang="en-US" dirty="0"/>
           </a:p>
         </p:txBody>
       </p:sp>
@@ -7731,8 +5703,7 @@
     <p:sldLayoutId id="2147483670" r:id="rId10"/>
     <p:sldLayoutId id="2147483671" r:id="rId11"/>
   </p:sldLayoutIdLst>
-  <p:transition/>
-  <p:timing/>
+  <p:hf sldNum="0" hdr="0" ftr="0" dt="0"/>
   <p:txStyles>
     <p:titleStyle>
       <a:lvl1pPr algn="l" defTabSz="914400" rtl="0" eaLnBrk="1" latinLnBrk="0" hangingPunct="1">
@@ -7770,8 +5741,8 @@
         <a:buClr>
           <a:schemeClr val="accent1"/>
         </a:buClr>
-        <a:buSzTx/>
-        <a:buFont typeface="Calibri" panose="020f0502020204030204" pitchFamily="34" charset="0"/>
+        <a:buSzPct val="100000"/>
+        <a:buFont typeface="Calibri" panose="020F0502020204030204" pitchFamily="34" charset="0"/>
         <a:buChar char=" "/>
         <a:defRPr sz="1900" kern="1200">
           <a:solidFill>
@@ -7796,7 +5767,7 @@
           <a:spcPts val="400"/>
         </a:spcAft>
         <a:buClrTx/>
-        <a:buFont typeface="Calibri" panose="020f0502020204030204" pitchFamily="34" charset="0"/>
+        <a:buFont typeface="Calibri" pitchFamily="34" charset="0"/>
         <a:buChar char="◦"/>
         <a:defRPr sz="1700" kern="1200">
           <a:solidFill>
@@ -7821,7 +5792,7 @@
           <a:spcPts val="400"/>
         </a:spcAft>
         <a:buClrTx/>
-        <a:buFont typeface="Calibri" panose="020f0502020204030204" pitchFamily="34" charset="0"/>
+        <a:buFont typeface="Calibri" pitchFamily="34" charset="0"/>
         <a:buChar char="◦"/>
         <a:defRPr sz="1300" kern="1200">
           <a:solidFill>
@@ -7846,7 +5817,7 @@
           <a:spcPts val="400"/>
         </a:spcAft>
         <a:buClrTx/>
-        <a:buFont typeface="Calibri" panose="020f0502020204030204" pitchFamily="34" charset="0"/>
+        <a:buFont typeface="Calibri" pitchFamily="34" charset="0"/>
         <a:buChar char="◦"/>
         <a:defRPr sz="1300" kern="1200">
           <a:solidFill>
@@ -7871,7 +5842,7 @@
           <a:spcPts val="400"/>
         </a:spcAft>
         <a:buClrTx/>
-        <a:buFont typeface="Calibri" panose="020f0502020204030204" pitchFamily="34" charset="0"/>
+        <a:buFont typeface="Calibri" pitchFamily="34" charset="0"/>
         <a:buChar char="◦"/>
         <a:defRPr sz="1300" kern="1200">
           <a:solidFill>
@@ -7898,7 +5869,7 @@
         <a:buClr>
           <a:schemeClr val="accent1"/>
         </a:buClr>
-        <a:buFont typeface="Calibri" panose="020f0502020204030204" pitchFamily="34" charset="0"/>
+        <a:buFont typeface="Calibri" pitchFamily="34" charset="0"/>
         <a:buChar char="◦"/>
         <a:defRPr sz="1400" kern="1200">
           <a:solidFill>
@@ -7925,7 +5896,7 @@
         <a:buClr>
           <a:schemeClr val="accent1"/>
         </a:buClr>
-        <a:buFont typeface="Calibri" panose="020f0502020204030204" pitchFamily="34" charset="0"/>
+        <a:buFont typeface="Calibri" pitchFamily="34" charset="0"/>
         <a:buChar char="◦"/>
         <a:defRPr sz="1400" kern="1200">
           <a:solidFill>
@@ -7952,7 +5923,7 @@
         <a:buClr>
           <a:schemeClr val="accent1"/>
         </a:buClr>
-        <a:buFont typeface="Calibri" panose="020f0502020204030204" pitchFamily="34" charset="0"/>
+        <a:buFont typeface="Calibri" pitchFamily="34" charset="0"/>
         <a:buChar char="◦"/>
         <a:defRPr sz="1400" kern="1200">
           <a:solidFill>
@@ -7979,7 +5950,7 @@
         <a:buClr>
           <a:schemeClr val="accent1"/>
         </a:buClr>
-        <a:buFont typeface="Calibri" panose="020f0502020204030204" pitchFamily="34" charset="0"/>
+        <a:buFont typeface="Calibri" pitchFamily="34" charset="0"/>
         <a:buChar char="◦"/>
         <a:defRPr sz="1400" kern="1200">
           <a:solidFill>
@@ -8094,8 +6065,8 @@
 </file>
 
 <file path=ppt/slides/slide1.xml><?xml version="1.0" encoding="utf-8"?>
-<p:sld xmlns:a="http://schemas.openxmlformats.org/drawingml/2006/main" xmlns:r="http://schemas.openxmlformats.org/officeDocument/2006/relationships" xmlns:m="http://schemas.openxmlformats.org/officeDocument/2006/math" xmlns:w="http://schemas.openxmlformats.org/wordprocessingml/2006/main" xmlns:wp="http://schemas.openxmlformats.org/drawingml/2006/wordprocessingDrawing" xmlns:a14="http://schemas.microsoft.com/office/drawing/2010/main" xmlns:mc="http://schemas.openxmlformats.org/markup-compatibility/2006" xmlns:p14="http://schemas.microsoft.com/office/powerpoint/2010/main" xmlns:p15="http://schemas.microsoft.com/office/powerpoint/2012/main" xmlns:p159="http://schemas.microsoft.com/office/powerpoint/2015/09/main" xmlns:p="http://schemas.openxmlformats.org/presentationml/2006/main">
-  <p:cSld name="">
+<p:sld xmlns:a="http://schemas.openxmlformats.org/drawingml/2006/main" xmlns:r="http://schemas.openxmlformats.org/officeDocument/2006/relationships" xmlns:p="http://schemas.openxmlformats.org/presentationml/2006/main">
+  <p:cSld>
     <p:bg>
       <p:bgPr>
         <a:solidFill>
@@ -8114,6 +6085,8 @@
         <a:xfrm>
           <a:off x="0" y="0"/>
           <a:ext cx="0" cy="0"/>
+          <a:chOff x="0" y="0"/>
+          <a:chExt cx="0" cy="0"/>
         </a:xfrm>
       </p:grpSpPr>
       <p:sp useBgFill="1">
@@ -8205,15 +6178,7 @@
           <a:lstStyle/>
           <a:p>
             <a:r>
-              <a:rPr lang="es-ES" sz="5600" b="0" i="0" strike="noStrike" cap="none" baseline="0">
-                <a:solidFill>
-                  <a:srgbClr val="262626"/>
-                </a:solidFill>
-                <a:effectLst/>
-                <a:latin typeface="Bookman Old Style"/>
-                <a:ea typeface="Bookman Old Style"/>
-                <a:cs typeface="Bookman Old Style"/>
-              </a:rPr>
+              <a:rPr lang="es-ES" sz="5600"/>
               <a:t>Informe de análisis del mercado para el té chai premium Mystic Spice</a:t>
             </a:r>
           </a:p>
@@ -8276,7 +6241,7 @@
       </p:cxnSp>
       <p:pic>
         <p:nvPicPr>
-          <p:cNvPr id="13" name="Picture 12" descr="Tea and dessert">
+          <p:cNvPr id="13" name="Picture 12" descr="Té y postre">
             <a:extLst>
               <a:ext uri="{FF2B5EF4-FFF2-40B4-BE49-F238E27FC236}">
                 <a16:creationId xmlns:a16="http://schemas.microsoft.com/office/drawing/2014/main" id="{F0E27F3C-2BEE-7255-556D-FFC137811956}"/>
@@ -8288,12 +6253,10 @@
           </p:cNvPicPr>
           <p:nvPr/>
         </p:nvPicPr>
-        <p:blipFill>
+        <p:blipFill rotWithShape="1">
           <a:blip r:embed="rId3"/>
           <a:srcRect l="13082" r="18651" b="-1"/>
-          <a:stretch>
-            <a:fillRect/>
-          </a:stretch>
+          <a:stretch/>
         </p:blipFill>
         <p:spPr>
           <a:xfrm>
@@ -8305,77 +6268,6 @@
           </a:prstGeom>
         </p:spPr>
       </p:pic>
-      <p:sp>
-        <p:nvSpPr>
-          <p:cNvPr id="20" name="TextBox"/>
-          <p:cNvSpPr txBox="1">
-            <a:spLocks noGrp="1" noSelect="1" noRot="1" noMove="1"/>
-          </p:cNvSpPr>
-          <p:nvPr/>
-        </p:nvSpPr>
-        <p:spPr>
-          <a:xfrm>
-            <a:off x="2890520" y="2644140"/>
-            <a:ext cx="6411372" cy="1569660"/>
-          </a:xfrm>
-          <a:prstGeom prst="rect">
-            <a:avLst/>
-          </a:prstGeom>
-          <a:noFill/>
-        </p:spPr>
-        <p:txBody>
-          <a:bodyPr wrap="none" rtlCol="0" anchor="ctr" anchorCtr="1">
-            <a:spAutoFit/>
-          </a:bodyPr>
-          <a:lstStyle>
-            <a:lvl1pPr algn="l">
-              <a:lnSpc>
-                <a:spcPct val="150000"/>
-              </a:lnSpc>
-              <a:spcBef>
-                <a:spcPct val="0"/>
-              </a:spcBef>
-              <a:spcAft>
-                <a:spcPct val="0"/>
-              </a:spcAft>
-              <a:defRPr lang="en-US" sz="3200" b="1" noProof="1" dirty="0">
-                <a:solidFill>
-                  <a:prstClr val="red">
-                    <a:lumOff val="30000"/>
-                    <a:alpha val="40000"/>
-                  </a:prstClr>
-                </a:solidFill>
-                <a:effectLst>
-                  <a:outerShdw blurRad="50800" dist="38100" algn="tr" rotWithShape="0">
-                    <a:prstClr val="black">
-                      <a:alpha val="80000"/>
-                    </a:prstClr>
-                  </a:outerShdw>
-                </a:effectLst>
-                <a:latin typeface="Calibri" pitchFamily="34" charset="0"/>
-              </a:defRPr>
-            </a:lvl1pPr>
-          </a:lstStyle>
-          <a:p>
-            <a:pPr algn="ctr"/>
-            <a:r>
-              <a:t>Evaluation only.</a:t>
-            </a:r>
-          </a:p>
-          <a:p>
-            <a:pPr algn="ctr"/>
-            <a:r>
-              <a:t>Created with Aspose.Slides for Java 23.6.</a:t>
-            </a:r>
-          </a:p>
-          <a:p>
-            <a:pPr algn="ctr"/>
-            <a:r>
-              <a:t>Copyright 2004-2023 Aspose Pty Ltd.</a:t>
-            </a:r>
-          </a:p>
-        </p:txBody>
-      </p:sp>
     </p:spTree>
     <p:extLst>
       <p:ext uri="{BB962C8B-B14F-4D97-AF65-F5344CB8AC3E}">
@@ -8386,7 +6278,6 @@
   <p:clrMapOvr>
     <a:masterClrMapping/>
   </p:clrMapOvr>
-  <p:transition/>
   <p:timing>
     <p:tnLst>
       <p:par>
@@ -8396,7 +6287,7 @@
               <p:cTn id="2" dur="indefinite" nodeType="mainSeq">
                 <p:childTnLst>
                   <p:par>
-                    <p:cTn id="3" fill="hold" nodeType="clickPar">
+                    <p:cTn id="3" fill="hold">
                       <p:stCondLst>
                         <p:cond delay="indefinite"/>
                         <p:cond evt="onBegin" delay="0">
@@ -8483,8 +6374,8 @@
 </file>
 
 <file path=ppt/slides/slide10.xml><?xml version="1.0" encoding="utf-8"?>
-<p:sld xmlns:a="http://schemas.openxmlformats.org/drawingml/2006/main" xmlns:r="http://schemas.openxmlformats.org/officeDocument/2006/relationships" xmlns:m="http://schemas.openxmlformats.org/officeDocument/2006/math" xmlns:w="http://schemas.openxmlformats.org/wordprocessingml/2006/main" xmlns:wp="http://schemas.openxmlformats.org/drawingml/2006/wordprocessingDrawing" xmlns:a14="http://schemas.microsoft.com/office/drawing/2010/main" xmlns:mc="http://schemas.openxmlformats.org/markup-compatibility/2006" xmlns:p14="http://schemas.microsoft.com/office/powerpoint/2010/main" xmlns:p15="http://schemas.microsoft.com/office/powerpoint/2012/main" xmlns:p159="http://schemas.microsoft.com/office/powerpoint/2015/09/main" xmlns:p="http://schemas.openxmlformats.org/presentationml/2006/main">
-  <p:cSld name="">
+<p:sld xmlns:a="http://schemas.openxmlformats.org/drawingml/2006/main" xmlns:r="http://schemas.openxmlformats.org/officeDocument/2006/relationships" xmlns:p="http://schemas.openxmlformats.org/presentationml/2006/main">
+  <p:cSld>
     <p:bg>
       <p:bgPr>
         <a:solidFill>
@@ -8503,6 +6394,8 @@
         <a:xfrm>
           <a:off x="0" y="0"/>
           <a:ext cx="0" cy="0"/>
+          <a:chOff x="0" y="0"/>
+          <a:chExt cx="0" cy="0"/>
         </a:xfrm>
       </p:grpSpPr>
       <p:sp>
@@ -8708,21 +6601,17 @@
         </p:spPr>
         <p:txBody>
           <a:bodyPr vert="horz" lIns="91440" tIns="45720" rIns="91440" bIns="45720" rtlCol="0" anchor="b">
-            <a:normAutofit fontScale="90000"/>
+            <a:normAutofit/>
           </a:bodyPr>
           <a:lstStyle/>
           <a:p>
             <a:r>
-              <a:rPr lang="es-ES" sz="4000" b="0" i="0" strike="noStrike" cap="none" baseline="0">
+              <a:rPr lang="es-ES" sz="4000">
                 <a:solidFill>
                   <a:srgbClr val="FFFFFF"/>
                 </a:solidFill>
-                <a:effectLst/>
-                <a:latin typeface="Bookman Old Style"/>
-                <a:ea typeface="Bookman Old Style"/>
-                <a:cs typeface="Bookman Old Style"/>
               </a:rPr>
-              <a:t>Canales de distribución: distribuidores</a:t>
+              <a:t>Canales de distribución: Distribuidores</a:t>
             </a:r>
           </a:p>
         </p:txBody>
@@ -8813,14 +6702,10 @@
               </a:lnSpc>
             </a:pPr>
             <a:r>
-              <a:rPr lang="es-ES" sz="1300" b="0" i="0" strike="noStrike" cap="none" baseline="0">
+              <a:rPr lang="es-ES" sz="1300">
                 <a:solidFill>
                   <a:srgbClr val="FFFFFF"/>
                 </a:solidFill>
-                <a:effectLst/>
-                <a:latin typeface="Franklin Gothic Book"/>
-                <a:ea typeface="Franklin Gothic Book"/>
-                <a:cs typeface="Franklin Gothic Book"/>
               </a:rPr>
               <a:t>Rol de los distribuidores</a:t>
             </a:r>
@@ -8832,14 +6717,10 @@
               </a:lnSpc>
             </a:pPr>
             <a:r>
-              <a:rPr lang="es-ES" sz="1300" b="0" i="0" strike="noStrike" cap="none" baseline="0">
+              <a:rPr lang="es-ES" sz="1300">
                 <a:solidFill>
                   <a:srgbClr val="FFFFFF"/>
                 </a:solidFill>
-                <a:effectLst/>
-                <a:latin typeface="Franklin Gothic Book"/>
-                <a:ea typeface="Franklin Gothic Book"/>
-                <a:cs typeface="Franklin Gothic Book"/>
               </a:rPr>
               <a:t>Representar y distribuir productos de té chai</a:t>
             </a:r>
@@ -8851,14 +6732,10 @@
               </a:lnSpc>
             </a:pPr>
             <a:r>
-              <a:rPr lang="es-ES" sz="1300" b="0" i="0" strike="noStrike" cap="none" baseline="0">
+              <a:rPr lang="es-ES" sz="1300">
                 <a:solidFill>
                   <a:srgbClr val="FFFFFF"/>
                 </a:solidFill>
-                <a:effectLst/>
-                <a:latin typeface="Franklin Gothic Book"/>
-                <a:ea typeface="Franklin Gothic Book"/>
-                <a:cs typeface="Franklin Gothic Book"/>
               </a:rPr>
               <a:t>Facilitar el movimiento y la venta en distintos mercados</a:t>
             </a:r>
@@ -8870,14 +6747,10 @@
               </a:lnSpc>
             </a:pPr>
             <a:r>
-              <a:rPr lang="es-ES" sz="1300" b="0" i="0" strike="noStrike" cap="none" baseline="0">
+              <a:rPr lang="es-ES" sz="1300">
                 <a:solidFill>
                   <a:srgbClr val="FFFFFF"/>
                 </a:solidFill>
-                <a:effectLst/>
-                <a:latin typeface="Franklin Gothic Book"/>
-                <a:ea typeface="Franklin Gothic Book"/>
-                <a:cs typeface="Franklin Gothic Book"/>
               </a:rPr>
               <a:t>Ofrecer servicios de marketing, ventas y posventa</a:t>
             </a:r>
@@ -8889,14 +6762,10 @@
               </a:lnSpc>
             </a:pPr>
             <a:r>
-              <a:rPr lang="es-ES" sz="1300" b="0" i="0" strike="noStrike" cap="none" baseline="0">
+              <a:rPr lang="es-ES" sz="1300">
                 <a:solidFill>
                   <a:srgbClr val="FFFFFF"/>
                 </a:solidFill>
-                <a:effectLst/>
-                <a:latin typeface="Franklin Gothic Book"/>
-                <a:ea typeface="Franklin Gothic Book"/>
-                <a:cs typeface="Franklin Gothic Book"/>
               </a:rPr>
               <a:t>Relaciones</a:t>
             </a:r>
@@ -8908,14 +6777,10 @@
               </a:lnSpc>
             </a:pPr>
             <a:r>
-              <a:rPr lang="es-ES" sz="1300" b="0" i="0" strike="noStrike" cap="none" baseline="0">
+              <a:rPr lang="es-ES" sz="1300">
                 <a:solidFill>
                   <a:srgbClr val="FFFFFF"/>
                 </a:solidFill>
-                <a:effectLst/>
-                <a:latin typeface="Franklin Gothic Book"/>
-                <a:ea typeface="Franklin Gothic Book"/>
-                <a:cs typeface="Franklin Gothic Book"/>
               </a:rPr>
               <a:t>Establecer y mantener relaciones con los minoristas y consumidores</a:t>
             </a:r>
@@ -8927,14 +6792,10 @@
               </a:lnSpc>
             </a:pPr>
             <a:r>
-              <a:rPr lang="es-ES" sz="1300" b="0" i="0" strike="noStrike" cap="none" baseline="0">
+              <a:rPr lang="es-ES" sz="1300">
                 <a:solidFill>
                   <a:srgbClr val="FFFFFF"/>
                 </a:solidFill>
-                <a:effectLst/>
-                <a:latin typeface="Franklin Gothic Book"/>
-                <a:ea typeface="Franklin Gothic Book"/>
-                <a:cs typeface="Franklin Gothic Book"/>
               </a:rPr>
               <a:t>Ofrecer asistencia técnica y logística</a:t>
             </a:r>
@@ -8946,14 +6807,10 @@
               </a:lnSpc>
             </a:pPr>
             <a:r>
-              <a:rPr lang="es-ES" sz="1300" b="0" i="0" strike="noStrike" cap="none" baseline="0">
+              <a:rPr lang="es-ES" sz="1300">
                 <a:solidFill>
                   <a:srgbClr val="FFFFFF"/>
                 </a:solidFill>
-                <a:effectLst/>
-                <a:latin typeface="Franklin Gothic Book"/>
-                <a:ea typeface="Franklin Gothic Book"/>
-                <a:cs typeface="Franklin Gothic Book"/>
               </a:rPr>
               <a:t>Principales distribuidores de América Latina</a:t>
             </a:r>
@@ -8965,14 +6822,10 @@
               </a:lnSpc>
             </a:pPr>
             <a:r>
-              <a:rPr lang="es-ES" sz="1300" b="0" i="0" strike="noStrike" cap="none" baseline="0">
+              <a:rPr lang="es-ES" sz="1300">
                 <a:solidFill>
                   <a:srgbClr val="FFFFFF"/>
                 </a:solidFill>
-                <a:effectLst/>
-                <a:latin typeface="Franklin Gothic Book"/>
-                <a:ea typeface="Franklin Gothic Book"/>
-                <a:cs typeface="Franklin Gothic Book"/>
               </a:rPr>
               <a:t>Tailwind Traders</a:t>
             </a:r>
@@ -8984,23 +6837,19 @@
               </a:lnSpc>
             </a:pPr>
             <a:r>
-              <a:rPr lang="es-ES" sz="1300" b="0" i="0" strike="noStrike" cap="none" baseline="0">
+              <a:rPr lang="es-ES" sz="1300">
                 <a:solidFill>
                   <a:srgbClr val="FFFFFF"/>
                 </a:solidFill>
-                <a:effectLst/>
-                <a:latin typeface="Franklin Gothic Book"/>
-                <a:ea typeface="Franklin Gothic Book"/>
-                <a:cs typeface="Franklin Gothic Book"/>
               </a:rPr>
-              <a:t>WoodGrove Groceries</a:t>
+              <a:t>Woodgrove Groceries</a:t>
             </a:r>
           </a:p>
         </p:txBody>
       </p:sp>
       <p:pic>
         <p:nvPicPr>
-          <p:cNvPr id="5" name="Content Placeholder 4" descr="Medicine bottles on shelf">
+          <p:cNvPr id="5" name="Content Placeholder 4" descr="Frascos de medicina sobre un estante">
             <a:extLst>
               <a:ext uri="{FF2B5EF4-FFF2-40B4-BE49-F238E27FC236}">
                 <a16:creationId xmlns:a16="http://schemas.microsoft.com/office/drawing/2014/main" id="{17A78705-6D93-4728-8C80-3B6DDBB09F32}"/>
@@ -9014,12 +6863,10 @@
             <p:ph sz="half" idx="1"/>
           </p:nvPr>
         </p:nvPicPr>
-        <p:blipFill>
+        <p:blipFill rotWithShape="1">
           <a:blip r:embed="rId3"/>
           <a:srcRect l="29134" r="26287" b="-1"/>
-          <a:stretch>
-            <a:fillRect/>
-          </a:stretch>
+          <a:stretch/>
         </p:blipFill>
         <p:spPr>
           <a:xfrm>
@@ -9031,77 +6878,6 @@
           </a:prstGeom>
         </p:spPr>
       </p:pic>
-      <p:sp>
-        <p:nvSpPr>
-          <p:cNvPr id="17" name="TextBox"/>
-          <p:cNvSpPr txBox="1">
-            <a:spLocks noGrp="1" noSelect="1" noRot="1" noMove="1"/>
-          </p:cNvSpPr>
-          <p:nvPr/>
-        </p:nvSpPr>
-        <p:spPr>
-          <a:xfrm>
-            <a:off x="2890520" y="2644140"/>
-            <a:ext cx="6411372" cy="1569660"/>
-          </a:xfrm>
-          <a:prstGeom prst="rect">
-            <a:avLst/>
-          </a:prstGeom>
-          <a:noFill/>
-        </p:spPr>
-        <p:txBody>
-          <a:bodyPr wrap="none" rtlCol="0" anchor="ctr" anchorCtr="1">
-            <a:spAutoFit/>
-          </a:bodyPr>
-          <a:lstStyle>
-            <a:lvl1pPr algn="l">
-              <a:lnSpc>
-                <a:spcPct val="150000"/>
-              </a:lnSpc>
-              <a:spcBef>
-                <a:spcPct val="0"/>
-              </a:spcBef>
-              <a:spcAft>
-                <a:spcPct val="0"/>
-              </a:spcAft>
-              <a:defRPr lang="en-US" sz="3200" b="1" noProof="1" dirty="0">
-                <a:solidFill>
-                  <a:prstClr val="red">
-                    <a:lumOff val="30000"/>
-                    <a:alpha val="40000"/>
-                  </a:prstClr>
-                </a:solidFill>
-                <a:effectLst>
-                  <a:outerShdw blurRad="50800" dist="38100" algn="tr" rotWithShape="0">
-                    <a:prstClr val="black">
-                      <a:alpha val="80000"/>
-                    </a:prstClr>
-                  </a:outerShdw>
-                </a:effectLst>
-                <a:latin typeface="Calibri" pitchFamily="34" charset="0"/>
-              </a:defRPr>
-            </a:lvl1pPr>
-          </a:lstStyle>
-          <a:p>
-            <a:pPr algn="ctr"/>
-            <a:r>
-              <a:t>Evaluation only.</a:t>
-            </a:r>
-          </a:p>
-          <a:p>
-            <a:pPr algn="ctr"/>
-            <a:r>
-              <a:t>Created with Aspose.Slides for Java 23.6.</a:t>
-            </a:r>
-          </a:p>
-          <a:p>
-            <a:pPr algn="ctr"/>
-            <a:r>
-              <a:t>Copyright 2004-2023 Aspose Pty Ltd.</a:t>
-            </a:r>
-          </a:p>
-        </p:txBody>
-      </p:sp>
     </p:spTree>
     <p:extLst>
       <p:ext uri="{BB962C8B-B14F-4D97-AF65-F5344CB8AC3E}">
@@ -9112,14 +6888,12 @@
   <p:clrMapOvr>
     <a:overrideClrMapping bg1="dk1" tx1="lt1" bg2="dk2" tx2="lt2" accent1="accent1" accent2="accent2" accent3="accent3" accent4="accent4" accent5="accent5" accent6="accent6" hlink="hlink" folHlink="folHlink"/>
   </p:clrMapOvr>
-  <p:transition/>
-  <p:timing/>
 </p:sld>
 </file>
 
 <file path=ppt/slides/slide11.xml><?xml version="1.0" encoding="utf-8"?>
-<p:sld xmlns:a="http://schemas.openxmlformats.org/drawingml/2006/main" xmlns:r="http://schemas.openxmlformats.org/officeDocument/2006/relationships" xmlns:m="http://schemas.openxmlformats.org/officeDocument/2006/math" xmlns:w="http://schemas.openxmlformats.org/wordprocessingml/2006/main" xmlns:wp="http://schemas.openxmlformats.org/drawingml/2006/wordprocessingDrawing" xmlns:a14="http://schemas.microsoft.com/office/drawing/2010/main" xmlns:mc="http://schemas.openxmlformats.org/markup-compatibility/2006" xmlns:p14="http://schemas.microsoft.com/office/powerpoint/2010/main" xmlns:p15="http://schemas.microsoft.com/office/powerpoint/2012/main" xmlns:p159="http://schemas.microsoft.com/office/powerpoint/2015/09/main" xmlns:p="http://schemas.openxmlformats.org/presentationml/2006/main">
-  <p:cSld name="">
+<p:sld xmlns:a="http://schemas.openxmlformats.org/drawingml/2006/main" xmlns:r="http://schemas.openxmlformats.org/officeDocument/2006/relationships" xmlns:p="http://schemas.openxmlformats.org/presentationml/2006/main">
+  <p:cSld>
     <p:bg>
       <p:bgPr>
         <a:solidFill>
@@ -9138,6 +6912,8 @@
         <a:xfrm>
           <a:off x="0" y="0"/>
           <a:ext cx="0" cy="0"/>
+          <a:chOff x="0" y="0"/>
+          <a:chExt cx="0" cy="0"/>
         </a:xfrm>
       </p:grpSpPr>
       <p:sp useBgFill="1">
@@ -9181,7 +6957,7 @@
               <a:shade val="50000"/>
             </a:schemeClr>
           </a:lnRef>
-          <a:fillRef idx="4294967295">
+          <a:fillRef idx="1001">
             <a:schemeClr val="lt1"/>
           </a:fillRef>
           <a:effectRef idx="0">
@@ -9291,14 +7067,10 @@
           <a:lstStyle/>
           <a:p>
             <a:r>
-              <a:rPr lang="es-ES" sz="4400" b="0" i="0" strike="noStrike" cap="none" baseline="0">
+              <a:rPr lang="es-ES" sz="4400">
                 <a:solidFill>
                   <a:srgbClr val="FFFFFF"/>
                 </a:solidFill>
-                <a:effectLst/>
-                <a:latin typeface="Bookman Old Style"/>
-                <a:ea typeface="Bookman Old Style"/>
-                <a:cs typeface="Bookman Old Style"/>
               </a:rPr>
               <a:t>Plan y estrategia de promoción</a:t>
             </a:r>
@@ -9324,12 +7096,12 @@
         <p:spPr>
           <a:xfrm>
             <a:off x="5231958" y="605896"/>
-            <a:ext cx="5923721" cy="5646208"/>
+            <a:ext cx="6175344" cy="5646208"/>
           </a:xfrm>
         </p:spPr>
         <p:txBody>
           <a:bodyPr anchor="ctr">
-            <a:normAutofit lnSpcReduction="20000"/>
+            <a:normAutofit lnSpcReduction="10000"/>
           </a:bodyPr>
           <a:lstStyle/>
           <a:p>
@@ -9339,15 +7111,7 @@
               </a:lnSpc>
             </a:pPr>
             <a:r>
-              <a:rPr lang="es-ES" sz="1700" b="0" i="0" strike="noStrike" cap="none" baseline="0">
-                <a:solidFill>
-                  <a:srgbClr val="404040"/>
-                </a:solidFill>
-                <a:effectLst/>
-                <a:latin typeface="Franklin Gothic Book"/>
-                <a:ea typeface="Franklin Gothic Book"/>
-                <a:cs typeface="Franklin Gothic Book"/>
-              </a:rPr>
+              <a:rPr lang="es-ES" sz="1700" dirty="0"/>
               <a:t>Objetivos del plan y estrategia de promoción</a:t>
             </a:r>
           </a:p>
@@ -9358,15 +7122,7 @@
               </a:lnSpc>
             </a:pPr>
             <a:r>
-              <a:rPr lang="es-ES" sz="1700" b="0" i="0" strike="noStrike" cap="none" baseline="0">
-                <a:solidFill>
-                  <a:srgbClr val="404040"/>
-                </a:solidFill>
-                <a:effectLst/>
-                <a:latin typeface="Franklin Gothic Book"/>
-                <a:ea typeface="Franklin Gothic Book"/>
-                <a:cs typeface="Franklin Gothic Book"/>
-              </a:rPr>
+              <a:rPr lang="es-ES" sz="1700" dirty="0"/>
               <a:t>Incrementar el conocimiento y el interés por el té chai en el público objetivo</a:t>
             </a:r>
           </a:p>
@@ -9377,15 +7133,7 @@
               </a:lnSpc>
             </a:pPr>
             <a:r>
-              <a:rPr lang="es-ES" sz="1700" b="0" i="0" strike="noStrike" cap="none" baseline="0">
-                <a:solidFill>
-                  <a:srgbClr val="404040"/>
-                </a:solidFill>
-                <a:effectLst/>
-                <a:latin typeface="Franklin Gothic Book"/>
-                <a:ea typeface="Franklin Gothic Book"/>
-                <a:cs typeface="Franklin Gothic Book"/>
-              </a:rPr>
+              <a:rPr lang="es-ES" sz="1700" dirty="0"/>
               <a:t>Posicionar al té chai como un producto premium, natural y saludable</a:t>
             </a:r>
           </a:p>
@@ -9396,15 +7144,7 @@
               </a:lnSpc>
             </a:pPr>
             <a:r>
-              <a:rPr lang="es-ES" sz="1700" b="0" i="0" strike="noStrike" cap="none" baseline="0">
-                <a:solidFill>
-                  <a:srgbClr val="404040"/>
-                </a:solidFill>
-                <a:effectLst/>
-                <a:latin typeface="Franklin Gothic Book"/>
-                <a:ea typeface="Franklin Gothic Book"/>
-                <a:cs typeface="Franklin Gothic Book"/>
-              </a:rPr>
+              <a:rPr lang="es-ES" sz="1700" dirty="0"/>
               <a:t>Fomentar la prueba y compra de té chai mediante diversos canales e incentivos</a:t>
             </a:r>
           </a:p>
@@ -9415,15 +7155,7 @@
               </a:lnSpc>
             </a:pPr>
             <a:r>
-              <a:rPr lang="es-ES" sz="1700" b="0" i="0" strike="noStrike" cap="none" baseline="0">
-                <a:solidFill>
-                  <a:srgbClr val="404040"/>
-                </a:solidFill>
-                <a:effectLst/>
-                <a:latin typeface="Franklin Gothic Book"/>
-                <a:ea typeface="Franklin Gothic Book"/>
-                <a:cs typeface="Franklin Gothic Book"/>
-              </a:rPr>
+              <a:rPr lang="es-ES" sz="1700" dirty="0"/>
               <a:t>Desarrollar la fidelidad y la retención entre los consumidores de té chai</a:t>
             </a:r>
           </a:p>
@@ -9434,15 +7166,7 @@
               </a:lnSpc>
             </a:pPr>
             <a:r>
-              <a:rPr lang="es-ES" sz="1700" b="0" i="0" strike="noStrike" cap="none" baseline="0">
-                <a:solidFill>
-                  <a:srgbClr val="404040"/>
-                </a:solidFill>
-                <a:effectLst/>
-                <a:latin typeface="Franklin Gothic Book"/>
-                <a:ea typeface="Franklin Gothic Book"/>
-                <a:cs typeface="Franklin Gothic Book"/>
-              </a:rPr>
+              <a:rPr lang="es-ES" sz="1700" dirty="0"/>
               <a:t>Tácticas que se han utilizado en el plan y estrategia de promoción</a:t>
             </a:r>
           </a:p>
@@ -9453,15 +7177,7 @@
               </a:lnSpc>
             </a:pPr>
             <a:r>
-              <a:rPr lang="es-ES" sz="1700" b="0" i="0" strike="noStrike" cap="none" baseline="0">
-                <a:solidFill>
-                  <a:srgbClr val="404040"/>
-                </a:solidFill>
-                <a:effectLst/>
-                <a:latin typeface="Franklin Gothic Book"/>
-                <a:ea typeface="Franklin Gothic Book"/>
-                <a:cs typeface="Franklin Gothic Book"/>
-              </a:rPr>
+              <a:rPr lang="es-ES" sz="1700" dirty="0"/>
               <a:t>Crear un nombre de marca y logotipo pegadizos y fáciles de recordar para el té chai</a:t>
             </a:r>
           </a:p>
@@ -9472,15 +7188,7 @@
               </a:lnSpc>
             </a:pPr>
             <a:r>
-              <a:rPr lang="es-ES" sz="1700" b="0" i="0" strike="noStrike" cap="none" baseline="0">
-                <a:solidFill>
-                  <a:srgbClr val="404040"/>
-                </a:solidFill>
-                <a:effectLst/>
-                <a:latin typeface="Franklin Gothic Book"/>
-                <a:ea typeface="Franklin Gothic Book"/>
-                <a:cs typeface="Franklin Gothic Book"/>
-              </a:rPr>
+              <a:rPr lang="es-ES" sz="1700" dirty="0"/>
               <a:t>Desarrollar un sitio web y presencia en redes sociales para el té chai</a:t>
             </a:r>
           </a:p>
@@ -9491,15 +7199,7 @@
               </a:lnSpc>
             </a:pPr>
             <a:r>
-              <a:rPr lang="es-ES" sz="1700" b="0" i="0" strike="noStrike" cap="none" baseline="0">
-                <a:solidFill>
-                  <a:srgbClr val="404040"/>
-                </a:solidFill>
-                <a:effectLst/>
-                <a:latin typeface="Franklin Gothic Book"/>
-                <a:ea typeface="Franklin Gothic Book"/>
-                <a:cs typeface="Franklin Gothic Book"/>
-              </a:rPr>
+              <a:rPr lang="es-ES" sz="1700" dirty="0"/>
               <a:t>Iniciar una campaña de marketing digital</a:t>
             </a:r>
           </a:p>
@@ -9510,15 +7210,7 @@
               </a:lnSpc>
             </a:pPr>
             <a:r>
-              <a:rPr lang="es-ES" sz="1700" b="0" i="0" strike="noStrike" cap="none" baseline="0">
-                <a:solidFill>
-                  <a:srgbClr val="404040"/>
-                </a:solidFill>
-                <a:effectLst/>
-                <a:latin typeface="Franklin Gothic Book"/>
-                <a:ea typeface="Franklin Gothic Book"/>
-                <a:cs typeface="Franklin Gothic Book"/>
-              </a:rPr>
+              <a:rPr lang="es-ES" sz="1700" dirty="0"/>
               <a:t>Distribuir muestras gratis y cupones de té chai</a:t>
             </a:r>
           </a:p>
@@ -9529,15 +7221,7 @@
               </a:lnSpc>
             </a:pPr>
             <a:r>
-              <a:rPr lang="es-ES" sz="1700" b="0" i="0" strike="noStrike" cap="none" baseline="0">
-                <a:solidFill>
-                  <a:srgbClr val="404040"/>
-                </a:solidFill>
-                <a:effectLst/>
-                <a:latin typeface="Franklin Gothic Book"/>
-                <a:ea typeface="Franklin Gothic Book"/>
-                <a:cs typeface="Franklin Gothic Book"/>
-              </a:rPr>
+              <a:rPr lang="es-ES" sz="1700" dirty="0"/>
               <a:t>Organizar eventos y concursos</a:t>
             </a:r>
           </a:p>
@@ -9548,87 +7232,8 @@
               </a:lnSpc>
             </a:pPr>
             <a:r>
-              <a:rPr lang="es-ES" sz="1700" b="0" i="0" strike="noStrike" cap="none" baseline="0">
-                <a:solidFill>
-                  <a:srgbClr val="404040"/>
-                </a:solidFill>
-                <a:effectLst/>
-                <a:latin typeface="Franklin Gothic Book"/>
-                <a:ea typeface="Franklin Gothic Book"/>
-                <a:cs typeface="Franklin Gothic Book"/>
-              </a:rPr>
+              <a:rPr lang="es-ES" sz="1700" dirty="0"/>
               <a:t>Implementación y evaluación del plan y la estrategia de promoción</a:t>
-            </a:r>
-          </a:p>
-        </p:txBody>
-      </p:sp>
-      <p:sp>
-        <p:nvSpPr>
-          <p:cNvPr id="11" name="TextBox"/>
-          <p:cNvSpPr txBox="1">
-            <a:spLocks noGrp="1" noSelect="1" noRot="1" noMove="1"/>
-          </p:cNvSpPr>
-          <p:nvPr/>
-        </p:nvSpPr>
-        <p:spPr>
-          <a:xfrm>
-            <a:off x="2890520" y="2644140"/>
-            <a:ext cx="6411372" cy="1569660"/>
-          </a:xfrm>
-          <a:prstGeom prst="rect">
-            <a:avLst/>
-          </a:prstGeom>
-          <a:noFill/>
-        </p:spPr>
-        <p:txBody>
-          <a:bodyPr wrap="none" rtlCol="0" anchor="ctr" anchorCtr="1">
-            <a:spAutoFit/>
-          </a:bodyPr>
-          <a:lstStyle>
-            <a:lvl1pPr algn="l">
-              <a:lnSpc>
-                <a:spcPct val="150000"/>
-              </a:lnSpc>
-              <a:spcBef>
-                <a:spcPct val="0"/>
-              </a:spcBef>
-              <a:spcAft>
-                <a:spcPct val="0"/>
-              </a:spcAft>
-              <a:defRPr lang="en-US" sz="3200" b="1" noProof="1" dirty="0">
-                <a:solidFill>
-                  <a:prstClr val="red">
-                    <a:lumOff val="30000"/>
-                    <a:alpha val="40000"/>
-                  </a:prstClr>
-                </a:solidFill>
-                <a:effectLst>
-                  <a:outerShdw blurRad="50800" dist="38100" algn="tr" rotWithShape="0">
-                    <a:prstClr val="black">
-                      <a:alpha val="80000"/>
-                    </a:prstClr>
-                  </a:outerShdw>
-                </a:effectLst>
-                <a:latin typeface="Calibri" pitchFamily="34" charset="0"/>
-              </a:defRPr>
-            </a:lvl1pPr>
-          </a:lstStyle>
-          <a:p>
-            <a:pPr algn="ctr"/>
-            <a:r>
-              <a:t>Evaluation only.</a:t>
-            </a:r>
-          </a:p>
-          <a:p>
-            <a:pPr algn="ctr"/>
-            <a:r>
-              <a:t>Created with Aspose.Slides for Java 23.6.</a:t>
-            </a:r>
-          </a:p>
-          <a:p>
-            <a:pPr algn="ctr"/>
-            <a:r>
-              <a:t>Copyright 2004-2023 Aspose Pty Ltd.</a:t>
             </a:r>
           </a:p>
         </p:txBody>
@@ -9643,14 +7248,12 @@
   <p:clrMapOvr>
     <a:masterClrMapping/>
   </p:clrMapOvr>
-  <p:transition/>
-  <p:timing/>
 </p:sld>
 </file>
 
 <file path=ppt/slides/slide12.xml><?xml version="1.0" encoding="utf-8"?>
-<p:sld xmlns:a="http://schemas.openxmlformats.org/drawingml/2006/main" xmlns:r="http://schemas.openxmlformats.org/officeDocument/2006/relationships" xmlns:m="http://schemas.openxmlformats.org/officeDocument/2006/math" xmlns:w="http://schemas.openxmlformats.org/wordprocessingml/2006/main" xmlns:wp="http://schemas.openxmlformats.org/drawingml/2006/wordprocessingDrawing" xmlns:a14="http://schemas.microsoft.com/office/drawing/2010/main" xmlns:mc="http://schemas.openxmlformats.org/markup-compatibility/2006" xmlns:p14="http://schemas.microsoft.com/office/powerpoint/2010/main" xmlns:p15="http://schemas.microsoft.com/office/powerpoint/2012/main" xmlns:p159="http://schemas.microsoft.com/office/powerpoint/2015/09/main" xmlns:p="http://schemas.openxmlformats.org/presentationml/2006/main">
-  <p:cSld name="">
+<p:sld xmlns:a="http://schemas.openxmlformats.org/drawingml/2006/main" xmlns:r="http://schemas.openxmlformats.org/officeDocument/2006/relationships" xmlns:p="http://schemas.openxmlformats.org/presentationml/2006/main">
+  <p:cSld>
     <p:bg>
       <p:bgPr>
         <a:solidFill>
@@ -9669,6 +7272,8 @@
         <a:xfrm>
           <a:off x="0" y="0"/>
           <a:ext cx="0" cy="0"/>
+          <a:chOff x="0" y="0"/>
+          <a:chExt cx="0" cy="0"/>
         </a:xfrm>
       </p:grpSpPr>
       <p:sp>
@@ -9872,28 +7477,20 @@
         </p:spPr>
         <p:txBody>
           <a:bodyPr vert="horz" lIns="91440" tIns="45720" rIns="91440" bIns="45720" rtlCol="0" anchor="b">
-            <a:normAutofit/>
+            <a:normAutofit fontScale="90000"/>
           </a:bodyPr>
           <a:lstStyle/>
           <a:p>
             <a:r>
-              <a:rPr lang="es-ES" sz="3100" b="0" i="0" strike="noStrike" cap="none" baseline="0">
-                <a:solidFill>
-                  <a:srgbClr val="404040"/>
-                </a:solidFill>
-                <a:effectLst/>
-                <a:latin typeface="Bookman Old Style"/>
-                <a:ea typeface="Bookman Old Style"/>
-                <a:cs typeface="Bookman Old Style"/>
-              </a:rPr>
-              <a:t>Resultados esperados y desafíos: resultados esperados</a:t>
+              <a:rPr lang="es-ES" sz="3400"/>
+              <a:t>Resultados y desafíos que se esperan: Resultados que se esperan</a:t>
             </a:r>
           </a:p>
         </p:txBody>
       </p:sp>
       <p:pic>
         <p:nvPicPr>
-          <p:cNvPr id="5" name="Content Placeholder 4" descr="Tea being poured into a mug with a ceramic pot - black background">
+          <p:cNvPr id="5" name="Content Placeholder 4" descr="Té que se sirve en una taza con una tetera de cerámica, sobre un fondo negro.">
             <a:extLst>
               <a:ext uri="{FF2B5EF4-FFF2-40B4-BE49-F238E27FC236}">
                 <a16:creationId xmlns:a16="http://schemas.microsoft.com/office/drawing/2014/main" id="{FD4F758D-569A-4658-9C5B-1CC2B977D553}"/>
@@ -9907,12 +7504,10 @@
             <p:ph sz="half" idx="1"/>
           </p:nvPr>
         </p:nvPicPr>
-        <p:blipFill>
+        <p:blipFill rotWithShape="1">
           <a:blip r:embed="rId3"/>
           <a:srcRect l="20033" r="11470"/>
-          <a:stretch>
-            <a:fillRect/>
-          </a:stretch>
+          <a:stretch/>
         </p:blipFill>
         <p:spPr>
           <a:xfrm>
@@ -10008,129 +7603,26 @@
           <a:lstStyle/>
           <a:p>
             <a:r>
-              <a:rPr lang="es-ES" sz="1900" b="0" i="0" strike="noStrike" cap="none" baseline="0">
-                <a:solidFill>
-                  <a:srgbClr val="404040"/>
-                </a:solidFill>
-                <a:effectLst/>
-                <a:latin typeface="Franklin Gothic Book"/>
-                <a:ea typeface="Franklin Gothic Book"/>
-                <a:cs typeface="Franklin Gothic Book"/>
-              </a:rPr>
-              <a:t>Un aumento del 20 % en el conocimiento y el interés por el té chai en el público objetivo</a:t>
-            </a:r>
-          </a:p>
-          <a:p>
-            <a:r>
-              <a:rPr lang="es-ES" sz="1900" b="0" i="0" strike="noStrike" cap="none" baseline="0">
-                <a:solidFill>
-                  <a:srgbClr val="404040"/>
-                </a:solidFill>
-                <a:effectLst/>
-                <a:latin typeface="Franklin Gothic Book"/>
-                <a:ea typeface="Franklin Gothic Book"/>
-                <a:cs typeface="Franklin Gothic Book"/>
-              </a:rPr>
-              <a:t>Un aumento del 10 % en la cuota de mercado del té chai en la región</a:t>
-            </a:r>
-          </a:p>
-          <a:p>
-            <a:r>
-              <a:rPr lang="es-ES" sz="1900" b="0" i="0" strike="noStrike" cap="none" baseline="0">
-                <a:solidFill>
-                  <a:srgbClr val="404040"/>
-                </a:solidFill>
-                <a:effectLst/>
-                <a:latin typeface="Franklin Gothic Book"/>
-                <a:ea typeface="Franklin Gothic Book"/>
-                <a:cs typeface="Franklin Gothic Book"/>
-              </a:rPr>
-              <a:t>Un aumento del 15 % en el volumen de ventas y los ingresos del té chai en la región</a:t>
-            </a:r>
-          </a:p>
-          <a:p>
-            <a:r>
-              <a:rPr lang="es-ES" sz="1900" b="0" i="0" strike="noStrike" cap="none" baseline="0">
-                <a:solidFill>
-                  <a:srgbClr val="404040"/>
-                </a:solidFill>
-                <a:effectLst/>
-                <a:latin typeface="Franklin Gothic Book"/>
-                <a:ea typeface="Franklin Gothic Book"/>
-                <a:cs typeface="Franklin Gothic Book"/>
-              </a:rPr>
-              <a:t>Un aumento del 25 % en la satisfacción del cliente y las tasas de retención del té chai en la región</a:t>
-            </a:r>
-          </a:p>
-        </p:txBody>
-      </p:sp>
-      <p:sp>
-        <p:nvSpPr>
-          <p:cNvPr id="17" name="TextBox"/>
-          <p:cNvSpPr txBox="1">
-            <a:spLocks noGrp="1" noSelect="1" noRot="1" noMove="1"/>
-          </p:cNvSpPr>
-          <p:nvPr/>
-        </p:nvSpPr>
-        <p:spPr>
-          <a:xfrm>
-            <a:off x="2890520" y="2644140"/>
-            <a:ext cx="6411372" cy="1569660"/>
-          </a:xfrm>
-          <a:prstGeom prst="rect">
-            <a:avLst/>
-          </a:prstGeom>
-          <a:noFill/>
-        </p:spPr>
-        <p:txBody>
-          <a:bodyPr wrap="none" rtlCol="0" anchor="ctr" anchorCtr="1">
-            <a:spAutoFit/>
-          </a:bodyPr>
-          <a:lstStyle>
-            <a:lvl1pPr algn="l">
-              <a:lnSpc>
-                <a:spcPct val="150000"/>
-              </a:lnSpc>
-              <a:spcBef>
-                <a:spcPct val="0"/>
-              </a:spcBef>
-              <a:spcAft>
-                <a:spcPct val="0"/>
-              </a:spcAft>
-              <a:defRPr lang="en-US" sz="3200" b="1" noProof="1" dirty="0">
-                <a:solidFill>
-                  <a:prstClr val="red">
-                    <a:lumOff val="30000"/>
-                    <a:alpha val="40000"/>
-                  </a:prstClr>
-                </a:solidFill>
-                <a:effectLst>
-                  <a:outerShdw blurRad="50800" dist="38100" algn="tr" rotWithShape="0">
-                    <a:prstClr val="black">
-                      <a:alpha val="80000"/>
-                    </a:prstClr>
-                  </a:outerShdw>
-                </a:effectLst>
-                <a:latin typeface="Calibri" pitchFamily="34" charset="0"/>
-              </a:defRPr>
-            </a:lvl1pPr>
-          </a:lstStyle>
-          <a:p>
-            <a:pPr algn="ctr"/>
-            <a:r>
-              <a:t>Evaluation only.</a:t>
-            </a:r>
-          </a:p>
-          <a:p>
-            <a:pPr algn="ctr"/>
-            <a:r>
-              <a:t>Created with Aspose.Slides for Java 23.6.</a:t>
-            </a:r>
-          </a:p>
-          <a:p>
-            <a:pPr algn="ctr"/>
-            <a:r>
-              <a:t>Copyright 2004-2023 Aspose Pty Ltd.</a:t>
+              <a:rPr lang="es-ES"/>
+              <a:t>Un aumento del 20 % en el conocimiento y el interés por el té chai en el público objetivo</a:t>
+            </a:r>
+          </a:p>
+          <a:p>
+            <a:r>
+              <a:rPr lang="es-ES"/>
+              <a:t>Un aumento del 10 % en la cuota de mercado del té chai en la región</a:t>
+            </a:r>
+          </a:p>
+          <a:p>
+            <a:r>
+              <a:rPr lang="es-ES"/>
+              <a:t>Un aumento del 15 % en el volumen de ventas y los ingresos del té chai en la región</a:t>
+            </a:r>
+          </a:p>
+          <a:p>
+            <a:r>
+              <a:rPr lang="es-ES"/>
+              <a:t>Un aumento del 25 % en la satisfacción del cliente y las tasas de retención del té chai en la región</a:t>
             </a:r>
           </a:p>
         </p:txBody>
@@ -10145,14 +7637,12 @@
   <p:clrMapOvr>
     <a:masterClrMapping/>
   </p:clrMapOvr>
-  <p:transition/>
-  <p:timing/>
 </p:sld>
 </file>
 
 <file path=ppt/slides/slide13.xml><?xml version="1.0" encoding="utf-8"?>
-<p:sld xmlns:a="http://schemas.openxmlformats.org/drawingml/2006/main" xmlns:r="http://schemas.openxmlformats.org/officeDocument/2006/relationships" xmlns:m="http://schemas.openxmlformats.org/officeDocument/2006/math" xmlns:w="http://schemas.openxmlformats.org/wordprocessingml/2006/main" xmlns:wp="http://schemas.openxmlformats.org/drawingml/2006/wordprocessingDrawing" xmlns:a14="http://schemas.microsoft.com/office/drawing/2010/main" xmlns:mc="http://schemas.openxmlformats.org/markup-compatibility/2006" xmlns:p14="http://schemas.microsoft.com/office/powerpoint/2010/main" xmlns:p15="http://schemas.microsoft.com/office/powerpoint/2012/main" xmlns:p159="http://schemas.microsoft.com/office/powerpoint/2015/09/main" xmlns:p="http://schemas.openxmlformats.org/presentationml/2006/main">
-  <p:cSld name="">
+<p:sld xmlns:a="http://schemas.openxmlformats.org/drawingml/2006/main" xmlns:r="http://schemas.openxmlformats.org/officeDocument/2006/relationships" xmlns:p="http://schemas.openxmlformats.org/presentationml/2006/main">
+  <p:cSld>
     <p:bg>
       <p:bgPr>
         <a:solidFill>
@@ -10171,6 +7661,8 @@
         <a:xfrm>
           <a:off x="0" y="0"/>
           <a:ext cx="0" cy="0"/>
+          <a:chOff x="0" y="0"/>
+          <a:chExt cx="0" cy="0"/>
         </a:xfrm>
       </p:grpSpPr>
       <p:sp useBgFill="1">
@@ -10214,7 +7706,7 @@
               <a:shade val="50000"/>
             </a:schemeClr>
           </a:lnRef>
-          <a:fillRef idx="4294967295">
+          <a:fillRef idx="1001">
             <a:schemeClr val="lt1"/>
           </a:fillRef>
           <a:effectRef idx="0">
@@ -10324,16 +7816,12 @@
           <a:lstStyle/>
           <a:p>
             <a:r>
-              <a:rPr lang="es-ES" sz="4400" b="0" i="0" strike="noStrike" cap="none" baseline="0">
+              <a:rPr lang="es-ES" sz="4400">
                 <a:solidFill>
                   <a:srgbClr val="FFFFFF"/>
                 </a:solidFill>
-                <a:effectLst/>
-                <a:latin typeface="Bookman Old Style"/>
-                <a:ea typeface="Bookman Old Style"/>
-                <a:cs typeface="Bookman Old Style"/>
               </a:rPr>
-              <a:t>Resultados esperados y desafíos: posibles desafíos</a:t>
+              <a:t>Resultados y desafíos que se esperan: Desafíos potenciales</a:t>
             </a:r>
           </a:p>
         </p:txBody>
@@ -10362,148 +7850,37 @@
         </p:spPr>
         <p:txBody>
           <a:bodyPr anchor="ctr">
-            <a:normAutofit fontScale="97500" lnSpcReduction="10000"/>
+            <a:normAutofit/>
           </a:bodyPr>
           <a:lstStyle/>
           <a:p>
             <a:r>
-              <a:rPr lang="es-ES" sz="2400" b="0" i="0" strike="noStrike" cap="none" baseline="0">
-                <a:solidFill>
-                  <a:srgbClr val="404040"/>
-                </a:solidFill>
-                <a:effectLst/>
-                <a:latin typeface="Franklin Gothic Book"/>
-                <a:ea typeface="Franklin Gothic Book"/>
-                <a:cs typeface="Franklin Gothic Book"/>
-              </a:rPr>
+              <a:rPr lang="es-ES" sz="2400"/>
               <a:t>Elevado precio y baja asequibilidad de los productos de té chai en comparación con otras bebidas</a:t>
             </a:r>
           </a:p>
           <a:p>
             <a:r>
-              <a:rPr lang="es-ES" sz="2400" b="0" i="0" strike="noStrike" cap="none" baseline="0">
-                <a:solidFill>
-                  <a:srgbClr val="404040"/>
-                </a:solidFill>
-                <a:effectLst/>
-                <a:latin typeface="Franklin Gothic Book"/>
-                <a:ea typeface="Franklin Gothic Book"/>
-                <a:cs typeface="Franklin Gothic Book"/>
-              </a:rPr>
+              <a:rPr lang="es-ES" sz="2400"/>
               <a:t>Falta de conocimiento y familiaridad con el té chai en algunos segmentos de la población</a:t>
             </a:r>
           </a:p>
           <a:p>
             <a:r>
-              <a:rPr lang="es-ES" sz="2400" b="0" i="0" strike="noStrike" cap="none" baseline="0">
-                <a:solidFill>
-                  <a:srgbClr val="404040"/>
-                </a:solidFill>
-                <a:effectLst/>
-                <a:latin typeface="Franklin Gothic Book"/>
-                <a:ea typeface="Franklin Gothic Book"/>
-                <a:cs typeface="Franklin Gothic Book"/>
-              </a:rPr>
+              <a:rPr lang="es-ES" sz="2400"/>
               <a:t>Competencia de otros productos de té, como tés de hierbas, verdes y negros</a:t>
             </a:r>
           </a:p>
           <a:p>
             <a:r>
-              <a:rPr lang="es-ES" sz="2400" b="0" i="0" strike="noStrike" cap="none" baseline="0">
-                <a:solidFill>
-                  <a:srgbClr val="404040"/>
-                </a:solidFill>
-                <a:effectLst/>
-                <a:latin typeface="Franklin Gothic Book"/>
-                <a:ea typeface="Franklin Gothic Book"/>
-                <a:cs typeface="Franklin Gothic Book"/>
-              </a:rPr>
+              <a:rPr lang="es-ES" sz="2400"/>
               <a:t>Barreras normativas y culturales que pueden limitar la entrada y expansión de los productos de té chai en algunos países</a:t>
             </a:r>
           </a:p>
           <a:p>
             <a:r>
-              <a:rPr lang="es-ES" sz="2400" b="0" i="0" strike="noStrike" cap="none" baseline="0">
-                <a:solidFill>
-                  <a:srgbClr val="404040"/>
-                </a:solidFill>
-                <a:effectLst/>
-                <a:latin typeface="Franklin Gothic Book"/>
-                <a:ea typeface="Franklin Gothic Book"/>
-                <a:cs typeface="Franklin Gothic Book"/>
-              </a:rPr>
+              <a:rPr lang="es-ES" sz="2400"/>
               <a:t>Problemas medioambientales y sociales que pueden afectar al suministro y a la calidad de los ingredientes del té chai</a:t>
-            </a:r>
-          </a:p>
-        </p:txBody>
-      </p:sp>
-      <p:sp>
-        <p:nvSpPr>
-          <p:cNvPr id="11" name="TextBox"/>
-          <p:cNvSpPr txBox="1">
-            <a:spLocks noGrp="1" noSelect="1" noRot="1" noMove="1"/>
-          </p:cNvSpPr>
-          <p:nvPr/>
-        </p:nvSpPr>
-        <p:spPr>
-          <a:xfrm>
-            <a:off x="2890520" y="2644140"/>
-            <a:ext cx="6411372" cy="1569660"/>
-          </a:xfrm>
-          <a:prstGeom prst="rect">
-            <a:avLst/>
-          </a:prstGeom>
-          <a:noFill/>
-        </p:spPr>
-        <p:txBody>
-          <a:bodyPr wrap="none" rtlCol="0" anchor="ctr" anchorCtr="1">
-            <a:spAutoFit/>
-          </a:bodyPr>
-          <a:lstStyle>
-            <a:lvl1pPr algn="l">
-              <a:lnSpc>
-                <a:spcPct val="150000"/>
-              </a:lnSpc>
-              <a:spcBef>
-                <a:spcPct val="0"/>
-              </a:spcBef>
-              <a:spcAft>
-                <a:spcPct val="0"/>
-              </a:spcAft>
-              <a:defRPr lang="en-US" sz="3200" b="1" noProof="1" dirty="0">
-                <a:solidFill>
-                  <a:prstClr val="red">
-                    <a:lumOff val="30000"/>
-                    <a:alpha val="40000"/>
-                  </a:prstClr>
-                </a:solidFill>
-                <a:effectLst>
-                  <a:outerShdw blurRad="50800" dist="38100" algn="tr" rotWithShape="0">
-                    <a:prstClr val="black">
-                      <a:alpha val="80000"/>
-                    </a:prstClr>
-                  </a:outerShdw>
-                </a:effectLst>
-                <a:latin typeface="Calibri" pitchFamily="34" charset="0"/>
-              </a:defRPr>
-            </a:lvl1pPr>
-          </a:lstStyle>
-          <a:p>
-            <a:pPr algn="ctr"/>
-            <a:r>
-              <a:t>Evaluation only.</a:t>
-            </a:r>
-          </a:p>
-          <a:p>
-            <a:pPr algn="ctr"/>
-            <a:r>
-              <a:t>Created with Aspose.Slides for Java 23.6.</a:t>
-            </a:r>
-          </a:p>
-          <a:p>
-            <a:pPr algn="ctr"/>
-            <a:r>
-              <a:t>Copyright 2004-2023 Aspose Pty Ltd.</a:t>
             </a:r>
           </a:p>
         </p:txBody>
@@ -10518,14 +7895,12 @@
   <p:clrMapOvr>
     <a:masterClrMapping/>
   </p:clrMapOvr>
-  <p:transition/>
-  <p:timing/>
 </p:sld>
 </file>
 
 <file path=ppt/slides/slide14.xml><?xml version="1.0" encoding="utf-8"?>
-<p:sld xmlns:a="http://schemas.openxmlformats.org/drawingml/2006/main" xmlns:r="http://schemas.openxmlformats.org/officeDocument/2006/relationships" xmlns:m="http://schemas.openxmlformats.org/officeDocument/2006/math" xmlns:w="http://schemas.openxmlformats.org/wordprocessingml/2006/main" xmlns:wp="http://schemas.openxmlformats.org/drawingml/2006/wordprocessingDrawing" xmlns:a14="http://schemas.microsoft.com/office/drawing/2010/main" xmlns:mc="http://schemas.openxmlformats.org/markup-compatibility/2006" xmlns:p14="http://schemas.microsoft.com/office/powerpoint/2010/main" xmlns:p15="http://schemas.microsoft.com/office/powerpoint/2012/main" xmlns:p159="http://schemas.microsoft.com/office/powerpoint/2015/09/main" xmlns:p="http://schemas.openxmlformats.org/presentationml/2006/main">
-  <p:cSld name="">
+<p:sld xmlns:a="http://schemas.openxmlformats.org/drawingml/2006/main" xmlns:r="http://schemas.openxmlformats.org/officeDocument/2006/relationships" xmlns:p="http://schemas.openxmlformats.org/presentationml/2006/main">
+  <p:cSld>
     <p:bg>
       <p:bgPr>
         <a:solidFill>
@@ -10544,6 +7919,8 @@
         <a:xfrm>
           <a:off x="0" y="0"/>
           <a:ext cx="0" cy="0"/>
+          <a:chOff x="0" y="0"/>
+          <a:chExt cx="0" cy="0"/>
         </a:xfrm>
       </p:grpSpPr>
       <p:sp useBgFill="1">
@@ -10587,7 +7964,7 @@
               <a:shade val="50000"/>
             </a:schemeClr>
           </a:lnRef>
-          <a:fillRef idx="4294967295">
+          <a:fillRef idx="1001">
             <a:schemeClr val="lt1"/>
           </a:fillRef>
           <a:effectRef idx="0">
@@ -10697,14 +8074,10 @@
           <a:lstStyle/>
           <a:p>
             <a:r>
-              <a:rPr lang="es-ES" sz="3700" b="0" i="0" strike="noStrike" cap="none" baseline="0">
+              <a:rPr lang="es-ES" sz="3700">
                 <a:solidFill>
                   <a:srgbClr val="FFFFFF"/>
                 </a:solidFill>
-                <a:effectLst/>
-                <a:latin typeface="Bookman Old Style"/>
-                <a:ea typeface="Bookman Old Style"/>
-                <a:cs typeface="Bookman Old Style"/>
               </a:rPr>
               <a:t>Recomendaciones y conclusiones</a:t>
             </a:r>
@@ -10735,7 +8108,7 @@
         </p:spPr>
         <p:txBody>
           <a:bodyPr anchor="ctr">
-            <a:normAutofit lnSpcReduction="10000"/>
+            <a:normAutofit/>
           </a:bodyPr>
           <a:lstStyle/>
           <a:p>
@@ -10745,15 +8118,7 @@
               </a:lnSpc>
             </a:pPr>
             <a:r>
-              <a:rPr lang="es-ES" sz="1900" b="0" i="0" strike="noStrike" cap="none" baseline="0">
-                <a:solidFill>
-                  <a:srgbClr val="404040"/>
-                </a:solidFill>
-                <a:effectLst/>
-                <a:latin typeface="Franklin Gothic Book"/>
-                <a:ea typeface="Franklin Gothic Book"/>
-                <a:cs typeface="Franklin Gothic Book"/>
-              </a:rPr>
+              <a:rPr lang="es-ES" sz="1900"/>
               <a:t>El té chai es un producto prometedor con potencial para crecer en el mercado de América Latina</a:t>
             </a:r>
           </a:p>
@@ -10764,15 +8129,7 @@
               </a:lnSpc>
             </a:pPr>
             <a:r>
-              <a:rPr lang="es-ES" sz="1900" b="0" i="0" strike="noStrike" cap="none" baseline="0">
-                <a:solidFill>
-                  <a:srgbClr val="404040"/>
-                </a:solidFill>
-                <a:effectLst/>
-                <a:latin typeface="Franklin Gothic Book"/>
-                <a:ea typeface="Franklin Gothic Book"/>
-                <a:cs typeface="Franklin Gothic Book"/>
-              </a:rPr>
+              <a:rPr lang="es-ES" sz="1900"/>
               <a:t>Ofrece una alternativa saludable, natural y exótica a otras bebidas</a:t>
             </a:r>
           </a:p>
@@ -10783,15 +8140,7 @@
               </a:lnSpc>
             </a:pPr>
             <a:r>
-              <a:rPr lang="es-ES" sz="1900" b="0" i="0" strike="noStrike" cap="none" baseline="0">
-                <a:solidFill>
-                  <a:srgbClr val="404040"/>
-                </a:solidFill>
-                <a:effectLst/>
-                <a:latin typeface="Franklin Gothic Book"/>
-                <a:ea typeface="Franklin Gothic Book"/>
-                <a:cs typeface="Franklin Gothic Book"/>
-              </a:rPr>
+              <a:rPr lang="es-ES" sz="1900"/>
               <a:t>Posicionar y comercializar el té chai como un producto premium, auténtico y versátil</a:t>
             </a:r>
           </a:p>
@@ -10802,15 +8151,7 @@
               </a:lnSpc>
             </a:pPr>
             <a:r>
-              <a:rPr lang="es-ES" sz="1900" b="0" i="0" strike="noStrike" cap="none" baseline="0">
-                <a:solidFill>
-                  <a:srgbClr val="404040"/>
-                </a:solidFill>
-                <a:effectLst/>
-                <a:latin typeface="Franklin Gothic Book"/>
-                <a:ea typeface="Franklin Gothic Book"/>
-                <a:cs typeface="Franklin Gothic Book"/>
-              </a:rPr>
+              <a:rPr lang="es-ES" sz="1900"/>
               <a:t>Se dirige a distintos segmentos y ocasiones</a:t>
             </a:r>
           </a:p>
@@ -10821,15 +8162,7 @@
               </a:lnSpc>
             </a:pPr>
             <a:r>
-              <a:rPr lang="es-ES" sz="1900" b="0" i="0" strike="noStrike" cap="none" baseline="0">
-                <a:solidFill>
-                  <a:srgbClr val="404040"/>
-                </a:solidFill>
-                <a:effectLst/>
-                <a:latin typeface="Franklin Gothic Book"/>
-                <a:ea typeface="Franklin Gothic Book"/>
-                <a:cs typeface="Franklin Gothic Book"/>
-              </a:rPr>
+              <a:rPr lang="es-ES" sz="1900"/>
               <a:t>Sacar provecho de sus características y ventajas únicas, como su aroma intenso, su sabor y sus beneficios para la salud</a:t>
             </a:r>
           </a:p>
@@ -10840,15 +8173,7 @@
               </a:lnSpc>
             </a:pPr>
             <a:r>
-              <a:rPr lang="es-ES" sz="1900" b="0" i="0" strike="noStrike" cap="none" baseline="0">
-                <a:solidFill>
-                  <a:srgbClr val="404040"/>
-                </a:solidFill>
-                <a:effectLst/>
-                <a:latin typeface="Franklin Gothic Book"/>
-                <a:ea typeface="Franklin Gothic Book"/>
-                <a:cs typeface="Franklin Gothic Book"/>
-              </a:rPr>
+              <a:rPr lang="es-ES" sz="1900"/>
               <a:t>Se diferencia de los demás productos de té</a:t>
             </a:r>
           </a:p>
@@ -10859,15 +8184,7 @@
               </a:lnSpc>
             </a:pPr>
             <a:r>
-              <a:rPr lang="es-ES" sz="1900" b="0" i="0" strike="noStrike" cap="none" baseline="0">
-                <a:solidFill>
-                  <a:srgbClr val="404040"/>
-                </a:solidFill>
-                <a:effectLst/>
-                <a:latin typeface="Franklin Gothic Book"/>
-                <a:ea typeface="Franklin Gothic Book"/>
-                <a:cs typeface="Franklin Gothic Book"/>
-              </a:rPr>
+              <a:rPr lang="es-ES" sz="1900"/>
               <a:t>Utilizar una mezcla de tácticas en línea y sin conexión para alcanzar e interactuar con el público objetivo</a:t>
             </a:r>
           </a:p>
@@ -10878,15 +8195,7 @@
               </a:lnSpc>
             </a:pPr>
             <a:r>
-              <a:rPr lang="es-ES" sz="1900" b="0" i="0" strike="noStrike" cap="none" baseline="0">
-                <a:solidFill>
-                  <a:srgbClr val="404040"/>
-                </a:solidFill>
-                <a:effectLst/>
-                <a:latin typeface="Franklin Gothic Book"/>
-                <a:ea typeface="Franklin Gothic Book"/>
-                <a:cs typeface="Franklin Gothic Book"/>
-              </a:rPr>
+              <a:rPr lang="es-ES" sz="1900"/>
               <a:t>Crear una base de clientes leales y satisfechos</a:t>
             </a:r>
           </a:p>
@@ -10897,15 +8206,7 @@
               </a:lnSpc>
             </a:pPr>
             <a:r>
-              <a:rPr lang="es-ES" sz="1900" b="0" i="0" strike="noStrike" cap="none" baseline="0">
-                <a:solidFill>
-                  <a:srgbClr val="404040"/>
-                </a:solidFill>
-                <a:effectLst/>
-                <a:latin typeface="Franklin Gothic Book"/>
-                <a:ea typeface="Franklin Gothic Book"/>
-                <a:cs typeface="Franklin Gothic Book"/>
-              </a:rPr>
+              <a:rPr lang="es-ES" sz="1900"/>
               <a:t>Superar los desafíos y amenazas, como el precio, conocimiento, competencia, normativa y sostenibilidad</a:t>
             </a:r>
           </a:p>
@@ -10916,87 +8217,8 @@
               </a:lnSpc>
             </a:pPr>
             <a:r>
-              <a:rPr lang="es-ES" sz="1900" b="0" i="0" strike="noStrike" cap="none" baseline="0">
-                <a:solidFill>
-                  <a:srgbClr val="404040"/>
-                </a:solidFill>
-                <a:effectLst/>
-                <a:latin typeface="Franklin Gothic Book"/>
-                <a:ea typeface="Franklin Gothic Book"/>
-                <a:cs typeface="Franklin Gothic Book"/>
-              </a:rPr>
+              <a:rPr lang="es-ES" sz="1900"/>
               <a:t>Supervisar, evaluar y ajustar el plan y la estrategia de promoción de forma constante</a:t>
-            </a:r>
-          </a:p>
-        </p:txBody>
-      </p:sp>
-      <p:sp>
-        <p:nvSpPr>
-          <p:cNvPr id="11" name="TextBox"/>
-          <p:cNvSpPr txBox="1">
-            <a:spLocks noGrp="1" noSelect="1" noRot="1" noMove="1"/>
-          </p:cNvSpPr>
-          <p:nvPr/>
-        </p:nvSpPr>
-        <p:spPr>
-          <a:xfrm>
-            <a:off x="2890520" y="2644140"/>
-            <a:ext cx="6411372" cy="1569660"/>
-          </a:xfrm>
-          <a:prstGeom prst="rect">
-            <a:avLst/>
-          </a:prstGeom>
-          <a:noFill/>
-        </p:spPr>
-        <p:txBody>
-          <a:bodyPr wrap="none" rtlCol="0" anchor="ctr" anchorCtr="1">
-            <a:spAutoFit/>
-          </a:bodyPr>
-          <a:lstStyle>
-            <a:lvl1pPr algn="l">
-              <a:lnSpc>
-                <a:spcPct val="150000"/>
-              </a:lnSpc>
-              <a:spcBef>
-                <a:spcPct val="0"/>
-              </a:spcBef>
-              <a:spcAft>
-                <a:spcPct val="0"/>
-              </a:spcAft>
-              <a:defRPr lang="en-US" sz="3200" b="1" noProof="1" dirty="0">
-                <a:solidFill>
-                  <a:prstClr val="red">
-                    <a:lumOff val="30000"/>
-                    <a:alpha val="40000"/>
-                  </a:prstClr>
-                </a:solidFill>
-                <a:effectLst>
-                  <a:outerShdw blurRad="50800" dist="38100" algn="tr" rotWithShape="0">
-                    <a:prstClr val="black">
-                      <a:alpha val="80000"/>
-                    </a:prstClr>
-                  </a:outerShdw>
-                </a:effectLst>
-                <a:latin typeface="Calibri" pitchFamily="34" charset="0"/>
-              </a:defRPr>
-            </a:lvl1pPr>
-          </a:lstStyle>
-          <a:p>
-            <a:pPr algn="ctr"/>
-            <a:r>
-              <a:t>Evaluation only.</a:t>
-            </a:r>
-          </a:p>
-          <a:p>
-            <a:pPr algn="ctr"/>
-            <a:r>
-              <a:t>Created with Aspose.Slides for Java 23.6.</a:t>
-            </a:r>
-          </a:p>
-          <a:p>
-            <a:pPr algn="ctr"/>
-            <a:r>
-              <a:t>Copyright 2004-2023 Aspose Pty Ltd.</a:t>
             </a:r>
           </a:p>
         </p:txBody>
@@ -11011,14 +8233,12 @@
   <p:clrMapOvr>
     <a:masterClrMapping/>
   </p:clrMapOvr>
-  <p:transition/>
-  <p:timing/>
 </p:sld>
 </file>
 
 <file path=ppt/slides/slide2.xml><?xml version="1.0" encoding="utf-8"?>
-<p:sld xmlns:a="http://schemas.openxmlformats.org/drawingml/2006/main" xmlns:r="http://schemas.openxmlformats.org/officeDocument/2006/relationships" xmlns:m="http://schemas.openxmlformats.org/officeDocument/2006/math" xmlns:w="http://schemas.openxmlformats.org/wordprocessingml/2006/main" xmlns:wp="http://schemas.openxmlformats.org/drawingml/2006/wordprocessingDrawing" xmlns:a14="http://schemas.microsoft.com/office/drawing/2010/main" xmlns:mc="http://schemas.openxmlformats.org/markup-compatibility/2006" xmlns:p14="http://schemas.microsoft.com/office/powerpoint/2010/main" xmlns:p15="http://schemas.microsoft.com/office/powerpoint/2012/main" xmlns:p159="http://schemas.microsoft.com/office/powerpoint/2015/09/main" xmlns:p="http://schemas.openxmlformats.org/presentationml/2006/main">
-  <p:cSld name="">
+<p:sld xmlns:a="http://schemas.openxmlformats.org/drawingml/2006/main" xmlns:r="http://schemas.openxmlformats.org/officeDocument/2006/relationships" xmlns:p="http://schemas.openxmlformats.org/presentationml/2006/main">
+  <p:cSld>
     <p:bg>
       <p:bgPr>
         <a:solidFill>
@@ -11041,6 +8261,8 @@
         <a:xfrm>
           <a:off x="0" y="0"/>
           <a:ext cx="0" cy="0"/>
+          <a:chOff x="0" y="0"/>
+          <a:chExt cx="0" cy="0"/>
         </a:xfrm>
       </p:grpSpPr>
       <p:sp>
@@ -11196,15 +8418,7 @@
           <a:p>
             <a:pPr algn="r"/>
             <a:r>
-              <a:rPr lang="es-ES" sz="4700" b="0" i="0" strike="noStrike" cap="none" baseline="0">
-                <a:solidFill>
-                  <a:srgbClr val="404040"/>
-                </a:solidFill>
-                <a:effectLst/>
-                <a:latin typeface="Bookman Old Style"/>
-                <a:ea typeface="Bookman Old Style"/>
-                <a:cs typeface="Bookman Old Style"/>
-              </a:rPr>
+              <a:rPr lang="es-ES"/>
               <a:t>Programa</a:t>
             </a:r>
           </a:p>
@@ -11234,7 +8448,7 @@
           </p:nvPr>
         </p:nvCxnSpPr>
         <p:spPr>
-          <a:xfrm flipH="1">
+          <a:xfrm>
             <a:off x="4971974" y="2057399"/>
             <a:ext cx="0" cy="2743200"/>
           </a:xfrm>
@@ -11296,15 +8510,7 @@
               </a:lnSpc>
             </a:pPr>
             <a:r>
-              <a:rPr lang="es-ES" sz="1800" b="0" i="0" strike="noStrike" cap="none" baseline="0">
-                <a:solidFill>
-                  <a:srgbClr val="404040"/>
-                </a:solidFill>
-                <a:effectLst/>
-                <a:latin typeface="Franklin Gothic Book"/>
-                <a:ea typeface="Franklin Gothic Book"/>
-                <a:cs typeface="Franklin Gothic Book"/>
-              </a:rPr>
+              <a:rPr lang="es-ES" sz="1800"/>
               <a:t>Introducción</a:t>
             </a:r>
           </a:p>
@@ -11315,15 +8521,7 @@
               </a:lnSpc>
             </a:pPr>
             <a:r>
-              <a:rPr lang="es-ES" sz="1800" b="0" i="0" strike="noStrike" cap="none" baseline="0">
-                <a:solidFill>
-                  <a:srgbClr val="404040"/>
-                </a:solidFill>
-                <a:effectLst/>
-                <a:latin typeface="Franklin Gothic Book"/>
-                <a:ea typeface="Franklin Gothic Book"/>
-                <a:cs typeface="Franklin Gothic Book"/>
-              </a:rPr>
+              <a:rPr lang="es-ES" sz="1800"/>
               <a:t>Descripción del producto</a:t>
             </a:r>
           </a:p>
@@ -11334,15 +8532,7 @@
               </a:lnSpc>
             </a:pPr>
             <a:r>
-              <a:rPr lang="es-ES" sz="1800" b="0" i="0" strike="noStrike" cap="none" baseline="0">
-                <a:solidFill>
-                  <a:srgbClr val="404040"/>
-                </a:solidFill>
-                <a:effectLst/>
-                <a:latin typeface="Franklin Gothic Book"/>
-                <a:ea typeface="Franklin Gothic Book"/>
-                <a:cs typeface="Franklin Gothic Book"/>
-              </a:rPr>
+              <a:rPr lang="es-ES" sz="1800"/>
               <a:t>Descripción del producto (1/2)</a:t>
             </a:r>
           </a:p>
@@ -11353,15 +8543,7 @@
               </a:lnSpc>
             </a:pPr>
             <a:r>
-              <a:rPr lang="es-ES" sz="1800" b="0" i="0" strike="noStrike" cap="none" baseline="0">
-                <a:solidFill>
-                  <a:srgbClr val="404040"/>
-                </a:solidFill>
-                <a:effectLst/>
-                <a:latin typeface="Franklin Gothic Book"/>
-                <a:ea typeface="Franklin Gothic Book"/>
-                <a:cs typeface="Franklin Gothic Book"/>
-              </a:rPr>
+              <a:rPr lang="es-ES" sz="1800"/>
               <a:t>Descripción del producto (2/2)</a:t>
             </a:r>
           </a:p>
@@ -11372,15 +8554,7 @@
               </a:lnSpc>
             </a:pPr>
             <a:r>
-              <a:rPr lang="es-ES" sz="1800" b="0" i="0" strike="noStrike" cap="none" baseline="0">
-                <a:solidFill>
-                  <a:srgbClr val="404040"/>
-                </a:solidFill>
-                <a:effectLst/>
-                <a:latin typeface="Franklin Gothic Book"/>
-                <a:ea typeface="Franklin Gothic Book"/>
-                <a:cs typeface="Franklin Gothic Book"/>
-              </a:rPr>
+              <a:rPr lang="es-ES" sz="1800"/>
               <a:t>Tendencia y demanda del mercado</a:t>
             </a:r>
           </a:p>
@@ -11391,15 +8565,7 @@
               </a:lnSpc>
             </a:pPr>
             <a:r>
-              <a:rPr lang="es-ES" sz="1800" b="0" i="0" strike="noStrike" cap="none" baseline="0">
-                <a:solidFill>
-                  <a:srgbClr val="404040"/>
-                </a:solidFill>
-                <a:effectLst/>
-                <a:latin typeface="Franklin Gothic Book"/>
-                <a:ea typeface="Franklin Gothic Book"/>
-                <a:cs typeface="Franklin Gothic Book"/>
-              </a:rPr>
+              <a:rPr lang="es-ES" sz="1800"/>
               <a:t>Cuota de mercado del té chai en América Latina</a:t>
             </a:r>
           </a:p>
@@ -11410,15 +8576,7 @@
               </a:lnSpc>
             </a:pPr>
             <a:r>
-              <a:rPr lang="es-ES" sz="1800" b="0" i="0" strike="noStrike" cap="none" baseline="0">
-                <a:solidFill>
-                  <a:srgbClr val="404040"/>
-                </a:solidFill>
-                <a:effectLst/>
-                <a:latin typeface="Franklin Gothic Book"/>
-                <a:ea typeface="Franklin Gothic Book"/>
-                <a:cs typeface="Franklin Gothic Book"/>
-              </a:rPr>
+              <a:rPr lang="es-ES" sz="1800"/>
               <a:t>Canales de distribución</a:t>
             </a:r>
           </a:p>
@@ -11429,15 +8587,7 @@
               </a:lnSpc>
             </a:pPr>
             <a:r>
-              <a:rPr lang="es-ES" sz="1800" b="0" i="0" strike="noStrike" cap="none" baseline="0">
-                <a:solidFill>
-                  <a:srgbClr val="404040"/>
-                </a:solidFill>
-                <a:effectLst/>
-                <a:latin typeface="Franklin Gothic Book"/>
-                <a:ea typeface="Franklin Gothic Book"/>
-                <a:cs typeface="Franklin Gothic Book"/>
-              </a:rPr>
+              <a:rPr lang="es-ES" sz="1800"/>
               <a:t>Plan y estrategia de promoción</a:t>
             </a:r>
           </a:p>
@@ -11448,15 +8598,7 @@
               </a:lnSpc>
             </a:pPr>
             <a:r>
-              <a:rPr lang="es-ES" sz="1800" b="0" i="0" strike="noStrike" cap="none" baseline="0">
-                <a:solidFill>
-                  <a:srgbClr val="404040"/>
-                </a:solidFill>
-                <a:effectLst/>
-                <a:latin typeface="Franklin Gothic Book"/>
-                <a:ea typeface="Franklin Gothic Book"/>
-                <a:cs typeface="Franklin Gothic Book"/>
-              </a:rPr>
+              <a:rPr lang="es-ES" sz="1800"/>
               <a:t>Resultados y desafíos que se esperan</a:t>
             </a:r>
           </a:p>
@@ -11467,87 +8609,8 @@
               </a:lnSpc>
             </a:pPr>
             <a:r>
-              <a:rPr lang="es-ES" sz="1800" b="0" i="0" strike="noStrike" cap="none" baseline="0">
-                <a:solidFill>
-                  <a:srgbClr val="404040"/>
-                </a:solidFill>
-                <a:effectLst/>
-                <a:latin typeface="Franklin Gothic Book"/>
-                <a:ea typeface="Franklin Gothic Book"/>
-                <a:cs typeface="Franklin Gothic Book"/>
-              </a:rPr>
+              <a:rPr lang="es-ES" sz="1800"/>
               <a:t>Recomendaciones y conclusiones</a:t>
-            </a:r>
-          </a:p>
-        </p:txBody>
-      </p:sp>
-      <p:sp>
-        <p:nvSpPr>
-          <p:cNvPr id="20" name="TextBox"/>
-          <p:cNvSpPr txBox="1">
-            <a:spLocks noGrp="1" noSelect="1" noRot="1" noMove="1"/>
-          </p:cNvSpPr>
-          <p:nvPr/>
-        </p:nvSpPr>
-        <p:spPr>
-          <a:xfrm>
-            <a:off x="2890520" y="2644140"/>
-            <a:ext cx="6411372" cy="1569660"/>
-          </a:xfrm>
-          <a:prstGeom prst="rect">
-            <a:avLst/>
-          </a:prstGeom>
-          <a:noFill/>
-        </p:spPr>
-        <p:txBody>
-          <a:bodyPr wrap="none" rtlCol="0" anchor="ctr" anchorCtr="1">
-            <a:spAutoFit/>
-          </a:bodyPr>
-          <a:lstStyle>
-            <a:lvl1pPr algn="l">
-              <a:lnSpc>
-                <a:spcPct val="150000"/>
-              </a:lnSpc>
-              <a:spcBef>
-                <a:spcPct val="0"/>
-              </a:spcBef>
-              <a:spcAft>
-                <a:spcPct val="0"/>
-              </a:spcAft>
-              <a:defRPr lang="en-US" sz="3200" b="1" noProof="1" dirty="0">
-                <a:solidFill>
-                  <a:prstClr val="red">
-                    <a:lumOff val="30000"/>
-                    <a:alpha val="40000"/>
-                  </a:prstClr>
-                </a:solidFill>
-                <a:effectLst>
-                  <a:outerShdw blurRad="50800" dist="38100" algn="tr" rotWithShape="0">
-                    <a:prstClr val="black">
-                      <a:alpha val="80000"/>
-                    </a:prstClr>
-                  </a:outerShdw>
-                </a:effectLst>
-                <a:latin typeface="Calibri" pitchFamily="34" charset="0"/>
-              </a:defRPr>
-            </a:lvl1pPr>
-          </a:lstStyle>
-          <a:p>
-            <a:pPr algn="ctr"/>
-            <a:r>
-              <a:t>Evaluation only.</a:t>
-            </a:r>
-          </a:p>
-          <a:p>
-            <a:pPr algn="ctr"/>
-            <a:r>
-              <a:t>Created with Aspose.Slides for Java 23.6.</a:t>
-            </a:r>
-          </a:p>
-          <a:p>
-            <a:pPr algn="ctr"/>
-            <a:r>
-              <a:t>Copyright 2004-2023 Aspose Pty Ltd.</a:t>
             </a:r>
           </a:p>
         </p:txBody>
@@ -11562,14 +8625,12 @@
   <p:clrMapOvr>
     <a:masterClrMapping/>
   </p:clrMapOvr>
-  <p:transition/>
-  <p:timing/>
 </p:sld>
 </file>
 
 <file path=ppt/slides/slide3.xml><?xml version="1.0" encoding="utf-8"?>
-<p:sld xmlns:a="http://schemas.openxmlformats.org/drawingml/2006/main" xmlns:r="http://schemas.openxmlformats.org/officeDocument/2006/relationships" xmlns:m="http://schemas.openxmlformats.org/officeDocument/2006/math" xmlns:w="http://schemas.openxmlformats.org/wordprocessingml/2006/main" xmlns:wp="http://schemas.openxmlformats.org/drawingml/2006/wordprocessingDrawing" xmlns:a14="http://schemas.microsoft.com/office/drawing/2010/main" xmlns:mc="http://schemas.openxmlformats.org/markup-compatibility/2006" xmlns:p14="http://schemas.microsoft.com/office/powerpoint/2010/main" xmlns:p15="http://schemas.microsoft.com/office/powerpoint/2012/main" xmlns:p159="http://schemas.microsoft.com/office/powerpoint/2015/09/main" xmlns:p="http://schemas.openxmlformats.org/presentationml/2006/main">
-  <p:cSld name="">
+<p:sld xmlns:a="http://schemas.openxmlformats.org/drawingml/2006/main" xmlns:r="http://schemas.openxmlformats.org/officeDocument/2006/relationships" xmlns:p="http://schemas.openxmlformats.org/presentationml/2006/main">
+  <p:cSld>
     <p:bg>
       <p:bgPr>
         <a:solidFill>
@@ -11588,6 +8649,8 @@
         <a:xfrm>
           <a:off x="0" y="0"/>
           <a:ext cx="0" cy="0"/>
+          <a:chOff x="0" y="0"/>
+          <a:chExt cx="0" cy="0"/>
         </a:xfrm>
       </p:grpSpPr>
       <p:sp>
@@ -11798,14 +8861,10 @@
           <a:lstStyle/>
           <a:p>
             <a:r>
-              <a:rPr lang="es-ES" sz="4000" b="0" i="0" strike="noStrike" cap="none" baseline="0">
+              <a:rPr lang="es-ES" sz="4000">
                 <a:solidFill>
                   <a:srgbClr val="FFFFFF"/>
                 </a:solidFill>
-                <a:effectLst/>
-                <a:latin typeface="Bookman Old Style"/>
-                <a:ea typeface="Bookman Old Style"/>
-                <a:cs typeface="Bookman Old Style"/>
               </a:rPr>
               <a:t>Introducción</a:t>
             </a:r>
@@ -11888,7 +8947,7 @@
         </p:spPr>
         <p:txBody>
           <a:bodyPr vert="horz" lIns="0" tIns="45720" rIns="0" bIns="45720" rtlCol="0">
-            <a:normAutofit lnSpcReduction="10000"/>
+            <a:normAutofit/>
           </a:bodyPr>
           <a:lstStyle/>
           <a:p>
@@ -11898,14 +8957,10 @@
               </a:lnSpc>
             </a:pPr>
             <a:r>
-              <a:rPr lang="es-ES" sz="1500" b="0" i="0" strike="noStrike" cap="none" baseline="0">
+              <a:rPr lang="es-ES" sz="1500">
                 <a:solidFill>
                   <a:srgbClr val="FFFFFF"/>
                 </a:solidFill>
-                <a:effectLst/>
-                <a:latin typeface="Franklin Gothic Book"/>
-                <a:ea typeface="Franklin Gothic Book"/>
-                <a:cs typeface="Franklin Gothic Book"/>
               </a:rPr>
               <a:t>Descripción del producto, características y ventajas</a:t>
             </a:r>
@@ -11917,14 +8972,10 @@
               </a:lnSpc>
             </a:pPr>
             <a:r>
-              <a:rPr lang="es-ES" sz="1500" b="0" i="0" strike="noStrike" cap="none" baseline="0">
+              <a:rPr lang="es-ES" sz="1500">
                 <a:solidFill>
                   <a:srgbClr val="FFFFFF"/>
                 </a:solidFill>
-                <a:effectLst/>
-                <a:latin typeface="Franklin Gothic Book"/>
-                <a:ea typeface="Franklin Gothic Book"/>
-                <a:cs typeface="Franklin Gothic Book"/>
               </a:rPr>
               <a:t>Tendencia y demanda del mercado en América Latina</a:t>
             </a:r>
@@ -11936,14 +8987,10 @@
               </a:lnSpc>
             </a:pPr>
             <a:r>
-              <a:rPr lang="es-ES" sz="1500" b="0" i="0" strike="noStrike" cap="none" baseline="0">
+              <a:rPr lang="es-ES" sz="1500">
                 <a:solidFill>
                   <a:srgbClr val="FFFFFF"/>
                 </a:solidFill>
-                <a:effectLst/>
-                <a:latin typeface="Franklin Gothic Book"/>
-                <a:ea typeface="Franklin Gothic Book"/>
-                <a:cs typeface="Franklin Gothic Book"/>
               </a:rPr>
               <a:t>Análisis competitivo en América Latina</a:t>
             </a:r>
@@ -11955,14 +9002,10 @@
               </a:lnSpc>
             </a:pPr>
             <a:r>
-              <a:rPr lang="es-ES" sz="1500" b="0" i="0" strike="noStrike" cap="none" baseline="0">
+              <a:rPr lang="es-ES" sz="1500">
                 <a:solidFill>
                   <a:srgbClr val="FFFFFF"/>
                 </a:solidFill>
-                <a:effectLst/>
-                <a:latin typeface="Franklin Gothic Book"/>
-                <a:ea typeface="Franklin Gothic Book"/>
-                <a:cs typeface="Franklin Gothic Book"/>
               </a:rPr>
               <a:t>Canales de distribución en América Latina</a:t>
             </a:r>
@@ -11974,14 +9017,10 @@
               </a:lnSpc>
             </a:pPr>
             <a:r>
-              <a:rPr lang="es-ES" sz="1500" b="0" i="0" strike="noStrike" cap="none" baseline="0">
+              <a:rPr lang="es-ES" sz="1500">
                 <a:solidFill>
                   <a:srgbClr val="FFFFFF"/>
                 </a:solidFill>
-                <a:effectLst/>
-                <a:latin typeface="Franklin Gothic Book"/>
-                <a:ea typeface="Franklin Gothic Book"/>
-                <a:cs typeface="Franklin Gothic Book"/>
               </a:rPr>
               <a:t>Plan y estrategia de promoción en América Latina</a:t>
             </a:r>
@@ -11993,14 +9032,10 @@
               </a:lnSpc>
             </a:pPr>
             <a:r>
-              <a:rPr lang="es-ES" sz="1500" b="0" i="0" strike="noStrike" cap="none" baseline="0">
+              <a:rPr lang="es-ES" sz="1500">
                 <a:solidFill>
                   <a:srgbClr val="FFFFFF"/>
                 </a:solidFill>
-                <a:effectLst/>
-                <a:latin typeface="Franklin Gothic Book"/>
-                <a:ea typeface="Franklin Gothic Book"/>
-                <a:cs typeface="Franklin Gothic Book"/>
               </a:rPr>
               <a:t>Resultados y desafíos que se esperan</a:t>
             </a:r>
@@ -12012,14 +9047,10 @@
               </a:lnSpc>
             </a:pPr>
             <a:r>
-              <a:rPr lang="es-ES" sz="1500" b="0" i="0" strike="noStrike" cap="none" baseline="0">
+              <a:rPr lang="es-ES" sz="1500">
                 <a:solidFill>
                   <a:srgbClr val="FFFFFF"/>
                 </a:solidFill>
-                <a:effectLst/>
-                <a:latin typeface="Franklin Gothic Book"/>
-                <a:ea typeface="Franklin Gothic Book"/>
-                <a:cs typeface="Franklin Gothic Book"/>
               </a:rPr>
               <a:t>Recomendaciones y conclusiones</a:t>
             </a:r>
@@ -12028,7 +9059,7 @@
       </p:sp>
       <p:pic>
         <p:nvPicPr>
-          <p:cNvPr id="5" name="Content Placeholder 4" descr="Indian masala chai tea. Spiced tea with milk on the rustic wooden table.">
+          <p:cNvPr id="5" name="Content Placeholder 4" descr="Té chai masala indio. Té con especies y lecha en la mesa de madera rústica.">
             <a:extLst>
               <a:ext uri="{FF2B5EF4-FFF2-40B4-BE49-F238E27FC236}">
                 <a16:creationId xmlns:a16="http://schemas.microsoft.com/office/drawing/2014/main" id="{9A3808EA-8867-40A0-A0EF-17D43ED8A5E3}"/>
@@ -12042,12 +9073,10 @@
             <p:ph sz="half" idx="1"/>
           </p:nvPr>
         </p:nvPicPr>
-        <p:blipFill>
+        <p:blipFill rotWithShape="1">
           <a:blip r:embed="rId3"/>
           <a:srcRect l="18097" r="8537" b="-1"/>
-          <a:stretch>
-            <a:fillRect/>
-          </a:stretch>
+          <a:stretch/>
         </p:blipFill>
         <p:spPr>
           <a:xfrm>
@@ -12059,77 +9088,6 @@
           </a:prstGeom>
         </p:spPr>
       </p:pic>
-      <p:sp>
-        <p:nvSpPr>
-          <p:cNvPr id="30" name="TextBox"/>
-          <p:cNvSpPr txBox="1">
-            <a:spLocks noGrp="1" noSelect="1" noRot="1" noMove="1"/>
-          </p:cNvSpPr>
-          <p:nvPr/>
-        </p:nvSpPr>
-        <p:spPr>
-          <a:xfrm>
-            <a:off x="2890520" y="2644140"/>
-            <a:ext cx="6411372" cy="1569660"/>
-          </a:xfrm>
-          <a:prstGeom prst="rect">
-            <a:avLst/>
-          </a:prstGeom>
-          <a:noFill/>
-        </p:spPr>
-        <p:txBody>
-          <a:bodyPr wrap="none" rtlCol="0" anchor="ctr" anchorCtr="1">
-            <a:spAutoFit/>
-          </a:bodyPr>
-          <a:lstStyle>
-            <a:lvl1pPr algn="l">
-              <a:lnSpc>
-                <a:spcPct val="150000"/>
-              </a:lnSpc>
-              <a:spcBef>
-                <a:spcPct val="0"/>
-              </a:spcBef>
-              <a:spcAft>
-                <a:spcPct val="0"/>
-              </a:spcAft>
-              <a:defRPr lang="en-US" sz="3200" b="1" noProof="1" dirty="0">
-                <a:solidFill>
-                  <a:prstClr val="red">
-                    <a:lumOff val="30000"/>
-                    <a:alpha val="40000"/>
-                  </a:prstClr>
-                </a:solidFill>
-                <a:effectLst>
-                  <a:outerShdw blurRad="50800" dist="38100" algn="tr" rotWithShape="0">
-                    <a:prstClr val="black">
-                      <a:alpha val="80000"/>
-                    </a:prstClr>
-                  </a:outerShdw>
-                </a:effectLst>
-                <a:latin typeface="Calibri" pitchFamily="34" charset="0"/>
-              </a:defRPr>
-            </a:lvl1pPr>
-          </a:lstStyle>
-          <a:p>
-            <a:pPr algn="ctr"/>
-            <a:r>
-              <a:t>Evaluation only.</a:t>
-            </a:r>
-          </a:p>
-          <a:p>
-            <a:pPr algn="ctr"/>
-            <a:r>
-              <a:t>Created with Aspose.Slides for Java 23.6.</a:t>
-            </a:r>
-          </a:p>
-          <a:p>
-            <a:pPr algn="ctr"/>
-            <a:r>
-              <a:t>Copyright 2004-2023 Aspose Pty Ltd.</a:t>
-            </a:r>
-          </a:p>
-        </p:txBody>
-      </p:sp>
     </p:spTree>
     <p:extLst>
       <p:ext uri="{BB962C8B-B14F-4D97-AF65-F5344CB8AC3E}">
@@ -12140,14 +9098,12 @@
   <p:clrMapOvr>
     <a:overrideClrMapping bg1="dk1" tx1="lt1" bg2="dk2" tx2="lt2" accent1="accent1" accent2="accent2" accent3="accent3" accent4="accent4" accent5="accent5" accent6="accent6" hlink="hlink" folHlink="folHlink"/>
   </p:clrMapOvr>
-  <p:transition/>
-  <p:timing/>
 </p:sld>
 </file>
 
 <file path=ppt/slides/slide4.xml><?xml version="1.0" encoding="utf-8"?>
-<p:sld xmlns:a="http://schemas.openxmlformats.org/drawingml/2006/main" xmlns:r="http://schemas.openxmlformats.org/officeDocument/2006/relationships" xmlns:m="http://schemas.openxmlformats.org/officeDocument/2006/math" xmlns:w="http://schemas.openxmlformats.org/wordprocessingml/2006/main" xmlns:wp="http://schemas.openxmlformats.org/drawingml/2006/wordprocessingDrawing" xmlns:a14="http://schemas.microsoft.com/office/drawing/2010/main" xmlns:mc="http://schemas.openxmlformats.org/markup-compatibility/2006" xmlns:p14="http://schemas.microsoft.com/office/powerpoint/2010/main" xmlns:p15="http://schemas.microsoft.com/office/powerpoint/2012/main" xmlns:p159="http://schemas.microsoft.com/office/powerpoint/2015/09/main" xmlns:p="http://schemas.openxmlformats.org/presentationml/2006/main">
-  <p:cSld name="">
+<p:sld xmlns:a="http://schemas.openxmlformats.org/drawingml/2006/main" xmlns:r="http://schemas.openxmlformats.org/officeDocument/2006/relationships" xmlns:p="http://schemas.openxmlformats.org/presentationml/2006/main">
+  <p:cSld>
     <p:bg>
       <p:bgPr>
         <a:solidFill>
@@ -12166,6 +9122,8 @@
         <a:xfrm>
           <a:off x="0" y="0"/>
           <a:ext cx="0" cy="0"/>
+          <a:chOff x="0" y="0"/>
+          <a:chExt cx="0" cy="0"/>
         </a:xfrm>
       </p:grpSpPr>
       <p:sp>
@@ -12437,14 +9395,10 @@
           <a:p>
             <a:pPr algn="r"/>
             <a:r>
-              <a:rPr lang="es-ES" sz="4000" b="0" i="0" strike="noStrike" cap="none" baseline="0">
+              <a:rPr lang="es-ES" sz="4000">
                 <a:solidFill>
                   <a:srgbClr val="FFFFFF"/>
                 </a:solidFill>
-                <a:effectLst/>
-                <a:latin typeface="Bookman Old Style"/>
-                <a:ea typeface="Bookman Old Style"/>
-                <a:cs typeface="Bookman Old Style"/>
               </a:rPr>
               <a:t>Descripción del producto</a:t>
             </a:r>
@@ -12475,7 +9429,7 @@
           </p:nvPr>
         </p:nvCxnSpPr>
         <p:spPr>
-          <a:xfrm flipH="1">
+          <a:xfrm>
             <a:off x="5820770" y="5247564"/>
             <a:ext cx="0" cy="873457"/>
           </a:xfrm>
@@ -12537,14 +9491,10 @@
               </a:lnSpc>
             </a:pPr>
             <a:r>
-              <a:rPr lang="es-ES" sz="1500" b="0" i="0" strike="noStrike" cap="none" baseline="0">
+              <a:rPr lang="es-ES" sz="1500">
                 <a:solidFill>
                   <a:srgbClr val="FFFFFF"/>
                 </a:solidFill>
-                <a:effectLst/>
-                <a:latin typeface="Franklin Gothic Book"/>
-                <a:ea typeface="Franklin Gothic Book"/>
-                <a:cs typeface="Franklin Gothic Book"/>
               </a:rPr>
               <a:t>Combinación creada meticulosamente</a:t>
             </a:r>
@@ -12556,14 +9506,10 @@
               </a:lnSpc>
             </a:pPr>
             <a:r>
-              <a:rPr lang="es-ES" sz="1500" b="0" i="0" strike="noStrike" cap="none" baseline="0">
+              <a:rPr lang="es-ES" sz="1500">
                 <a:solidFill>
                   <a:srgbClr val="FFFFFF"/>
                 </a:solidFill>
-                <a:effectLst/>
-                <a:latin typeface="Franklin Gothic Book"/>
-                <a:ea typeface="Franklin Gothic Book"/>
-                <a:cs typeface="Franklin Gothic Book"/>
               </a:rPr>
               <a:t>Rinde homenaje a las tradiciones atemporales del chai indio</a:t>
             </a:r>
@@ -12575,14 +9521,10 @@
               </a:lnSpc>
             </a:pPr>
             <a:r>
-              <a:rPr lang="es-ES" sz="1500" b="0" i="0" strike="noStrike" cap="none" baseline="0">
+              <a:rPr lang="es-ES" sz="1500">
                 <a:solidFill>
                   <a:srgbClr val="FFFFFF"/>
                 </a:solidFill>
-                <a:effectLst/>
-                <a:latin typeface="Franklin Gothic Book"/>
-                <a:ea typeface="Franklin Gothic Book"/>
-                <a:cs typeface="Franklin Gothic Book"/>
               </a:rPr>
               <a:t>Un recorrido fascinante por los encantadores paisajes de la India</a:t>
             </a:r>
@@ -12594,14 +9536,10 @@
               </a:lnSpc>
             </a:pPr>
             <a:r>
-              <a:rPr lang="es-ES" sz="1500" b="0" i="0" strike="noStrike" cap="none" baseline="0">
+              <a:rPr lang="es-ES" sz="1500">
                 <a:solidFill>
                   <a:srgbClr val="FFFFFF"/>
                 </a:solidFill>
-                <a:effectLst/>
-                <a:latin typeface="Franklin Gothic Book"/>
-                <a:ea typeface="Franklin Gothic Book"/>
-                <a:cs typeface="Franklin Gothic Book"/>
               </a:rPr>
               <a:t>Permite vivir una verdadera experiencia chai desde su hogar</a:t>
             </a:r>
@@ -12624,14 +9562,14 @@
             <p:ph sz="half" idx="1"/>
             <p:extLst>
               <p:ext uri="{D42A27DB-BD31-4B8C-83A1-F6EECF244321}">
-                <p14:modId xmlns:p14="http://schemas.microsoft.com/office/powerpoint/2010/main" val="3445590745"/>
+                <p14:modId xmlns:p14="http://schemas.microsoft.com/office/powerpoint/2010/main" val="3671576284"/>
               </p:ext>
             </p:extLst>
           </p:nvPr>
         </p:nvGraphicFramePr>
         <p:xfrm>
           <a:off x="1346750" y="930063"/>
-          <a:ext cx="9499602" cy="3419856"/>
+          <a:ext cx="9499602" cy="2983992"/>
         </p:xfrm>
         <a:graphic>
           <a:graphicData uri="http://schemas.openxmlformats.org/drawingml/2006/table">
@@ -12665,19 +9603,11 @@
               <a:tr h="1240536">
                 <a:tc>
                   <a:txBody>
-                    <a:bodyPr vert="horz" wrap="square"/>
+                    <a:bodyPr/>
                     <a:lstStyle/>
                     <a:p>
                       <a:r>
-                        <a:rPr lang="es-ES" sz="3300" b="1" i="0" strike="noStrike" cap="none" baseline="0">
-                          <a:solidFill>
-                            <a:srgbClr val="FFFFFF"/>
-                          </a:solidFill>
-                          <a:effectLst/>
-                          <a:latin typeface="Franklin Gothic Book"/>
-                          <a:ea typeface="Franklin Gothic Book"/>
-                          <a:cs typeface="Franklin Gothic Book"/>
-                        </a:rPr>
+                        <a:rPr lang="es-ES" sz="3000" dirty="0"/>
                         <a:t>Descripción del producto</a:t>
                       </a:r>
                     </a:p>
@@ -12686,19 +9616,11 @@
                 </a:tc>
                 <a:tc>
                   <a:txBody>
-                    <a:bodyPr vert="horz" wrap="square"/>
+                    <a:bodyPr/>
                     <a:lstStyle/>
                     <a:p>
                       <a:r>
-                        <a:rPr lang="es-ES" sz="3300" b="1" i="0" strike="noStrike" cap="none" baseline="0">
-                          <a:solidFill>
-                            <a:srgbClr val="FFFFFF"/>
-                          </a:solidFill>
-                          <a:effectLst/>
-                          <a:latin typeface="Franklin Gothic Book"/>
-                          <a:ea typeface="Franklin Gothic Book"/>
-                          <a:cs typeface="Franklin Gothic Book"/>
-                        </a:rPr>
+                        <a:rPr lang="es-ES" sz="3000"/>
                         <a:t>Características</a:t>
                       </a:r>
                     </a:p>
@@ -12707,19 +9629,11 @@
                 </a:tc>
                 <a:tc>
                   <a:txBody>
-                    <a:bodyPr vert="horz" wrap="square"/>
+                    <a:bodyPr/>
                     <a:lstStyle/>
                     <a:p>
                       <a:r>
-                        <a:rPr lang="es-ES" sz="3300" b="1" i="0" strike="noStrike" cap="none" baseline="0">
-                          <a:solidFill>
-                            <a:srgbClr val="FFFFFF"/>
-                          </a:solidFill>
-                          <a:effectLst/>
-                          <a:latin typeface="Franklin Gothic Book"/>
-                          <a:ea typeface="Franklin Gothic Book"/>
-                          <a:cs typeface="Franklin Gothic Book"/>
-                        </a:rPr>
+                        <a:rPr lang="es-ES" sz="3000"/>
                         <a:t>Ventajas</a:t>
                       </a:r>
                     </a:p>
@@ -12735,20 +9649,12 @@
               <a:tr h="1743456">
                 <a:tc>
                   <a:txBody>
-                    <a:bodyPr vert="horz" wrap="square"/>
+                    <a:bodyPr/>
                     <a:lstStyle/>
                     <a:p>
                       <a:r>
-                        <a:rPr lang="es-ES" sz="3300" b="0" i="0" strike="noStrike" cap="none" baseline="0">
-                          <a:solidFill>
-                            <a:srgbClr val="000000"/>
-                          </a:solidFill>
-                          <a:effectLst/>
-                          <a:latin typeface="Franklin Gothic Book"/>
-                          <a:ea typeface="Franklin Gothic Book"/>
-                          <a:cs typeface="Franklin Gothic Book"/>
-                        </a:rPr>
-                        <a:t>té chai premium Mystic Spice</a:t>
+                        <a:rPr lang="es-ES" sz="3000"/>
+                        <a:t>Té chai premium Mystic Spice</a:t>
                       </a:r>
                     </a:p>
                   </a:txBody>
@@ -12756,19 +9662,11 @@
                 </a:tc>
                 <a:tc>
                   <a:txBody>
-                    <a:bodyPr vert="horz" wrap="square"/>
+                    <a:bodyPr/>
                     <a:lstStyle/>
                     <a:p>
                       <a:r>
-                        <a:rPr lang="es-ES" sz="3300" b="0" i="0" strike="noStrike" cap="none" baseline="0">
-                          <a:solidFill>
-                            <a:srgbClr val="000000"/>
-                          </a:solidFill>
-                          <a:effectLst/>
-                          <a:latin typeface="Franklin Gothic Book"/>
-                          <a:ea typeface="Franklin Gothic Book"/>
-                          <a:cs typeface="Franklin Gothic Book"/>
-                        </a:rPr>
+                        <a:rPr lang="es-ES" sz="3000" dirty="0"/>
                         <a:t>Combinación creada meticulosamente</a:t>
                       </a:r>
                     </a:p>
@@ -12777,19 +9675,11 @@
                 </a:tc>
                 <a:tc>
                   <a:txBody>
-                    <a:bodyPr vert="horz" wrap="square"/>
+                    <a:bodyPr/>
                     <a:lstStyle/>
                     <a:p>
                       <a:r>
-                        <a:rPr lang="es-ES" sz="3300" b="0" i="0" strike="noStrike" cap="none" baseline="0">
-                          <a:solidFill>
-                            <a:srgbClr val="000000"/>
-                          </a:solidFill>
-                          <a:effectLst/>
-                          <a:latin typeface="Franklin Gothic Book"/>
-                          <a:ea typeface="Franklin Gothic Book"/>
-                          <a:cs typeface="Franklin Gothic Book"/>
-                        </a:rPr>
+                        <a:rPr lang="es-ES" sz="3000" dirty="0"/>
                         <a:t>Verdadera experiencia chai</a:t>
                       </a:r>
                     </a:p>
@@ -12806,77 +9696,6 @@
           </a:graphicData>
         </a:graphic>
       </p:graphicFrame>
-      <p:sp>
-        <p:nvSpPr>
-          <p:cNvPr id="20" name="TextBox"/>
-          <p:cNvSpPr txBox="1">
-            <a:spLocks noGrp="1" noSelect="1" noRot="1" noMove="1"/>
-          </p:cNvSpPr>
-          <p:nvPr/>
-        </p:nvSpPr>
-        <p:spPr>
-          <a:xfrm>
-            <a:off x="2890520" y="2644140"/>
-            <a:ext cx="6411372" cy="1569660"/>
-          </a:xfrm>
-          <a:prstGeom prst="rect">
-            <a:avLst/>
-          </a:prstGeom>
-          <a:noFill/>
-        </p:spPr>
-        <p:txBody>
-          <a:bodyPr wrap="none" rtlCol="0" anchor="ctr" anchorCtr="1">
-            <a:spAutoFit/>
-          </a:bodyPr>
-          <a:lstStyle>
-            <a:lvl1pPr algn="l">
-              <a:lnSpc>
-                <a:spcPct val="150000"/>
-              </a:lnSpc>
-              <a:spcBef>
-                <a:spcPct val="0"/>
-              </a:spcBef>
-              <a:spcAft>
-                <a:spcPct val="0"/>
-              </a:spcAft>
-              <a:defRPr lang="en-US" sz="3200" b="1" noProof="1" dirty="0">
-                <a:solidFill>
-                  <a:prstClr val="red">
-                    <a:lumOff val="30000"/>
-                    <a:alpha val="40000"/>
-                  </a:prstClr>
-                </a:solidFill>
-                <a:effectLst>
-                  <a:outerShdw blurRad="50800" dist="38100" algn="tr" rotWithShape="0">
-                    <a:prstClr val="black">
-                      <a:alpha val="80000"/>
-                    </a:prstClr>
-                  </a:outerShdw>
-                </a:effectLst>
-                <a:latin typeface="Calibri" pitchFamily="34" charset="0"/>
-              </a:defRPr>
-            </a:lvl1pPr>
-          </a:lstStyle>
-          <a:p>
-            <a:pPr algn="ctr"/>
-            <a:r>
-              <a:t>Evaluation only.</a:t>
-            </a:r>
-          </a:p>
-          <a:p>
-            <a:pPr algn="ctr"/>
-            <a:r>
-              <a:t>Created with Aspose.Slides for Java 23.6.</a:t>
-            </a:r>
-          </a:p>
-          <a:p>
-            <a:pPr algn="ctr"/>
-            <a:r>
-              <a:t>Copyright 2004-2023 Aspose Pty Ltd.</a:t>
-            </a:r>
-          </a:p>
-        </p:txBody>
-      </p:sp>
     </p:spTree>
     <p:extLst>
       <p:ext uri="{BB962C8B-B14F-4D97-AF65-F5344CB8AC3E}">
@@ -12887,14 +9706,12 @@
   <p:clrMapOvr>
     <a:masterClrMapping/>
   </p:clrMapOvr>
-  <p:transition/>
-  <p:timing/>
 </p:sld>
 </file>
 
 <file path=ppt/slides/slide5.xml><?xml version="1.0" encoding="utf-8"?>
-<p:sld xmlns:a="http://schemas.openxmlformats.org/drawingml/2006/main" xmlns:r="http://schemas.openxmlformats.org/officeDocument/2006/relationships" xmlns:m="http://schemas.openxmlformats.org/officeDocument/2006/math" xmlns:w="http://schemas.openxmlformats.org/wordprocessingml/2006/main" xmlns:wp="http://schemas.openxmlformats.org/drawingml/2006/wordprocessingDrawing" xmlns:a14="http://schemas.microsoft.com/office/drawing/2010/main" xmlns:mc="http://schemas.openxmlformats.org/markup-compatibility/2006" xmlns:p14="http://schemas.microsoft.com/office/powerpoint/2010/main" xmlns:p15="http://schemas.microsoft.com/office/powerpoint/2012/main" xmlns:p159="http://schemas.microsoft.com/office/powerpoint/2015/09/main" xmlns:p="http://schemas.openxmlformats.org/presentationml/2006/main">
-  <p:cSld name="">
+<p:sld xmlns:a="http://schemas.openxmlformats.org/drawingml/2006/main" xmlns:r="http://schemas.openxmlformats.org/officeDocument/2006/relationships" xmlns:p="http://schemas.openxmlformats.org/presentationml/2006/main">
+  <p:cSld>
     <p:bg>
       <p:bgPr>
         <a:solidFill>
@@ -12913,6 +9730,8 @@
         <a:xfrm>
           <a:off x="0" y="0"/>
           <a:ext cx="0" cy="0"/>
+          <a:chOff x="0" y="0"/>
+          <a:chExt cx="0" cy="0"/>
         </a:xfrm>
       </p:grpSpPr>
       <p:sp useBgFill="1">
@@ -13004,15 +9823,7 @@
           <a:lstStyle/>
           <a:p>
             <a:r>
-              <a:rPr lang="es-ES" sz="4700" b="0" i="0" strike="noStrike" cap="none" baseline="0">
-                <a:solidFill>
-                  <a:srgbClr val="404040"/>
-                </a:solidFill>
-                <a:effectLst/>
-                <a:latin typeface="Bookman Old Style"/>
-                <a:ea typeface="Bookman Old Style"/>
-                <a:cs typeface="Bookman Old Style"/>
-              </a:rPr>
+              <a:rPr lang="es-ES"/>
               <a:t>Descripción del producto (1/2)</a:t>
             </a:r>
           </a:p>
@@ -13185,58 +9996,40 @@
               <a:tr h="363233">
                 <a:tc>
                   <a:txBody>
-                    <a:bodyPr vert="horz" wrap="square"/>
+                    <a:bodyPr/>
                     <a:lstStyle/>
                     <a:p>
                       <a:pPr>
                         <a:spcAft>
-                          <a:spcPct val="0"/>
+                          <a:spcPts val="0"/>
                         </a:spcAft>
                       </a:pPr>
                       <a:r>
-                        <a:rPr lang="es-ES" sz="1400" b="1" i="0" strike="noStrike" cap="none" baseline="0">
-                          <a:solidFill>
-                            <a:srgbClr val="FFFFFF"/>
-                          </a:solidFill>
+                        <a:rPr lang="es-ES" sz="1400">
                           <a:effectLst/>
-                          <a:latin typeface="Franklin Gothic Book"/>
-                          <a:ea typeface="Franklin Gothic Book"/>
-                          <a:cs typeface="Franklin Gothic Book"/>
                         </a:rPr>
                         <a:t>Nombre del producto</a:t>
                       </a:r>
-                      <a:endParaRPr lang="en-US" sz="2300">
-                        <a:effectLst/>
-                      </a:endParaRPr>
                     </a:p>
                   </a:txBody>
                   <a:tcPr marL="49352" marR="49352" marT="49352" marB="49352"/>
                 </a:tc>
                 <a:tc>
                   <a:txBody>
-                    <a:bodyPr vert="horz" wrap="square"/>
+                    <a:bodyPr/>
                     <a:lstStyle/>
                     <a:p>
                       <a:pPr>
                         <a:spcAft>
-                          <a:spcPct val="0"/>
+                          <a:spcPts val="0"/>
                         </a:spcAft>
                       </a:pPr>
                       <a:r>
-                        <a:rPr lang="es-ES" sz="1400" b="1" i="0" strike="noStrike" cap="none" baseline="0">
-                          <a:solidFill>
-                            <a:srgbClr val="FFFFFF"/>
-                          </a:solidFill>
+                        <a:rPr lang="es-ES" sz="1400">
                           <a:effectLst/>
-                          <a:latin typeface="Franklin Gothic Book"/>
-                          <a:ea typeface="Franklin Gothic Book"/>
-                          <a:cs typeface="Franklin Gothic Book"/>
                         </a:rPr>
                         <a:t>Descripción del producto</a:t>
                       </a:r>
-                      <a:endParaRPr lang="en-US" sz="2300">
-                        <a:effectLst/>
-                      </a:endParaRPr>
                     </a:p>
                   </a:txBody>
                   <a:tcPr marL="49352" marR="49352" marT="49352" marB="49352"/>
@@ -13250,82 +10043,40 @@
               <a:tr h="1448982">
                 <a:tc>
                   <a:txBody>
-                    <a:bodyPr vert="horz" wrap="square"/>
+                    <a:bodyPr/>
                     <a:lstStyle/>
                     <a:p>
                       <a:pPr>
                         <a:spcAft>
-                          <a:spcPct val="0"/>
+                          <a:spcPts val="0"/>
                         </a:spcAft>
                       </a:pPr>
                       <a:r>
-                        <a:rPr lang="es-ES" sz="1400" b="0" i="0" strike="noStrike" cap="none" baseline="0">
-                          <a:solidFill>
-                            <a:srgbClr val="000000"/>
-                          </a:solidFill>
+                        <a:rPr lang="es-ES" sz="1400">
                           <a:effectLst/>
-                          <a:latin typeface="Franklin Gothic Book"/>
-                          <a:ea typeface="Franklin Gothic Book"/>
-                          <a:cs typeface="Franklin Gothic Book"/>
                         </a:rPr>
                         <a:t>Té chai premium Mystic Spice</a:t>
                       </a:r>
-                      <a:endParaRPr lang="en-US" sz="2300">
-                        <a:effectLst/>
-                      </a:endParaRPr>
                     </a:p>
                   </a:txBody>
                   <a:tcPr marL="49352" marR="49352" marT="49352" marB="49352"/>
                 </a:tc>
                 <a:tc>
                   <a:txBody>
-                    <a:bodyPr vert="horz" wrap="square"/>
+                    <a:bodyPr/>
                     <a:lstStyle/>
                     <a:p>
                       <a:pPr>
                         <a:spcAft>
-                          <a:spcPct val="0"/>
+                          <a:spcPts val="0"/>
                         </a:spcAft>
                       </a:pPr>
                       <a:r>
-                        <a:rPr lang="es-ES" sz="1400" b="0" i="0" strike="noStrike" cap="none" baseline="0">
-                          <a:solidFill>
-                            <a:srgbClr val="000000"/>
-                          </a:solidFill>
+                        <a:rPr lang="es-ES" sz="1400">
                           <a:effectLst/>
-                          <a:latin typeface="Franklin Gothic Book"/>
-                          <a:ea typeface="Franklin Gothic Book"/>
-                          <a:cs typeface="Franklin Gothic Book"/>
                         </a:rPr>
-                        <a:t>Entréguese al rico y aromático abrazo del té chai premium Mystic Spice, una combinación creada meticulosamente que rinde homenaje a las tradiciones atemporales del chai indio.</a:t>
+                        <a:t>Entréguese al rico y aromático abrazo del té chai premium Mystic Spice, una combinación creada meticulosamente que rinde homenaje a las tradiciones atemporales del chai indio. Cada taza ofrece un recorrido fascinante por los encantadores paisajes de la India, que le permite vivir una verdadera experiencia chai desde su hogar.</a:t>
                       </a:r>
-                      <a:r>
-                        <a:rPr lang="es-ES" sz="1400" b="0" i="0" strike="noStrike" cap="none" baseline="0">
-                          <a:solidFill>
-                            <a:srgbClr val="000000"/>
-                          </a:solidFill>
-                          <a:effectLst/>
-                          <a:latin typeface="Franklin Gothic Book"/>
-                          <a:ea typeface="Franklin Gothic Book"/>
-                          <a:cs typeface="Franklin Gothic Book"/>
-                        </a:rPr>
-                        <a:t> </a:t>
-                      </a:r>
-                      <a:r>
-                        <a:rPr lang="es-ES" sz="1400" b="0" i="0" strike="noStrike" cap="none" baseline="0">
-                          <a:solidFill>
-                            <a:srgbClr val="000000"/>
-                          </a:solidFill>
-                          <a:effectLst/>
-                          <a:latin typeface="Franklin Gothic Book"/>
-                          <a:ea typeface="Franklin Gothic Book"/>
-                          <a:cs typeface="Franklin Gothic Book"/>
-                        </a:rPr>
-                        <a:t>Cada taza ofrece un recorrido fascinante por los encantadores paisajes de la India, que le permite vivir una verdadera experiencia chai desde su hogar.</a:t>
-                      </a:r>
-                      <a:endParaRPr lang="en-US" sz="2300">
-                        <a:effectLst/>
-                      </a:endParaRPr>
                     </a:p>
                   </a:txBody>
                   <a:tcPr marL="49352" marR="49352" marT="49352" marB="49352"/>
@@ -13339,58 +10090,40 @@
               <a:tr h="363233">
                 <a:tc>
                   <a:txBody>
-                    <a:bodyPr vert="horz" wrap="square"/>
+                    <a:bodyPr/>
                     <a:lstStyle/>
                     <a:p>
                       <a:pPr>
                         <a:spcAft>
-                          <a:spcPct val="0"/>
+                          <a:spcPts val="0"/>
                         </a:spcAft>
                       </a:pPr>
                       <a:r>
-                        <a:rPr lang="es-ES" sz="1400" b="0" i="0" strike="noStrike" cap="none" baseline="0">
-                          <a:solidFill>
-                            <a:srgbClr val="000000"/>
-                          </a:solidFill>
+                        <a:rPr lang="es-ES" sz="1400">
                           <a:effectLst/>
-                          <a:latin typeface="Franklin Gothic Book"/>
-                          <a:ea typeface="Franklin Gothic Book"/>
-                          <a:cs typeface="Franklin Gothic Book"/>
                         </a:rPr>
                         <a:t>Características principales</a:t>
                       </a:r>
-                      <a:endParaRPr lang="en-US" sz="2300">
-                        <a:effectLst/>
-                      </a:endParaRPr>
                     </a:p>
                   </a:txBody>
                   <a:tcPr marL="49352" marR="49352" marT="49352" marB="49352"/>
                 </a:tc>
                 <a:tc>
                   <a:txBody>
-                    <a:bodyPr vert="horz" wrap="square"/>
+                    <a:bodyPr/>
                     <a:lstStyle/>
                     <a:p>
                       <a:pPr>
                         <a:spcAft>
-                          <a:spcPct val="0"/>
+                          <a:spcPts val="0"/>
                         </a:spcAft>
                       </a:pPr>
                       <a:r>
-                        <a:rPr lang="es-ES" sz="1400" b="0" i="0" strike="noStrike" cap="none" baseline="0">
-                          <a:solidFill>
-                            <a:srgbClr val="000000"/>
-                          </a:solidFill>
+                        <a:rPr lang="es-ES" sz="1400">
                           <a:effectLst/>
-                          <a:latin typeface="Franklin Gothic Book"/>
-                          <a:ea typeface="Franklin Gothic Book"/>
-                          <a:cs typeface="Franklin Gothic Book"/>
                         </a:rPr>
                         <a:t>Ventajas principales</a:t>
                       </a:r>
-                      <a:endParaRPr lang="en-US" sz="2300">
-                        <a:effectLst/>
-                      </a:endParaRPr>
                     </a:p>
                   </a:txBody>
                   <a:tcPr marL="49352" marR="49352" marT="49352" marB="49352"/>
@@ -13404,106 +10137,40 @@
               <a:tr h="1231833">
                 <a:tc>
                   <a:txBody>
-                    <a:bodyPr vert="horz" wrap="square"/>
+                    <a:bodyPr/>
                     <a:lstStyle/>
                     <a:p>
                       <a:pPr>
                         <a:spcAft>
-                          <a:spcPct val="0"/>
+                          <a:spcPts val="0"/>
                         </a:spcAft>
                       </a:pPr>
                       <a:r>
-                        <a:rPr lang="es-ES" sz="1400" b="0" i="0" strike="noStrike" cap="none" baseline="0">
-                          <a:solidFill>
-                            <a:srgbClr val="000000"/>
-                          </a:solidFill>
+                        <a:rPr lang="es-ES" sz="1400">
                           <a:effectLst/>
-                          <a:latin typeface="Franklin Gothic Book"/>
-                          <a:ea typeface="Franklin Gothic Book"/>
-                          <a:cs typeface="Franklin Gothic Book"/>
                         </a:rPr>
-                        <a:t>Mezcla auténtica: nuestro chai es una mezcla armoniosa de hojas de té negro premium y una selección de especias molidas, incluyendo canela, cardamomo, clavo, jengibre y pimienta negra.</a:t>
+                        <a:t>Combinación auténtica: nuestro chai es una mezcla armoniosa de hojas de té negro premium y una selección distintiva de especias molidas, que incluyen canela, cardamomo, clavos, jengibre y pimienta negra. Esta receta inmemorial promete un sabor auténtico y sólido en cada sorbo.</a:t>
                       </a:r>
-                      <a:r>
-                        <a:rPr lang="es-ES" sz="1400" b="0" i="0" strike="noStrike" cap="none" baseline="0">
-                          <a:solidFill>
-                            <a:srgbClr val="000000"/>
-                          </a:solidFill>
-                          <a:effectLst/>
-                          <a:latin typeface="Franklin Gothic Book"/>
-                          <a:ea typeface="Franklin Gothic Book"/>
-                          <a:cs typeface="Franklin Gothic Book"/>
-                        </a:rPr>
-                        <a:t> </a:t>
-                      </a:r>
-                      <a:r>
-                        <a:rPr lang="es-ES" sz="1400" b="0" i="0" strike="noStrike" cap="none" baseline="0">
-                          <a:solidFill>
-                            <a:srgbClr val="000000"/>
-                          </a:solidFill>
-                          <a:effectLst/>
-                          <a:latin typeface="Franklin Gothic Book"/>
-                          <a:ea typeface="Franklin Gothic Book"/>
-                          <a:cs typeface="Franklin Gothic Book"/>
-                        </a:rPr>
-                        <a:t>Esta receta inmemorial promete un sabor auténtico y sólido en cada sorbo.</a:t>
-                      </a:r>
-                      <a:endParaRPr lang="en-US" sz="2300">
-                        <a:effectLst/>
-                      </a:endParaRPr>
                     </a:p>
                   </a:txBody>
                   <a:tcPr marL="49352" marR="49352" marT="49352" marB="49352"/>
                 </a:tc>
                 <a:tc>
                   <a:txBody>
-                    <a:bodyPr vert="horz" wrap="square"/>
+                    <a:bodyPr/>
                     <a:lstStyle/>
                     <a:p>
                       <a:pPr>
                         <a:spcAft>
-                          <a:spcPct val="0"/>
+                          <a:spcPts val="0"/>
                         </a:spcAft>
                       </a:pPr>
                       <a:r>
-                        <a:rPr lang="es-ES" sz="1400" b="0" i="0" strike="noStrike" cap="none" baseline="0">
-                          <a:solidFill>
-                            <a:srgbClr val="000000"/>
-                          </a:solidFill>
+                        <a:rPr lang="es-ES" sz="1400">
                           <a:effectLst/>
-                          <a:latin typeface="Franklin Gothic Book"/>
-                          <a:ea typeface="Franklin Gothic Book"/>
-                          <a:cs typeface="Franklin Gothic Book"/>
                         </a:rPr>
-                        <a:t>Ingredientes beneficiosos para la salud: cada ingrediente del té chai Mystic Spice se elige para sus beneficios naturales para la salud.</a:t>
+                        <a:t>Ingredientes que mejoran la salud: todos los ingredientes del té chai Mystic Spice se eligen por sus beneficios naturales para la salud. El jengibre y el cardamomo ayudan a la digestión, la canela ayuda a regular el azúcar en sangre y los clavos agregan un impulso de antioxidantes.</a:t>
                       </a:r>
-                      <a:r>
-                        <a:rPr lang="es-ES" sz="1400" b="0" i="0" strike="noStrike" cap="none" baseline="0">
-                          <a:solidFill>
-                            <a:srgbClr val="000000"/>
-                          </a:solidFill>
-                          <a:effectLst/>
-                          <a:latin typeface="Franklin Gothic Book"/>
-                          <a:ea typeface="Franklin Gothic Book"/>
-                          <a:cs typeface="Franklin Gothic Book"/>
-                        </a:rPr>
-                        <a:t> </a:t>
-                      </a:r>
-                      <a:r>
-                        <a:rPr lang="es-ES" sz="1400" b="0" i="0" strike="noStrike" cap="none" baseline="0">
-                          <a:solidFill>
-                            <a:srgbClr val="000000"/>
-                          </a:solidFill>
-                          <a:effectLst/>
-                          <a:latin typeface="Franklin Gothic Book"/>
-                          <a:ea typeface="Franklin Gothic Book"/>
-                          <a:cs typeface="Franklin Gothic Book"/>
-                        </a:rPr>
-                        <a:t>El jengibre y el cardamomo ayudan a la digestión, la canela ayuda a regular el azúcar en sangre y los clavos agregan un impulso de antioxidantes.</a:t>
-                      </a:r>
-                      <a:endParaRPr lang="en-US" sz="2300">
-                        <a:effectLst/>
-                      </a:endParaRPr>
                     </a:p>
                   </a:txBody>
                   <a:tcPr marL="49352" marR="49352" marT="49352" marB="49352"/>
@@ -13518,77 +10185,6 @@
           </a:graphicData>
         </a:graphic>
       </p:graphicFrame>
-      <p:sp>
-        <p:nvSpPr>
-          <p:cNvPr id="15" name="TextBox"/>
-          <p:cNvSpPr txBox="1">
-            <a:spLocks noGrp="1" noSelect="1" noRot="1" noMove="1"/>
-          </p:cNvSpPr>
-          <p:nvPr/>
-        </p:nvSpPr>
-        <p:spPr>
-          <a:xfrm>
-            <a:off x="2890520" y="2644140"/>
-            <a:ext cx="6411372" cy="1569660"/>
-          </a:xfrm>
-          <a:prstGeom prst="rect">
-            <a:avLst/>
-          </a:prstGeom>
-          <a:noFill/>
-        </p:spPr>
-        <p:txBody>
-          <a:bodyPr wrap="none" rtlCol="0" anchor="ctr" anchorCtr="1">
-            <a:spAutoFit/>
-          </a:bodyPr>
-          <a:lstStyle>
-            <a:lvl1pPr algn="l">
-              <a:lnSpc>
-                <a:spcPct val="150000"/>
-              </a:lnSpc>
-              <a:spcBef>
-                <a:spcPct val="0"/>
-              </a:spcBef>
-              <a:spcAft>
-                <a:spcPct val="0"/>
-              </a:spcAft>
-              <a:defRPr lang="en-US" sz="3200" b="1" noProof="1" dirty="0">
-                <a:solidFill>
-                  <a:prstClr val="red">
-                    <a:lumOff val="30000"/>
-                    <a:alpha val="40000"/>
-                  </a:prstClr>
-                </a:solidFill>
-                <a:effectLst>
-                  <a:outerShdw blurRad="50800" dist="38100" algn="tr" rotWithShape="0">
-                    <a:prstClr val="black">
-                      <a:alpha val="80000"/>
-                    </a:prstClr>
-                  </a:outerShdw>
-                </a:effectLst>
-                <a:latin typeface="Calibri" pitchFamily="34" charset="0"/>
-              </a:defRPr>
-            </a:lvl1pPr>
-          </a:lstStyle>
-          <a:p>
-            <a:pPr algn="ctr"/>
-            <a:r>
-              <a:t>Evaluation only.</a:t>
-            </a:r>
-          </a:p>
-          <a:p>
-            <a:pPr algn="ctr"/>
-            <a:r>
-              <a:t>Created with Aspose.Slides for Java 23.6.</a:t>
-            </a:r>
-          </a:p>
-          <a:p>
-            <a:pPr algn="ctr"/>
-            <a:r>
-              <a:t>Copyright 2004-2023 Aspose Pty Ltd.</a:t>
-            </a:r>
-          </a:p>
-        </p:txBody>
-      </p:sp>
     </p:spTree>
     <p:extLst>
       <p:ext uri="{BB962C8B-B14F-4D97-AF65-F5344CB8AC3E}">
@@ -13599,14 +10195,12 @@
   <p:clrMapOvr>
     <a:masterClrMapping/>
   </p:clrMapOvr>
-  <p:transition/>
-  <p:timing/>
 </p:sld>
 </file>
 
 <file path=ppt/slides/slide6.xml><?xml version="1.0" encoding="utf-8"?>
-<p:sld xmlns:a="http://schemas.openxmlformats.org/drawingml/2006/main" xmlns:r="http://schemas.openxmlformats.org/officeDocument/2006/relationships" xmlns:m="http://schemas.openxmlformats.org/officeDocument/2006/math" xmlns:w="http://schemas.openxmlformats.org/wordprocessingml/2006/main" xmlns:wp="http://schemas.openxmlformats.org/drawingml/2006/wordprocessingDrawing" xmlns:a14="http://schemas.microsoft.com/office/drawing/2010/main" xmlns:mc="http://schemas.openxmlformats.org/markup-compatibility/2006" xmlns:p14="http://schemas.microsoft.com/office/powerpoint/2010/main" xmlns:p15="http://schemas.microsoft.com/office/powerpoint/2012/main" xmlns:p159="http://schemas.microsoft.com/office/powerpoint/2015/09/main" xmlns:p="http://schemas.openxmlformats.org/presentationml/2006/main">
-  <p:cSld name="">
+<p:sld xmlns:a="http://schemas.openxmlformats.org/drawingml/2006/main" xmlns:r="http://schemas.openxmlformats.org/officeDocument/2006/relationships" xmlns:p="http://schemas.openxmlformats.org/presentationml/2006/main">
+  <p:cSld>
     <p:bg>
       <p:bgPr>
         <a:solidFill>
@@ -13625,6 +10219,8 @@
         <a:xfrm>
           <a:off x="0" y="0"/>
           <a:ext cx="0" cy="0"/>
+          <a:chOff x="0" y="0"/>
+          <a:chExt cx="0" cy="0"/>
         </a:xfrm>
       </p:grpSpPr>
       <p:sp>
@@ -13785,7 +10381,7 @@
               <a:shade val="50000"/>
             </a:schemeClr>
           </a:lnRef>
-          <a:fillRef idx="4294967295">
+          <a:fillRef idx="1001">
             <a:schemeClr val="lt1"/>
           </a:fillRef>
           <a:effectRef idx="0">
@@ -13895,14 +10491,10 @@
           <a:lstStyle/>
           <a:p>
             <a:r>
-              <a:rPr lang="es-ES" sz="4400" b="0" i="0" strike="noStrike" cap="none" baseline="0">
+              <a:rPr lang="es-ES" sz="4400">
                 <a:solidFill>
                   <a:srgbClr val="FFFFFF"/>
                 </a:solidFill>
-                <a:effectLst/>
-                <a:latin typeface="Bookman Old Style"/>
-                <a:ea typeface="Bookman Old Style"/>
-                <a:cs typeface="Bookman Old Style"/>
               </a:rPr>
               <a:t>Descripción del producto (2/2)</a:t>
             </a:r>
@@ -13977,14 +10569,14 @@
             <p:ph idx="1"/>
             <p:extLst>
               <p:ext uri="{D42A27DB-BD31-4B8C-83A1-F6EECF244321}">
-                <p14:modId xmlns:p14="http://schemas.microsoft.com/office/powerpoint/2010/main" val="681746486"/>
+                <p14:modId xmlns:p14="http://schemas.microsoft.com/office/powerpoint/2010/main" val="2909385406"/>
               </p:ext>
             </p:extLst>
           </p:nvPr>
         </p:nvGraphicFramePr>
         <p:xfrm>
           <a:off x="5282335" y="1994843"/>
-          <a:ext cx="6275668" cy="3509822"/>
+          <a:ext cx="6275668" cy="3845102"/>
         </p:xfrm>
         <a:graphic>
           <a:graphicData uri="http://schemas.openxmlformats.org/drawingml/2006/table">
@@ -13993,14 +10585,14 @@
                 <a:tableStyleId>{69012ECD-51FC-41F1-AA8D-1B2483CD663E}</a:tableStyleId>
               </a:tblPr>
               <a:tblGrid>
-                <a:gridCol w="3382725">
+                <a:gridCol w="3303946">
                   <a:extLst>
                     <a:ext uri="{9D8B030D-6E8A-4147-A177-3AD203B41FA5}">
                       <a16:colId xmlns:a16="http://schemas.microsoft.com/office/drawing/2014/main" val="1517701022"/>
                     </a:ext>
                   </a:extLst>
                 </a:gridCol>
-                <a:gridCol w="2892943">
+                <a:gridCol w="2971722">
                   <a:extLst>
                     <a:ext uri="{9D8B030D-6E8A-4147-A177-3AD203B41FA5}">
                       <a16:colId xmlns:a16="http://schemas.microsoft.com/office/drawing/2014/main" val="4005345143"/>
@@ -14011,58 +10603,40 @@
               <a:tr h="271208">
                 <a:tc>
                   <a:txBody>
-                    <a:bodyPr vert="horz" wrap="square"/>
+                    <a:bodyPr/>
                     <a:lstStyle/>
                     <a:p>
                       <a:pPr>
                         <a:spcAft>
-                          <a:spcPct val="0"/>
+                          <a:spcPts val="0"/>
                         </a:spcAft>
                       </a:pPr>
                       <a:r>
-                        <a:rPr lang="es-ES" sz="1100" b="1" i="0" strike="noStrike" cap="none" baseline="0">
-                          <a:solidFill>
-                            <a:srgbClr val="FFFFFF"/>
-                          </a:solidFill>
+                        <a:rPr lang="es-ES" sz="1100">
                           <a:effectLst/>
-                          <a:latin typeface="Franklin Gothic Book"/>
-                          <a:ea typeface="Franklin Gothic Book"/>
-                          <a:cs typeface="Franklin Gothic Book"/>
                         </a:rPr>
                         <a:t>Nombre del producto</a:t>
                       </a:r>
-                      <a:endParaRPr lang="en-US" sz="1700">
-                        <a:effectLst/>
-                      </a:endParaRPr>
                     </a:p>
                   </a:txBody>
                   <a:tcPr marL="36849" marR="36849" marT="36849" marB="36849"/>
                 </a:tc>
                 <a:tc>
                   <a:txBody>
-                    <a:bodyPr vert="horz" wrap="square"/>
+                    <a:bodyPr/>
                     <a:lstStyle/>
                     <a:p>
                       <a:pPr>
                         <a:spcAft>
-                          <a:spcPct val="0"/>
+                          <a:spcPts val="0"/>
                         </a:spcAft>
                       </a:pPr>
                       <a:r>
-                        <a:rPr lang="es-ES" sz="1100" b="1" i="0" strike="noStrike" cap="none" baseline="0">
-                          <a:solidFill>
-                            <a:srgbClr val="FFFFFF"/>
-                          </a:solidFill>
+                        <a:rPr lang="es-ES" sz="1100">
                           <a:effectLst/>
-                          <a:latin typeface="Franklin Gothic Book"/>
-                          <a:ea typeface="Franklin Gothic Book"/>
-                          <a:cs typeface="Franklin Gothic Book"/>
                         </a:rPr>
                         <a:t>Descripción del producto</a:t>
                       </a:r>
-                      <a:endParaRPr lang="en-US" sz="1700">
-                        <a:effectLst/>
-                      </a:endParaRPr>
                     </a:p>
                   </a:txBody>
                   <a:tcPr marL="36849" marR="36849" marT="36849" marB="36849"/>
@@ -14076,106 +10650,40 @@
               <a:tr h="1081883">
                 <a:tc>
                   <a:txBody>
-                    <a:bodyPr vert="horz" wrap="square"/>
+                    <a:bodyPr/>
                     <a:lstStyle/>
                     <a:p>
                       <a:pPr>
                         <a:spcAft>
-                          <a:spcPct val="0"/>
+                          <a:spcPts val="0"/>
                         </a:spcAft>
                       </a:pPr>
                       <a:r>
-                        <a:rPr lang="es-ES" sz="1100" b="0" i="0" strike="noStrike" cap="none" baseline="0">
-                          <a:solidFill>
-                            <a:srgbClr val="000000"/>
-                          </a:solidFill>
+                        <a:rPr lang="es-ES" sz="1100" dirty="0">
                           <a:effectLst/>
-                          <a:latin typeface="Franklin Gothic Book"/>
-                          <a:ea typeface="Franklin Gothic Book"/>
-                          <a:cs typeface="Franklin Gothic Book"/>
                         </a:rPr>
-                        <a:t>Aroma y sabor intensos: el aroma cálido y especiado, y el sabor profundo y vigorizante de nuestro chai hacen que sea la bebida perfecta para comenzar el día o relajarse por la noche.</a:t>
+                        <a:t>Aroma y sabor intenso: el aroma cálido y especiado, y el sabor profundo y estimulante de nuestro chai hacen que sea la bebida perfecta para comenzar su día o relajarse por la noche. Los sabores son intensos pero equilibrados, de forma que se genera una experiencia reconfortante y relajante.</a:t>
                       </a:r>
-                      <a:r>
-                        <a:rPr lang="es-ES" sz="1100" b="0" i="0" strike="noStrike" cap="none" baseline="0">
-                          <a:solidFill>
-                            <a:srgbClr val="000000"/>
-                          </a:solidFill>
-                          <a:effectLst/>
-                          <a:latin typeface="Franklin Gothic Book"/>
-                          <a:ea typeface="Franklin Gothic Book"/>
-                          <a:cs typeface="Franklin Gothic Book"/>
-                        </a:rPr>
-                        <a:t> </a:t>
-                      </a:r>
-                      <a:r>
-                        <a:rPr lang="es-ES" sz="1100" b="0" i="0" strike="noStrike" cap="none" baseline="0">
-                          <a:solidFill>
-                            <a:srgbClr val="000000"/>
-                          </a:solidFill>
-                          <a:effectLst/>
-                          <a:latin typeface="Franklin Gothic Book"/>
-                          <a:ea typeface="Franklin Gothic Book"/>
-                          <a:cs typeface="Franklin Gothic Book"/>
-                        </a:rPr>
-                        <a:t>Los sabores son intensos pero equilibrados, de forma que se genera una experiencia reconfortante y relajante.</a:t>
-                      </a:r>
-                      <a:endParaRPr lang="en-US" sz="1700">
-                        <a:effectLst/>
-                      </a:endParaRPr>
                     </a:p>
                   </a:txBody>
                   <a:tcPr marL="36849" marR="36849" marT="36849" marB="36849"/>
                 </a:tc>
                 <a:tc>
                   <a:txBody>
-                    <a:bodyPr vert="horz" wrap="square"/>
+                    <a:bodyPr/>
                     <a:lstStyle/>
                     <a:p>
                       <a:pPr>
                         <a:spcAft>
-                          <a:spcPct val="0"/>
+                          <a:spcPts val="0"/>
                         </a:spcAft>
                       </a:pPr>
                       <a:r>
-                        <a:rPr lang="es-ES" sz="1100" b="0" i="0" strike="noStrike" cap="none" baseline="0">
-                          <a:solidFill>
-                            <a:srgbClr val="000000"/>
-                          </a:solidFill>
+                        <a:rPr lang="es-ES" sz="1100">
                           <a:effectLst/>
-                          <a:latin typeface="Franklin Gothic Book"/>
-                          <a:ea typeface="Franklin Gothic Book"/>
-                          <a:cs typeface="Franklin Gothic Book"/>
                         </a:rPr>
-                        <a:t>Opciones versátiles de preparación: ya sea que te guste tu chai bien caliente, o prefieras un refrescante té helado, o un latte cremoso, nuestra mezcla es lo suficientemente versátil como para adaptarse a cualquier preferencia.</a:t>
+                        <a:t>Opciones de elaboración versátiles: tanto si le encanta el chai muy caliente como un té helado refrescante o un latte cremoso, nuestra combinación es lo suficientemente versátil como para adaptarse a cualquier preferencia. Se incluyen instrucciones de elaboración sencillas para ayudarle a disfrutar de su chai de la forma en la que lo desee.</a:t>
                       </a:r>
-                      <a:r>
-                        <a:rPr lang="es-ES" sz="1100" b="0" i="0" strike="noStrike" cap="none" baseline="0">
-                          <a:solidFill>
-                            <a:srgbClr val="000000"/>
-                          </a:solidFill>
-                          <a:effectLst/>
-                          <a:latin typeface="Franklin Gothic Book"/>
-                          <a:ea typeface="Franklin Gothic Book"/>
-                          <a:cs typeface="Franklin Gothic Book"/>
-                        </a:rPr>
-                        <a:t> </a:t>
-                      </a:r>
-                      <a:r>
-                        <a:rPr lang="es-ES" sz="1100" b="0" i="0" strike="noStrike" cap="none" baseline="0">
-                          <a:solidFill>
-                            <a:srgbClr val="000000"/>
-                          </a:solidFill>
-                          <a:effectLst/>
-                          <a:latin typeface="Franklin Gothic Book"/>
-                          <a:ea typeface="Franklin Gothic Book"/>
-                          <a:cs typeface="Franklin Gothic Book"/>
-                        </a:rPr>
-                        <a:t>Se incluyen instrucciones de elaboración sencillas para ayudarle a disfrutar de su chai de la forma en la que lo desee.</a:t>
-                      </a:r>
-                      <a:endParaRPr lang="en-US" sz="1700">
-                        <a:effectLst/>
-                      </a:endParaRPr>
                     </a:p>
                   </a:txBody>
                   <a:tcPr marL="36849" marR="36849" marT="36849" marB="36849"/>
@@ -14189,58 +10697,40 @@
               <a:tr h="757613">
                 <a:tc>
                   <a:txBody>
-                    <a:bodyPr vert="horz" wrap="square"/>
+                    <a:bodyPr/>
                     <a:lstStyle/>
                     <a:p>
                       <a:pPr>
                         <a:spcAft>
-                          <a:spcPct val="0"/>
+                          <a:spcPts val="0"/>
                         </a:spcAft>
                       </a:pPr>
                       <a:r>
-                        <a:rPr lang="es-ES" sz="1100" b="0" i="0" strike="noStrike" cap="none" baseline="0">
-                          <a:solidFill>
-                            <a:srgbClr val="000000"/>
-                          </a:solidFill>
+                        <a:rPr lang="es-ES" sz="1100">
                           <a:effectLst/>
-                          <a:latin typeface="Franklin Gothic Book"/>
-                          <a:ea typeface="Franklin Gothic Book"/>
-                          <a:cs typeface="Franklin Gothic Book"/>
                         </a:rPr>
-                        <a:t>Origen sostenible: al estar comprometidos con la sostenibilidad, obtenemos nuestros ingredientes de pequeñas explotaciones que practican la agricultura ecológica, garantizando no solo la mejor calidad, sino también el bienestar de nuestro planeta.</a:t>
+                        <a:t>De origen sostenible: nos comprometemos con la sostenibilidad, por ello nos abastecemos de ingredientes procedentes de granjas a pequeña escala que practican la agricultura ecológica, así no solo garantizamos la mejor calidad, sino también el bienestar de nuestro planeta.</a:t>
                       </a:r>
-                      <a:endParaRPr lang="en-US" sz="1700">
-                        <a:effectLst/>
-                      </a:endParaRPr>
                     </a:p>
                   </a:txBody>
                   <a:tcPr marL="36849" marR="36849" marT="36849" marB="36849"/>
                 </a:tc>
                 <a:tc>
                   <a:txBody>
-                    <a:bodyPr vert="horz" wrap="square"/>
+                    <a:bodyPr/>
                     <a:lstStyle/>
                     <a:p>
                       <a:pPr>
                         <a:spcAft>
-                          <a:spcPct val="0"/>
+                          <a:spcPts val="0"/>
                         </a:spcAft>
                       </a:pPr>
                       <a:r>
-                        <a:rPr lang="es-ES" sz="1100" b="0" i="0" strike="noStrike" cap="none" baseline="0">
-                          <a:solidFill>
-                            <a:srgbClr val="000000"/>
-                          </a:solidFill>
+                        <a:rPr lang="es-ES" sz="1100">
                           <a:effectLst/>
-                          <a:latin typeface="Franklin Gothic Book"/>
-                          <a:ea typeface="Franklin Gothic Book"/>
-                          <a:cs typeface="Franklin Gothic Book"/>
                         </a:rPr>
-                        <a:t>Envase elegante: el té chai Mystic Spice viene en un envase elegante, ecológico, lo que lo convierte en el regalo ideal para los amantes del té o un capricho lujoso para ti mismo.</a:t>
+                        <a:t>Envase elegante: el té chai Mystic Spice viene en un envase con un precioso diseño y respetuoso con el medio ambiente, por lo que es un estupendo regalo para los amantes del té o para usted mismo.</a:t>
                       </a:r>
-                      <a:endParaRPr lang="en-US" sz="1700">
-                        <a:effectLst/>
-                      </a:endParaRPr>
                     </a:p>
                   </a:txBody>
                   <a:tcPr marL="36849" marR="36849" marT="36849" marB="36849"/>
@@ -14254,82 +10744,40 @@
               <a:tr h="757613">
                 <a:tc>
                   <a:txBody>
-                    <a:bodyPr vert="horz" wrap="square"/>
+                    <a:bodyPr/>
                     <a:lstStyle/>
                     <a:p>
                       <a:pPr>
                         <a:spcAft>
-                          <a:spcPct val="0"/>
+                          <a:spcPts val="0"/>
                         </a:spcAft>
                       </a:pPr>
                       <a:r>
-                        <a:rPr lang="es-ES" sz="1100" b="0" i="0" strike="noStrike" cap="none" baseline="0">
-                          <a:solidFill>
-                            <a:srgbClr val="000000"/>
-                          </a:solidFill>
+                        <a:rPr lang="es-ES" sz="1100">
                           <a:effectLst/>
-                          <a:latin typeface="Franklin Gothic Book"/>
-                          <a:ea typeface="Franklin Gothic Book"/>
-                          <a:cs typeface="Franklin Gothic Book"/>
                         </a:rPr>
-                        <a:t>Garantía de satisfacción del cliente: Respaldamos nuestro producto y ofrecemos una garantía de satisfacción.</a:t>
+                        <a:t>Garantía de satisfacción del cliente: respaldamos nuestro producto y ofrecemos una garantía de satisfacción. Si el té chai Mystic Spice no satisface sus expectativas, nos comprometemos a resolverlo.</a:t>
                       </a:r>
-                      <a:r>
-                        <a:rPr lang="es-ES" sz="1100" b="0" i="0" strike="noStrike" cap="none" baseline="0">
-                          <a:solidFill>
-                            <a:srgbClr val="000000"/>
-                          </a:solidFill>
-                          <a:effectLst/>
-                          <a:latin typeface="Franklin Gothic Book"/>
-                          <a:ea typeface="Franklin Gothic Book"/>
-                          <a:cs typeface="Franklin Gothic Book"/>
-                        </a:rPr>
-                        <a:t> </a:t>
-                      </a:r>
-                      <a:r>
-                        <a:rPr lang="es-ES" sz="1100" b="0" i="0" strike="noStrike" cap="none" baseline="0">
-                          <a:solidFill>
-                            <a:srgbClr val="000000"/>
-                          </a:solidFill>
-                          <a:effectLst/>
-                          <a:latin typeface="Franklin Gothic Book"/>
-                          <a:ea typeface="Franklin Gothic Book"/>
-                          <a:cs typeface="Franklin Gothic Book"/>
-                        </a:rPr>
-                        <a:t>Si el té chai Mystic Spice no satisface sus expectativas, nos comprometemos a resolverlo.</a:t>
-                      </a:r>
-                      <a:endParaRPr lang="en-US" sz="1700">
-                        <a:effectLst/>
-                      </a:endParaRPr>
                     </a:p>
                   </a:txBody>
                   <a:tcPr marL="36849" marR="36849" marT="36849" marB="36849"/>
                 </a:tc>
                 <a:tc>
                   <a:txBody>
-                    <a:bodyPr vert="horz" wrap="square"/>
+                    <a:bodyPr/>
                     <a:lstStyle/>
                     <a:p>
                       <a:pPr>
                         <a:spcAft>
-                          <a:spcPct val="0"/>
+                          <a:spcPts val="0"/>
                         </a:spcAft>
                       </a:pPr>
                       <a:r>
-                        <a:rPr lang="es-ES" sz="1100" b="0" i="0" strike="noStrike" cap="none" baseline="0">
-                          <a:solidFill>
-                            <a:srgbClr val="000000"/>
-                          </a:solidFill>
+                        <a:rPr lang="es-ES" sz="1100" dirty="0">
                           <a:effectLst/>
-                          <a:latin typeface="Franklin Gothic Book"/>
-                          <a:ea typeface="Franklin Gothic Book"/>
-                          <a:cs typeface="Franklin Gothic Book"/>
                         </a:rPr>
-                        <a:t>Ideal para: los apasionados del té, las personas conscientes de la salud, los amantes de las bebidas calientes especiadas, y cualquier persona que desea explorar los sabores intensos del chai indio tradicional.</a:t>
+                        <a:t>Ideal para los siguientes consumidores: entusiastas del té, personas concienciadas con su salud, amantes de las bebidas calientes y especiadas, y cualquier persona que quiera explorar los intensos sabores del chai indio tradicional.</a:t>
                       </a:r>
-                      <a:endParaRPr lang="en-US" sz="1700">
-                        <a:effectLst/>
-                      </a:endParaRPr>
                     </a:p>
                   </a:txBody>
                   <a:tcPr marL="36849" marR="36849" marT="36849" marB="36849"/>
@@ -14344,77 +10792,6 @@
           </a:graphicData>
         </a:graphic>
       </p:graphicFrame>
-      <p:sp>
-        <p:nvSpPr>
-          <p:cNvPr id="19" name="TextBox"/>
-          <p:cNvSpPr txBox="1">
-            <a:spLocks noGrp="1" noSelect="1" noRot="1" noMove="1"/>
-          </p:cNvSpPr>
-          <p:nvPr/>
-        </p:nvSpPr>
-        <p:spPr>
-          <a:xfrm>
-            <a:off x="2890520" y="2644140"/>
-            <a:ext cx="6411372" cy="1569660"/>
-          </a:xfrm>
-          <a:prstGeom prst="rect">
-            <a:avLst/>
-          </a:prstGeom>
-          <a:noFill/>
-        </p:spPr>
-        <p:txBody>
-          <a:bodyPr wrap="none" rtlCol="0" anchor="ctr" anchorCtr="1">
-            <a:spAutoFit/>
-          </a:bodyPr>
-          <a:lstStyle>
-            <a:lvl1pPr algn="l">
-              <a:lnSpc>
-                <a:spcPct val="150000"/>
-              </a:lnSpc>
-              <a:spcBef>
-                <a:spcPct val="0"/>
-              </a:spcBef>
-              <a:spcAft>
-                <a:spcPct val="0"/>
-              </a:spcAft>
-              <a:defRPr lang="en-US" sz="3200" b="1" noProof="1" dirty="0">
-                <a:solidFill>
-                  <a:prstClr val="red">
-                    <a:lumOff val="30000"/>
-                    <a:alpha val="40000"/>
-                  </a:prstClr>
-                </a:solidFill>
-                <a:effectLst>
-                  <a:outerShdw blurRad="50800" dist="38100" algn="tr" rotWithShape="0">
-                    <a:prstClr val="black">
-                      <a:alpha val="80000"/>
-                    </a:prstClr>
-                  </a:outerShdw>
-                </a:effectLst>
-                <a:latin typeface="Calibri" pitchFamily="34" charset="0"/>
-              </a:defRPr>
-            </a:lvl1pPr>
-          </a:lstStyle>
-          <a:p>
-            <a:pPr algn="ctr"/>
-            <a:r>
-              <a:t>Evaluation only.</a:t>
-            </a:r>
-          </a:p>
-          <a:p>
-            <a:pPr algn="ctr"/>
-            <a:r>
-              <a:t>Created with Aspose.Slides for Java 23.6.</a:t>
-            </a:r>
-          </a:p>
-          <a:p>
-            <a:pPr algn="ctr"/>
-            <a:r>
-              <a:t>Copyright 2004-2023 Aspose Pty Ltd.</a:t>
-            </a:r>
-          </a:p>
-        </p:txBody>
-      </p:sp>
     </p:spTree>
     <p:extLst>
       <p:ext uri="{BB962C8B-B14F-4D97-AF65-F5344CB8AC3E}">
@@ -14425,14 +10802,12 @@
   <p:clrMapOvr>
     <a:masterClrMapping/>
   </p:clrMapOvr>
-  <p:transition/>
-  <p:timing/>
 </p:sld>
 </file>
 
 <file path=ppt/slides/slide7.xml><?xml version="1.0" encoding="utf-8"?>
-<p:sld xmlns:a="http://schemas.openxmlformats.org/drawingml/2006/main" xmlns:r="http://schemas.openxmlformats.org/officeDocument/2006/relationships" xmlns:m="http://schemas.openxmlformats.org/officeDocument/2006/math" xmlns:w="http://schemas.openxmlformats.org/wordprocessingml/2006/main" xmlns:wp="http://schemas.openxmlformats.org/drawingml/2006/wordprocessingDrawing" xmlns:a14="http://schemas.microsoft.com/office/drawing/2010/main" xmlns:mc="http://schemas.openxmlformats.org/markup-compatibility/2006" xmlns:p14="http://schemas.microsoft.com/office/powerpoint/2010/main" xmlns:p15="http://schemas.microsoft.com/office/powerpoint/2012/main" xmlns:p159="http://schemas.microsoft.com/office/powerpoint/2015/09/main" xmlns:p="http://schemas.openxmlformats.org/presentationml/2006/main">
-  <p:cSld name="">
+<p:sld xmlns:a="http://schemas.openxmlformats.org/drawingml/2006/main" xmlns:r="http://schemas.openxmlformats.org/officeDocument/2006/relationships" xmlns:p="http://schemas.openxmlformats.org/presentationml/2006/main">
+  <p:cSld>
     <p:bg>
       <p:bgPr>
         <a:solidFill>
@@ -14451,6 +10826,8 @@
         <a:xfrm>
           <a:off x="0" y="0"/>
           <a:ext cx="0" cy="0"/>
+          <a:chOff x="0" y="0"/>
+          <a:chExt cx="0" cy="0"/>
         </a:xfrm>
       </p:grpSpPr>
       <p:sp>
@@ -14648,27 +11025,19 @@
         </p:nvSpPr>
         <p:spPr>
           <a:xfrm>
-            <a:off x="6411685" y="634946"/>
-            <a:ext cx="5127171" cy="1450757"/>
+            <a:off x="6411686" y="634946"/>
+            <a:ext cx="4989132" cy="1450757"/>
           </a:xfrm>
         </p:spPr>
         <p:txBody>
           <a:bodyPr vert="horz" lIns="91440" tIns="45720" rIns="91440" bIns="45720" rtlCol="0" anchor="b">
-            <a:normAutofit fontScale="90000"/>
+            <a:noAutofit/>
           </a:bodyPr>
           <a:lstStyle/>
           <a:p>
             <a:r>
-              <a:rPr lang="es-ES" sz="4700" b="0" i="0" strike="noStrike" cap="none" baseline="0">
-                <a:solidFill>
-                  <a:srgbClr val="404040"/>
-                </a:solidFill>
-                <a:effectLst/>
-                <a:latin typeface="Bookman Old Style"/>
-                <a:ea typeface="Bookman Old Style"/>
-                <a:cs typeface="Bookman Old Style"/>
-              </a:rPr>
-              <a:t>Tendencias y demanda del mercado</a:t>
+              <a:rPr lang="es-ES" sz="4400" dirty="0"/>
+              <a:t>Tendencia y demanda del mercado</a:t>
             </a:r>
           </a:p>
         </p:txBody>
@@ -14752,7 +11121,7 @@
         </p:spPr>
         <p:txBody>
           <a:bodyPr vert="horz" lIns="0" tIns="45720" rIns="0" bIns="45720" rtlCol="0">
-            <a:normAutofit fontScale="95000" lnSpcReduction="20000"/>
+            <a:noAutofit/>
           </a:bodyPr>
           <a:lstStyle/>
           <a:p>
@@ -14762,15 +11131,7 @@
               </a:lnSpc>
             </a:pPr>
             <a:r>
-              <a:rPr lang="es-ES" sz="1400" b="0" i="0" strike="noStrike" cap="none" baseline="0">
-                <a:solidFill>
-                  <a:srgbClr val="404040"/>
-                </a:solidFill>
-                <a:effectLst/>
-                <a:latin typeface="Franklin Gothic Book"/>
-                <a:ea typeface="Franklin Gothic Book"/>
-                <a:cs typeface="Franklin Gothic Book"/>
-              </a:rPr>
+              <a:rPr lang="es-ES" sz="1200"/>
               <a:t>América Latina ofrece una excelente oportunidad para el té chai</a:t>
             </a:r>
           </a:p>
@@ -14781,15 +11142,7 @@
               </a:lnSpc>
             </a:pPr>
             <a:r>
-              <a:rPr lang="es-ES" sz="1400" b="0" i="0" strike="noStrike" cap="none" baseline="0">
-                <a:solidFill>
-                  <a:srgbClr val="404040"/>
-                </a:solidFill>
-                <a:effectLst/>
-                <a:latin typeface="Franklin Gothic Book"/>
-                <a:ea typeface="Franklin Gothic Book"/>
-                <a:cs typeface="Franklin Gothic Book"/>
-              </a:rPr>
+              <a:rPr lang="es-ES" sz="1200"/>
               <a:t>Creciente demanda por productos saludables, naturales y exóticos</a:t>
             </a:r>
           </a:p>
@@ -14800,15 +11153,7 @@
               </a:lnSpc>
             </a:pPr>
             <a:r>
-              <a:rPr lang="es-ES" sz="1400" b="0" i="0" strike="noStrike" cap="none" baseline="0">
-                <a:solidFill>
-                  <a:srgbClr val="404040"/>
-                </a:solidFill>
-                <a:effectLst/>
-                <a:latin typeface="Franklin Gothic Book"/>
-                <a:ea typeface="Franklin Gothic Book"/>
-                <a:cs typeface="Franklin Gothic Book"/>
-              </a:rPr>
+              <a:rPr lang="es-ES" sz="1200"/>
               <a:t>Sólida cultura del té en países como Argentina, Chile y Uruguay</a:t>
             </a:r>
           </a:p>
@@ -14819,15 +11164,7 @@
               </a:lnSpc>
             </a:pPr>
             <a:r>
-              <a:rPr lang="es-ES" sz="1400" b="0" i="0" strike="noStrike" cap="none" baseline="0">
-                <a:solidFill>
-                  <a:srgbClr val="404040"/>
-                </a:solidFill>
-                <a:effectLst/>
-                <a:latin typeface="Franklin Gothic Book"/>
-                <a:ea typeface="Franklin Gothic Book"/>
-                <a:cs typeface="Franklin Gothic Book"/>
-              </a:rPr>
+              <a:rPr lang="es-ES" sz="1200"/>
               <a:t>El té chai puede gustarles tanto a los amantes del té como a los del café</a:t>
             </a:r>
           </a:p>
@@ -14838,16 +11175,8 @@
               </a:lnSpc>
             </a:pPr>
             <a:r>
-              <a:rPr lang="es-ES" sz="1400" b="0" i="0" strike="noStrike" cap="none" baseline="0">
-                <a:solidFill>
-                  <a:srgbClr val="404040"/>
-                </a:solidFill>
-                <a:effectLst/>
-                <a:latin typeface="Franklin Gothic Book"/>
-                <a:ea typeface="Franklin Gothic Book"/>
-                <a:cs typeface="Franklin Gothic Book"/>
-              </a:rPr>
-              <a:t>El té chai se adapta al estilo de vida y las preferencias de los consumidores de América Latina</a:t>
+              <a:rPr lang="es-ES" sz="1200"/>
+              <a:t>El té chai se adapta al estilo de vida y a las preferencias de los consumidores de América Latina</a:t>
             </a:r>
           </a:p>
           <a:p>
@@ -14857,16 +11186,8 @@
               </a:lnSpc>
             </a:pPr>
             <a:r>
-              <a:rPr lang="es-ES" sz="1400" b="0" i="0" strike="noStrike" cap="none" baseline="0">
-                <a:solidFill>
-                  <a:srgbClr val="404040"/>
-                </a:solidFill>
-                <a:effectLst/>
-                <a:latin typeface="Franklin Gothic Book"/>
-                <a:ea typeface="Franklin Gothic Book"/>
-                <a:cs typeface="Franklin Gothic Book"/>
-              </a:rPr>
-              <a:t>El tamaño del mercado mundial del té chai se valoró en 1,9 mil millones de dólares en 2019</a:t>
+              <a:rPr lang="es-ES" sz="1200"/>
+              <a:t>El tamaño del mercado mundial del té chai se valoró en 1,9 mil millones de dólares en 2019</a:t>
             </a:r>
           </a:p>
           <a:p>
@@ -14876,16 +11197,8 @@
               </a:lnSpc>
             </a:pPr>
             <a:r>
-              <a:rPr lang="es-ES" sz="1400" b="0" i="0" strike="noStrike" cap="none" baseline="0">
-                <a:solidFill>
-                  <a:srgbClr val="404040"/>
-                </a:solidFill>
-                <a:effectLst/>
-                <a:latin typeface="Franklin Gothic Book"/>
-                <a:ea typeface="Franklin Gothic Book"/>
-                <a:cs typeface="Franklin Gothic Book"/>
-              </a:rPr>
-              <a:t>Se espera que crezca a una CAGR del 5,5 % desde 2020 hasta 2027</a:t>
+              <a:rPr lang="es-ES" sz="1200"/>
+              <a:t>Se espera que crezca a una CAGR del 5,5 % desde 2020 hasta 2027</a:t>
             </a:r>
           </a:p>
           <a:p>
@@ -14895,15 +11208,7 @@
               </a:lnSpc>
             </a:pPr>
             <a:r>
-              <a:rPr lang="es-ES" sz="1400" b="0" i="0" strike="noStrike" cap="none" baseline="0">
-                <a:solidFill>
-                  <a:srgbClr val="404040"/>
-                </a:solidFill>
-                <a:effectLst/>
-                <a:latin typeface="Franklin Gothic Book"/>
-                <a:ea typeface="Franklin Gothic Book"/>
-                <a:cs typeface="Franklin Gothic Book"/>
-              </a:rPr>
+              <a:rPr lang="es-ES" sz="1200"/>
               <a:t>América Latina es una de las regiones con el crecimiento más rápido para el té chai</a:t>
             </a:r>
           </a:p>
@@ -14914,15 +11219,7 @@
               </a:lnSpc>
             </a:pPr>
             <a:r>
-              <a:rPr lang="es-ES" sz="1400" b="0" i="0" strike="noStrike" cap="none" baseline="0">
-                <a:solidFill>
-                  <a:srgbClr val="404040"/>
-                </a:solidFill>
-                <a:effectLst/>
-                <a:latin typeface="Franklin Gothic Book"/>
-                <a:ea typeface="Franklin Gothic Book"/>
-                <a:cs typeface="Franklin Gothic Book"/>
-              </a:rPr>
+              <a:rPr lang="es-ES" sz="1200"/>
               <a:t>Entre los principales impulsores del crecimiento se incluye el creciente conocimiento, el aumento de los ingresos disponibles y la distribución en aumento</a:t>
             </a:r>
           </a:p>
@@ -15006,14 +11303,14 @@
             <p:ph sz="half" idx="1"/>
             <p:extLst>
               <p:ext uri="{D42A27DB-BD31-4B8C-83A1-F6EECF244321}">
-                <p14:modId xmlns:p14="http://schemas.microsoft.com/office/powerpoint/2010/main" val="3887441503"/>
+                <p14:modId xmlns:p14="http://schemas.microsoft.com/office/powerpoint/2010/main" val="2893062062"/>
               </p:ext>
             </p:extLst>
           </p:nvPr>
         </p:nvGraphicFramePr>
         <p:xfrm>
           <a:off x="643192" y="1541387"/>
-          <a:ext cx="5115348" cy="4642572"/>
+          <a:ext cx="5115348" cy="3575772"/>
         </p:xfrm>
         <a:graphic>
           <a:graphicData uri="http://schemas.openxmlformats.org/drawingml/2006/table">
@@ -15050,18 +11347,14 @@
               <a:tr h="1697807">
                 <a:tc>
                   <a:txBody>
-                    <a:bodyPr vert="horz" wrap="square"/>
+                    <a:bodyPr/>
                     <a:lstStyle/>
                     <a:p>
                       <a:r>
-                        <a:rPr lang="es-ES" sz="2000" b="1" i="0" strike="noStrike" cap="all" baseline="0">
+                        <a:rPr lang="es-ES" sz="1800" b="1" cap="all" dirty="0">
                           <a:solidFill>
-                            <a:srgbClr val="000000"/>
+                            <a:schemeClr val="tx1"/>
                           </a:solidFill>
-                          <a:effectLst/>
-                          <a:latin typeface="Franklin Gothic Book"/>
-                          <a:ea typeface="Franklin Gothic Book"/>
-                          <a:cs typeface="Franklin Gothic Book"/>
                         </a:rPr>
                         <a:t>Región</a:t>
                       </a:r>
@@ -15085,20 +11378,16 @@
                 </a:tc>
                 <a:tc>
                   <a:txBody>
-                    <a:bodyPr vert="horz" wrap="square"/>
+                    <a:bodyPr/>
                     <a:lstStyle/>
                     <a:p>
                       <a:r>
-                        <a:rPr lang="es-ES" sz="2000" b="1" i="0" strike="noStrike" cap="all" baseline="0">
+                        <a:rPr lang="es-ES" sz="1800" b="1" cap="all" dirty="0">
                           <a:solidFill>
-                            <a:srgbClr val="000000"/>
+                            <a:schemeClr val="tx1"/>
                           </a:solidFill>
-                          <a:effectLst/>
-                          <a:latin typeface="Franklin Gothic Book"/>
-                          <a:ea typeface="Franklin Gothic Book"/>
-                          <a:cs typeface="Franklin Gothic Book"/>
                         </a:rPr>
-                        <a:t>Tamaño del mercado del té chai (miles de millones de dólares estadounidenses)</a:t>
+                        <a:t>Tamaño del mercado del té chai (miles de millones de dólares)</a:t>
                       </a:r>
                     </a:p>
                   </a:txBody>
@@ -15120,18 +11409,14 @@
                 </a:tc>
                 <a:tc>
                   <a:txBody>
-                    <a:bodyPr vert="horz" wrap="square"/>
+                    <a:bodyPr/>
                     <a:lstStyle/>
                     <a:p>
                       <a:r>
-                        <a:rPr lang="es-ES" sz="2000" b="1" i="0" strike="noStrike" cap="all" baseline="0">
+                        <a:rPr lang="es-ES" sz="1800" b="1" cap="all">
                           <a:solidFill>
-                            <a:srgbClr val="000000"/>
+                            <a:schemeClr val="tx1"/>
                           </a:solidFill>
-                          <a:effectLst/>
-                          <a:latin typeface="Franklin Gothic Book"/>
-                          <a:ea typeface="Franklin Gothic Book"/>
-                          <a:cs typeface="Franklin Gothic Book"/>
                         </a:rPr>
                         <a:t>CAGR (2020-2027)</a:t>
                       </a:r>
@@ -15162,18 +11447,14 @@
               <a:tr h="680116">
                 <a:tc>
                   <a:txBody>
-                    <a:bodyPr vert="horz" wrap="square"/>
+                    <a:bodyPr/>
                     <a:lstStyle/>
                     <a:p>
                       <a:r>
-                        <a:rPr lang="es-ES" sz="2600" b="0" i="0" strike="noStrike" cap="none" baseline="0">
+                        <a:rPr lang="es-ES" sz="2400" cap="none">
                           <a:solidFill>
-                            <a:srgbClr val="000000"/>
+                            <a:schemeClr val="tx1"/>
                           </a:solidFill>
-                          <a:effectLst/>
-                          <a:latin typeface="Franklin Gothic Book"/>
-                          <a:ea typeface="Franklin Gothic Book"/>
-                          <a:cs typeface="Franklin Gothic Book"/>
                         </a:rPr>
                         <a:t>Global</a:t>
                       </a:r>
@@ -15202,18 +11483,14 @@
                 </a:tc>
                 <a:tc>
                   <a:txBody>
-                    <a:bodyPr vert="horz" wrap="square"/>
+                    <a:bodyPr/>
                     <a:lstStyle/>
                     <a:p>
                       <a:r>
-                        <a:rPr lang="es-ES" sz="2600" b="0" i="0" strike="noStrike" cap="none" baseline="0">
+                        <a:rPr lang="es-ES" sz="2400" cap="none" dirty="0">
                           <a:solidFill>
-                            <a:srgbClr val="000000"/>
+                            <a:schemeClr val="tx1"/>
                           </a:solidFill>
-                          <a:effectLst/>
-                          <a:latin typeface="Franklin Gothic Book"/>
-                          <a:ea typeface="Franklin Gothic Book"/>
-                          <a:cs typeface="Franklin Gothic Book"/>
                         </a:rPr>
                         <a:t>1,9</a:t>
                       </a:r>
@@ -15242,18 +11519,14 @@
                 </a:tc>
                 <a:tc>
                   <a:txBody>
-                    <a:bodyPr vert="horz" wrap="square"/>
+                    <a:bodyPr/>
                     <a:lstStyle/>
                     <a:p>
                       <a:r>
-                        <a:rPr lang="es-ES" sz="2600" b="0" i="0" strike="noStrike" cap="none" baseline="0">
+                        <a:rPr lang="es-ES" sz="2400" cap="none" dirty="0">
                           <a:solidFill>
-                            <a:srgbClr val="000000"/>
+                            <a:schemeClr val="tx1"/>
                           </a:solidFill>
-                          <a:effectLst/>
-                          <a:latin typeface="Franklin Gothic Book"/>
-                          <a:ea typeface="Franklin Gothic Book"/>
-                          <a:cs typeface="Franklin Gothic Book"/>
                         </a:rPr>
                         <a:t>5,5 %</a:t>
                       </a:r>
@@ -15289,18 +11562,14 @@
               <a:tr h="1077264">
                 <a:tc>
                   <a:txBody>
-                    <a:bodyPr vert="horz" wrap="square"/>
+                    <a:bodyPr/>
                     <a:lstStyle/>
                     <a:p>
                       <a:r>
-                        <a:rPr lang="es-ES" sz="2600" b="0" i="0" strike="noStrike" cap="none" baseline="0">
+                        <a:rPr lang="es-ES" sz="2400" cap="none">
                           <a:solidFill>
-                            <a:srgbClr val="000000"/>
+                            <a:schemeClr val="tx1"/>
                           </a:solidFill>
-                          <a:effectLst/>
-                          <a:latin typeface="Franklin Gothic Book"/>
-                          <a:ea typeface="Franklin Gothic Book"/>
-                          <a:cs typeface="Franklin Gothic Book"/>
                         </a:rPr>
                         <a:t>América Latina</a:t>
                       </a:r>
@@ -15332,20 +11601,16 @@
                 </a:tc>
                 <a:tc>
                   <a:txBody>
-                    <a:bodyPr vert="horz" wrap="square"/>
+                    <a:bodyPr/>
                     <a:lstStyle/>
                     <a:p>
                       <a:r>
-                        <a:rPr lang="es-ES" sz="2600" b="0" i="0" strike="noStrike" cap="none" baseline="0">
+                        <a:rPr lang="es-ES" sz="2400" cap="none">
                           <a:solidFill>
-                            <a:srgbClr val="000000"/>
+                            <a:schemeClr val="tx1"/>
                           </a:solidFill>
-                          <a:effectLst/>
-                          <a:latin typeface="Franklin Gothic Book"/>
-                          <a:ea typeface="Franklin Gothic Book"/>
-                          <a:cs typeface="Franklin Gothic Book"/>
                         </a:rPr>
-                        <a:t>N/D</a:t>
+                        <a:t>No disponible</a:t>
                       </a:r>
                     </a:p>
                   </a:txBody>
@@ -15375,18 +11640,14 @@
                 </a:tc>
                 <a:tc>
                   <a:txBody>
-                    <a:bodyPr vert="horz" wrap="square"/>
+                    <a:bodyPr/>
                     <a:lstStyle/>
                     <a:p>
                       <a:r>
-                        <a:rPr lang="es-ES" sz="2600" b="0" i="0" strike="noStrike" cap="none" baseline="0">
+                        <a:rPr lang="es-ES" sz="2400" cap="none" dirty="0">
                           <a:solidFill>
-                            <a:srgbClr val="000000"/>
+                            <a:schemeClr val="tx1"/>
                           </a:solidFill>
-                          <a:effectLst/>
-                          <a:latin typeface="Franklin Gothic Book"/>
-                          <a:ea typeface="Franklin Gothic Book"/>
-                          <a:cs typeface="Franklin Gothic Book"/>
                         </a:rPr>
                         <a:t>6,2 %</a:t>
                       </a:r>
@@ -15426,77 +11687,6 @@
           </a:graphicData>
         </a:graphic>
       </p:graphicFrame>
-      <p:sp>
-        <p:nvSpPr>
-          <p:cNvPr id="20" name="TextBox"/>
-          <p:cNvSpPr txBox="1">
-            <a:spLocks noGrp="1" noSelect="1" noRot="1" noMove="1"/>
-          </p:cNvSpPr>
-          <p:nvPr/>
-        </p:nvSpPr>
-        <p:spPr>
-          <a:xfrm>
-            <a:off x="2890520" y="2644140"/>
-            <a:ext cx="6411372" cy="1569660"/>
-          </a:xfrm>
-          <a:prstGeom prst="rect">
-            <a:avLst/>
-          </a:prstGeom>
-          <a:noFill/>
-        </p:spPr>
-        <p:txBody>
-          <a:bodyPr wrap="none" rtlCol="0" anchor="ctr" anchorCtr="1">
-            <a:spAutoFit/>
-          </a:bodyPr>
-          <a:lstStyle>
-            <a:lvl1pPr algn="l">
-              <a:lnSpc>
-                <a:spcPct val="150000"/>
-              </a:lnSpc>
-              <a:spcBef>
-                <a:spcPct val="0"/>
-              </a:spcBef>
-              <a:spcAft>
-                <a:spcPct val="0"/>
-              </a:spcAft>
-              <a:defRPr lang="en-US" sz="3200" b="1" noProof="1" dirty="0">
-                <a:solidFill>
-                  <a:prstClr val="red">
-                    <a:lumOff val="30000"/>
-                    <a:alpha val="40000"/>
-                  </a:prstClr>
-                </a:solidFill>
-                <a:effectLst>
-                  <a:outerShdw blurRad="50800" dist="38100" algn="tr" rotWithShape="0">
-                    <a:prstClr val="black">
-                      <a:alpha val="80000"/>
-                    </a:prstClr>
-                  </a:outerShdw>
-                </a:effectLst>
-                <a:latin typeface="Calibri" pitchFamily="34" charset="0"/>
-              </a:defRPr>
-            </a:lvl1pPr>
-          </a:lstStyle>
-          <a:p>
-            <a:pPr algn="ctr"/>
-            <a:r>
-              <a:t>Evaluation only.</a:t>
-            </a:r>
-          </a:p>
-          <a:p>
-            <a:pPr algn="ctr"/>
-            <a:r>
-              <a:t>Created with Aspose.Slides for Java 23.6.</a:t>
-            </a:r>
-          </a:p>
-          <a:p>
-            <a:pPr algn="ctr"/>
-            <a:r>
-              <a:t>Copyright 2004-2023 Aspose Pty Ltd.</a:t>
-            </a:r>
-          </a:p>
-        </p:txBody>
-      </p:sp>
     </p:spTree>
     <p:extLst>
       <p:ext uri="{BB962C8B-B14F-4D97-AF65-F5344CB8AC3E}">
@@ -15507,14 +11697,12 @@
   <p:clrMapOvr>
     <a:masterClrMapping/>
   </p:clrMapOvr>
-  <p:transition/>
-  <p:timing/>
 </p:sld>
 </file>
 
 <file path=ppt/slides/slide8.xml><?xml version="1.0" encoding="utf-8"?>
-<p:sld xmlns:a="http://schemas.openxmlformats.org/drawingml/2006/main" xmlns:r="http://schemas.openxmlformats.org/officeDocument/2006/relationships" xmlns:m="http://schemas.openxmlformats.org/officeDocument/2006/math" xmlns:w="http://schemas.openxmlformats.org/wordprocessingml/2006/main" xmlns:wp="http://schemas.openxmlformats.org/drawingml/2006/wordprocessingDrawing" xmlns:a14="http://schemas.microsoft.com/office/drawing/2010/main" xmlns:mc="http://schemas.openxmlformats.org/markup-compatibility/2006" xmlns:p14="http://schemas.microsoft.com/office/powerpoint/2010/main" xmlns:p15="http://schemas.microsoft.com/office/powerpoint/2012/main" xmlns:p159="http://schemas.microsoft.com/office/powerpoint/2015/09/main" xmlns:p="http://schemas.openxmlformats.org/presentationml/2006/main">
-  <p:cSld name="">
+<p:sld xmlns:a="http://schemas.openxmlformats.org/drawingml/2006/main" xmlns:r="http://schemas.openxmlformats.org/officeDocument/2006/relationships" xmlns:p="http://schemas.openxmlformats.org/presentationml/2006/main">
+  <p:cSld>
     <p:bg>
       <p:bgPr>
         <a:solidFill>
@@ -15533,6 +11721,8 @@
         <a:xfrm>
           <a:off x="0" y="0"/>
           <a:ext cx="0" cy="0"/>
+          <a:chOff x="0" y="0"/>
+          <a:chExt cx="0" cy="0"/>
         </a:xfrm>
       </p:grpSpPr>
       <p:sp useBgFill="1">
@@ -15576,7 +11766,7 @@
               <a:shade val="50000"/>
             </a:schemeClr>
           </a:lnRef>
-          <a:fillRef idx="4294967295">
+          <a:fillRef idx="1001">
             <a:schemeClr val="lt1"/>
           </a:fillRef>
           <a:effectRef idx="0">
@@ -15686,16 +11876,12 @@
           <a:lstStyle/>
           <a:p>
             <a:r>
-              <a:rPr lang="es-ES" sz="4400" b="0" i="0" strike="noStrike" cap="none" baseline="0">
+              <a:rPr lang="es-ES" sz="4400">
                 <a:solidFill>
                   <a:srgbClr val="FFFFFF"/>
                 </a:solidFill>
-                <a:effectLst/>
-                <a:latin typeface="Bookman Old Style"/>
-                <a:ea typeface="Bookman Old Style"/>
-                <a:cs typeface="Bookman Old Style"/>
               </a:rPr>
-              <a:t>Canales de distribución: minoristas</a:t>
+              <a:t>Canales de distribución: Minoristas</a:t>
             </a:r>
           </a:p>
         </p:txBody>
@@ -15724,180 +11910,53 @@
         </p:spPr>
         <p:txBody>
           <a:bodyPr anchor="ctr">
-            <a:normAutofit fontScale="97500" lnSpcReduction="10000"/>
+            <a:normAutofit/>
           </a:bodyPr>
           <a:lstStyle/>
           <a:p>
             <a:r>
-              <a:rPr lang="es-ES" sz="2200" b="0" i="0" strike="noStrike" cap="none" baseline="0">
-                <a:solidFill>
-                  <a:srgbClr val="404040"/>
-                </a:solidFill>
-                <a:effectLst/>
-                <a:latin typeface="Franklin Gothic Book"/>
-                <a:ea typeface="Franklin Gothic Book"/>
-                <a:cs typeface="Franklin Gothic Book"/>
-              </a:rPr>
-              <a:t>Minoristas: venden los productos de té chai directamente a los consumidores</a:t>
+              <a:rPr lang="es-ES" sz="2200"/>
+              <a:t>Minoristas: Venden productos de té chai directamente a los consumidores</a:t>
             </a:r>
           </a:p>
           <a:p>
             <a:pPr lvl="1"/>
             <a:r>
-              <a:rPr lang="es-ES" sz="2200" b="0" i="0" strike="noStrike" cap="none" baseline="0">
-                <a:solidFill>
-                  <a:srgbClr val="404040"/>
-                </a:solidFill>
-                <a:effectLst/>
-                <a:latin typeface="Franklin Gothic Book"/>
-                <a:ea typeface="Franklin Gothic Book"/>
-                <a:cs typeface="Franklin Gothic Book"/>
-              </a:rPr>
+              <a:rPr lang="es-ES" sz="2200"/>
               <a:t>Supermercados, tiendas abiertas las 24 horas, tiendas especializadas, cafeterías y plataformas en línea</a:t>
             </a:r>
           </a:p>
           <a:p>
             <a:pPr lvl="1"/>
             <a:r>
-              <a:rPr lang="es-ES" sz="2200" b="0" i="0" strike="noStrike" cap="none" baseline="0">
-                <a:solidFill>
-                  <a:srgbClr val="404040"/>
-                </a:solidFill>
-                <a:effectLst/>
-                <a:latin typeface="Franklin Gothic Book"/>
-                <a:ea typeface="Franklin Gothic Book"/>
-                <a:cs typeface="Franklin Gothic Book"/>
-              </a:rPr>
+              <a:rPr lang="es-ES" sz="2200"/>
               <a:t>Influyen en la percepción, preferencias y compra por parte del consumidor</a:t>
             </a:r>
           </a:p>
           <a:p>
             <a:pPr lvl="1"/>
             <a:r>
-              <a:rPr lang="es-ES" sz="2200" b="0" i="0" strike="noStrike" cap="none" baseline="0">
-                <a:solidFill>
-                  <a:srgbClr val="404040"/>
-                </a:solidFill>
-                <a:effectLst/>
-                <a:latin typeface="Franklin Gothic Book"/>
-                <a:ea typeface="Franklin Gothic Book"/>
-                <a:cs typeface="Franklin Gothic Book"/>
-              </a:rPr>
+              <a:rPr lang="es-ES" sz="2200"/>
               <a:t>Ofrecen asistencia promocional y de comercialización</a:t>
             </a:r>
           </a:p>
           <a:p>
             <a:pPr lvl="1"/>
             <a:r>
-              <a:rPr lang="es-ES" sz="2200" b="0" i="0" strike="noStrike" cap="none" baseline="0">
-                <a:solidFill>
-                  <a:srgbClr val="404040"/>
-                </a:solidFill>
-                <a:effectLst/>
-                <a:latin typeface="Franklin Gothic Book"/>
-                <a:ea typeface="Franklin Gothic Book"/>
-                <a:cs typeface="Franklin Gothic Book"/>
-              </a:rPr>
+              <a:rPr lang="es-ES" sz="2200"/>
               <a:t>Principales minoristas</a:t>
             </a:r>
           </a:p>
           <a:p>
             <a:r>
-              <a:rPr lang="es-ES" sz="2200" b="0" i="0" strike="noStrike" cap="none" baseline="0">
-                <a:solidFill>
-                  <a:srgbClr val="404040"/>
-                </a:solidFill>
-                <a:effectLst/>
-                <a:latin typeface="Franklin Gothic Book"/>
-                <a:ea typeface="Franklin Gothic Book"/>
-                <a:cs typeface="Franklin Gothic Book"/>
-              </a:rPr>
-              <a:t>Mayoristas: venden productos de té chai al por mayor a minoristas</a:t>
-            </a:r>
-          </a:p>
-          <a:p>
-            <a:r>
-              <a:rPr lang="es-ES" sz="2200" b="0" i="0" strike="noStrike" cap="none" baseline="0">
-                <a:solidFill>
-                  <a:srgbClr val="404040"/>
-                </a:solidFill>
-                <a:effectLst/>
-                <a:latin typeface="Franklin Gothic Book"/>
-                <a:ea typeface="Franklin Gothic Book"/>
-                <a:cs typeface="Franklin Gothic Book"/>
-              </a:rPr>
-              <a:t>Distribuidores: transportan los productos de té chai desde los fabricantes hasta los minoristas</a:t>
-            </a:r>
-          </a:p>
-        </p:txBody>
-      </p:sp>
-      <p:sp>
-        <p:nvSpPr>
-          <p:cNvPr id="11" name="TextBox"/>
-          <p:cNvSpPr txBox="1">
-            <a:spLocks noGrp="1" noSelect="1" noRot="1" noMove="1"/>
-          </p:cNvSpPr>
-          <p:nvPr/>
-        </p:nvSpPr>
-        <p:spPr>
-          <a:xfrm>
-            <a:off x="2890520" y="2644140"/>
-            <a:ext cx="6411372" cy="1569660"/>
-          </a:xfrm>
-          <a:prstGeom prst="rect">
-            <a:avLst/>
-          </a:prstGeom>
-          <a:noFill/>
-        </p:spPr>
-        <p:txBody>
-          <a:bodyPr wrap="none" rtlCol="0" anchor="ctr" anchorCtr="1">
-            <a:spAutoFit/>
-          </a:bodyPr>
-          <a:lstStyle>
-            <a:lvl1pPr algn="l">
-              <a:lnSpc>
-                <a:spcPct val="150000"/>
-              </a:lnSpc>
-              <a:spcBef>
-                <a:spcPct val="0"/>
-              </a:spcBef>
-              <a:spcAft>
-                <a:spcPct val="0"/>
-              </a:spcAft>
-              <a:defRPr lang="en-US" sz="3200" b="1" noProof="1" dirty="0">
-                <a:solidFill>
-                  <a:prstClr val="red">
-                    <a:lumOff val="30000"/>
-                    <a:alpha val="40000"/>
-                  </a:prstClr>
-                </a:solidFill>
-                <a:effectLst>
-                  <a:outerShdw blurRad="50800" dist="38100" algn="tr" rotWithShape="0">
-                    <a:prstClr val="black">
-                      <a:alpha val="80000"/>
-                    </a:prstClr>
-                  </a:outerShdw>
-                </a:effectLst>
-                <a:latin typeface="Calibri" pitchFamily="34" charset="0"/>
-              </a:defRPr>
-            </a:lvl1pPr>
-          </a:lstStyle>
-          <a:p>
-            <a:pPr algn="ctr"/>
-            <a:r>
-              <a:t>Evaluation only.</a:t>
-            </a:r>
-          </a:p>
-          <a:p>
-            <a:pPr algn="ctr"/>
-            <a:r>
-              <a:t>Created with Aspose.Slides for Java 23.6.</a:t>
-            </a:r>
-          </a:p>
-          <a:p>
-            <a:pPr algn="ctr"/>
-            <a:r>
-              <a:t>Copyright 2004-2023 Aspose Pty Ltd.</a:t>
+              <a:rPr lang="es-ES" sz="2200"/>
+              <a:t>Mayoristas: Venden productos de té chai en masa a los minoristas</a:t>
+            </a:r>
+          </a:p>
+          <a:p>
+            <a:r>
+              <a:rPr lang="es-ES" sz="2200"/>
+              <a:t>Distribuidores: Transportan productos de té chai de los fabricantes a los minoristas</a:t>
             </a:r>
           </a:p>
         </p:txBody>
@@ -15912,14 +11971,12 @@
   <p:clrMapOvr>
     <a:masterClrMapping/>
   </p:clrMapOvr>
-  <p:transition/>
-  <p:timing/>
 </p:sld>
 </file>
 
 <file path=ppt/slides/slide9.xml><?xml version="1.0" encoding="utf-8"?>
-<p:sld xmlns:a="http://schemas.openxmlformats.org/drawingml/2006/main" xmlns:r="http://schemas.openxmlformats.org/officeDocument/2006/relationships" xmlns:m="http://schemas.openxmlformats.org/officeDocument/2006/math" xmlns:w="http://schemas.openxmlformats.org/wordprocessingml/2006/main" xmlns:wp="http://schemas.openxmlformats.org/drawingml/2006/wordprocessingDrawing" xmlns:a14="http://schemas.microsoft.com/office/drawing/2010/main" xmlns:mc="http://schemas.openxmlformats.org/markup-compatibility/2006" xmlns:p14="http://schemas.microsoft.com/office/powerpoint/2010/main" xmlns:p15="http://schemas.microsoft.com/office/powerpoint/2012/main" xmlns:p159="http://schemas.microsoft.com/office/powerpoint/2015/09/main" xmlns:p="http://schemas.openxmlformats.org/presentationml/2006/main">
-  <p:cSld name="">
+<p:sld xmlns:a="http://schemas.openxmlformats.org/drawingml/2006/main" xmlns:r="http://schemas.openxmlformats.org/officeDocument/2006/relationships" xmlns:p="http://schemas.openxmlformats.org/presentationml/2006/main">
+  <p:cSld>
     <p:bg>
       <p:bgPr>
         <a:solidFill>
@@ -15938,6 +11995,8 @@
         <a:xfrm>
           <a:off x="0" y="0"/>
           <a:ext cx="0" cy="0"/>
+          <a:chOff x="0" y="0"/>
+          <a:chExt cx="0" cy="0"/>
         </a:xfrm>
       </p:grpSpPr>
       <p:sp useBgFill="1">
@@ -15981,7 +12040,7 @@
               <a:shade val="50000"/>
             </a:schemeClr>
           </a:lnRef>
-          <a:fillRef idx="4294967295">
+          <a:fillRef idx="1001">
             <a:schemeClr val="lt1"/>
           </a:fillRef>
           <a:effectRef idx="0">
@@ -16091,16 +12150,12 @@
           <a:lstStyle/>
           <a:p>
             <a:r>
-              <a:rPr lang="es-ES" sz="4400" b="0" i="0" strike="noStrike" cap="none" baseline="0">
+              <a:rPr lang="es-ES" sz="4400">
                 <a:solidFill>
                   <a:srgbClr val="FFFFFF"/>
                 </a:solidFill>
-                <a:effectLst/>
-                <a:latin typeface="Bookman Old Style"/>
-                <a:ea typeface="Bookman Old Style"/>
-                <a:cs typeface="Bookman Old Style"/>
               </a:rPr>
-              <a:t>Canales de distribución: mayoristas</a:t>
+              <a:t>Canales de distribución: Mayoristas</a:t>
             </a:r>
           </a:p>
         </p:txBody>
@@ -16134,145 +12189,34 @@
           <a:lstStyle/>
           <a:p>
             <a:r>
-              <a:rPr lang="es-ES" sz="2400" b="0" i="0" strike="noStrike" cap="none" baseline="0">
-                <a:solidFill>
-                  <a:srgbClr val="404040"/>
-                </a:solidFill>
-                <a:effectLst/>
-                <a:latin typeface="Franklin Gothic Book"/>
-                <a:ea typeface="Franklin Gothic Book"/>
-                <a:cs typeface="Franklin Gothic Book"/>
-              </a:rPr>
+              <a:rPr lang="es-ES" sz="2400"/>
               <a:t>Los mayoristas compran productos de té chai en masa a los fabricantes o distribuidores</a:t>
             </a:r>
           </a:p>
           <a:p>
             <a:pPr lvl="1"/>
             <a:r>
-              <a:rPr lang="es-ES" sz="2400" b="0" i="0" strike="noStrike" cap="none" baseline="0">
-                <a:solidFill>
-                  <a:srgbClr val="404040"/>
-                </a:solidFill>
-                <a:effectLst/>
-                <a:latin typeface="Franklin Gothic Book"/>
-                <a:ea typeface="Franklin Gothic Book"/>
-                <a:cs typeface="Franklin Gothic Book"/>
-              </a:rPr>
+              <a:rPr lang="es-ES" sz="2400"/>
               <a:t>Venden a los minoristas u otros intermediarios</a:t>
             </a:r>
           </a:p>
           <a:p>
             <a:r>
-              <a:rPr lang="es-ES" sz="2400" b="0" i="0" strike="noStrike" cap="none" baseline="0">
-                <a:solidFill>
-                  <a:srgbClr val="404040"/>
-                </a:solidFill>
-                <a:effectLst/>
-                <a:latin typeface="Franklin Gothic Book"/>
-                <a:ea typeface="Franklin Gothic Book"/>
-                <a:cs typeface="Franklin Gothic Book"/>
-              </a:rPr>
+              <a:rPr lang="es-ES" sz="2400"/>
               <a:t>Los mayoristas vinculan la oferta y la demanda de productos de té chai</a:t>
             </a:r>
           </a:p>
           <a:p>
             <a:pPr lvl="1"/>
             <a:r>
-              <a:rPr lang="es-ES" sz="2400" b="0" i="0" strike="noStrike" cap="none" baseline="0">
-                <a:solidFill>
-                  <a:srgbClr val="404040"/>
-                </a:solidFill>
-                <a:effectLst/>
-                <a:latin typeface="Franklin Gothic Book"/>
-                <a:ea typeface="Franklin Gothic Book"/>
-                <a:cs typeface="Franklin Gothic Book"/>
-              </a:rPr>
+              <a:rPr lang="es-ES" sz="2400"/>
               <a:t>Ofrecen economías de escala, almacenamiento y servicios de transporte</a:t>
             </a:r>
           </a:p>
           <a:p>
             <a:r>
-              <a:rPr lang="es-ES" sz="2400" b="0" i="0" strike="noStrike" cap="none" baseline="0">
-                <a:solidFill>
-                  <a:srgbClr val="404040"/>
-                </a:solidFill>
-                <a:effectLst/>
-                <a:latin typeface="Franklin Gothic Book"/>
-                <a:ea typeface="Franklin Gothic Book"/>
-                <a:cs typeface="Franklin Gothic Book"/>
-              </a:rPr>
+              <a:rPr lang="es-ES" sz="2400"/>
               <a:t>Los mayoristas ofrecen información del mercado, comentarios y mecanismos de crédito</a:t>
-            </a:r>
-          </a:p>
-        </p:txBody>
-      </p:sp>
-      <p:sp>
-        <p:nvSpPr>
-          <p:cNvPr id="11" name="TextBox"/>
-          <p:cNvSpPr txBox="1">
-            <a:spLocks noGrp="1" noSelect="1" noRot="1" noMove="1"/>
-          </p:cNvSpPr>
-          <p:nvPr/>
-        </p:nvSpPr>
-        <p:spPr>
-          <a:xfrm>
-            <a:off x="2890520" y="2644140"/>
-            <a:ext cx="6411372" cy="1569660"/>
-          </a:xfrm>
-          <a:prstGeom prst="rect">
-            <a:avLst/>
-          </a:prstGeom>
-          <a:noFill/>
-        </p:spPr>
-        <p:txBody>
-          <a:bodyPr wrap="none" rtlCol="0" anchor="ctr" anchorCtr="1">
-            <a:spAutoFit/>
-          </a:bodyPr>
-          <a:lstStyle>
-            <a:lvl1pPr algn="l">
-              <a:lnSpc>
-                <a:spcPct val="150000"/>
-              </a:lnSpc>
-              <a:spcBef>
-                <a:spcPct val="0"/>
-              </a:spcBef>
-              <a:spcAft>
-                <a:spcPct val="0"/>
-              </a:spcAft>
-              <a:defRPr lang="en-US" sz="3200" b="1" noProof="1" dirty="0">
-                <a:solidFill>
-                  <a:prstClr val="red">
-                    <a:lumOff val="30000"/>
-                    <a:alpha val="40000"/>
-                  </a:prstClr>
-                </a:solidFill>
-                <a:effectLst>
-                  <a:outerShdw blurRad="50800" dist="38100" algn="tr" rotWithShape="0">
-                    <a:prstClr val="black">
-                      <a:alpha val="80000"/>
-                    </a:prstClr>
-                  </a:outerShdw>
-                </a:effectLst>
-                <a:latin typeface="Calibri" pitchFamily="34" charset="0"/>
-              </a:defRPr>
-            </a:lvl1pPr>
-          </a:lstStyle>
-          <a:p>
-            <a:pPr algn="ctr"/>
-            <a:r>
-              <a:t>Evaluation only.</a:t>
-            </a:r>
-          </a:p>
-          <a:p>
-            <a:pPr algn="ctr"/>
-            <a:r>
-              <a:t>Created with Aspose.Slides for Java 23.6.</a:t>
-            </a:r>
-          </a:p>
-          <a:p>
-            <a:pPr algn="ctr"/>
-            <a:r>
-              <a:t>Copyright 2004-2023 Aspose Pty Ltd.</a:t>
             </a:r>
           </a:p>
         </p:txBody>
@@ -16287,22 +12231,11 @@
   <p:clrMapOvr>
     <a:masterClrMapping/>
   </p:clrMapOvr>
-  <p:transition/>
-  <p:timing/>
 </p:sld>
 </file>
 
-<file path=ppt/tags/tag1.xml><?xml version="1.0" encoding="utf-8"?>
-<p:tagLst xmlns:p="http://schemas.openxmlformats.org/presentationml/2006/main">
-  <p:tag name="AS_OS" val="Microsoft Windows NT 10.0"/>
-  <p:tag name="AS_RELEASE_DATE" val="2023.06.30"/>
-  <p:tag name="AS_TITLE" val="Aspose.Slides for Java"/>
-  <p:tag name="AS_VERSION" val="23.6"/>
-</p:tagLst>
-</file>
-
 <file path=ppt/theme/theme1.xml><?xml version="1.0" encoding="utf-8"?>
-<a:theme xmlns:r="http://schemas.openxmlformats.org/officeDocument/2006/relationships" xmlns:a="http://schemas.openxmlformats.org/drawingml/2006/main" name="RetrospectVTI">
+<a:theme xmlns:a="http://schemas.openxmlformats.org/drawingml/2006/main" name="RetrospectVTI">
   <a:themeElements>
     <a:clrScheme name="Office">
       <a:dk1>
@@ -16344,9 +12277,9 @@
     </a:clrScheme>
     <a:fontScheme name="Retrospect">
       <a:majorFont>
-        <a:latin typeface="Bookman Old Style" panose="020f0302020204030204"/>
-        <a:ea typeface="Bookman Old Style" panose="020f0302020204030204"/>
-        <a:cs typeface="Arial"/>
+        <a:latin typeface="Bookman Old Style" panose="020F0302020204030204"/>
+        <a:ea typeface=""/>
+        <a:cs typeface=""/>
         <a:font script="Jpan" typeface="ＭＳ Ｐゴシック"/>
         <a:font script="Hang" typeface="맑은 고딕"/>
         <a:font script="Hans" typeface="宋体"/>
@@ -16379,9 +12312,9 @@
         <a:font script="Geor" typeface="Sylfaen"/>
       </a:majorFont>
       <a:minorFont>
-        <a:latin typeface="Franklin Gothic Book" panose="020f0502020204030204"/>
-        <a:ea typeface="Franklin Gothic Book" panose="020f0502020204030204"/>
-        <a:cs typeface="Arial"/>
+        <a:latin typeface="Franklin Gothic Book" panose="020F0502020204030204"/>
+        <a:ea typeface=""/>
+        <a:cs typeface=""/>
         <a:font script="Jpan" typeface="ＭＳ Ｐゴシック"/>
         <a:font script="Hang" typeface="맑은 고딕"/>
         <a:font script="Hans" typeface="宋体"/>
@@ -16575,6 +12508,7 @@
     </a:fmtScheme>
   </a:themeElements>
   <a:objectDefaults/>
+  <a:extraClrSchemeLst/>
   <a:extLst>
     <a:ext uri="{05A4C25C-085E-4340-85A3-A5531E510DB2}">
       <thm15:themeFamily xmlns:thm15="http://schemas.microsoft.com/office/thememl/2012/main" name="RetrospectVTI" id="{ABE3C30C-0FC0-4450-828E-52DE70F1BCCB}" vid="{A6E2497D-935A-4CFD-B9FD-6DCB15FA68BF}"/>
@@ -16584,7 +12518,7 @@
 </file>
 
 <file path=ppt/theme/theme2.xml><?xml version="1.0" encoding="utf-8"?>
-<a:theme xmlns:r="http://schemas.openxmlformats.org/officeDocument/2006/relationships" xmlns:a="http://schemas.openxmlformats.org/drawingml/2006/main" name="Office Theme">
+<a:theme xmlns:a="http://schemas.openxmlformats.org/drawingml/2006/main" name="Office Theme">
   <a:themeElements>
     <a:clrScheme name="Office">
       <a:dk1>
@@ -16627,8 +12561,8 @@
     <a:fontScheme name="Office">
       <a:majorFont>
         <a:latin typeface="Aptos Display" panose="02110004020202020204"/>
-        <a:ea typeface="Aptos Display" panose="02110004020202020204"/>
-        <a:cs typeface="Arial"/>
+        <a:ea typeface=""/>
+        <a:cs typeface=""/>
         <a:font script="Jpan" typeface="游ゴシック Light"/>
         <a:font script="Hang" typeface="맑은 고딕"/>
         <a:font script="Hans" typeface="等线 Light"/>
@@ -16679,8 +12613,8 @@
       </a:majorFont>
       <a:minorFont>
         <a:latin typeface="Aptos" panose="02110004020202020204"/>
-        <a:ea typeface="Aptos" panose="02110004020202020204"/>
-        <a:cs typeface="Arial"/>
+        <a:ea typeface=""/>
+        <a:cs typeface=""/>
         <a:font script="Jpan" typeface="游ゴシック"/>
         <a:font script="Hang" typeface="맑은 고딕"/>
         <a:font script="Hans" typeface="等线"/>
@@ -16889,6 +12823,7 @@
       </a:style>
     </a:lnDef>
   </a:objectDefaults>
+  <a:extraClrSchemeLst/>
   <a:extLst>
     <a:ext uri="{05A4C25C-085E-4340-85A3-A5531E510DB2}">
       <thm15:themeFamily xmlns:thm15="http://schemas.microsoft.com/office/thememl/2012/main" name="Office Theme" id="{2E142A2C-CD16-42D6-873A-C26D2A0506FA}" vid="{1BDDFF52-6CD6-40A5-AB3C-68EB2F1E4D0A}"/>
